--- a/Case study.pptx
+++ b/Case study.pptx
@@ -1003,7 +1003,7 @@
   <p:cSld>
     <p:spTree>
       <p:nvGrpSpPr>
-        <p:cNvPr id="112" name="Shape 112"/>
+        <p:cNvPr id="113" name="Shape 113"/>
         <p:cNvGrpSpPr/>
         <p:nvPr/>
       </p:nvGrpSpPr>
@@ -1017,7 +1017,7 @@
       </p:grpSpPr>
       <p:sp>
         <p:nvSpPr>
-          <p:cNvPr id="113" name="Google Shape;113;gc6f9e470d_0_37:notes"/>
+          <p:cNvPr id="114" name="Google Shape;114;gc6f9e470d_0_37:notes"/>
           <p:cNvSpPr/>
           <p:nvPr>
             <p:ph idx="2" type="sldImg"/>
@@ -1052,7 +1052,7 @@
       </p:sp>
       <p:sp>
         <p:nvSpPr>
-          <p:cNvPr id="114" name="Google Shape;114;gc6f9e470d_0_37:notes"/>
+          <p:cNvPr id="115" name="Google Shape;115;gc6f9e470d_0_37:notes"/>
           <p:cNvSpPr txBox="1"/>
           <p:nvPr>
             <p:ph idx="1" type="body"/>
@@ -1201,7 +1201,7 @@
   <p:cSld>
     <p:spTree>
       <p:nvGrpSpPr>
-        <p:cNvPr id="123" name="Shape 123"/>
+        <p:cNvPr id="126" name="Shape 126"/>
         <p:cNvGrpSpPr/>
         <p:nvPr/>
       </p:nvGrpSpPr>
@@ -1215,7 +1215,7 @@
       </p:grpSpPr>
       <p:sp>
         <p:nvSpPr>
-          <p:cNvPr id="124" name="Google Shape;124;gc6f9e470d_0_126:notes"/>
+          <p:cNvPr id="127" name="Google Shape;127;gc6f9e470d_0_126:notes"/>
           <p:cNvSpPr/>
           <p:nvPr>
             <p:ph idx="2" type="sldImg"/>
@@ -1250,7 +1250,7 @@
       </p:sp>
       <p:sp>
         <p:nvSpPr>
-          <p:cNvPr id="125" name="Google Shape;125;gc6f9e470d_0_126:notes"/>
+          <p:cNvPr id="128" name="Google Shape;128;gc6f9e470d_0_126:notes"/>
           <p:cNvSpPr txBox="1"/>
           <p:nvPr>
             <p:ph idx="1" type="body"/>
@@ -1300,7 +1300,7 @@
   <p:cSld>
     <p:spTree>
       <p:nvGrpSpPr>
-        <p:cNvPr id="130" name="Shape 130"/>
+        <p:cNvPr id="134" name="Shape 134"/>
         <p:cNvGrpSpPr/>
         <p:nvPr/>
       </p:nvGrpSpPr>
@@ -1314,7 +1314,7 @@
       </p:grpSpPr>
       <p:sp>
         <p:nvSpPr>
-          <p:cNvPr id="131" name="Google Shape;131;g11554ab8729_0_2:notes"/>
+          <p:cNvPr id="135" name="Google Shape;135;g11554ab8729_0_2:notes"/>
           <p:cNvSpPr/>
           <p:nvPr>
             <p:ph idx="2" type="sldImg"/>
@@ -1349,7 +1349,7 @@
       </p:sp>
       <p:sp>
         <p:nvSpPr>
-          <p:cNvPr id="132" name="Google Shape;132;g11554ab8729_0_2:notes"/>
+          <p:cNvPr id="136" name="Google Shape;136;g11554ab8729_0_2:notes"/>
           <p:cNvSpPr txBox="1"/>
           <p:nvPr>
             <p:ph idx="1" type="body"/>
@@ -8464,7 +8464,10 @@
           </a:bodyPr>
           <a:lstStyle/>
           <a:p>
-            <a:pPr indent="-304800" lvl="0" marL="457200" rtl="0" algn="l">
+            <a:pPr indent="-311150" lvl="0" marL="457200" rtl="0" algn="l">
+              <a:lnSpc>
+                <a:spcPct val="150000"/>
+              </a:lnSpc>
               <a:spcBef>
                 <a:spcPts val="0"/>
               </a:spcBef>
@@ -8474,12 +8477,12 @@
               <a:buClr>
                 <a:srgbClr val="57606A"/>
               </a:buClr>
-              <a:buSzPts val="1200"/>
+              <a:buSzPts val="1300"/>
               <a:buFont typeface="Arial"/>
               <a:buChar char="●"/>
             </a:pPr>
             <a:r>
-              <a:rPr lang="en" sz="1200">
+              <a:rPr lang="en" sz="1300">
                 <a:solidFill>
                   <a:srgbClr val="57606A"/>
                 </a:solidFill>
@@ -8493,7 +8496,7 @@
               </a:rPr>
               <a:t>Which cities in the United States offer best ROI for purchasing rental properties considering home purchase value and rental value?                                                                                                                                       </a:t>
             </a:r>
-            <a:endParaRPr sz="1200">
+            <a:endParaRPr sz="1300">
               <a:solidFill>
                 <a:srgbClr val="57606A"/>
               </a:solidFill>
@@ -8507,7 +8510,7 @@
             </a:endParaRPr>
           </a:p>
           <a:p>
-            <a:pPr indent="-304800" lvl="0" marL="457200" rtl="0" algn="l">
+            <a:pPr indent="-311150" lvl="0" marL="457200" rtl="0" algn="l">
               <a:spcBef>
                 <a:spcPts val="0"/>
               </a:spcBef>
@@ -8517,12 +8520,12 @@
               <a:buClr>
                 <a:srgbClr val="57606A"/>
               </a:buClr>
-              <a:buSzPts val="1200"/>
+              <a:buSzPts val="1300"/>
               <a:buFont typeface="Arial"/>
               <a:buChar char="●"/>
             </a:pPr>
             <a:r>
-              <a:rPr lang="en" sz="1200">
+              <a:rPr lang="en" sz="1300">
                 <a:solidFill>
                   <a:srgbClr val="57606A"/>
                 </a:solidFill>
@@ -8536,7 +8539,7 @@
               </a:rPr>
               <a:t>Historically, how have these cities performed.  </a:t>
             </a:r>
-            <a:endParaRPr sz="1200">
+            <a:endParaRPr sz="1300">
               <a:solidFill>
                 <a:srgbClr val="57606A"/>
               </a:solidFill>
@@ -8550,7 +8553,7 @@
             </a:endParaRPr>
           </a:p>
           <a:p>
-            <a:pPr indent="-304800" lvl="0" marL="457200" rtl="0" algn="l">
+            <a:pPr indent="-311150" lvl="0" marL="457200" rtl="0" algn="l">
               <a:spcBef>
                 <a:spcPts val="1600"/>
               </a:spcBef>
@@ -8560,12 +8563,12 @@
               <a:buClr>
                 <a:srgbClr val="57606A"/>
               </a:buClr>
-              <a:buSzPts val="1200"/>
+              <a:buSzPts val="1300"/>
               <a:buFont typeface="Arial"/>
               <a:buChar char="●"/>
             </a:pPr>
             <a:r>
-              <a:rPr lang="en" sz="1200">
+              <a:rPr lang="en" sz="1300">
                 <a:solidFill>
                   <a:srgbClr val="57606A"/>
                 </a:solidFill>
@@ -8577,9 +8580,9 @@
                 <a:cs typeface="Arial"/>
                 <a:sym typeface="Arial"/>
               </a:rPr>
-              <a:t>Projecting forward ,  which cities offer long term ROI </a:t>
+              <a:t>Projecting forward ,  which cities offer long term ROI .</a:t>
             </a:r>
-            <a:endParaRPr sz="1200">
+            <a:endParaRPr sz="1300">
               <a:solidFill>
                 <a:srgbClr val="57606A"/>
               </a:solidFill>
@@ -8605,7 +8608,33 @@
             <a:r>
               <a:t/>
             </a:r>
-            <a:endParaRPr sz="1600"/>
+            <a:endParaRPr sz="1300">
+              <a:solidFill>
+                <a:srgbClr val="57606A"/>
+              </a:solidFill>
+              <a:highlight>
+                <a:srgbClr val="FFFFFF"/>
+              </a:highlight>
+              <a:latin typeface="Arial"/>
+              <a:ea typeface="Arial"/>
+              <a:cs typeface="Arial"/>
+              <a:sym typeface="Arial"/>
+            </a:endParaRPr>
+          </a:p>
+          <a:p>
+            <a:pPr indent="0" lvl="0" marL="457200" rtl="0" algn="l">
+              <a:spcBef>
+                <a:spcPts val="1600"/>
+              </a:spcBef>
+              <a:spcAft>
+                <a:spcPts val="0"/>
+              </a:spcAft>
+              <a:buNone/>
+            </a:pPr>
+            <a:r>
+              <a:t/>
+            </a:r>
+            <a:endParaRPr sz="1700"/>
           </a:p>
           <a:p>
             <a:pPr indent="0" lvl="0" marL="0" rtl="0" algn="l">
@@ -8659,7 +8688,7 @@
         </p:nvSpPr>
         <p:spPr>
           <a:xfrm>
-            <a:off x="311700" y="410000"/>
+            <a:off x="255550" y="697075"/>
             <a:ext cx="8520600" cy="607800"/>
           </a:xfrm>
           <a:prstGeom prst="rect">
@@ -8683,7 +8712,7 @@
             </a:pPr>
             <a:r>
               <a:rPr lang="en"/>
-              <a:t>Challenges deep-dive</a:t>
+              <a:t>Data Cleanup &amp; Exploration</a:t>
             </a:r>
             <a:endParaRPr/>
           </a:p>
@@ -8993,6 +9022,23 @@
             </a:pPr>
             <a:r>
               <a:rPr lang="en" sz="1600"/>
+              <a:t>Categorical data</a:t>
+            </a:r>
+            <a:endParaRPr sz="1600"/>
+          </a:p>
+          <a:p>
+            <a:pPr indent="-330200" lvl="0" marL="457200" rtl="0" algn="l">
+              <a:spcBef>
+                <a:spcPts val="0"/>
+              </a:spcBef>
+              <a:spcAft>
+                <a:spcPts val="0"/>
+              </a:spcAft>
+              <a:buSzPts val="1600"/>
+              <a:buChar char="●"/>
+            </a:pPr>
+            <a:r>
+              <a:rPr lang="en" sz="1600"/>
               <a:t>Merging and stacking</a:t>
             </a:r>
             <a:endParaRPr sz="1600"/>
@@ -9129,25 +9175,72 @@
             </a:pPr>
             <a:r>
               <a:rPr b="1" lang="en" sz="1600"/>
-              <a:t>Increase conversion</a:t>
+              <a:t>Big Data</a:t>
             </a:r>
             <a:endParaRPr b="1" sz="1600"/>
           </a:p>
           <a:p>
-            <a:pPr indent="0" lvl="0" marL="0" rtl="0" algn="l">
+            <a:pPr indent="-330200" lvl="0" marL="457200" rtl="0" algn="l">
               <a:spcBef>
                 <a:spcPts val="800"/>
               </a:spcBef>
               <a:spcAft>
-                <a:spcPts val="800"/>
-              </a:spcAft>
-              <a:buNone/>
+                <a:spcPts val="0"/>
+              </a:spcAft>
+              <a:buSzPts val="1600"/>
+              <a:buChar char="●"/>
             </a:pPr>
             <a:r>
               <a:rPr lang="en" sz="1600"/>
-              <a:t>Excepteur sint occaecat cupidatat non proident, sunt in culpa qui officia deserunt mollit anim id est laborum.</a:t>
+              <a:t>Narrowing down data.</a:t>
             </a:r>
             <a:endParaRPr sz="1600"/>
+          </a:p>
+        </p:txBody>
+      </p:sp>
+      <p:sp>
+        <p:nvSpPr>
+          <p:cNvPr id="112" name="Google Shape;112;p15"/>
+          <p:cNvSpPr txBox="1"/>
+          <p:nvPr/>
+        </p:nvSpPr>
+        <p:spPr>
+          <a:xfrm>
+            <a:off x="561525" y="1605950"/>
+            <a:ext cx="6468600" cy="400200"/>
+          </a:xfrm>
+          <a:prstGeom prst="rect">
+            <a:avLst/>
+          </a:prstGeom>
+          <a:noFill/>
+          <a:ln>
+            <a:noFill/>
+          </a:ln>
+        </p:spPr>
+        <p:txBody>
+          <a:bodyPr anchorCtr="0" anchor="t" bIns="91425" lIns="91425" spcFirstLastPara="1" rIns="91425" wrap="square" tIns="91425">
+            <a:spAutoFit/>
+          </a:bodyPr>
+          <a:lstStyle/>
+          <a:p>
+            <a:pPr indent="0" lvl="0" marL="0" rtl="0" algn="l">
+              <a:spcBef>
+                <a:spcPts val="0"/>
+              </a:spcBef>
+              <a:spcAft>
+                <a:spcPts val="0"/>
+              </a:spcAft>
+              <a:buNone/>
+            </a:pPr>
+            <a:r>
+              <a:t/>
+            </a:r>
+            <a:endParaRPr>
+              <a:latin typeface="Roboto"/>
+              <a:ea typeface="Roboto"/>
+              <a:cs typeface="Roboto"/>
+              <a:sym typeface="Roboto"/>
+            </a:endParaRPr>
           </a:p>
         </p:txBody>
       </p:sp>
@@ -9164,7 +9257,7 @@
   <p:cSld>
     <p:spTree>
       <p:nvGrpSpPr>
-        <p:cNvPr id="115" name="Shape 115"/>
+        <p:cNvPr id="116" name="Shape 116"/>
         <p:cNvGrpSpPr/>
         <p:nvPr/>
       </p:nvGrpSpPr>
@@ -9178,7 +9271,7 @@
       </p:grpSpPr>
       <p:sp>
         <p:nvSpPr>
-          <p:cNvPr id="116" name="Google Shape;116;p16"/>
+          <p:cNvPr id="117" name="Google Shape;117;p16"/>
           <p:cNvSpPr txBox="1"/>
           <p:nvPr>
             <p:ph type="title"/>
@@ -9218,53 +9311,14 @@
       </p:sp>
       <p:sp>
         <p:nvSpPr>
-          <p:cNvPr id="117" name="Google Shape;117;p16"/>
-          <p:cNvSpPr txBox="1"/>
-          <p:nvPr>
-            <p:ph idx="1" type="subTitle"/>
-          </p:nvPr>
-        </p:nvSpPr>
-        <p:spPr>
-          <a:xfrm>
-            <a:off x="265500" y="2769001"/>
-            <a:ext cx="4045200" cy="1269300"/>
-          </a:xfrm>
-          <a:prstGeom prst="rect">
-            <a:avLst/>
-          </a:prstGeom>
-        </p:spPr>
-        <p:txBody>
-          <a:bodyPr anchorCtr="0" anchor="t" bIns="91425" lIns="91425" spcFirstLastPara="1" rIns="91425" wrap="square" tIns="91425">
-            <a:noAutofit/>
-          </a:bodyPr>
-          <a:lstStyle/>
-          <a:p>
-            <a:pPr indent="0" lvl="0" marL="0" rtl="0" algn="ctr">
-              <a:spcBef>
-                <a:spcPts val="0"/>
-              </a:spcBef>
-              <a:spcAft>
-                <a:spcPts val="0"/>
-              </a:spcAft>
-              <a:buNone/>
-            </a:pPr>
-            <a:r>
-              <a:t/>
-            </a:r>
-            <a:endParaRPr/>
-          </a:p>
-        </p:txBody>
-      </p:sp>
-      <p:sp>
-        <p:nvSpPr>
           <p:cNvPr id="118" name="Google Shape;118;p16"/>
           <p:cNvSpPr txBox="1"/>
           <p:nvPr/>
         </p:nvSpPr>
         <p:spPr>
           <a:xfrm>
-            <a:off x="4918900" y="1201650"/>
-            <a:ext cx="3739800" cy="2339700"/>
+            <a:off x="4952575" y="863250"/>
+            <a:ext cx="3739800" cy="3417000"/>
           </a:xfrm>
           <a:prstGeom prst="rect">
             <a:avLst/>
@@ -9383,6 +9437,52 @@
                 <a:sym typeface="Roboto"/>
               </a:rPr>
               <a:t>Zillow Observed Rent Index (ZORI):measure of the typical observed market rate rent across a given region </a:t>
+            </a:r>
+            <a:endParaRPr>
+              <a:latin typeface="Roboto"/>
+              <a:ea typeface="Roboto"/>
+              <a:cs typeface="Roboto"/>
+              <a:sym typeface="Roboto"/>
+            </a:endParaRPr>
+          </a:p>
+          <a:p>
+            <a:pPr indent="0" lvl="0" marL="0" rtl="0" algn="l">
+              <a:spcBef>
+                <a:spcPts val="0"/>
+              </a:spcBef>
+              <a:spcAft>
+                <a:spcPts val="0"/>
+              </a:spcAft>
+              <a:buNone/>
+            </a:pPr>
+            <a:r>
+              <a:t/>
+            </a:r>
+            <a:endParaRPr>
+              <a:latin typeface="Roboto"/>
+              <a:ea typeface="Roboto"/>
+              <a:cs typeface="Roboto"/>
+              <a:sym typeface="Roboto"/>
+            </a:endParaRPr>
+          </a:p>
+          <a:p>
+            <a:pPr indent="0" lvl="0" marL="0" rtl="0" algn="l">
+              <a:spcBef>
+                <a:spcPts val="0"/>
+              </a:spcBef>
+              <a:spcAft>
+                <a:spcPts val="0"/>
+              </a:spcAft>
+              <a:buNone/>
+            </a:pPr>
+            <a:r>
+              <a:rPr lang="en">
+                <a:latin typeface="Roboto"/>
+                <a:ea typeface="Roboto"/>
+                <a:cs typeface="Roboto"/>
+                <a:sym typeface="Roboto"/>
+              </a:rPr>
+              <a:t>ROI: metric used to measure the performance of an investment property based on the ratio of the annual returns of the property to the total cost of investment.</a:t>
             </a:r>
             <a:endParaRPr>
               <a:latin typeface="Roboto"/>
@@ -9438,6 +9538,162 @@
           <a:chExt cx="0" cy="0"/>
         </a:xfrm>
       </p:grpSpPr>
+      <p:sp>
+        <p:nvSpPr>
+          <p:cNvPr id="123" name="Google Shape;123;p17"/>
+          <p:cNvSpPr txBox="1"/>
+          <p:nvPr/>
+        </p:nvSpPr>
+        <p:spPr>
+          <a:xfrm>
+            <a:off x="550300" y="729975"/>
+            <a:ext cx="7861200" cy="800400"/>
+          </a:xfrm>
+          <a:prstGeom prst="rect">
+            <a:avLst/>
+          </a:prstGeom>
+          <a:noFill/>
+          <a:ln>
+            <a:noFill/>
+          </a:ln>
+        </p:spPr>
+        <p:txBody>
+          <a:bodyPr anchorCtr="0" anchor="t" bIns="91425" lIns="91425" spcFirstLastPara="1" rIns="91425" wrap="square" tIns="91425">
+            <a:spAutoFit/>
+          </a:bodyPr>
+          <a:lstStyle/>
+          <a:p>
+            <a:pPr indent="0" lvl="0" marL="0" rtl="0" algn="l">
+              <a:spcBef>
+                <a:spcPts val="0"/>
+              </a:spcBef>
+              <a:spcAft>
+                <a:spcPts val="0"/>
+              </a:spcAft>
+              <a:buNone/>
+            </a:pPr>
+            <a:r>
+              <a:rPr lang="en" sz="4000">
+                <a:solidFill>
+                  <a:schemeClr val="dk1"/>
+                </a:solidFill>
+                <a:latin typeface="Roboto"/>
+                <a:ea typeface="Roboto"/>
+                <a:cs typeface="Roboto"/>
+                <a:sym typeface="Roboto"/>
+              </a:rPr>
+              <a:t>Discussion</a:t>
+            </a:r>
+            <a:endParaRPr sz="2400">
+              <a:latin typeface="Roboto"/>
+              <a:ea typeface="Roboto"/>
+              <a:cs typeface="Roboto"/>
+              <a:sym typeface="Roboto"/>
+            </a:endParaRPr>
+          </a:p>
+        </p:txBody>
+      </p:sp>
+      <p:sp>
+        <p:nvSpPr>
+          <p:cNvPr id="124" name="Google Shape;124;p17"/>
+          <p:cNvSpPr txBox="1"/>
+          <p:nvPr/>
+        </p:nvSpPr>
+        <p:spPr>
+          <a:xfrm>
+            <a:off x="774900" y="1583475"/>
+            <a:ext cx="134700" cy="400200"/>
+          </a:xfrm>
+          <a:prstGeom prst="rect">
+            <a:avLst/>
+          </a:prstGeom>
+          <a:noFill/>
+          <a:ln>
+            <a:noFill/>
+          </a:ln>
+        </p:spPr>
+        <p:txBody>
+          <a:bodyPr anchorCtr="0" anchor="t" bIns="91425" lIns="91425" spcFirstLastPara="1" rIns="91425" wrap="square" tIns="91425">
+            <a:spAutoFit/>
+          </a:bodyPr>
+          <a:lstStyle/>
+          <a:p>
+            <a:pPr indent="0" lvl="0" marL="0" rtl="0" algn="l">
+              <a:spcBef>
+                <a:spcPts val="0"/>
+              </a:spcBef>
+              <a:spcAft>
+                <a:spcPts val="0"/>
+              </a:spcAft>
+              <a:buNone/>
+            </a:pPr>
+            <a:r>
+              <a:t/>
+            </a:r>
+            <a:endParaRPr>
+              <a:latin typeface="Roboto"/>
+              <a:ea typeface="Roboto"/>
+              <a:cs typeface="Roboto"/>
+              <a:sym typeface="Roboto"/>
+            </a:endParaRPr>
+          </a:p>
+        </p:txBody>
+      </p:sp>
+      <p:sp>
+        <p:nvSpPr>
+          <p:cNvPr id="125" name="Google Shape;125;p17"/>
+          <p:cNvSpPr txBox="1"/>
+          <p:nvPr/>
+        </p:nvSpPr>
+        <p:spPr>
+          <a:xfrm>
+            <a:off x="669450" y="1583475"/>
+            <a:ext cx="7805100" cy="492600"/>
+          </a:xfrm>
+          <a:prstGeom prst="rect">
+            <a:avLst/>
+          </a:prstGeom>
+          <a:noFill/>
+          <a:ln>
+            <a:noFill/>
+          </a:ln>
+        </p:spPr>
+        <p:txBody>
+          <a:bodyPr anchorCtr="0" anchor="t" bIns="91425" lIns="91425" spcFirstLastPara="1" rIns="91425" wrap="square" tIns="91425">
+            <a:spAutoFit/>
+          </a:bodyPr>
+          <a:lstStyle/>
+          <a:p>
+            <a:pPr indent="0" lvl="0" marL="0" rtl="0" algn="l">
+              <a:spcBef>
+                <a:spcPts val="0"/>
+              </a:spcBef>
+              <a:spcAft>
+                <a:spcPts val="0"/>
+              </a:spcAft>
+              <a:buNone/>
+            </a:pPr>
+            <a:r>
+              <a:rPr lang="en" sz="2000">
+                <a:solidFill>
+                  <a:schemeClr val="dk1"/>
+                </a:solidFill>
+                <a:latin typeface="Roboto"/>
+                <a:ea typeface="Roboto"/>
+                <a:cs typeface="Roboto"/>
+                <a:sym typeface="Roboto"/>
+              </a:rPr>
+              <a:t>And the data says….</a:t>
+            </a:r>
+            <a:endParaRPr sz="100">
+              <a:latin typeface="Roboto"/>
+              <a:ea typeface="Roboto"/>
+              <a:cs typeface="Roboto"/>
+              <a:sym typeface="Roboto"/>
+            </a:endParaRPr>
+          </a:p>
+        </p:txBody>
+      </p:sp>
     </p:spTree>
   </p:cSld>
   <p:clrMapOvr>
@@ -9451,7 +9707,7 @@
   <p:cSld>
     <p:spTree>
       <p:nvGrpSpPr>
-        <p:cNvPr id="126" name="Shape 126"/>
+        <p:cNvPr id="129" name="Shape 129"/>
         <p:cNvGrpSpPr/>
         <p:nvPr/>
       </p:nvGrpSpPr>
@@ -9465,7 +9721,7 @@
       </p:grpSpPr>
       <p:sp>
         <p:nvSpPr>
-          <p:cNvPr id="127" name="Google Shape;127;p18"/>
+          <p:cNvPr id="130" name="Google Shape;130;p18"/>
           <p:cNvSpPr txBox="1"/>
           <p:nvPr>
             <p:ph type="title"/>
@@ -9505,7 +9761,7 @@
       </p:sp>
       <p:sp>
         <p:nvSpPr>
-          <p:cNvPr id="128" name="Google Shape;128;p18"/>
+          <p:cNvPr id="131" name="Google Shape;131;p18"/>
           <p:cNvSpPr txBox="1"/>
           <p:nvPr>
             <p:ph idx="1" type="subTitle"/>
@@ -9536,7 +9792,8 @@
               <a:buNone/>
             </a:pPr>
             <a:r>
-              <a:t/>
+              <a:rPr lang="en"/>
+              <a:t>Coulda, Woulda, Shoulda</a:t>
             </a:r>
             <a:endParaRPr/>
           </a:p>
@@ -9544,7 +9801,7 @@
       </p:sp>
       <p:sp>
         <p:nvSpPr>
-          <p:cNvPr id="129" name="Google Shape;129;p18"/>
+          <p:cNvPr id="132" name="Google Shape;132;p18"/>
           <p:cNvSpPr txBox="1"/>
           <p:nvPr/>
         </p:nvSpPr>
@@ -9588,6 +9845,210 @@
           </a:p>
         </p:txBody>
       </p:sp>
+      <p:sp>
+        <p:nvSpPr>
+          <p:cNvPr id="133" name="Google Shape;133;p18"/>
+          <p:cNvSpPr txBox="1"/>
+          <p:nvPr/>
+        </p:nvSpPr>
+        <p:spPr>
+          <a:xfrm>
+            <a:off x="5087325" y="426750"/>
+            <a:ext cx="3616200" cy="3140100"/>
+          </a:xfrm>
+          <a:prstGeom prst="rect">
+            <a:avLst/>
+          </a:prstGeom>
+          <a:noFill/>
+          <a:ln>
+            <a:noFill/>
+          </a:ln>
+        </p:spPr>
+        <p:txBody>
+          <a:bodyPr anchorCtr="0" anchor="t" bIns="91425" lIns="91425" spcFirstLastPara="1" rIns="91425" wrap="square" tIns="91425">
+            <a:spAutoFit/>
+          </a:bodyPr>
+          <a:lstStyle/>
+          <a:p>
+            <a:pPr indent="0" lvl="0" marL="0" rtl="0" algn="l">
+              <a:spcBef>
+                <a:spcPts val="0"/>
+              </a:spcBef>
+              <a:spcAft>
+                <a:spcPts val="0"/>
+              </a:spcAft>
+              <a:buNone/>
+            </a:pPr>
+            <a:r>
+              <a:rPr lang="en" sz="1600">
+                <a:latin typeface="Roboto"/>
+                <a:ea typeface="Roboto"/>
+                <a:cs typeface="Roboto"/>
+                <a:sym typeface="Roboto"/>
+              </a:rPr>
+              <a:t>Additional Follow-ups</a:t>
+            </a:r>
+            <a:endParaRPr sz="1600">
+              <a:latin typeface="Roboto"/>
+              <a:ea typeface="Roboto"/>
+              <a:cs typeface="Roboto"/>
+              <a:sym typeface="Roboto"/>
+            </a:endParaRPr>
+          </a:p>
+          <a:p>
+            <a:pPr indent="0" lvl="0" marL="0" rtl="0" algn="l">
+              <a:spcBef>
+                <a:spcPts val="0"/>
+              </a:spcBef>
+              <a:spcAft>
+                <a:spcPts val="0"/>
+              </a:spcAft>
+              <a:buNone/>
+            </a:pPr>
+            <a:r>
+              <a:t/>
+            </a:r>
+            <a:endParaRPr sz="1600">
+              <a:latin typeface="Roboto"/>
+              <a:ea typeface="Roboto"/>
+              <a:cs typeface="Roboto"/>
+              <a:sym typeface="Roboto"/>
+            </a:endParaRPr>
+          </a:p>
+          <a:p>
+            <a:pPr indent="-330200" lvl="0" marL="457200" rtl="0" algn="l">
+              <a:spcBef>
+                <a:spcPts val="0"/>
+              </a:spcBef>
+              <a:spcAft>
+                <a:spcPts val="0"/>
+              </a:spcAft>
+              <a:buSzPts val="1600"/>
+              <a:buFont typeface="Roboto"/>
+              <a:buChar char="●"/>
+            </a:pPr>
+            <a:r>
+              <a:rPr lang="en" sz="1600">
+                <a:latin typeface="Roboto"/>
+                <a:ea typeface="Roboto"/>
+                <a:cs typeface="Roboto"/>
+                <a:sym typeface="Roboto"/>
+              </a:rPr>
+              <a:t>Inflated ROI -to expand on this project and take it to the next level we could focus on expenses (property taxes , insurance , maintenance)</a:t>
+            </a:r>
+            <a:endParaRPr sz="1600">
+              <a:latin typeface="Roboto"/>
+              <a:ea typeface="Roboto"/>
+              <a:cs typeface="Roboto"/>
+              <a:sym typeface="Roboto"/>
+            </a:endParaRPr>
+          </a:p>
+          <a:p>
+            <a:pPr indent="0" lvl="0" marL="0" rtl="0" algn="l">
+              <a:spcBef>
+                <a:spcPts val="0"/>
+              </a:spcBef>
+              <a:spcAft>
+                <a:spcPts val="0"/>
+              </a:spcAft>
+              <a:buNone/>
+            </a:pPr>
+            <a:r>
+              <a:t/>
+            </a:r>
+            <a:endParaRPr sz="1600">
+              <a:latin typeface="Roboto"/>
+              <a:ea typeface="Roboto"/>
+              <a:cs typeface="Roboto"/>
+              <a:sym typeface="Roboto"/>
+            </a:endParaRPr>
+          </a:p>
+          <a:p>
+            <a:pPr indent="0" lvl="0" marL="0" rtl="0" algn="l">
+              <a:spcBef>
+                <a:spcPts val="0"/>
+              </a:spcBef>
+              <a:spcAft>
+                <a:spcPts val="0"/>
+              </a:spcAft>
+              <a:buNone/>
+            </a:pPr>
+            <a:r>
+              <a:t/>
+            </a:r>
+            <a:endParaRPr sz="1600">
+              <a:latin typeface="Roboto"/>
+              <a:ea typeface="Roboto"/>
+              <a:cs typeface="Roboto"/>
+              <a:sym typeface="Roboto"/>
+            </a:endParaRPr>
+          </a:p>
+          <a:p>
+            <a:pPr indent="-330200" lvl="0" marL="457200" rtl="0" algn="l">
+              <a:spcBef>
+                <a:spcPts val="0"/>
+              </a:spcBef>
+              <a:spcAft>
+                <a:spcPts val="0"/>
+              </a:spcAft>
+              <a:buSzPts val="1600"/>
+              <a:buFont typeface="Roboto"/>
+              <a:buChar char="●"/>
+            </a:pPr>
+            <a:r>
+              <a:rPr lang="en" sz="1600">
+                <a:latin typeface="Roboto"/>
+                <a:ea typeface="Roboto"/>
+                <a:cs typeface="Roboto"/>
+                <a:sym typeface="Roboto"/>
+              </a:rPr>
+              <a:t>Diversify portfolio- </a:t>
+            </a:r>
+            <a:r>
+              <a:rPr lang="en" sz="1600">
+                <a:latin typeface="Roboto"/>
+                <a:ea typeface="Roboto"/>
+                <a:cs typeface="Roboto"/>
+                <a:sym typeface="Roboto"/>
+              </a:rPr>
+              <a:t>Rental</a:t>
+            </a:r>
+            <a:r>
+              <a:rPr lang="en" sz="1600">
+                <a:latin typeface="Roboto"/>
+                <a:ea typeface="Roboto"/>
+                <a:cs typeface="Roboto"/>
+                <a:sym typeface="Roboto"/>
+              </a:rPr>
+              <a:t> property, stocks, </a:t>
+            </a:r>
+            <a:r>
+              <a:rPr lang="en" sz="1600">
+                <a:latin typeface="Roboto"/>
+                <a:ea typeface="Roboto"/>
+                <a:cs typeface="Roboto"/>
+                <a:sym typeface="Roboto"/>
+              </a:rPr>
+              <a:t>crypto</a:t>
+            </a:r>
+            <a:r>
+              <a:rPr lang="en" sz="1600">
+                <a:latin typeface="Roboto"/>
+                <a:ea typeface="Roboto"/>
+                <a:cs typeface="Roboto"/>
+                <a:sym typeface="Roboto"/>
+              </a:rPr>
+              <a:t> -Monte carlo simulation</a:t>
+            </a:r>
+            <a:endParaRPr sz="1600">
+              <a:latin typeface="Roboto"/>
+              <a:ea typeface="Roboto"/>
+              <a:cs typeface="Roboto"/>
+              <a:sym typeface="Roboto"/>
+            </a:endParaRPr>
+          </a:p>
+        </p:txBody>
+      </p:sp>
     </p:spTree>
   </p:cSld>
   <p:clrMapOvr>
@@ -9601,7 +10062,7 @@
   <p:cSld>
     <p:spTree>
       <p:nvGrpSpPr>
-        <p:cNvPr id="133" name="Shape 133"/>
+        <p:cNvPr id="137" name="Shape 137"/>
         <p:cNvGrpSpPr/>
         <p:nvPr/>
       </p:nvGrpSpPr>
@@ -9615,7 +10076,7 @@
       </p:grpSpPr>
       <p:sp>
         <p:nvSpPr>
-          <p:cNvPr id="134" name="Google Shape;134;p19"/>
+          <p:cNvPr id="138" name="Google Shape;138;p19"/>
           <p:cNvSpPr txBox="1"/>
           <p:nvPr>
             <p:ph type="title"/>
@@ -9648,84 +10109,6 @@
             <a:r>
               <a:rPr lang="en"/>
               <a:t>Q&amp;A</a:t>
-            </a:r>
-            <a:endParaRPr/>
-          </a:p>
-        </p:txBody>
-      </p:sp>
-      <p:sp>
-        <p:nvSpPr>
-          <p:cNvPr id="135" name="Google Shape;135;p19"/>
-          <p:cNvSpPr txBox="1"/>
-          <p:nvPr>
-            <p:ph idx="1" type="subTitle"/>
-          </p:nvPr>
-        </p:nvSpPr>
-        <p:spPr>
-          <a:xfrm>
-            <a:off x="485200" y="3378201"/>
-            <a:ext cx="4045200" cy="1269300"/>
-          </a:xfrm>
-          <a:prstGeom prst="rect">
-            <a:avLst/>
-          </a:prstGeom>
-        </p:spPr>
-        <p:txBody>
-          <a:bodyPr anchorCtr="0" anchor="t" bIns="91425" lIns="91425" spcFirstLastPara="1" rIns="91425" wrap="square" tIns="91425">
-            <a:noAutofit/>
-          </a:bodyPr>
-          <a:lstStyle/>
-          <a:p>
-            <a:pPr indent="0" lvl="0" marL="0" rtl="0" algn="l">
-              <a:spcBef>
-                <a:spcPts val="0"/>
-              </a:spcBef>
-              <a:spcAft>
-                <a:spcPts val="0"/>
-              </a:spcAft>
-              <a:buNone/>
-            </a:pPr>
-            <a:r>
-              <a:t/>
-            </a:r>
-            <a:endParaRPr/>
-          </a:p>
-        </p:txBody>
-      </p:sp>
-      <p:sp>
-        <p:nvSpPr>
-          <p:cNvPr id="136" name="Google Shape;136;p19"/>
-          <p:cNvSpPr txBox="1"/>
-          <p:nvPr>
-            <p:ph idx="2" type="body"/>
-          </p:nvPr>
-        </p:nvSpPr>
-        <p:spPr>
-          <a:xfrm>
-            <a:off x="5307000" y="724200"/>
-            <a:ext cx="3837000" cy="3695100"/>
-          </a:xfrm>
-          <a:prstGeom prst="rect">
-            <a:avLst/>
-          </a:prstGeom>
-        </p:spPr>
-        <p:txBody>
-          <a:bodyPr anchorCtr="0" anchor="ctr" bIns="91425" lIns="91425" spcFirstLastPara="1" rIns="91425" wrap="square" tIns="91425">
-            <a:noAutofit/>
-          </a:bodyPr>
-          <a:lstStyle/>
-          <a:p>
-            <a:pPr indent="0" lvl="0" marL="0" rtl="0" algn="l">
-              <a:spcBef>
-                <a:spcPts val="0"/>
-              </a:spcBef>
-              <a:spcAft>
-                <a:spcPts val="1600"/>
-              </a:spcAft>
-              <a:buNone/>
-            </a:pPr>
-            <a:r>
-              <a:t/>
             </a:r>
             <a:endParaRPr/>
           </a:p>

--- a/Case study.pptx
+++ b/Case study.pptx
@@ -1,34 +1,38 @@
 
 <file path=ppt/presentation.xml><?xml version="1.0" encoding="utf-8"?>
-<p:presentation xmlns:a="http://schemas.openxmlformats.org/drawingml/2006/main" xmlns:r="http://schemas.openxmlformats.org/officeDocument/2006/relationships" xmlns:mc="http://schemas.openxmlformats.org/markup-compatibility/2006" xmlns:mv="urn:schemas-microsoft-com:mac:vml" xmlns:p="http://schemas.openxmlformats.org/presentationml/2006/main" xmlns:c="http://schemas.openxmlformats.org/drawingml/2006/chart" xmlns:dgm="http://schemas.openxmlformats.org/drawingml/2006/diagram" xmlns:o="urn:schemas-microsoft-com:office:office" xmlns:v="urn:schemas-microsoft-com:vml" xmlns:pvml="urn:schemas-microsoft-com:office:powerpoint" xmlns:com="http://schemas.openxmlformats.org/drawingml/2006/compatibility" xmlns:p14="http://schemas.microsoft.com/office/powerpoint/2010/main" xmlns:p15="http://schemas.microsoft.com/office/powerpoint/2012/main" xmlns:ahyp="http://schemas.microsoft.com/office/drawing/2018/hyperlinkcolor" autoCompressPictures="0" embedTrueTypeFonts="1" strictFirstAndLastChars="0" saveSubsetFonts="1">
+<p:presentation xmlns:a="http://schemas.openxmlformats.org/drawingml/2006/main" xmlns:r="http://schemas.openxmlformats.org/officeDocument/2006/relationships" xmlns:p="http://schemas.openxmlformats.org/presentationml/2006/main" strictFirstAndLastChars="0" embedTrueTypeFonts="1" saveSubsetFonts="1" autoCompressPictures="0">
   <p:sldMasterIdLst>
-    <p:sldMasterId id="2147483659" r:id="rId4"/>
+    <p:sldMasterId id="2147483659" r:id="rId1"/>
   </p:sldMasterIdLst>
   <p:notesMasterIdLst>
-    <p:notesMasterId r:id="rId5"/>
+    <p:notesMasterId r:id="rId13"/>
   </p:notesMasterIdLst>
   <p:sldIdLst>
-    <p:sldId id="256" r:id="rId6"/>
-    <p:sldId id="257" r:id="rId7"/>
-    <p:sldId id="258" r:id="rId8"/>
-    <p:sldId id="259" r:id="rId9"/>
-    <p:sldId id="260" r:id="rId10"/>
+    <p:sldId id="256" r:id="rId2"/>
+    <p:sldId id="257" r:id="rId3"/>
+    <p:sldId id="258" r:id="rId4"/>
+    <p:sldId id="259" r:id="rId5"/>
+    <p:sldId id="260" r:id="rId6"/>
+    <p:sldId id="263" r:id="rId7"/>
+    <p:sldId id="264" r:id="rId8"/>
+    <p:sldId id="265" r:id="rId9"/>
+    <p:sldId id="266" r:id="rId10"/>
     <p:sldId id="261" r:id="rId11"/>
     <p:sldId id="262" r:id="rId12"/>
   </p:sldIdLst>
-  <p:sldSz cy="5143500" cx="9144000"/>
+  <p:sldSz cx="9144000" cy="5143500" type="screen16x9"/>
   <p:notesSz cx="6858000" cy="9144000"/>
   <p:embeddedFontLst>
     <p:embeddedFont>
-      <p:font typeface="Roboto"/>
-      <p:regular r:id="rId13"/>
-      <p:bold r:id="rId14"/>
-      <p:italic r:id="rId15"/>
-      <p:boldItalic r:id="rId16"/>
+      <p:font typeface="Roboto" panose="02000000000000000000" pitchFamily="2" charset="0"/>
+      <p:regular r:id="rId14"/>
+      <p:bold r:id="rId15"/>
+      <p:italic r:id="rId16"/>
+      <p:boldItalic r:id="rId17"/>
     </p:embeddedFont>
   </p:embeddedFontLst>
   <p:defaultTextStyle>
-    <a:defPPr lvl="0" marR="0" rtl="0" algn="l">
+    <a:defPPr marR="0" lvl="0" algn="l" rtl="0">
       <a:lnSpc>
         <a:spcPct val="100000"/>
       </a:lnSpc>
@@ -39,7 +43,7 @@
         <a:spcPts val="0"/>
       </a:spcAft>
     </a:defPPr>
-    <a:lvl1pPr lvl="0" marR="0" rtl="0" algn="l">
+    <a:lvl1pPr marR="0" lvl="0" algn="l" rtl="0">
       <a:lnSpc>
         <a:spcPct val="100000"/>
       </a:lnSpc>
@@ -53,7 +57,7 @@
         <a:srgbClr val="000000"/>
       </a:buClr>
       <a:buFont typeface="Arial"/>
-      <a:defRPr b="0" i="0" sz="1400" u="none" cap="none" strike="noStrike">
+      <a:defRPr sz="1400" b="0" i="0" u="none" strike="noStrike" cap="none">
         <a:solidFill>
           <a:srgbClr val="000000"/>
         </a:solidFill>
@@ -63,7 +67,7 @@
         <a:sym typeface="Arial"/>
       </a:defRPr>
     </a:lvl1pPr>
-    <a:lvl2pPr lvl="1" marR="0" rtl="0" algn="l">
+    <a:lvl2pPr marR="0" lvl="1" algn="l" rtl="0">
       <a:lnSpc>
         <a:spcPct val="100000"/>
       </a:lnSpc>
@@ -77,7 +81,7 @@
         <a:srgbClr val="000000"/>
       </a:buClr>
       <a:buFont typeface="Arial"/>
-      <a:defRPr b="0" i="0" sz="1400" u="none" cap="none" strike="noStrike">
+      <a:defRPr sz="1400" b="0" i="0" u="none" strike="noStrike" cap="none">
         <a:solidFill>
           <a:srgbClr val="000000"/>
         </a:solidFill>
@@ -87,7 +91,7 @@
         <a:sym typeface="Arial"/>
       </a:defRPr>
     </a:lvl2pPr>
-    <a:lvl3pPr lvl="2" marR="0" rtl="0" algn="l">
+    <a:lvl3pPr marR="0" lvl="2" algn="l" rtl="0">
       <a:lnSpc>
         <a:spcPct val="100000"/>
       </a:lnSpc>
@@ -101,7 +105,7 @@
         <a:srgbClr val="000000"/>
       </a:buClr>
       <a:buFont typeface="Arial"/>
-      <a:defRPr b="0" i="0" sz="1400" u="none" cap="none" strike="noStrike">
+      <a:defRPr sz="1400" b="0" i="0" u="none" strike="noStrike" cap="none">
         <a:solidFill>
           <a:srgbClr val="000000"/>
         </a:solidFill>
@@ -111,7 +115,7 @@
         <a:sym typeface="Arial"/>
       </a:defRPr>
     </a:lvl3pPr>
-    <a:lvl4pPr lvl="3" marR="0" rtl="0" algn="l">
+    <a:lvl4pPr marR="0" lvl="3" algn="l" rtl="0">
       <a:lnSpc>
         <a:spcPct val="100000"/>
       </a:lnSpc>
@@ -125,7 +129,7 @@
         <a:srgbClr val="000000"/>
       </a:buClr>
       <a:buFont typeface="Arial"/>
-      <a:defRPr b="0" i="0" sz="1400" u="none" cap="none" strike="noStrike">
+      <a:defRPr sz="1400" b="0" i="0" u="none" strike="noStrike" cap="none">
         <a:solidFill>
           <a:srgbClr val="000000"/>
         </a:solidFill>
@@ -135,7 +139,7 @@
         <a:sym typeface="Arial"/>
       </a:defRPr>
     </a:lvl4pPr>
-    <a:lvl5pPr lvl="4" marR="0" rtl="0" algn="l">
+    <a:lvl5pPr marR="0" lvl="4" algn="l" rtl="0">
       <a:lnSpc>
         <a:spcPct val="100000"/>
       </a:lnSpc>
@@ -149,7 +153,7 @@
         <a:srgbClr val="000000"/>
       </a:buClr>
       <a:buFont typeface="Arial"/>
-      <a:defRPr b="0" i="0" sz="1400" u="none" cap="none" strike="noStrike">
+      <a:defRPr sz="1400" b="0" i="0" u="none" strike="noStrike" cap="none">
         <a:solidFill>
           <a:srgbClr val="000000"/>
         </a:solidFill>
@@ -159,7 +163,7 @@
         <a:sym typeface="Arial"/>
       </a:defRPr>
     </a:lvl5pPr>
-    <a:lvl6pPr lvl="5" marR="0" rtl="0" algn="l">
+    <a:lvl6pPr marR="0" lvl="5" algn="l" rtl="0">
       <a:lnSpc>
         <a:spcPct val="100000"/>
       </a:lnSpc>
@@ -173,7 +177,7 @@
         <a:srgbClr val="000000"/>
       </a:buClr>
       <a:buFont typeface="Arial"/>
-      <a:defRPr b="0" i="0" sz="1400" u="none" cap="none" strike="noStrike">
+      <a:defRPr sz="1400" b="0" i="0" u="none" strike="noStrike" cap="none">
         <a:solidFill>
           <a:srgbClr val="000000"/>
         </a:solidFill>
@@ -183,7 +187,7 @@
         <a:sym typeface="Arial"/>
       </a:defRPr>
     </a:lvl6pPr>
-    <a:lvl7pPr lvl="6" marR="0" rtl="0" algn="l">
+    <a:lvl7pPr marR="0" lvl="6" algn="l" rtl="0">
       <a:lnSpc>
         <a:spcPct val="100000"/>
       </a:lnSpc>
@@ -197,7 +201,7 @@
         <a:srgbClr val="000000"/>
       </a:buClr>
       <a:buFont typeface="Arial"/>
-      <a:defRPr b="0" i="0" sz="1400" u="none" cap="none" strike="noStrike">
+      <a:defRPr sz="1400" b="0" i="0" u="none" strike="noStrike" cap="none">
         <a:solidFill>
           <a:srgbClr val="000000"/>
         </a:solidFill>
@@ -207,7 +211,7 @@
         <a:sym typeface="Arial"/>
       </a:defRPr>
     </a:lvl7pPr>
-    <a:lvl8pPr lvl="7" marR="0" rtl="0" algn="l">
+    <a:lvl8pPr marR="0" lvl="7" algn="l" rtl="0">
       <a:lnSpc>
         <a:spcPct val="100000"/>
       </a:lnSpc>
@@ -221,7 +225,7 @@
         <a:srgbClr val="000000"/>
       </a:buClr>
       <a:buFont typeface="Arial"/>
-      <a:defRPr b="0" i="0" sz="1400" u="none" cap="none" strike="noStrike">
+      <a:defRPr sz="1400" b="0" i="0" u="none" strike="noStrike" cap="none">
         <a:solidFill>
           <a:srgbClr val="000000"/>
         </a:solidFill>
@@ -231,7 +235,7 @@
         <a:sym typeface="Arial"/>
       </a:defRPr>
     </a:lvl8pPr>
-    <a:lvl9pPr lvl="8" marR="0" rtl="0" algn="l">
+    <a:lvl9pPr marR="0" lvl="8" algn="l" rtl="0">
       <a:lnSpc>
         <a:spcPct val="100000"/>
       </a:lnSpc>
@@ -245,7 +249,7 @@
         <a:srgbClr val="000000"/>
       </a:buClr>
       <a:buFont typeface="Arial"/>
-      <a:defRPr b="0" i="0" sz="1400" u="none" cap="none" strike="noStrike">
+      <a:defRPr sz="1400" b="0" i="0" u="none" strike="noStrike" cap="none">
         <a:solidFill>
           <a:srgbClr val="000000"/>
         </a:solidFill>
@@ -258,7 +262,7 @@
   </p:defaultTextStyle>
   <p:extLst>
     <p:ext uri="{EFAFB233-063F-42B5-8137-9DF3F51BA10A}">
-      <p15:sldGuideLst>
+      <p15:sldGuideLst xmlns:p15="http://schemas.microsoft.com/office/powerpoint/2012/main">
         <p15:guide id="1" orient="horz" pos="1620">
           <p15:clr>
             <a:srgbClr val="A4A3A4"/>
@@ -276,11 +280,16 @@
 </file>
 
 <file path=ppt/notesMasters/notesMaster1.xml><?xml version="1.0" encoding="utf-8"?>
-<p:notesMaster xmlns:a="http://schemas.openxmlformats.org/drawingml/2006/main" xmlns:r="http://schemas.openxmlformats.org/officeDocument/2006/relationships" xmlns:mc="http://schemas.openxmlformats.org/markup-compatibility/2006" xmlns:mv="urn:schemas-microsoft-com:mac:vml" xmlns:p="http://schemas.openxmlformats.org/presentationml/2006/main" xmlns:c="http://schemas.openxmlformats.org/drawingml/2006/chart" xmlns:dgm="http://schemas.openxmlformats.org/drawingml/2006/diagram" xmlns:o="urn:schemas-microsoft-com:office:office" xmlns:v="urn:schemas-microsoft-com:vml" xmlns:pvml="urn:schemas-microsoft-com:office:powerpoint" xmlns:com="http://schemas.openxmlformats.org/drawingml/2006/compatibility" xmlns:p14="http://schemas.microsoft.com/office/powerpoint/2010/main" xmlns:p15="http://schemas.microsoft.com/office/powerpoint/2012/main" xmlns:ahyp="http://schemas.microsoft.com/office/drawing/2018/hyperlinkcolor">
+<p:notesMaster xmlns:a="http://schemas.openxmlformats.org/drawingml/2006/main" xmlns:r="http://schemas.openxmlformats.org/officeDocument/2006/relationships" xmlns:p="http://schemas.openxmlformats.org/presentationml/2006/main">
   <p:cSld>
+    <p:bg>
+      <p:bgRef idx="1001">
+        <a:schemeClr val="bg1"/>
+      </p:bgRef>
+    </p:bg>
     <p:spTree>
       <p:nvGrpSpPr>
-        <p:cNvPr id="2" name="Shape 2"/>
+        <p:cNvPr id="1" name="Shape 2"/>
         <p:cNvGrpSpPr/>
         <p:nvPr/>
       </p:nvGrpSpPr>
@@ -295,9 +304,11 @@
       <p:sp>
         <p:nvSpPr>
           <p:cNvPr id="3" name="Google Shape;3;n"/>
-          <p:cNvSpPr/>
+          <p:cNvSpPr>
+            <a:spLocks noGrp="1" noRot="1" noChangeAspect="1"/>
+          </p:cNvSpPr>
           <p:nvPr>
-            <p:ph idx="2" type="sldImg"/>
+            <p:ph type="sldImg" idx="2"/>
           </p:nvPr>
         </p:nvSpPr>
         <p:spPr>
@@ -306,9 +317,13 @@
             <a:ext cx="6096075" cy="3429000"/>
           </a:xfrm>
           <a:custGeom>
-            <a:rect b="b" l="l" r="r" t="t"/>
+            <a:avLst/>
+            <a:gdLst/>
+            <a:ahLst/>
+            <a:cxnLst/>
+            <a:rect l="l" t="t" r="r" b="b"/>
             <a:pathLst>
-              <a:path extrusionOk="0" h="120000" w="120000">
+              <a:path w="120000" h="120000" extrusionOk="0">
                 <a:moveTo>
                   <a:pt x="0" y="0"/>
                 </a:moveTo>
@@ -326,23 +341,25 @@
             </a:pathLst>
           </a:custGeom>
           <a:noFill/>
-          <a:ln cap="flat" cmpd="sng" w="9525">
+          <a:ln w="9525" cap="flat" cmpd="sng">
             <a:solidFill>
               <a:srgbClr val="000000"/>
             </a:solidFill>
             <a:prstDash val="solid"/>
             <a:round/>
-            <a:headEnd len="sm" w="sm" type="none"/>
-            <a:tailEnd len="sm" w="sm" type="none"/>
+            <a:headEnd type="none" w="sm" len="sm"/>
+            <a:tailEnd type="none" w="sm" len="sm"/>
           </a:ln>
         </p:spPr>
       </p:sp>
       <p:sp>
         <p:nvSpPr>
           <p:cNvPr id="4" name="Google Shape;4;n"/>
-          <p:cNvSpPr txBox="1"/>
+          <p:cNvSpPr txBox="1">
+            <a:spLocks noGrp="1"/>
+          </p:cNvSpPr>
           <p:nvPr>
-            <p:ph idx="1" type="body"/>
+            <p:ph type="body" idx="1"/>
           </p:nvPr>
         </p:nvSpPr>
         <p:spPr>
@@ -359,11 +376,11 @@
           </a:ln>
         </p:spPr>
         <p:txBody>
-          <a:bodyPr anchorCtr="0" anchor="t" bIns="91425" lIns="91425" spcFirstLastPara="1" rIns="91425" wrap="square" tIns="91425">
+          <a:bodyPr spcFirstLastPara="1" wrap="square" lIns="91425" tIns="91425" rIns="91425" bIns="91425" anchor="t" anchorCtr="0">
             <a:noAutofit/>
           </a:bodyPr>
           <a:lstStyle>
-            <a:lvl1pPr indent="-317500" lvl="0" marL="457200">
+            <a:lvl1pPr marL="457200" lvl="0" indent="-317500">
               <a:spcBef>
                 <a:spcPts val="0"/>
               </a:spcBef>
@@ -374,7 +391,7 @@
               <a:buChar char="●"/>
               <a:defRPr sz="1100"/>
             </a:lvl1pPr>
-            <a:lvl2pPr indent="-317500" lvl="1" marL="914400">
+            <a:lvl2pPr marL="914400" lvl="1" indent="-317500">
               <a:spcBef>
                 <a:spcPts val="0"/>
               </a:spcBef>
@@ -385,7 +402,7 @@
               <a:buChar char="○"/>
               <a:defRPr sz="1100"/>
             </a:lvl2pPr>
-            <a:lvl3pPr indent="-317500" lvl="2" marL="1371600">
+            <a:lvl3pPr marL="1371600" lvl="2" indent="-317500">
               <a:spcBef>
                 <a:spcPts val="0"/>
               </a:spcBef>
@@ -396,7 +413,7 @@
               <a:buChar char="■"/>
               <a:defRPr sz="1100"/>
             </a:lvl3pPr>
-            <a:lvl4pPr indent="-317500" lvl="3" marL="1828800">
+            <a:lvl4pPr marL="1828800" lvl="3" indent="-317500">
               <a:spcBef>
                 <a:spcPts val="0"/>
               </a:spcBef>
@@ -407,7 +424,7 @@
               <a:buChar char="●"/>
               <a:defRPr sz="1100"/>
             </a:lvl4pPr>
-            <a:lvl5pPr indent="-317500" lvl="4" marL="2286000">
+            <a:lvl5pPr marL="2286000" lvl="4" indent="-317500">
               <a:spcBef>
                 <a:spcPts val="0"/>
               </a:spcBef>
@@ -418,7 +435,7 @@
               <a:buChar char="○"/>
               <a:defRPr sz="1100"/>
             </a:lvl5pPr>
-            <a:lvl6pPr indent="-317500" lvl="5" marL="2743200">
+            <a:lvl6pPr marL="2743200" lvl="5" indent="-317500">
               <a:spcBef>
                 <a:spcPts val="0"/>
               </a:spcBef>
@@ -429,7 +446,7 @@
               <a:buChar char="■"/>
               <a:defRPr sz="1100"/>
             </a:lvl6pPr>
-            <a:lvl7pPr indent="-317500" lvl="6" marL="3200400">
+            <a:lvl7pPr marL="3200400" lvl="6" indent="-317500">
               <a:spcBef>
                 <a:spcPts val="0"/>
               </a:spcBef>
@@ -440,7 +457,7 @@
               <a:buChar char="●"/>
               <a:defRPr sz="1100"/>
             </a:lvl7pPr>
-            <a:lvl8pPr indent="-317500" lvl="7" marL="3657600">
+            <a:lvl8pPr marL="3657600" lvl="7" indent="-317500">
               <a:spcBef>
                 <a:spcPts val="0"/>
               </a:spcBef>
@@ -451,7 +468,7 @@
               <a:buChar char="○"/>
               <a:defRPr sz="1100"/>
             </a:lvl8pPr>
-            <a:lvl9pPr indent="-317500" lvl="8" marL="4114800">
+            <a:lvl9pPr marL="4114800" lvl="8" indent="-317500">
               <a:spcBef>
                 <a:spcPts val="0"/>
               </a:spcBef>
@@ -463,14 +480,16 @@
               <a:defRPr sz="1100"/>
             </a:lvl9pPr>
           </a:lstStyle>
-          <a:p/>
+          <a:p>
+            <a:endParaRPr/>
+          </a:p>
         </p:txBody>
       </p:sp>
     </p:spTree>
   </p:cSld>
-  <p:clrMap accent1="accent1" accent2="accent2" accent3="accent3" accent4="accent4" accent5="accent5" accent6="accent6" bg1="lt1" bg2="dk2" tx1="dk1" tx2="lt2" folHlink="folHlink" hlink="hlink"/>
+  <p:clrMap bg1="lt1" tx1="dk1" bg2="dk2" tx2="lt2" accent1="accent1" accent2="accent2" accent3="accent3" accent4="accent4" accent5="accent5" accent6="accent6" hlink="hlink" folHlink="folHlink"/>
   <p:notesStyle>
-    <a:defPPr lvl="0" marR="0" rtl="0" algn="l">
+    <a:defPPr marR="0" lvl="0" algn="l" rtl="0">
       <a:lnSpc>
         <a:spcPct val="100000"/>
       </a:lnSpc>
@@ -481,7 +500,7 @@
         <a:spcPts val="0"/>
       </a:spcAft>
     </a:defPPr>
-    <a:lvl1pPr lvl="0" marR="0" rtl="0" algn="l">
+    <a:lvl1pPr marR="0" lvl="0" algn="l" rtl="0">
       <a:lnSpc>
         <a:spcPct val="100000"/>
       </a:lnSpc>
@@ -495,7 +514,7 @@
         <a:srgbClr val="000000"/>
       </a:buClr>
       <a:buFont typeface="Arial"/>
-      <a:defRPr b="0" i="0" sz="1400" u="none" cap="none" strike="noStrike">
+      <a:defRPr sz="1400" b="0" i="0" u="none" strike="noStrike" cap="none">
         <a:solidFill>
           <a:srgbClr val="000000"/>
         </a:solidFill>
@@ -505,7 +524,7 @@
         <a:sym typeface="Arial"/>
       </a:defRPr>
     </a:lvl1pPr>
-    <a:lvl2pPr lvl="1" marR="0" rtl="0" algn="l">
+    <a:lvl2pPr marR="0" lvl="1" algn="l" rtl="0">
       <a:lnSpc>
         <a:spcPct val="100000"/>
       </a:lnSpc>
@@ -519,7 +538,7 @@
         <a:srgbClr val="000000"/>
       </a:buClr>
       <a:buFont typeface="Arial"/>
-      <a:defRPr b="0" i="0" sz="1400" u="none" cap="none" strike="noStrike">
+      <a:defRPr sz="1400" b="0" i="0" u="none" strike="noStrike" cap="none">
         <a:solidFill>
           <a:srgbClr val="000000"/>
         </a:solidFill>
@@ -529,7 +548,7 @@
         <a:sym typeface="Arial"/>
       </a:defRPr>
     </a:lvl2pPr>
-    <a:lvl3pPr lvl="2" marR="0" rtl="0" algn="l">
+    <a:lvl3pPr marR="0" lvl="2" algn="l" rtl="0">
       <a:lnSpc>
         <a:spcPct val="100000"/>
       </a:lnSpc>
@@ -543,7 +562,7 @@
         <a:srgbClr val="000000"/>
       </a:buClr>
       <a:buFont typeface="Arial"/>
-      <a:defRPr b="0" i="0" sz="1400" u="none" cap="none" strike="noStrike">
+      <a:defRPr sz="1400" b="0" i="0" u="none" strike="noStrike" cap="none">
         <a:solidFill>
           <a:srgbClr val="000000"/>
         </a:solidFill>
@@ -553,7 +572,7 @@
         <a:sym typeface="Arial"/>
       </a:defRPr>
     </a:lvl3pPr>
-    <a:lvl4pPr lvl="3" marR="0" rtl="0" algn="l">
+    <a:lvl4pPr marR="0" lvl="3" algn="l" rtl="0">
       <a:lnSpc>
         <a:spcPct val="100000"/>
       </a:lnSpc>
@@ -567,7 +586,7 @@
         <a:srgbClr val="000000"/>
       </a:buClr>
       <a:buFont typeface="Arial"/>
-      <a:defRPr b="0" i="0" sz="1400" u="none" cap="none" strike="noStrike">
+      <a:defRPr sz="1400" b="0" i="0" u="none" strike="noStrike" cap="none">
         <a:solidFill>
           <a:srgbClr val="000000"/>
         </a:solidFill>
@@ -577,7 +596,7 @@
         <a:sym typeface="Arial"/>
       </a:defRPr>
     </a:lvl4pPr>
-    <a:lvl5pPr lvl="4" marR="0" rtl="0" algn="l">
+    <a:lvl5pPr marR="0" lvl="4" algn="l" rtl="0">
       <a:lnSpc>
         <a:spcPct val="100000"/>
       </a:lnSpc>
@@ -591,7 +610,7 @@
         <a:srgbClr val="000000"/>
       </a:buClr>
       <a:buFont typeface="Arial"/>
-      <a:defRPr b="0" i="0" sz="1400" u="none" cap="none" strike="noStrike">
+      <a:defRPr sz="1400" b="0" i="0" u="none" strike="noStrike" cap="none">
         <a:solidFill>
           <a:srgbClr val="000000"/>
         </a:solidFill>
@@ -601,7 +620,7 @@
         <a:sym typeface="Arial"/>
       </a:defRPr>
     </a:lvl5pPr>
-    <a:lvl6pPr lvl="5" marR="0" rtl="0" algn="l">
+    <a:lvl6pPr marR="0" lvl="5" algn="l" rtl="0">
       <a:lnSpc>
         <a:spcPct val="100000"/>
       </a:lnSpc>
@@ -615,7 +634,7 @@
         <a:srgbClr val="000000"/>
       </a:buClr>
       <a:buFont typeface="Arial"/>
-      <a:defRPr b="0" i="0" sz="1400" u="none" cap="none" strike="noStrike">
+      <a:defRPr sz="1400" b="0" i="0" u="none" strike="noStrike" cap="none">
         <a:solidFill>
           <a:srgbClr val="000000"/>
         </a:solidFill>
@@ -625,7 +644,7 @@
         <a:sym typeface="Arial"/>
       </a:defRPr>
     </a:lvl6pPr>
-    <a:lvl7pPr lvl="6" marR="0" rtl="0" algn="l">
+    <a:lvl7pPr marR="0" lvl="6" algn="l" rtl="0">
       <a:lnSpc>
         <a:spcPct val="100000"/>
       </a:lnSpc>
@@ -639,7 +658,7 @@
         <a:srgbClr val="000000"/>
       </a:buClr>
       <a:buFont typeface="Arial"/>
-      <a:defRPr b="0" i="0" sz="1400" u="none" cap="none" strike="noStrike">
+      <a:defRPr sz="1400" b="0" i="0" u="none" strike="noStrike" cap="none">
         <a:solidFill>
           <a:srgbClr val="000000"/>
         </a:solidFill>
@@ -649,7 +668,7 @@
         <a:sym typeface="Arial"/>
       </a:defRPr>
     </a:lvl7pPr>
-    <a:lvl8pPr lvl="7" marR="0" rtl="0" algn="l">
+    <a:lvl8pPr marR="0" lvl="7" algn="l" rtl="0">
       <a:lnSpc>
         <a:spcPct val="100000"/>
       </a:lnSpc>
@@ -663,7 +682,7 @@
         <a:srgbClr val="000000"/>
       </a:buClr>
       <a:buFont typeface="Arial"/>
-      <a:defRPr b="0" i="0" sz="1400" u="none" cap="none" strike="noStrike">
+      <a:defRPr sz="1400" b="0" i="0" u="none" strike="noStrike" cap="none">
         <a:solidFill>
           <a:srgbClr val="000000"/>
         </a:solidFill>
@@ -673,7 +692,7 @@
         <a:sym typeface="Arial"/>
       </a:defRPr>
     </a:lvl8pPr>
-    <a:lvl9pPr lvl="8" marR="0" rtl="0" algn="l">
+    <a:lvl9pPr marR="0" lvl="8" algn="l" rtl="0">
       <a:lnSpc>
         <a:spcPct val="100000"/>
       </a:lnSpc>
@@ -687,7 +706,7 @@
         <a:srgbClr val="000000"/>
       </a:buClr>
       <a:buFont typeface="Arial"/>
-      <a:defRPr b="0" i="0" sz="1400" u="none" cap="none" strike="noStrike">
+      <a:defRPr sz="1400" b="0" i="0" u="none" strike="noStrike" cap="none">
         <a:solidFill>
           <a:srgbClr val="000000"/>
         </a:solidFill>
@@ -702,11 +721,11 @@
 </file>
 
 <file path=ppt/notesSlides/notesSlide1.xml><?xml version="1.0" encoding="utf-8"?>
-<p:notes xmlns:a="http://schemas.openxmlformats.org/drawingml/2006/main" xmlns:r="http://schemas.openxmlformats.org/officeDocument/2006/relationships" xmlns:mc="http://schemas.openxmlformats.org/markup-compatibility/2006" xmlns:mv="urn:schemas-microsoft-com:mac:vml" xmlns:p="http://schemas.openxmlformats.org/presentationml/2006/main" xmlns:c="http://schemas.openxmlformats.org/drawingml/2006/chart" xmlns:dgm="http://schemas.openxmlformats.org/drawingml/2006/diagram" xmlns:o="urn:schemas-microsoft-com:office:office" xmlns:v="urn:schemas-microsoft-com:vml" xmlns:pvml="urn:schemas-microsoft-com:office:powerpoint" xmlns:com="http://schemas.openxmlformats.org/drawingml/2006/compatibility" xmlns:p14="http://schemas.microsoft.com/office/powerpoint/2010/main" xmlns:p15="http://schemas.microsoft.com/office/powerpoint/2012/main" xmlns:ahyp="http://schemas.microsoft.com/office/drawing/2018/hyperlinkcolor" showMasterPhAnim="0" showMasterSp="0">
+<p:notes xmlns:a="http://schemas.openxmlformats.org/drawingml/2006/main" xmlns:r="http://schemas.openxmlformats.org/officeDocument/2006/relationships" xmlns:p="http://schemas.openxmlformats.org/presentationml/2006/main" showMasterSp="0" showMasterPhAnim="0">
   <p:cSld>
     <p:spTree>
       <p:nvGrpSpPr>
-        <p:cNvPr id="81" name="Shape 81"/>
+        <p:cNvPr id="1" name="Shape 81"/>
         <p:cNvGrpSpPr/>
         <p:nvPr/>
       </p:nvGrpSpPr>
@@ -721,9 +740,11 @@
       <p:sp>
         <p:nvSpPr>
           <p:cNvPr id="82" name="Google Shape;82;gc6f9e470d_0_0:notes"/>
-          <p:cNvSpPr/>
+          <p:cNvSpPr>
+            <a:spLocks noGrp="1" noRot="1" noChangeAspect="1"/>
+          </p:cNvSpPr>
           <p:nvPr>
-            <p:ph idx="2" type="sldImg"/>
+            <p:ph type="sldImg" idx="2"/>
           </p:nvPr>
         </p:nvSpPr>
         <p:spPr>
@@ -732,9 +753,13 @@
             <a:ext cx="6096300" cy="3429000"/>
           </a:xfrm>
           <a:custGeom>
-            <a:rect b="b" l="l" r="r" t="t"/>
+            <a:avLst/>
+            <a:gdLst/>
+            <a:ahLst/>
+            <a:cxnLst/>
+            <a:rect l="l" t="t" r="r" b="b"/>
             <a:pathLst>
-              <a:path extrusionOk="0" h="120000" w="120000">
+              <a:path w="120000" h="120000" extrusionOk="0">
                 <a:moveTo>
                   <a:pt x="0" y="0"/>
                 </a:moveTo>
@@ -756,9 +781,11 @@
       <p:sp>
         <p:nvSpPr>
           <p:cNvPr id="83" name="Google Shape;83;gc6f9e470d_0_0:notes"/>
-          <p:cNvSpPr txBox="1"/>
+          <p:cNvSpPr txBox="1">
+            <a:spLocks noGrp="1"/>
+          </p:cNvSpPr>
           <p:nvPr>
-            <p:ph idx="1" type="body"/>
+            <p:ph type="body" idx="1"/>
           </p:nvPr>
         </p:nvSpPr>
         <p:spPr>
@@ -771,12 +798,12 @@
           </a:prstGeom>
         </p:spPr>
         <p:txBody>
-          <a:bodyPr anchorCtr="0" anchor="t" bIns="91425" lIns="91425" spcFirstLastPara="1" rIns="91425" wrap="square" tIns="91425">
+          <a:bodyPr spcFirstLastPara="1" wrap="square" lIns="91425" tIns="91425" rIns="91425" bIns="91425" anchor="t" anchorCtr="0">
             <a:noAutofit/>
           </a:bodyPr>
           <a:lstStyle/>
           <a:p>
-            <a:pPr indent="0" lvl="0" marL="0" rtl="0" algn="l">
+            <a:pPr marL="0" lvl="0" indent="0" algn="l" rtl="0">
               <a:spcBef>
                 <a:spcPts val="0"/>
               </a:spcBef>
@@ -785,9 +812,6 @@
               </a:spcAft>
               <a:buNone/>
             </a:pPr>
-            <a:r>
-              <a:t/>
-            </a:r>
             <a:endParaRPr/>
           </a:p>
         </p:txBody>
@@ -801,11 +825,11 @@
 </file>
 
 <file path=ppt/notesSlides/notesSlide2.xml><?xml version="1.0" encoding="utf-8"?>
-<p:notes xmlns:a="http://schemas.openxmlformats.org/drawingml/2006/main" xmlns:r="http://schemas.openxmlformats.org/officeDocument/2006/relationships" xmlns:mc="http://schemas.openxmlformats.org/markup-compatibility/2006" xmlns:mv="urn:schemas-microsoft-com:mac:vml" xmlns:p="http://schemas.openxmlformats.org/presentationml/2006/main" xmlns:c="http://schemas.openxmlformats.org/drawingml/2006/chart" xmlns:dgm="http://schemas.openxmlformats.org/drawingml/2006/diagram" xmlns:o="urn:schemas-microsoft-com:office:office" xmlns:v="urn:schemas-microsoft-com:vml" xmlns:pvml="urn:schemas-microsoft-com:office:powerpoint" xmlns:com="http://schemas.openxmlformats.org/drawingml/2006/compatibility" xmlns:p14="http://schemas.microsoft.com/office/powerpoint/2010/main" xmlns:p15="http://schemas.microsoft.com/office/powerpoint/2012/main" xmlns:ahyp="http://schemas.microsoft.com/office/drawing/2018/hyperlinkcolor" showMasterPhAnim="0" showMasterSp="0">
+<p:notes xmlns:a="http://schemas.openxmlformats.org/drawingml/2006/main" xmlns:r="http://schemas.openxmlformats.org/officeDocument/2006/relationships" xmlns:p="http://schemas.openxmlformats.org/presentationml/2006/main" showMasterSp="0" showMasterPhAnim="0">
   <p:cSld>
     <p:spTree>
       <p:nvGrpSpPr>
-        <p:cNvPr id="88" name="Shape 88"/>
+        <p:cNvPr id="1" name="Shape 88"/>
         <p:cNvGrpSpPr/>
         <p:nvPr/>
       </p:nvGrpSpPr>
@@ -820,20 +844,26 @@
       <p:sp>
         <p:nvSpPr>
           <p:cNvPr id="89" name="Google Shape;89;gc6f9e470d_0_5:notes"/>
-          <p:cNvSpPr/>
+          <p:cNvSpPr>
+            <a:spLocks noGrp="1" noRot="1" noChangeAspect="1"/>
+          </p:cNvSpPr>
           <p:nvPr>
-            <p:ph idx="2" type="sldImg"/>
+            <p:ph type="sldImg" idx="2"/>
           </p:nvPr>
         </p:nvSpPr>
         <p:spPr>
           <a:xfrm>
-            <a:off x="381188" y="685800"/>
-            <a:ext cx="6096300" cy="3429000"/>
+            <a:off x="381000" y="685800"/>
+            <a:ext cx="6096000" cy="3429000"/>
           </a:xfrm>
           <a:custGeom>
-            <a:rect b="b" l="l" r="r" t="t"/>
+            <a:avLst/>
+            <a:gdLst/>
+            <a:ahLst/>
+            <a:cxnLst/>
+            <a:rect l="l" t="t" r="r" b="b"/>
             <a:pathLst>
-              <a:path extrusionOk="0" h="120000" w="120000">
+              <a:path w="120000" h="120000" extrusionOk="0">
                 <a:moveTo>
                   <a:pt x="0" y="0"/>
                 </a:moveTo>
@@ -855,9 +885,11 @@
       <p:sp>
         <p:nvSpPr>
           <p:cNvPr id="90" name="Google Shape;90;gc6f9e470d_0_5:notes"/>
-          <p:cNvSpPr txBox="1"/>
+          <p:cNvSpPr txBox="1">
+            <a:spLocks noGrp="1"/>
+          </p:cNvSpPr>
           <p:nvPr>
-            <p:ph idx="1" type="body"/>
+            <p:ph type="body" idx="1"/>
           </p:nvPr>
         </p:nvSpPr>
         <p:spPr>
@@ -870,12 +902,12 @@
           </a:prstGeom>
         </p:spPr>
         <p:txBody>
-          <a:bodyPr anchorCtr="0" anchor="t" bIns="91425" lIns="91425" spcFirstLastPara="1" rIns="91425" wrap="square" tIns="91425">
+          <a:bodyPr spcFirstLastPara="1" wrap="square" lIns="91425" tIns="91425" rIns="91425" bIns="91425" anchor="t" anchorCtr="0">
             <a:noAutofit/>
           </a:bodyPr>
           <a:lstStyle/>
           <a:p>
-            <a:pPr indent="0" lvl="0" marL="0" rtl="0" algn="l">
+            <a:pPr marL="0" lvl="0" indent="0" algn="l" rtl="0">
               <a:spcBef>
                 <a:spcPts val="0"/>
               </a:spcBef>
@@ -884,9 +916,6 @@
               </a:spcAft>
               <a:buNone/>
             </a:pPr>
-            <a:r>
-              <a:t/>
-            </a:r>
             <a:endParaRPr/>
           </a:p>
         </p:txBody>
@@ -900,11 +929,11 @@
 </file>
 
 <file path=ppt/notesSlides/notesSlide3.xml><?xml version="1.0" encoding="utf-8"?>
-<p:notes xmlns:a="http://schemas.openxmlformats.org/drawingml/2006/main" xmlns:r="http://schemas.openxmlformats.org/officeDocument/2006/relationships" xmlns:mc="http://schemas.openxmlformats.org/markup-compatibility/2006" xmlns:mv="urn:schemas-microsoft-com:mac:vml" xmlns:p="http://schemas.openxmlformats.org/presentationml/2006/main" xmlns:c="http://schemas.openxmlformats.org/drawingml/2006/chart" xmlns:dgm="http://schemas.openxmlformats.org/drawingml/2006/diagram" xmlns:o="urn:schemas-microsoft-com:office:office" xmlns:v="urn:schemas-microsoft-com:vml" xmlns:pvml="urn:schemas-microsoft-com:office:powerpoint" xmlns:com="http://schemas.openxmlformats.org/drawingml/2006/compatibility" xmlns:p14="http://schemas.microsoft.com/office/powerpoint/2010/main" xmlns:p15="http://schemas.microsoft.com/office/powerpoint/2012/main" xmlns:ahyp="http://schemas.microsoft.com/office/drawing/2018/hyperlinkcolor" showMasterPhAnim="0" showMasterSp="0">
+<p:notes xmlns:a="http://schemas.openxmlformats.org/drawingml/2006/main" xmlns:r="http://schemas.openxmlformats.org/officeDocument/2006/relationships" xmlns:p="http://schemas.openxmlformats.org/presentationml/2006/main" showMasterSp="0" showMasterPhAnim="0">
   <p:cSld>
     <p:spTree>
       <p:nvGrpSpPr>
-        <p:cNvPr id="98" name="Shape 98"/>
+        <p:cNvPr id="1" name="Shape 98"/>
         <p:cNvGrpSpPr/>
         <p:nvPr/>
       </p:nvGrpSpPr>
@@ -919,9 +948,11 @@
       <p:sp>
         <p:nvSpPr>
           <p:cNvPr id="99" name="Google Shape;99;gc6f9e470d_0_24:notes"/>
-          <p:cNvSpPr/>
+          <p:cNvSpPr>
+            <a:spLocks noGrp="1" noRot="1" noChangeAspect="1"/>
+          </p:cNvSpPr>
           <p:nvPr>
-            <p:ph idx="2" type="sldImg"/>
+            <p:ph type="sldImg" idx="2"/>
           </p:nvPr>
         </p:nvSpPr>
         <p:spPr>
@@ -930,9 +961,13 @@
             <a:ext cx="6096300" cy="3429000"/>
           </a:xfrm>
           <a:custGeom>
-            <a:rect b="b" l="l" r="r" t="t"/>
+            <a:avLst/>
+            <a:gdLst/>
+            <a:ahLst/>
+            <a:cxnLst/>
+            <a:rect l="l" t="t" r="r" b="b"/>
             <a:pathLst>
-              <a:path extrusionOk="0" h="120000" w="120000">
+              <a:path w="120000" h="120000" extrusionOk="0">
                 <a:moveTo>
                   <a:pt x="0" y="0"/>
                 </a:moveTo>
@@ -954,9 +989,11 @@
       <p:sp>
         <p:nvSpPr>
           <p:cNvPr id="100" name="Google Shape;100;gc6f9e470d_0_24:notes"/>
-          <p:cNvSpPr txBox="1"/>
+          <p:cNvSpPr txBox="1">
+            <a:spLocks noGrp="1"/>
+          </p:cNvSpPr>
           <p:nvPr>
-            <p:ph idx="1" type="body"/>
+            <p:ph type="body" idx="1"/>
           </p:nvPr>
         </p:nvSpPr>
         <p:spPr>
@@ -969,12 +1006,12 @@
           </a:prstGeom>
         </p:spPr>
         <p:txBody>
-          <a:bodyPr anchorCtr="0" anchor="t" bIns="91425" lIns="91425" spcFirstLastPara="1" rIns="91425" wrap="square" tIns="91425">
+          <a:bodyPr spcFirstLastPara="1" wrap="square" lIns="91425" tIns="91425" rIns="91425" bIns="91425" anchor="t" anchorCtr="0">
             <a:noAutofit/>
           </a:bodyPr>
           <a:lstStyle/>
           <a:p>
-            <a:pPr indent="0" lvl="0" marL="0" rtl="0" algn="l">
+            <a:pPr marL="0" lvl="0" indent="0" algn="l" rtl="0">
               <a:spcBef>
                 <a:spcPts val="0"/>
               </a:spcBef>
@@ -983,9 +1020,6 @@
               </a:spcAft>
               <a:buNone/>
             </a:pPr>
-            <a:r>
-              <a:t/>
-            </a:r>
             <a:endParaRPr/>
           </a:p>
         </p:txBody>
@@ -999,11 +1033,11 @@
 </file>
 
 <file path=ppt/notesSlides/notesSlide4.xml><?xml version="1.0" encoding="utf-8"?>
-<p:notes xmlns:a="http://schemas.openxmlformats.org/drawingml/2006/main" xmlns:r="http://schemas.openxmlformats.org/officeDocument/2006/relationships" xmlns:mc="http://schemas.openxmlformats.org/markup-compatibility/2006" xmlns:mv="urn:schemas-microsoft-com:mac:vml" xmlns:p="http://schemas.openxmlformats.org/presentationml/2006/main" xmlns:c="http://schemas.openxmlformats.org/drawingml/2006/chart" xmlns:dgm="http://schemas.openxmlformats.org/drawingml/2006/diagram" xmlns:o="urn:schemas-microsoft-com:office:office" xmlns:v="urn:schemas-microsoft-com:vml" xmlns:pvml="urn:schemas-microsoft-com:office:powerpoint" xmlns:com="http://schemas.openxmlformats.org/drawingml/2006/compatibility" xmlns:p14="http://schemas.microsoft.com/office/powerpoint/2010/main" xmlns:p15="http://schemas.microsoft.com/office/powerpoint/2012/main" xmlns:ahyp="http://schemas.microsoft.com/office/drawing/2018/hyperlinkcolor" showMasterPhAnim="0" showMasterSp="0">
+<p:notes xmlns:a="http://schemas.openxmlformats.org/drawingml/2006/main" xmlns:r="http://schemas.openxmlformats.org/officeDocument/2006/relationships" xmlns:p="http://schemas.openxmlformats.org/presentationml/2006/main" showMasterSp="0" showMasterPhAnim="0">
   <p:cSld>
     <p:spTree>
       <p:nvGrpSpPr>
-        <p:cNvPr id="113" name="Shape 113"/>
+        <p:cNvPr id="1" name="Shape 112"/>
         <p:cNvGrpSpPr/>
         <p:nvPr/>
       </p:nvGrpSpPr>
@@ -1017,21 +1051,27 @@
       </p:grpSpPr>
       <p:sp>
         <p:nvSpPr>
-          <p:cNvPr id="114" name="Google Shape;114;gc6f9e470d_0_37:notes"/>
-          <p:cNvSpPr/>
+          <p:cNvPr id="113" name="Google Shape;113;gc6f9e470d_0_37:notes"/>
+          <p:cNvSpPr>
+            <a:spLocks noGrp="1" noRot="1" noChangeAspect="1"/>
+          </p:cNvSpPr>
           <p:nvPr>
-            <p:ph idx="2" type="sldImg"/>
+            <p:ph type="sldImg" idx="2"/>
           </p:nvPr>
         </p:nvSpPr>
         <p:spPr>
           <a:xfrm>
-            <a:off x="381188" y="685800"/>
-            <a:ext cx="6096300" cy="3429000"/>
+            <a:off x="381000" y="685800"/>
+            <a:ext cx="6096000" cy="3429000"/>
           </a:xfrm>
           <a:custGeom>
-            <a:rect b="b" l="l" r="r" t="t"/>
+            <a:avLst/>
+            <a:gdLst/>
+            <a:ahLst/>
+            <a:cxnLst/>
+            <a:rect l="l" t="t" r="r" b="b"/>
             <a:pathLst>
-              <a:path extrusionOk="0" h="120000" w="120000">
+              <a:path w="120000" h="120000" extrusionOk="0">
                 <a:moveTo>
                   <a:pt x="0" y="0"/>
                 </a:moveTo>
@@ -1052,10 +1092,12 @@
       </p:sp>
       <p:sp>
         <p:nvSpPr>
-          <p:cNvPr id="115" name="Google Shape;115;gc6f9e470d_0_37:notes"/>
-          <p:cNvSpPr txBox="1"/>
+          <p:cNvPr id="114" name="Google Shape;114;gc6f9e470d_0_37:notes"/>
+          <p:cNvSpPr txBox="1">
+            <a:spLocks noGrp="1"/>
+          </p:cNvSpPr>
           <p:nvPr>
-            <p:ph idx="1" type="body"/>
+            <p:ph type="body" idx="1"/>
           </p:nvPr>
         </p:nvSpPr>
         <p:spPr>
@@ -1068,12 +1110,12 @@
           </a:prstGeom>
         </p:spPr>
         <p:txBody>
-          <a:bodyPr anchorCtr="0" anchor="t" bIns="91425" lIns="91425" spcFirstLastPara="1" rIns="91425" wrap="square" tIns="91425">
+          <a:bodyPr spcFirstLastPara="1" wrap="square" lIns="91425" tIns="91425" rIns="91425" bIns="91425" anchor="t" anchorCtr="0">
             <a:noAutofit/>
           </a:bodyPr>
           <a:lstStyle/>
           <a:p>
-            <a:pPr indent="0" lvl="0" marL="0" rtl="0" algn="l">
+            <a:pPr marL="0" lvl="0" indent="0" algn="l" rtl="0">
               <a:spcBef>
                 <a:spcPts val="0"/>
               </a:spcBef>
@@ -1082,9 +1124,6 @@
               </a:spcAft>
               <a:buNone/>
             </a:pPr>
-            <a:r>
-              <a:t/>
-            </a:r>
             <a:endParaRPr/>
           </a:p>
         </p:txBody>
@@ -1098,11 +1137,11 @@
 </file>
 
 <file path=ppt/notesSlides/notesSlide5.xml><?xml version="1.0" encoding="utf-8"?>
-<p:notes xmlns:a="http://schemas.openxmlformats.org/drawingml/2006/main" xmlns:r="http://schemas.openxmlformats.org/officeDocument/2006/relationships" xmlns:mc="http://schemas.openxmlformats.org/markup-compatibility/2006" xmlns:mv="urn:schemas-microsoft-com:mac:vml" xmlns:p="http://schemas.openxmlformats.org/presentationml/2006/main" xmlns:c="http://schemas.openxmlformats.org/drawingml/2006/chart" xmlns:dgm="http://schemas.openxmlformats.org/drawingml/2006/diagram" xmlns:o="urn:schemas-microsoft-com:office:office" xmlns:v="urn:schemas-microsoft-com:vml" xmlns:pvml="urn:schemas-microsoft-com:office:powerpoint" xmlns:com="http://schemas.openxmlformats.org/drawingml/2006/compatibility" xmlns:p14="http://schemas.microsoft.com/office/powerpoint/2010/main" xmlns:p15="http://schemas.microsoft.com/office/powerpoint/2012/main" xmlns:ahyp="http://schemas.microsoft.com/office/drawing/2018/hyperlinkcolor" showMasterPhAnim="0" showMasterSp="0">
+<p:notes xmlns:a="http://schemas.openxmlformats.org/drawingml/2006/main" xmlns:r="http://schemas.openxmlformats.org/officeDocument/2006/relationships" xmlns:p="http://schemas.openxmlformats.org/presentationml/2006/main" showMasterSp="0" showMasterPhAnim="0">
   <p:cSld>
     <p:spTree>
       <p:nvGrpSpPr>
-        <p:cNvPr id="119" name="Shape 119"/>
+        <p:cNvPr id="1" name="Shape 119"/>
         <p:cNvGrpSpPr/>
         <p:nvPr/>
       </p:nvGrpSpPr>
@@ -1117,20 +1156,26 @@
       <p:sp>
         <p:nvSpPr>
           <p:cNvPr id="120" name="Google Shape;120;gc6f9e470d_0_80:notes"/>
-          <p:cNvSpPr/>
+          <p:cNvSpPr>
+            <a:spLocks noGrp="1" noRot="1" noChangeAspect="1"/>
+          </p:cNvSpPr>
           <p:nvPr>
-            <p:ph idx="2" type="sldImg"/>
+            <p:ph type="sldImg" idx="2"/>
           </p:nvPr>
         </p:nvSpPr>
         <p:spPr>
           <a:xfrm>
-            <a:off x="381188" y="685800"/>
-            <a:ext cx="6096300" cy="3429000"/>
+            <a:off x="381000" y="685800"/>
+            <a:ext cx="6096000" cy="3429000"/>
           </a:xfrm>
           <a:custGeom>
-            <a:rect b="b" l="l" r="r" t="t"/>
+            <a:avLst/>
+            <a:gdLst/>
+            <a:ahLst/>
+            <a:cxnLst/>
+            <a:rect l="l" t="t" r="r" b="b"/>
             <a:pathLst>
-              <a:path extrusionOk="0" h="120000" w="120000">
+              <a:path w="120000" h="120000" extrusionOk="0">
                 <a:moveTo>
                   <a:pt x="0" y="0"/>
                 </a:moveTo>
@@ -1152,9 +1197,11 @@
       <p:sp>
         <p:nvSpPr>
           <p:cNvPr id="121" name="Google Shape;121;gc6f9e470d_0_80:notes"/>
-          <p:cNvSpPr txBox="1"/>
+          <p:cNvSpPr txBox="1">
+            <a:spLocks noGrp="1"/>
+          </p:cNvSpPr>
           <p:nvPr>
-            <p:ph idx="1" type="body"/>
+            <p:ph type="body" idx="1"/>
           </p:nvPr>
         </p:nvSpPr>
         <p:spPr>
@@ -1167,12 +1214,12 @@
           </a:prstGeom>
         </p:spPr>
         <p:txBody>
-          <a:bodyPr anchorCtr="0" anchor="t" bIns="91425" lIns="91425" spcFirstLastPara="1" rIns="91425" wrap="square" tIns="91425">
+          <a:bodyPr spcFirstLastPara="1" wrap="square" lIns="91425" tIns="91425" rIns="91425" bIns="91425" anchor="t" anchorCtr="0">
             <a:noAutofit/>
           </a:bodyPr>
           <a:lstStyle/>
           <a:p>
-            <a:pPr indent="0" lvl="0" marL="0" rtl="0" algn="l">
+            <a:pPr marL="0" lvl="0" indent="0" algn="l" rtl="0">
               <a:spcBef>
                 <a:spcPts val="0"/>
               </a:spcBef>
@@ -1182,9 +1229,10 @@
               <a:buNone/>
             </a:pPr>
             <a:r>
-              <a:t/>
+              <a:rPr lang="en-US" dirty="0"/>
+              <a:t>Go to Notebook to show longitude and latitude data</a:t>
             </a:r>
-            <a:endParaRPr/>
+            <a:endParaRPr dirty="0"/>
           </a:p>
         </p:txBody>
       </p:sp>
@@ -1197,11 +1245,11 @@
 </file>
 
 <file path=ppt/notesSlides/notesSlide6.xml><?xml version="1.0" encoding="utf-8"?>
-<p:notes xmlns:a="http://schemas.openxmlformats.org/drawingml/2006/main" xmlns:r="http://schemas.openxmlformats.org/officeDocument/2006/relationships" xmlns:mc="http://schemas.openxmlformats.org/markup-compatibility/2006" xmlns:mv="urn:schemas-microsoft-com:mac:vml" xmlns:p="http://schemas.openxmlformats.org/presentationml/2006/main" xmlns:c="http://schemas.openxmlformats.org/drawingml/2006/chart" xmlns:dgm="http://schemas.openxmlformats.org/drawingml/2006/diagram" xmlns:o="urn:schemas-microsoft-com:office:office" xmlns:v="urn:schemas-microsoft-com:vml" xmlns:pvml="urn:schemas-microsoft-com:office:powerpoint" xmlns:com="http://schemas.openxmlformats.org/drawingml/2006/compatibility" xmlns:p14="http://schemas.microsoft.com/office/powerpoint/2010/main" xmlns:p15="http://schemas.microsoft.com/office/powerpoint/2012/main" xmlns:ahyp="http://schemas.microsoft.com/office/drawing/2018/hyperlinkcolor" showMasterPhAnim="0" showMasterSp="0">
+<p:notes xmlns:a="http://schemas.openxmlformats.org/drawingml/2006/main" xmlns:r="http://schemas.openxmlformats.org/officeDocument/2006/relationships" xmlns:p="http://schemas.openxmlformats.org/presentationml/2006/main">
   <p:cSld>
     <p:spTree>
       <p:nvGrpSpPr>
-        <p:cNvPr id="126" name="Shape 126"/>
+        <p:cNvPr id="1" name=""/>
         <p:cNvGrpSpPr/>
         <p:nvPr/>
       </p:nvGrpSpPr>
@@ -1215,21 +1263,107 @@
       </p:grpSpPr>
       <p:sp>
         <p:nvSpPr>
-          <p:cNvPr id="127" name="Google Shape;127;gc6f9e470d_0_126:notes"/>
-          <p:cNvSpPr/>
+          <p:cNvPr id="2" name="Slide Image Placeholder 1"/>
+          <p:cNvSpPr>
+            <a:spLocks noGrp="1" noRot="1" noChangeAspect="1"/>
+          </p:cNvSpPr>
           <p:nvPr>
-            <p:ph idx="2" type="sldImg"/>
+            <p:ph type="sldImg"/>
           </p:nvPr>
         </p:nvSpPr>
         <p:spPr>
           <a:xfrm>
-            <a:off x="381188" y="685800"/>
-            <a:ext cx="6096300" cy="3429000"/>
+            <a:off x="381000" y="685800"/>
+            <a:ext cx="6096000" cy="3429000"/>
+          </a:xfrm>
+        </p:spPr>
+      </p:sp>
+      <p:sp>
+        <p:nvSpPr>
+          <p:cNvPr id="3" name="Notes Placeholder 2"/>
+          <p:cNvSpPr>
+            <a:spLocks noGrp="1"/>
+          </p:cNvSpPr>
+          <p:nvPr>
+            <p:ph type="body" idx="1"/>
+          </p:nvPr>
+        </p:nvSpPr>
+        <p:spPr/>
+        <p:txBody>
+          <a:bodyPr/>
+          <a:lstStyle/>
+          <a:p>
+            <a:pPr marL="139700" indent="0">
+              <a:buNone/>
+            </a:pPr>
+            <a:r>
+              <a:rPr lang="en-US" dirty="0"/>
+              <a:t>Go to Notebook to show bar graphs where you can click on the different </a:t>
+            </a:r>
+            <a:r>
+              <a:rPr lang="en-US" dirty="0" err="1"/>
+              <a:t>groupby</a:t>
+            </a:r>
+            <a:r>
+              <a:rPr lang="en-US" dirty="0"/>
+              <a:t> drop downs.</a:t>
+            </a:r>
+          </a:p>
+        </p:txBody>
+      </p:sp>
+    </p:spTree>
+    <p:extLst>
+      <p:ext uri="{BB962C8B-B14F-4D97-AF65-F5344CB8AC3E}">
+        <p14:creationId xmlns:p14="http://schemas.microsoft.com/office/powerpoint/2010/main" val="2655341821"/>
+      </p:ext>
+    </p:extLst>
+  </p:cSld>
+  <p:clrMapOvr>
+    <a:masterClrMapping/>
+  </p:clrMapOvr>
+</p:notes>
+</file>
+
+<file path=ppt/notesSlides/notesSlide7.xml><?xml version="1.0" encoding="utf-8"?>
+<p:notes xmlns:a="http://schemas.openxmlformats.org/drawingml/2006/main" xmlns:r="http://schemas.openxmlformats.org/officeDocument/2006/relationships" xmlns:p="http://schemas.openxmlformats.org/presentationml/2006/main" showMasterSp="0" showMasterPhAnim="0">
+  <p:cSld>
+    <p:spTree>
+      <p:nvGrpSpPr>
+        <p:cNvPr id="1" name="Shape 123"/>
+        <p:cNvGrpSpPr/>
+        <p:nvPr/>
+      </p:nvGrpSpPr>
+      <p:grpSpPr>
+        <a:xfrm>
+          <a:off x="0" y="0"/>
+          <a:ext cx="0" cy="0"/>
+          <a:chOff x="0" y="0"/>
+          <a:chExt cx="0" cy="0"/>
+        </a:xfrm>
+      </p:grpSpPr>
+      <p:sp>
+        <p:nvSpPr>
+          <p:cNvPr id="124" name="Google Shape;124;gc6f9e470d_0_126:notes"/>
+          <p:cNvSpPr>
+            <a:spLocks noGrp="1" noRot="1" noChangeAspect="1"/>
+          </p:cNvSpPr>
+          <p:nvPr>
+            <p:ph type="sldImg" idx="2"/>
+          </p:nvPr>
+        </p:nvSpPr>
+        <p:spPr>
+          <a:xfrm>
+            <a:off x="381000" y="685800"/>
+            <a:ext cx="6096000" cy="3429000"/>
           </a:xfrm>
           <a:custGeom>
-            <a:rect b="b" l="l" r="r" t="t"/>
+            <a:avLst/>
+            <a:gdLst/>
+            <a:ahLst/>
+            <a:cxnLst/>
+            <a:rect l="l" t="t" r="r" b="b"/>
             <a:pathLst>
-              <a:path extrusionOk="0" h="120000" w="120000">
+              <a:path w="120000" h="120000" extrusionOk="0">
                 <a:moveTo>
                   <a:pt x="0" y="0"/>
                 </a:moveTo>
@@ -1250,10 +1384,12 @@
       </p:sp>
       <p:sp>
         <p:nvSpPr>
-          <p:cNvPr id="128" name="Google Shape;128;gc6f9e470d_0_126:notes"/>
-          <p:cNvSpPr txBox="1"/>
+          <p:cNvPr id="125" name="Google Shape;125;gc6f9e470d_0_126:notes"/>
+          <p:cNvSpPr txBox="1">
+            <a:spLocks noGrp="1"/>
+          </p:cNvSpPr>
           <p:nvPr>
-            <p:ph idx="1" type="body"/>
+            <p:ph type="body" idx="1"/>
           </p:nvPr>
         </p:nvSpPr>
         <p:spPr>
@@ -1266,12 +1402,12 @@
           </a:prstGeom>
         </p:spPr>
         <p:txBody>
-          <a:bodyPr anchorCtr="0" anchor="t" bIns="91425" lIns="91425" spcFirstLastPara="1" rIns="91425" wrap="square" tIns="91425">
+          <a:bodyPr spcFirstLastPara="1" wrap="square" lIns="91425" tIns="91425" rIns="91425" bIns="91425" anchor="t" anchorCtr="0">
             <a:noAutofit/>
           </a:bodyPr>
           <a:lstStyle/>
           <a:p>
-            <a:pPr indent="0" lvl="0" marL="0" rtl="0" algn="l">
+            <a:pPr marL="0" lvl="0" indent="0" algn="l" rtl="0">
               <a:spcBef>
                 <a:spcPts val="0"/>
               </a:spcBef>
@@ -1280,9 +1416,6 @@
               </a:spcAft>
               <a:buNone/>
             </a:pPr>
-            <a:r>
-              <a:t/>
-            </a:r>
             <a:endParaRPr/>
           </a:p>
         </p:txBody>
@@ -1295,12 +1428,12 @@
 </p:notes>
 </file>
 
-<file path=ppt/notesSlides/notesSlide7.xml><?xml version="1.0" encoding="utf-8"?>
-<p:notes xmlns:a="http://schemas.openxmlformats.org/drawingml/2006/main" xmlns:r="http://schemas.openxmlformats.org/officeDocument/2006/relationships" xmlns:mc="http://schemas.openxmlformats.org/markup-compatibility/2006" xmlns:mv="urn:schemas-microsoft-com:mac:vml" xmlns:p="http://schemas.openxmlformats.org/presentationml/2006/main" xmlns:c="http://schemas.openxmlformats.org/drawingml/2006/chart" xmlns:dgm="http://schemas.openxmlformats.org/drawingml/2006/diagram" xmlns:o="urn:schemas-microsoft-com:office:office" xmlns:v="urn:schemas-microsoft-com:vml" xmlns:pvml="urn:schemas-microsoft-com:office:powerpoint" xmlns:com="http://schemas.openxmlformats.org/drawingml/2006/compatibility" xmlns:p14="http://schemas.microsoft.com/office/powerpoint/2010/main" xmlns:p15="http://schemas.microsoft.com/office/powerpoint/2012/main" xmlns:ahyp="http://schemas.microsoft.com/office/drawing/2018/hyperlinkcolor" showMasterPhAnim="0" showMasterSp="0">
+<file path=ppt/notesSlides/notesSlide8.xml><?xml version="1.0" encoding="utf-8"?>
+<p:notes xmlns:a="http://schemas.openxmlformats.org/drawingml/2006/main" xmlns:r="http://schemas.openxmlformats.org/officeDocument/2006/relationships" xmlns:p="http://schemas.openxmlformats.org/presentationml/2006/main" showMasterSp="0" showMasterPhAnim="0">
   <p:cSld>
     <p:spTree>
       <p:nvGrpSpPr>
-        <p:cNvPr id="134" name="Shape 134"/>
+        <p:cNvPr id="1" name="Shape 130"/>
         <p:cNvGrpSpPr/>
         <p:nvPr/>
       </p:nvGrpSpPr>
@@ -1314,21 +1447,27 @@
       </p:grpSpPr>
       <p:sp>
         <p:nvSpPr>
-          <p:cNvPr id="135" name="Google Shape;135;g11554ab8729_0_2:notes"/>
-          <p:cNvSpPr/>
+          <p:cNvPr id="131" name="Google Shape;131;g11554ab8729_0_2:notes"/>
+          <p:cNvSpPr>
+            <a:spLocks noGrp="1" noRot="1" noChangeAspect="1"/>
+          </p:cNvSpPr>
           <p:nvPr>
-            <p:ph idx="2" type="sldImg"/>
+            <p:ph type="sldImg" idx="2"/>
           </p:nvPr>
         </p:nvSpPr>
         <p:spPr>
           <a:xfrm>
-            <a:off x="381300" y="685800"/>
+            <a:off x="381000" y="685800"/>
             <a:ext cx="6096000" cy="3429000"/>
           </a:xfrm>
           <a:custGeom>
-            <a:rect b="b" l="l" r="r" t="t"/>
+            <a:avLst/>
+            <a:gdLst/>
+            <a:ahLst/>
+            <a:cxnLst/>
+            <a:rect l="l" t="t" r="r" b="b"/>
             <a:pathLst>
-              <a:path extrusionOk="0" h="120000" w="120000">
+              <a:path w="120000" h="120000" extrusionOk="0">
                 <a:moveTo>
                   <a:pt x="0" y="0"/>
                 </a:moveTo>
@@ -1349,10 +1488,12 @@
       </p:sp>
       <p:sp>
         <p:nvSpPr>
-          <p:cNvPr id="136" name="Google Shape;136;g11554ab8729_0_2:notes"/>
-          <p:cNvSpPr txBox="1"/>
+          <p:cNvPr id="132" name="Google Shape;132;g11554ab8729_0_2:notes"/>
+          <p:cNvSpPr txBox="1">
+            <a:spLocks noGrp="1"/>
+          </p:cNvSpPr>
           <p:nvPr>
-            <p:ph idx="1" type="body"/>
+            <p:ph type="body" idx="1"/>
           </p:nvPr>
         </p:nvSpPr>
         <p:spPr>
@@ -1365,12 +1506,12 @@
           </a:prstGeom>
         </p:spPr>
         <p:txBody>
-          <a:bodyPr anchorCtr="0" anchor="t" bIns="91425" lIns="91425" spcFirstLastPara="1" rIns="91425" wrap="square" tIns="91425">
+          <a:bodyPr spcFirstLastPara="1" wrap="square" lIns="91425" tIns="91425" rIns="91425" bIns="91425" anchor="t" anchorCtr="0">
             <a:noAutofit/>
           </a:bodyPr>
           <a:lstStyle/>
           <a:p>
-            <a:pPr indent="0" lvl="0" marL="0" rtl="0" algn="l">
+            <a:pPr marL="0" lvl="0" indent="0" algn="l" rtl="0">
               <a:spcBef>
                 <a:spcPts val="0"/>
               </a:spcBef>
@@ -1379,9 +1520,6 @@
               </a:spcAft>
               <a:buNone/>
             </a:pPr>
-            <a:r>
-              <a:t/>
-            </a:r>
             <a:endParaRPr/>
           </a:p>
         </p:txBody>
@@ -1395,18 +1533,19 @@
 </file>
 
 <file path=ppt/slideLayouts/slideLayout1.xml><?xml version="1.0" encoding="utf-8"?>
-<p:sldLayout xmlns:a="http://schemas.openxmlformats.org/drawingml/2006/main" xmlns:r="http://schemas.openxmlformats.org/officeDocument/2006/relationships" xmlns:mc="http://schemas.openxmlformats.org/markup-compatibility/2006" xmlns:mv="urn:schemas-microsoft-com:mac:vml" xmlns:p="http://schemas.openxmlformats.org/presentationml/2006/main" xmlns:c="http://schemas.openxmlformats.org/drawingml/2006/chart" xmlns:dgm="http://schemas.openxmlformats.org/drawingml/2006/diagram" xmlns:o="urn:schemas-microsoft-com:office:office" xmlns:v="urn:schemas-microsoft-com:vml" xmlns:pvml="urn:schemas-microsoft-com:office:powerpoint" xmlns:com="http://schemas.openxmlformats.org/drawingml/2006/compatibility" xmlns:p14="http://schemas.microsoft.com/office/powerpoint/2010/main" xmlns:p15="http://schemas.microsoft.com/office/powerpoint/2012/main" xmlns:ahyp="http://schemas.microsoft.com/office/drawing/2018/hyperlinkcolor" matchingName="Title slide" type="title">
+<p:sldLayout xmlns:a="http://schemas.openxmlformats.org/drawingml/2006/main" xmlns:r="http://schemas.openxmlformats.org/officeDocument/2006/relationships" xmlns:p="http://schemas.openxmlformats.org/presentationml/2006/main" matchingName="Title slide" type="title">
   <p:cSld name="TITLE">
     <p:bg>
       <p:bgPr>
         <a:solidFill>
           <a:schemeClr val="dk1"/>
         </a:solidFill>
+        <a:effectLst/>
       </p:bgPr>
     </p:bg>
     <p:spTree>
       <p:nvGrpSpPr>
-        <p:cNvPr id="9" name="Shape 9"/>
+        <p:cNvPr id="1" name="Shape 9"/>
         <p:cNvGrpSpPr/>
         <p:nvPr/>
       </p:nvGrpSpPr>
@@ -1454,12 +1593,12 @@
             </a:ln>
           </p:spPr>
           <p:txBody>
-            <a:bodyPr anchorCtr="0" anchor="ctr" bIns="91425" lIns="91425" spcFirstLastPara="1" rIns="91425" wrap="square" tIns="91425">
+            <a:bodyPr spcFirstLastPara="1" wrap="square" lIns="91425" tIns="91425" rIns="91425" bIns="91425" anchor="ctr" anchorCtr="0">
               <a:noAutofit/>
             </a:bodyPr>
             <a:lstStyle/>
             <a:p>
-              <a:pPr indent="0" lvl="0" marL="0" rtl="0" algn="l">
+              <a:pPr marL="0" lvl="0" indent="0" algn="l" rtl="0">
                 <a:spcBef>
                   <a:spcPts val="0"/>
                 </a:spcBef>
@@ -1468,9 +1607,6 @@
                 </a:spcAft>
                 <a:buNone/>
               </a:pPr>
-              <a:r>
-                <a:t/>
-              </a:r>
               <a:endParaRPr/>
             </a:p>
           </p:txBody>
@@ -1497,12 +1633,12 @@
             </a:ln>
           </p:spPr>
           <p:txBody>
-            <a:bodyPr anchorCtr="0" anchor="ctr" bIns="91425" lIns="91425" spcFirstLastPara="1" rIns="91425" wrap="square" tIns="91425">
+            <a:bodyPr spcFirstLastPara="1" wrap="square" lIns="91425" tIns="91425" rIns="91425" bIns="91425" anchor="ctr" anchorCtr="0">
               <a:noAutofit/>
             </a:bodyPr>
             <a:lstStyle/>
             <a:p>
-              <a:pPr indent="0" lvl="0" marL="0" rtl="0" algn="l">
+              <a:pPr marL="0" lvl="0" indent="0" algn="l" rtl="0">
                 <a:spcBef>
                   <a:spcPts val="0"/>
                 </a:spcBef>
@@ -1511,9 +1647,6 @@
                 </a:spcAft>
                 <a:buNone/>
               </a:pPr>
-              <a:r>
-                <a:t/>
-              </a:r>
               <a:endParaRPr/>
             </a:p>
           </p:txBody>
@@ -1525,7 +1658,7 @@
             <p:nvPr/>
           </p:nvSpPr>
           <p:spPr>
-            <a:xfrm flipH="1" rot="10800000">
+            <a:xfrm rot="10800000" flipH="1">
               <a:off x="7113588" y="107"/>
               <a:ext cx="1015200" cy="1015200"/>
             </a:xfrm>
@@ -1540,12 +1673,12 @@
             </a:ln>
           </p:spPr>
           <p:txBody>
-            <a:bodyPr anchorCtr="0" anchor="ctr" bIns="91425" lIns="91425" spcFirstLastPara="1" rIns="91425" wrap="square" tIns="91425">
+            <a:bodyPr spcFirstLastPara="1" wrap="square" lIns="91425" tIns="91425" rIns="91425" bIns="91425" anchor="ctr" anchorCtr="0">
               <a:noAutofit/>
             </a:bodyPr>
             <a:lstStyle/>
             <a:p>
-              <a:pPr indent="0" lvl="0" marL="0" rtl="0" algn="l">
+              <a:pPr marL="0" lvl="0" indent="0" algn="l" rtl="0">
                 <a:spcBef>
                   <a:spcPts val="0"/>
                 </a:spcBef>
@@ -1554,9 +1687,6 @@
                 </a:spcAft>
                 <a:buNone/>
               </a:pPr>
-              <a:r>
-                <a:t/>
-              </a:r>
               <a:endParaRPr/>
             </a:p>
           </p:txBody>
@@ -1583,12 +1713,12 @@
             </a:ln>
           </p:spPr>
           <p:txBody>
-            <a:bodyPr anchorCtr="0" anchor="ctr" bIns="91425" lIns="91425" spcFirstLastPara="1" rIns="91425" wrap="square" tIns="91425">
+            <a:bodyPr spcFirstLastPara="1" wrap="square" lIns="91425" tIns="91425" rIns="91425" bIns="91425" anchor="ctr" anchorCtr="0">
               <a:noAutofit/>
             </a:bodyPr>
             <a:lstStyle/>
             <a:p>
-              <a:pPr indent="0" lvl="0" marL="0" rtl="0" algn="l">
+              <a:pPr marL="0" lvl="0" indent="0" algn="l" rtl="0">
                 <a:spcBef>
                   <a:spcPts val="0"/>
                 </a:spcBef>
@@ -1597,9 +1727,6 @@
                 </a:spcAft>
                 <a:buNone/>
               </a:pPr>
-              <a:r>
-                <a:t/>
-              </a:r>
               <a:endParaRPr/>
             </a:p>
           </p:txBody>
@@ -1626,12 +1753,12 @@
             </a:ln>
           </p:spPr>
           <p:txBody>
-            <a:bodyPr anchorCtr="0" anchor="ctr" bIns="91425" lIns="91425" spcFirstLastPara="1" rIns="91425" wrap="square" tIns="91425">
+            <a:bodyPr spcFirstLastPara="1" wrap="square" lIns="91425" tIns="91425" rIns="91425" bIns="91425" anchor="ctr" anchorCtr="0">
               <a:noAutofit/>
             </a:bodyPr>
             <a:lstStyle/>
             <a:p>
-              <a:pPr indent="0" lvl="0" marL="0" rtl="0" algn="l">
+              <a:pPr marL="0" lvl="0" indent="0" algn="l" rtl="0">
                 <a:spcBef>
                   <a:spcPts val="0"/>
                 </a:spcBef>
@@ -1640,9 +1767,6 @@
                 </a:spcAft>
                 <a:buNone/>
               </a:pPr>
-              <a:r>
-                <a:t/>
-              </a:r>
               <a:endParaRPr/>
             </a:p>
           </p:txBody>
@@ -1651,7 +1775,9 @@
       <p:sp>
         <p:nvSpPr>
           <p:cNvPr id="16" name="Google Shape;16;p2"/>
-          <p:cNvSpPr txBox="1"/>
+          <p:cNvSpPr txBox="1">
+            <a:spLocks noGrp="1"/>
+          </p:cNvSpPr>
           <p:nvPr>
             <p:ph type="ctrTitle"/>
           </p:nvPr>
@@ -1666,7 +1792,7 @@
           </a:prstGeom>
         </p:spPr>
         <p:txBody>
-          <a:bodyPr anchorCtr="0" anchor="b" bIns="91425" lIns="91425" spcFirstLastPara="1" rIns="91425" wrap="square" tIns="91425">
+          <a:bodyPr spcFirstLastPara="1" wrap="square" lIns="91425" tIns="91425" rIns="91425" bIns="91425" anchor="b" anchorCtr="0">
             <a:noAutofit/>
           </a:bodyPr>
           <a:lstStyle>
@@ -1833,15 +1959,19 @@
               </a:defRPr>
             </a:lvl9pPr>
           </a:lstStyle>
-          <a:p/>
+          <a:p>
+            <a:endParaRPr/>
+          </a:p>
         </p:txBody>
       </p:sp>
       <p:sp>
         <p:nvSpPr>
           <p:cNvPr id="17" name="Google Shape;17;p2"/>
-          <p:cNvSpPr txBox="1"/>
+          <p:cNvSpPr txBox="1">
+            <a:spLocks noGrp="1"/>
+          </p:cNvSpPr>
           <p:nvPr>
-            <p:ph idx="1" type="subTitle"/>
+            <p:ph type="subTitle" idx="1"/>
           </p:nvPr>
         </p:nvSpPr>
         <p:spPr>
@@ -1854,7 +1984,7 @@
           </a:prstGeom>
         </p:spPr>
         <p:txBody>
-          <a:bodyPr anchorCtr="0" anchor="t" bIns="91425" lIns="91425" spcFirstLastPara="1" rIns="91425" wrap="square" tIns="91425">
+          <a:bodyPr spcFirstLastPara="1" wrap="square" lIns="91425" tIns="91425" rIns="91425" bIns="91425" anchor="t" anchorCtr="0">
             <a:noAutofit/>
           </a:bodyPr>
           <a:lstStyle>
@@ -2048,15 +2178,19 @@
               </a:defRPr>
             </a:lvl9pPr>
           </a:lstStyle>
-          <a:p/>
+          <a:p>
+            <a:endParaRPr/>
+          </a:p>
         </p:txBody>
       </p:sp>
       <p:sp>
         <p:nvSpPr>
           <p:cNvPr id="18" name="Google Shape;18;p2"/>
-          <p:cNvSpPr txBox="1"/>
+          <p:cNvSpPr txBox="1">
+            <a:spLocks noGrp="1"/>
+          </p:cNvSpPr>
           <p:nvPr>
-            <p:ph idx="12" type="sldNum"/>
+            <p:ph type="sldNum" idx="12"/>
           </p:nvPr>
         </p:nvSpPr>
         <p:spPr>
@@ -2069,7 +2203,7 @@
           </a:prstGeom>
         </p:spPr>
         <p:txBody>
-          <a:bodyPr anchorCtr="0" anchor="ctr" bIns="91425" lIns="91425" spcFirstLastPara="1" rIns="91425" wrap="square" tIns="91425">
+          <a:bodyPr spcFirstLastPara="1" wrap="square" lIns="91425" tIns="91425" rIns="91425" bIns="91425" anchor="ctr" anchorCtr="0">
             <a:noAutofit/>
           </a:bodyPr>
           <a:lstStyle>
@@ -2111,7 +2245,7 @@
             </a:lvl9pPr>
           </a:lstStyle>
           <a:p>
-            <a:pPr indent="0" lvl="0" marL="0" rtl="0" algn="r">
+            <a:pPr marL="0" lvl="0" indent="0" algn="r" rtl="0">
               <a:spcBef>
                 <a:spcPts val="0"/>
               </a:spcBef>
@@ -2137,18 +2271,19 @@
 </file>
 
 <file path=ppt/slideLayouts/slideLayout10.xml><?xml version="1.0" encoding="utf-8"?>
-<p:sldLayout xmlns:a="http://schemas.openxmlformats.org/drawingml/2006/main" xmlns:r="http://schemas.openxmlformats.org/officeDocument/2006/relationships" xmlns:mc="http://schemas.openxmlformats.org/markup-compatibility/2006" xmlns:mv="urn:schemas-microsoft-com:mac:vml" xmlns:p="http://schemas.openxmlformats.org/presentationml/2006/main" xmlns:c="http://schemas.openxmlformats.org/drawingml/2006/chart" xmlns:dgm="http://schemas.openxmlformats.org/drawingml/2006/diagram" xmlns:o="urn:schemas-microsoft-com:office:office" xmlns:v="urn:schemas-microsoft-com:vml" xmlns:pvml="urn:schemas-microsoft-com:office:powerpoint" xmlns:com="http://schemas.openxmlformats.org/drawingml/2006/compatibility" xmlns:p14="http://schemas.microsoft.com/office/powerpoint/2010/main" xmlns:p15="http://schemas.microsoft.com/office/powerpoint/2012/main" xmlns:ahyp="http://schemas.microsoft.com/office/drawing/2018/hyperlinkcolor" matchingName="Big number">
+<p:sldLayout xmlns:a="http://schemas.openxmlformats.org/drawingml/2006/main" xmlns:r="http://schemas.openxmlformats.org/officeDocument/2006/relationships" xmlns:p="http://schemas.openxmlformats.org/presentationml/2006/main" matchingName="Big number">
   <p:cSld name="BIG_NUMBER">
     <p:bg>
       <p:bgPr>
         <a:solidFill>
           <a:schemeClr val="dk1"/>
         </a:solidFill>
+        <a:effectLst/>
       </p:bgPr>
     </p:bg>
     <p:spTree>
       <p:nvGrpSpPr>
-        <p:cNvPr id="69" name="Shape 69"/>
+        <p:cNvPr id="1" name="Shape 69"/>
         <p:cNvGrpSpPr/>
         <p:nvPr/>
       </p:nvGrpSpPr>
@@ -2196,12 +2331,12 @@
             </a:ln>
           </p:spPr>
           <p:txBody>
-            <a:bodyPr anchorCtr="0" anchor="ctr" bIns="91425" lIns="91425" spcFirstLastPara="1" rIns="91425" wrap="square" tIns="91425">
+            <a:bodyPr spcFirstLastPara="1" wrap="square" lIns="91425" tIns="91425" rIns="91425" bIns="91425" anchor="ctr" anchorCtr="0">
               <a:noAutofit/>
             </a:bodyPr>
             <a:lstStyle/>
             <a:p>
-              <a:pPr indent="0" lvl="0" marL="0" rtl="0" algn="l">
+              <a:pPr marL="0" lvl="0" indent="0" algn="l" rtl="0">
                 <a:spcBef>
                   <a:spcPts val="0"/>
                 </a:spcBef>
@@ -2210,9 +2345,6 @@
                 </a:spcAft>
                 <a:buNone/>
               </a:pPr>
-              <a:r>
-                <a:t/>
-              </a:r>
               <a:endParaRPr/>
             </a:p>
           </p:txBody>
@@ -2239,12 +2371,12 @@
             </a:ln>
           </p:spPr>
           <p:txBody>
-            <a:bodyPr anchorCtr="0" anchor="ctr" bIns="91425" lIns="91425" spcFirstLastPara="1" rIns="91425" wrap="square" tIns="91425">
+            <a:bodyPr spcFirstLastPara="1" wrap="square" lIns="91425" tIns="91425" rIns="91425" bIns="91425" anchor="ctr" anchorCtr="0">
               <a:noAutofit/>
             </a:bodyPr>
             <a:lstStyle/>
             <a:p>
-              <a:pPr indent="0" lvl="0" marL="0" rtl="0" algn="l">
+              <a:pPr marL="0" lvl="0" indent="0" algn="l" rtl="0">
                 <a:spcBef>
                   <a:spcPts val="0"/>
                 </a:spcBef>
@@ -2253,9 +2385,6 @@
                 </a:spcAft>
                 <a:buNone/>
               </a:pPr>
-              <a:r>
-                <a:t/>
-              </a:r>
               <a:endParaRPr/>
             </a:p>
           </p:txBody>
@@ -2267,7 +2396,7 @@
             <p:nvPr/>
           </p:nvSpPr>
           <p:spPr>
-            <a:xfrm flipH="1" rot="10800000">
+            <a:xfrm rot="10800000" flipH="1">
               <a:off x="7113588" y="107"/>
               <a:ext cx="1015200" cy="1015200"/>
             </a:xfrm>
@@ -2282,12 +2411,12 @@
             </a:ln>
           </p:spPr>
           <p:txBody>
-            <a:bodyPr anchorCtr="0" anchor="ctr" bIns="91425" lIns="91425" spcFirstLastPara="1" rIns="91425" wrap="square" tIns="91425">
+            <a:bodyPr spcFirstLastPara="1" wrap="square" lIns="91425" tIns="91425" rIns="91425" bIns="91425" anchor="ctr" anchorCtr="0">
               <a:noAutofit/>
             </a:bodyPr>
             <a:lstStyle/>
             <a:p>
-              <a:pPr indent="0" lvl="0" marL="0" rtl="0" algn="l">
+              <a:pPr marL="0" lvl="0" indent="0" algn="l" rtl="0">
                 <a:spcBef>
                   <a:spcPts val="0"/>
                 </a:spcBef>
@@ -2296,9 +2425,6 @@
                 </a:spcAft>
                 <a:buNone/>
               </a:pPr>
-              <a:r>
-                <a:t/>
-              </a:r>
               <a:endParaRPr/>
             </a:p>
           </p:txBody>
@@ -2325,12 +2451,12 @@
             </a:ln>
           </p:spPr>
           <p:txBody>
-            <a:bodyPr anchorCtr="0" anchor="ctr" bIns="91425" lIns="91425" spcFirstLastPara="1" rIns="91425" wrap="square" tIns="91425">
+            <a:bodyPr spcFirstLastPara="1" wrap="square" lIns="91425" tIns="91425" rIns="91425" bIns="91425" anchor="ctr" anchorCtr="0">
               <a:noAutofit/>
             </a:bodyPr>
             <a:lstStyle/>
             <a:p>
-              <a:pPr indent="0" lvl="0" marL="0" rtl="0" algn="l">
+              <a:pPr marL="0" lvl="0" indent="0" algn="l" rtl="0">
                 <a:spcBef>
                   <a:spcPts val="0"/>
                 </a:spcBef>
@@ -2339,9 +2465,6 @@
                 </a:spcAft>
                 <a:buNone/>
               </a:pPr>
-              <a:r>
-                <a:t/>
-              </a:r>
               <a:endParaRPr/>
             </a:p>
           </p:txBody>
@@ -2368,12 +2491,12 @@
             </a:ln>
           </p:spPr>
           <p:txBody>
-            <a:bodyPr anchorCtr="0" anchor="ctr" bIns="91425" lIns="91425" spcFirstLastPara="1" rIns="91425" wrap="square" tIns="91425">
+            <a:bodyPr spcFirstLastPara="1" wrap="square" lIns="91425" tIns="91425" rIns="91425" bIns="91425" anchor="ctr" anchorCtr="0">
               <a:noAutofit/>
             </a:bodyPr>
             <a:lstStyle/>
             <a:p>
-              <a:pPr indent="0" lvl="0" marL="0" rtl="0" algn="l">
+              <a:pPr marL="0" lvl="0" indent="0" algn="l" rtl="0">
                 <a:spcBef>
                   <a:spcPts val="0"/>
                 </a:spcBef>
@@ -2382,9 +2505,6 @@
                 </a:spcAft>
                 <a:buNone/>
               </a:pPr>
-              <a:r>
-                <a:t/>
-              </a:r>
               <a:endParaRPr/>
             </a:p>
           </p:txBody>
@@ -2393,9 +2513,11 @@
       <p:sp>
         <p:nvSpPr>
           <p:cNvPr id="76" name="Google Shape;76;p11"/>
-          <p:cNvSpPr txBox="1"/>
+          <p:cNvSpPr txBox="1">
+            <a:spLocks noGrp="1"/>
+          </p:cNvSpPr>
           <p:nvPr>
-            <p:ph hasCustomPrompt="1" type="title"/>
+            <p:ph type="title" hasCustomPrompt="1"/>
           </p:nvPr>
         </p:nvSpPr>
         <p:spPr>
@@ -2408,7 +2530,7 @@
           </a:prstGeom>
         </p:spPr>
         <p:txBody>
-          <a:bodyPr anchorCtr="0" anchor="b" bIns="91425" lIns="91425" spcFirstLastPara="1" rIns="91425" wrap="square" tIns="91425">
+          <a:bodyPr spcFirstLastPara="1" wrap="square" lIns="91425" tIns="91425" rIns="91425" bIns="91425" anchor="b" anchorCtr="0">
             <a:noAutofit/>
           </a:bodyPr>
           <a:lstStyle>
@@ -2585,9 +2707,11 @@
       <p:sp>
         <p:nvSpPr>
           <p:cNvPr id="77" name="Google Shape;77;p11"/>
-          <p:cNvSpPr txBox="1"/>
+          <p:cNvSpPr txBox="1">
+            <a:spLocks noGrp="1"/>
+          </p:cNvSpPr>
           <p:nvPr>
-            <p:ph idx="1" type="body"/>
+            <p:ph type="body" idx="1"/>
           </p:nvPr>
         </p:nvSpPr>
         <p:spPr>
@@ -2600,11 +2724,11 @@
           </a:prstGeom>
         </p:spPr>
         <p:txBody>
-          <a:bodyPr anchorCtr="0" anchor="t" bIns="91425" lIns="91425" spcFirstLastPara="1" rIns="91425" wrap="square" tIns="91425">
+          <a:bodyPr spcFirstLastPara="1" wrap="square" lIns="91425" tIns="91425" rIns="91425" bIns="91425" anchor="t" anchorCtr="0">
             <a:noAutofit/>
           </a:bodyPr>
           <a:lstStyle>
-            <a:lvl1pPr indent="-342900" lvl="0" marL="457200" algn="ctr">
+            <a:lvl1pPr marL="457200" lvl="0" indent="-342900" algn="ctr">
               <a:spcBef>
                 <a:spcPts val="0"/>
               </a:spcBef>
@@ -2622,7 +2746,7 @@
                 </a:solidFill>
               </a:defRPr>
             </a:lvl1pPr>
-            <a:lvl2pPr indent="-317500" lvl="1" marL="914400" algn="ctr">
+            <a:lvl2pPr marL="914400" lvl="1" indent="-317500" algn="ctr">
               <a:spcBef>
                 <a:spcPts val="1600"/>
               </a:spcBef>
@@ -2640,7 +2764,7 @@
                 </a:solidFill>
               </a:defRPr>
             </a:lvl2pPr>
-            <a:lvl3pPr indent="-317500" lvl="2" marL="1371600" algn="ctr">
+            <a:lvl3pPr marL="1371600" lvl="2" indent="-317500" algn="ctr">
               <a:spcBef>
                 <a:spcPts val="1600"/>
               </a:spcBef>
@@ -2658,7 +2782,7 @@
                 </a:solidFill>
               </a:defRPr>
             </a:lvl3pPr>
-            <a:lvl4pPr indent="-317500" lvl="3" marL="1828800" algn="ctr">
+            <a:lvl4pPr marL="1828800" lvl="3" indent="-317500" algn="ctr">
               <a:spcBef>
                 <a:spcPts val="1600"/>
               </a:spcBef>
@@ -2676,7 +2800,7 @@
                 </a:solidFill>
               </a:defRPr>
             </a:lvl4pPr>
-            <a:lvl5pPr indent="-317500" lvl="4" marL="2286000" algn="ctr">
+            <a:lvl5pPr marL="2286000" lvl="4" indent="-317500" algn="ctr">
               <a:spcBef>
                 <a:spcPts val="1600"/>
               </a:spcBef>
@@ -2694,7 +2818,7 @@
                 </a:solidFill>
               </a:defRPr>
             </a:lvl5pPr>
-            <a:lvl6pPr indent="-317500" lvl="5" marL="2743200" algn="ctr">
+            <a:lvl6pPr marL="2743200" lvl="5" indent="-317500" algn="ctr">
               <a:spcBef>
                 <a:spcPts val="1600"/>
               </a:spcBef>
@@ -2712,7 +2836,7 @@
                 </a:solidFill>
               </a:defRPr>
             </a:lvl6pPr>
-            <a:lvl7pPr indent="-317500" lvl="6" marL="3200400" algn="ctr">
+            <a:lvl7pPr marL="3200400" lvl="6" indent="-317500" algn="ctr">
               <a:spcBef>
                 <a:spcPts val="1600"/>
               </a:spcBef>
@@ -2730,7 +2854,7 @@
                 </a:solidFill>
               </a:defRPr>
             </a:lvl7pPr>
-            <a:lvl8pPr indent="-317500" lvl="7" marL="3657600" algn="ctr">
+            <a:lvl8pPr marL="3657600" lvl="7" indent="-317500" algn="ctr">
               <a:spcBef>
                 <a:spcPts val="1600"/>
               </a:spcBef>
@@ -2748,7 +2872,7 @@
                 </a:solidFill>
               </a:defRPr>
             </a:lvl8pPr>
-            <a:lvl9pPr indent="-317500" lvl="8" marL="4114800" algn="ctr">
+            <a:lvl9pPr marL="4114800" lvl="8" indent="-317500" algn="ctr">
               <a:spcBef>
                 <a:spcPts val="1600"/>
               </a:spcBef>
@@ -2767,15 +2891,19 @@
               </a:defRPr>
             </a:lvl9pPr>
           </a:lstStyle>
-          <a:p/>
+          <a:p>
+            <a:endParaRPr/>
+          </a:p>
         </p:txBody>
       </p:sp>
       <p:sp>
         <p:nvSpPr>
           <p:cNvPr id="78" name="Google Shape;78;p11"/>
-          <p:cNvSpPr txBox="1"/>
+          <p:cNvSpPr txBox="1">
+            <a:spLocks noGrp="1"/>
+          </p:cNvSpPr>
           <p:nvPr>
-            <p:ph idx="12" type="sldNum"/>
+            <p:ph type="sldNum" idx="12"/>
           </p:nvPr>
         </p:nvSpPr>
         <p:spPr>
@@ -2788,7 +2916,7 @@
           </a:prstGeom>
         </p:spPr>
         <p:txBody>
-          <a:bodyPr anchorCtr="0" anchor="ctr" bIns="91425" lIns="91425" spcFirstLastPara="1" rIns="91425" wrap="square" tIns="91425">
+          <a:bodyPr spcFirstLastPara="1" wrap="square" lIns="91425" tIns="91425" rIns="91425" bIns="91425" anchor="ctr" anchorCtr="0">
             <a:noAutofit/>
           </a:bodyPr>
           <a:lstStyle>
@@ -2830,7 +2958,7 @@
             </a:lvl9pPr>
           </a:lstStyle>
           <a:p>
-            <a:pPr indent="0" lvl="0" marL="0" rtl="0" algn="r">
+            <a:pPr marL="0" lvl="0" indent="0" algn="r" rtl="0">
               <a:spcBef>
                 <a:spcPts val="0"/>
               </a:spcBef>
@@ -2856,11 +2984,11 @@
 </file>
 
 <file path=ppt/slideLayouts/slideLayout11.xml><?xml version="1.0" encoding="utf-8"?>
-<p:sldLayout xmlns:a="http://schemas.openxmlformats.org/drawingml/2006/main" xmlns:r="http://schemas.openxmlformats.org/officeDocument/2006/relationships" xmlns:mc="http://schemas.openxmlformats.org/markup-compatibility/2006" xmlns:mv="urn:schemas-microsoft-com:mac:vml" xmlns:p="http://schemas.openxmlformats.org/presentationml/2006/main" xmlns:c="http://schemas.openxmlformats.org/drawingml/2006/chart" xmlns:dgm="http://schemas.openxmlformats.org/drawingml/2006/diagram" xmlns:o="urn:schemas-microsoft-com:office:office" xmlns:v="urn:schemas-microsoft-com:vml" xmlns:pvml="urn:schemas-microsoft-com:office:powerpoint" xmlns:com="http://schemas.openxmlformats.org/drawingml/2006/compatibility" xmlns:p14="http://schemas.microsoft.com/office/powerpoint/2010/main" xmlns:p15="http://schemas.microsoft.com/office/powerpoint/2012/main" xmlns:ahyp="http://schemas.microsoft.com/office/drawing/2018/hyperlinkcolor" matchingName="Blank" type="blank">
+<p:sldLayout xmlns:a="http://schemas.openxmlformats.org/drawingml/2006/main" xmlns:r="http://schemas.openxmlformats.org/officeDocument/2006/relationships" xmlns:p="http://schemas.openxmlformats.org/presentationml/2006/main" matchingName="Blank" type="blank">
   <p:cSld name="BLANK">
     <p:spTree>
       <p:nvGrpSpPr>
-        <p:cNvPr id="79" name="Shape 79"/>
+        <p:cNvPr id="1" name="Shape 79"/>
         <p:cNvGrpSpPr/>
         <p:nvPr/>
       </p:nvGrpSpPr>
@@ -2875,9 +3003,11 @@
       <p:sp>
         <p:nvSpPr>
           <p:cNvPr id="80" name="Google Shape;80;p12"/>
-          <p:cNvSpPr txBox="1"/>
+          <p:cNvSpPr txBox="1">
+            <a:spLocks noGrp="1"/>
+          </p:cNvSpPr>
           <p:nvPr>
-            <p:ph idx="12" type="sldNum"/>
+            <p:ph type="sldNum" idx="12"/>
           </p:nvPr>
         </p:nvSpPr>
         <p:spPr>
@@ -2890,7 +3020,7 @@
           </a:prstGeom>
         </p:spPr>
         <p:txBody>
-          <a:bodyPr anchorCtr="0" anchor="ctr" bIns="91425" lIns="91425" spcFirstLastPara="1" rIns="91425" wrap="square" tIns="91425">
+          <a:bodyPr spcFirstLastPara="1" wrap="square" lIns="91425" tIns="91425" rIns="91425" bIns="91425" anchor="ctr" anchorCtr="0">
             <a:noAutofit/>
           </a:bodyPr>
           <a:lstStyle>
@@ -2968,7 +3098,7 @@
             </a:lvl9pPr>
           </a:lstStyle>
           <a:p>
-            <a:pPr indent="0" lvl="0" marL="0" rtl="0" algn="r">
+            <a:pPr marL="0" lvl="0" indent="0" algn="r" rtl="0">
               <a:spcBef>
                 <a:spcPts val="0"/>
               </a:spcBef>
@@ -2994,18 +3124,19 @@
 </file>
 
 <file path=ppt/slideLayouts/slideLayout2.xml><?xml version="1.0" encoding="utf-8"?>
-<p:sldLayout xmlns:a="http://schemas.openxmlformats.org/drawingml/2006/main" xmlns:r="http://schemas.openxmlformats.org/officeDocument/2006/relationships" xmlns:mc="http://schemas.openxmlformats.org/markup-compatibility/2006" xmlns:mv="urn:schemas-microsoft-com:mac:vml" xmlns:p="http://schemas.openxmlformats.org/presentationml/2006/main" xmlns:c="http://schemas.openxmlformats.org/drawingml/2006/chart" xmlns:dgm="http://schemas.openxmlformats.org/drawingml/2006/diagram" xmlns:o="urn:schemas-microsoft-com:office:office" xmlns:v="urn:schemas-microsoft-com:vml" xmlns:pvml="urn:schemas-microsoft-com:office:powerpoint" xmlns:com="http://schemas.openxmlformats.org/drawingml/2006/compatibility" xmlns:p14="http://schemas.microsoft.com/office/powerpoint/2010/main" xmlns:p15="http://schemas.microsoft.com/office/powerpoint/2012/main" xmlns:ahyp="http://schemas.microsoft.com/office/drawing/2018/hyperlinkcolor" matchingName="Section header" type="secHead">
+<p:sldLayout xmlns:a="http://schemas.openxmlformats.org/drawingml/2006/main" xmlns:r="http://schemas.openxmlformats.org/officeDocument/2006/relationships" xmlns:p="http://schemas.openxmlformats.org/presentationml/2006/main" matchingName="Section header" type="secHead">
   <p:cSld name="SECTION_HEADER">
     <p:bg>
       <p:bgPr>
         <a:solidFill>
           <a:schemeClr val="dk1"/>
         </a:solidFill>
+        <a:effectLst/>
       </p:bgPr>
     </p:bg>
     <p:spTree>
       <p:nvGrpSpPr>
-        <p:cNvPr id="19" name="Shape 19"/>
+        <p:cNvPr id="1" name="Shape 19"/>
         <p:cNvGrpSpPr/>
         <p:nvPr/>
       </p:nvGrpSpPr>
@@ -3053,12 +3184,12 @@
             </a:ln>
           </p:spPr>
           <p:txBody>
-            <a:bodyPr anchorCtr="0" anchor="ctr" bIns="91425" lIns="91425" spcFirstLastPara="1" rIns="91425" wrap="square" tIns="91425">
+            <a:bodyPr spcFirstLastPara="1" wrap="square" lIns="91425" tIns="91425" rIns="91425" bIns="91425" anchor="ctr" anchorCtr="0">
               <a:noAutofit/>
             </a:bodyPr>
             <a:lstStyle/>
             <a:p>
-              <a:pPr indent="0" lvl="0" marL="0" rtl="0" algn="l">
+              <a:pPr marL="0" lvl="0" indent="0" algn="l" rtl="0">
                 <a:spcBef>
                   <a:spcPts val="0"/>
                 </a:spcBef>
@@ -3067,9 +3198,6 @@
                 </a:spcAft>
                 <a:buNone/>
               </a:pPr>
-              <a:r>
-                <a:t/>
-              </a:r>
               <a:endParaRPr/>
             </a:p>
           </p:txBody>
@@ -3096,12 +3224,12 @@
             </a:ln>
           </p:spPr>
           <p:txBody>
-            <a:bodyPr anchorCtr="0" anchor="ctr" bIns="91425" lIns="91425" spcFirstLastPara="1" rIns="91425" wrap="square" tIns="91425">
+            <a:bodyPr spcFirstLastPara="1" wrap="square" lIns="91425" tIns="91425" rIns="91425" bIns="91425" anchor="ctr" anchorCtr="0">
               <a:noAutofit/>
             </a:bodyPr>
             <a:lstStyle/>
             <a:p>
-              <a:pPr indent="0" lvl="0" marL="0" rtl="0" algn="l">
+              <a:pPr marL="0" lvl="0" indent="0" algn="l" rtl="0">
                 <a:spcBef>
                   <a:spcPts val="0"/>
                 </a:spcBef>
@@ -3110,9 +3238,6 @@
                 </a:spcAft>
                 <a:buNone/>
               </a:pPr>
-              <a:r>
-                <a:t/>
-              </a:r>
               <a:endParaRPr/>
             </a:p>
           </p:txBody>
@@ -3124,7 +3249,7 @@
             <p:nvPr/>
           </p:nvSpPr>
           <p:spPr>
-            <a:xfrm flipH="1" rot="10800000">
+            <a:xfrm rot="10800000" flipH="1">
               <a:off x="7113588" y="107"/>
               <a:ext cx="1015200" cy="1015200"/>
             </a:xfrm>
@@ -3139,12 +3264,12 @@
             </a:ln>
           </p:spPr>
           <p:txBody>
-            <a:bodyPr anchorCtr="0" anchor="ctr" bIns="91425" lIns="91425" spcFirstLastPara="1" rIns="91425" wrap="square" tIns="91425">
+            <a:bodyPr spcFirstLastPara="1" wrap="square" lIns="91425" tIns="91425" rIns="91425" bIns="91425" anchor="ctr" anchorCtr="0">
               <a:noAutofit/>
             </a:bodyPr>
             <a:lstStyle/>
             <a:p>
-              <a:pPr indent="0" lvl="0" marL="0" rtl="0" algn="l">
+              <a:pPr marL="0" lvl="0" indent="0" algn="l" rtl="0">
                 <a:spcBef>
                   <a:spcPts val="0"/>
                 </a:spcBef>
@@ -3153,9 +3278,6 @@
                 </a:spcAft>
                 <a:buNone/>
               </a:pPr>
-              <a:r>
-                <a:t/>
-              </a:r>
               <a:endParaRPr/>
             </a:p>
           </p:txBody>
@@ -3182,12 +3304,12 @@
             </a:ln>
           </p:spPr>
           <p:txBody>
-            <a:bodyPr anchorCtr="0" anchor="ctr" bIns="91425" lIns="91425" spcFirstLastPara="1" rIns="91425" wrap="square" tIns="91425">
+            <a:bodyPr spcFirstLastPara="1" wrap="square" lIns="91425" tIns="91425" rIns="91425" bIns="91425" anchor="ctr" anchorCtr="0">
               <a:noAutofit/>
             </a:bodyPr>
             <a:lstStyle/>
             <a:p>
-              <a:pPr indent="0" lvl="0" marL="0" rtl="0" algn="l">
+              <a:pPr marL="0" lvl="0" indent="0" algn="l" rtl="0">
                 <a:spcBef>
                   <a:spcPts val="0"/>
                 </a:spcBef>
@@ -3196,9 +3318,6 @@
                 </a:spcAft>
                 <a:buNone/>
               </a:pPr>
-              <a:r>
-                <a:t/>
-              </a:r>
               <a:endParaRPr/>
             </a:p>
           </p:txBody>
@@ -3225,12 +3344,12 @@
             </a:ln>
           </p:spPr>
           <p:txBody>
-            <a:bodyPr anchorCtr="0" anchor="ctr" bIns="91425" lIns="91425" spcFirstLastPara="1" rIns="91425" wrap="square" tIns="91425">
+            <a:bodyPr spcFirstLastPara="1" wrap="square" lIns="91425" tIns="91425" rIns="91425" bIns="91425" anchor="ctr" anchorCtr="0">
               <a:noAutofit/>
             </a:bodyPr>
             <a:lstStyle/>
             <a:p>
-              <a:pPr indent="0" lvl="0" marL="0" rtl="0" algn="l">
+              <a:pPr marL="0" lvl="0" indent="0" algn="l" rtl="0">
                 <a:spcBef>
                   <a:spcPts val="0"/>
                 </a:spcBef>
@@ -3239,9 +3358,6 @@
                 </a:spcAft>
                 <a:buNone/>
               </a:pPr>
-              <a:r>
-                <a:t/>
-              </a:r>
               <a:endParaRPr/>
             </a:p>
           </p:txBody>
@@ -3250,7 +3366,9 @@
       <p:sp>
         <p:nvSpPr>
           <p:cNvPr id="26" name="Google Shape;26;p3"/>
-          <p:cNvSpPr txBox="1"/>
+          <p:cNvSpPr txBox="1">
+            <a:spLocks noGrp="1"/>
+          </p:cNvSpPr>
           <p:nvPr>
             <p:ph type="title"/>
           </p:nvPr>
@@ -3265,7 +3383,7 @@
           </a:prstGeom>
         </p:spPr>
         <p:txBody>
-          <a:bodyPr anchorCtr="0" anchor="ctr" bIns="91425" lIns="91425" spcFirstLastPara="1" rIns="91425" wrap="square" tIns="91425">
+          <a:bodyPr spcFirstLastPara="1" wrap="square" lIns="91425" tIns="91425" rIns="91425" bIns="91425" anchor="ctr" anchorCtr="0">
             <a:noAutofit/>
           </a:bodyPr>
           <a:lstStyle>
@@ -3432,15 +3550,19 @@
               </a:defRPr>
             </a:lvl9pPr>
           </a:lstStyle>
-          <a:p/>
+          <a:p>
+            <a:endParaRPr/>
+          </a:p>
         </p:txBody>
       </p:sp>
       <p:sp>
         <p:nvSpPr>
           <p:cNvPr id="27" name="Google Shape;27;p3"/>
-          <p:cNvSpPr txBox="1"/>
+          <p:cNvSpPr txBox="1">
+            <a:spLocks noGrp="1"/>
+          </p:cNvSpPr>
           <p:nvPr>
-            <p:ph idx="12" type="sldNum"/>
+            <p:ph type="sldNum" idx="12"/>
           </p:nvPr>
         </p:nvSpPr>
         <p:spPr>
@@ -3453,7 +3575,7 @@
           </a:prstGeom>
         </p:spPr>
         <p:txBody>
-          <a:bodyPr anchorCtr="0" anchor="ctr" bIns="91425" lIns="91425" spcFirstLastPara="1" rIns="91425" wrap="square" tIns="91425">
+          <a:bodyPr spcFirstLastPara="1" wrap="square" lIns="91425" tIns="91425" rIns="91425" bIns="91425" anchor="ctr" anchorCtr="0">
             <a:noAutofit/>
           </a:bodyPr>
           <a:lstStyle>
@@ -3495,7 +3617,7 @@
             </a:lvl9pPr>
           </a:lstStyle>
           <a:p>
-            <a:pPr indent="0" lvl="0" marL="0" rtl="0" algn="r">
+            <a:pPr marL="0" lvl="0" indent="0" algn="r" rtl="0">
               <a:spcBef>
                 <a:spcPts val="0"/>
               </a:spcBef>
@@ -3521,11 +3643,11 @@
 </file>
 
 <file path=ppt/slideLayouts/slideLayout3.xml><?xml version="1.0" encoding="utf-8"?>
-<p:sldLayout xmlns:a="http://schemas.openxmlformats.org/drawingml/2006/main" xmlns:r="http://schemas.openxmlformats.org/officeDocument/2006/relationships" xmlns:mc="http://schemas.openxmlformats.org/markup-compatibility/2006" xmlns:mv="urn:schemas-microsoft-com:mac:vml" xmlns:p="http://schemas.openxmlformats.org/presentationml/2006/main" xmlns:c="http://schemas.openxmlformats.org/drawingml/2006/chart" xmlns:dgm="http://schemas.openxmlformats.org/drawingml/2006/diagram" xmlns:o="urn:schemas-microsoft-com:office:office" xmlns:v="urn:schemas-microsoft-com:vml" xmlns:pvml="urn:schemas-microsoft-com:office:powerpoint" xmlns:com="http://schemas.openxmlformats.org/drawingml/2006/compatibility" xmlns:p14="http://schemas.microsoft.com/office/powerpoint/2010/main" xmlns:p15="http://schemas.microsoft.com/office/powerpoint/2012/main" xmlns:ahyp="http://schemas.microsoft.com/office/drawing/2018/hyperlinkcolor" matchingName="Title and body" type="tx">
+<p:sldLayout xmlns:a="http://schemas.openxmlformats.org/drawingml/2006/main" xmlns:r="http://schemas.openxmlformats.org/officeDocument/2006/relationships" xmlns:p="http://schemas.openxmlformats.org/presentationml/2006/main" matchingName="Title and body" type="tx">
   <p:cSld name="TITLE_AND_BODY">
     <p:spTree>
       <p:nvGrpSpPr>
-        <p:cNvPr id="28" name="Shape 28"/>
+        <p:cNvPr id="1" name="Shape 28"/>
         <p:cNvGrpSpPr/>
         <p:nvPr/>
       </p:nvGrpSpPr>
@@ -3573,12 +3695,12 @@
             </a:ln>
           </p:spPr>
           <p:txBody>
-            <a:bodyPr anchorCtr="0" anchor="ctr" bIns="91425" lIns="91425" spcFirstLastPara="1" rIns="91425" wrap="square" tIns="91425">
+            <a:bodyPr spcFirstLastPara="1" wrap="square" lIns="91425" tIns="91425" rIns="91425" bIns="91425" anchor="ctr" anchorCtr="0">
               <a:noAutofit/>
             </a:bodyPr>
             <a:lstStyle/>
             <a:p>
-              <a:pPr indent="0" lvl="0" marL="0" rtl="0" algn="l">
+              <a:pPr marL="0" lvl="0" indent="0" algn="l" rtl="0">
                 <a:spcBef>
                   <a:spcPts val="0"/>
                 </a:spcBef>
@@ -3587,9 +3709,6 @@
                 </a:spcAft>
                 <a:buNone/>
               </a:pPr>
-              <a:r>
-                <a:t/>
-              </a:r>
               <a:endParaRPr/>
             </a:p>
           </p:txBody>
@@ -3616,12 +3735,12 @@
             </a:ln>
           </p:spPr>
           <p:txBody>
-            <a:bodyPr anchorCtr="0" anchor="ctr" bIns="91425" lIns="91425" spcFirstLastPara="1" rIns="91425" wrap="square" tIns="91425">
+            <a:bodyPr spcFirstLastPara="1" wrap="square" lIns="91425" tIns="91425" rIns="91425" bIns="91425" anchor="ctr" anchorCtr="0">
               <a:noAutofit/>
             </a:bodyPr>
             <a:lstStyle/>
             <a:p>
-              <a:pPr indent="0" lvl="0" marL="0" rtl="0" algn="l">
+              <a:pPr marL="0" lvl="0" indent="0" algn="l" rtl="0">
                 <a:spcBef>
                   <a:spcPts val="0"/>
                 </a:spcBef>
@@ -3630,9 +3749,6 @@
                 </a:spcAft>
                 <a:buNone/>
               </a:pPr>
-              <a:r>
-                <a:t/>
-              </a:r>
               <a:endParaRPr/>
             </a:p>
           </p:txBody>
@@ -3659,12 +3775,12 @@
             </a:ln>
           </p:spPr>
           <p:txBody>
-            <a:bodyPr anchorCtr="0" anchor="ctr" bIns="91425" lIns="91425" spcFirstLastPara="1" rIns="91425" wrap="square" tIns="91425">
+            <a:bodyPr spcFirstLastPara="1" wrap="square" lIns="91425" tIns="91425" rIns="91425" bIns="91425" anchor="ctr" anchorCtr="0">
               <a:noAutofit/>
             </a:bodyPr>
             <a:lstStyle/>
             <a:p>
-              <a:pPr indent="0" lvl="0" marL="0" rtl="0" algn="l">
+              <a:pPr marL="0" lvl="0" indent="0" algn="l" rtl="0">
                 <a:spcBef>
                   <a:spcPts val="0"/>
                 </a:spcBef>
@@ -3673,9 +3789,6 @@
                 </a:spcAft>
                 <a:buNone/>
               </a:pPr>
-              <a:r>
-                <a:t/>
-              </a:r>
               <a:endParaRPr/>
             </a:p>
           </p:txBody>
@@ -3702,12 +3815,12 @@
             </a:ln>
           </p:spPr>
           <p:txBody>
-            <a:bodyPr anchorCtr="0" anchor="ctr" bIns="91425" lIns="91425" spcFirstLastPara="1" rIns="91425" wrap="square" tIns="91425">
+            <a:bodyPr spcFirstLastPara="1" wrap="square" lIns="91425" tIns="91425" rIns="91425" bIns="91425" anchor="ctr" anchorCtr="0">
               <a:noAutofit/>
             </a:bodyPr>
             <a:lstStyle/>
             <a:p>
-              <a:pPr indent="0" lvl="0" marL="0" rtl="0" algn="l">
+              <a:pPr marL="0" lvl="0" indent="0" algn="l" rtl="0">
                 <a:spcBef>
                   <a:spcPts val="0"/>
                 </a:spcBef>
@@ -3716,9 +3829,6 @@
                 </a:spcAft>
                 <a:buNone/>
               </a:pPr>
-              <a:r>
-                <a:t/>
-              </a:r>
               <a:endParaRPr/>
             </a:p>
           </p:txBody>
@@ -3745,12 +3855,12 @@
             </a:ln>
           </p:spPr>
           <p:txBody>
-            <a:bodyPr anchorCtr="0" anchor="ctr" bIns="91425" lIns="91425" spcFirstLastPara="1" rIns="91425" wrap="square" tIns="91425">
+            <a:bodyPr spcFirstLastPara="1" wrap="square" lIns="91425" tIns="91425" rIns="91425" bIns="91425" anchor="ctr" anchorCtr="0">
               <a:noAutofit/>
             </a:bodyPr>
             <a:lstStyle/>
             <a:p>
-              <a:pPr indent="0" lvl="0" marL="0" rtl="0" algn="l">
+              <a:pPr marL="0" lvl="0" indent="0" algn="l" rtl="0">
                 <a:spcBef>
                   <a:spcPts val="0"/>
                 </a:spcBef>
@@ -3759,9 +3869,6 @@
                 </a:spcAft>
                 <a:buNone/>
               </a:pPr>
-              <a:r>
-                <a:t/>
-              </a:r>
               <a:endParaRPr/>
             </a:p>
           </p:txBody>
@@ -3770,7 +3877,9 @@
       <p:sp>
         <p:nvSpPr>
           <p:cNvPr id="35" name="Google Shape;35;p4"/>
-          <p:cNvSpPr txBox="1"/>
+          <p:cNvSpPr txBox="1">
+            <a:spLocks noGrp="1"/>
+          </p:cNvSpPr>
           <p:nvPr>
             <p:ph type="title"/>
           </p:nvPr>
@@ -3785,7 +3894,7 @@
           </a:prstGeom>
         </p:spPr>
         <p:txBody>
-          <a:bodyPr anchorCtr="0" anchor="t" bIns="91425" lIns="91425" spcFirstLastPara="1" rIns="91425" wrap="square" tIns="91425">
+          <a:bodyPr spcFirstLastPara="1" wrap="square" lIns="91425" tIns="91425" rIns="91425" bIns="91425" anchor="t" anchorCtr="0">
             <a:noAutofit/>
           </a:bodyPr>
           <a:lstStyle>
@@ -3889,15 +3998,19 @@
               <a:defRPr/>
             </a:lvl9pPr>
           </a:lstStyle>
-          <a:p/>
+          <a:p>
+            <a:endParaRPr/>
+          </a:p>
         </p:txBody>
       </p:sp>
       <p:sp>
         <p:nvSpPr>
           <p:cNvPr id="36" name="Google Shape;36;p4"/>
-          <p:cNvSpPr txBox="1"/>
+          <p:cNvSpPr txBox="1">
+            <a:spLocks noGrp="1"/>
+          </p:cNvSpPr>
           <p:nvPr>
-            <p:ph idx="1" type="body"/>
+            <p:ph type="body" idx="1"/>
           </p:nvPr>
         </p:nvSpPr>
         <p:spPr>
@@ -3910,11 +4023,11 @@
           </a:prstGeom>
         </p:spPr>
         <p:txBody>
-          <a:bodyPr anchorCtr="0" anchor="t" bIns="91425" lIns="91425" spcFirstLastPara="1" rIns="91425" wrap="square" tIns="91425">
+          <a:bodyPr spcFirstLastPara="1" wrap="square" lIns="91425" tIns="91425" rIns="91425" bIns="91425" anchor="t" anchorCtr="0">
             <a:noAutofit/>
           </a:bodyPr>
           <a:lstStyle>
-            <a:lvl1pPr indent="-342900" lvl="0" marL="457200">
+            <a:lvl1pPr marL="457200" lvl="0" indent="-342900">
               <a:spcBef>
                 <a:spcPts val="0"/>
               </a:spcBef>
@@ -3925,7 +4038,7 @@
               <a:buChar char="●"/>
               <a:defRPr/>
             </a:lvl1pPr>
-            <a:lvl2pPr indent="-317500" lvl="1" marL="914400">
+            <a:lvl2pPr marL="914400" lvl="1" indent="-317500">
               <a:spcBef>
                 <a:spcPts val="1600"/>
               </a:spcBef>
@@ -3936,7 +4049,7 @@
               <a:buChar char="○"/>
               <a:defRPr/>
             </a:lvl2pPr>
-            <a:lvl3pPr indent="-317500" lvl="2" marL="1371600">
+            <a:lvl3pPr marL="1371600" lvl="2" indent="-317500">
               <a:spcBef>
                 <a:spcPts val="1600"/>
               </a:spcBef>
@@ -3947,7 +4060,7 @@
               <a:buChar char="■"/>
               <a:defRPr/>
             </a:lvl3pPr>
-            <a:lvl4pPr indent="-317500" lvl="3" marL="1828800">
+            <a:lvl4pPr marL="1828800" lvl="3" indent="-317500">
               <a:spcBef>
                 <a:spcPts val="1600"/>
               </a:spcBef>
@@ -3958,7 +4071,7 @@
               <a:buChar char="●"/>
               <a:defRPr/>
             </a:lvl4pPr>
-            <a:lvl5pPr indent="-317500" lvl="4" marL="2286000">
+            <a:lvl5pPr marL="2286000" lvl="4" indent="-317500">
               <a:spcBef>
                 <a:spcPts val="1600"/>
               </a:spcBef>
@@ -3969,7 +4082,7 @@
               <a:buChar char="○"/>
               <a:defRPr/>
             </a:lvl5pPr>
-            <a:lvl6pPr indent="-317500" lvl="5" marL="2743200">
+            <a:lvl6pPr marL="2743200" lvl="5" indent="-317500">
               <a:spcBef>
                 <a:spcPts val="1600"/>
               </a:spcBef>
@@ -3980,7 +4093,7 @@
               <a:buChar char="■"/>
               <a:defRPr/>
             </a:lvl6pPr>
-            <a:lvl7pPr indent="-317500" lvl="6" marL="3200400">
+            <a:lvl7pPr marL="3200400" lvl="6" indent="-317500">
               <a:spcBef>
                 <a:spcPts val="1600"/>
               </a:spcBef>
@@ -3991,7 +4104,7 @@
               <a:buChar char="●"/>
               <a:defRPr/>
             </a:lvl7pPr>
-            <a:lvl8pPr indent="-317500" lvl="7" marL="3657600">
+            <a:lvl8pPr marL="3657600" lvl="7" indent="-317500">
               <a:spcBef>
                 <a:spcPts val="1600"/>
               </a:spcBef>
@@ -4002,7 +4115,7 @@
               <a:buChar char="○"/>
               <a:defRPr/>
             </a:lvl8pPr>
-            <a:lvl9pPr indent="-317500" lvl="8" marL="4114800">
+            <a:lvl9pPr marL="4114800" lvl="8" indent="-317500">
               <a:spcBef>
                 <a:spcPts val="1600"/>
               </a:spcBef>
@@ -4014,15 +4127,19 @@
               <a:defRPr/>
             </a:lvl9pPr>
           </a:lstStyle>
-          <a:p/>
+          <a:p>
+            <a:endParaRPr/>
+          </a:p>
         </p:txBody>
       </p:sp>
       <p:sp>
         <p:nvSpPr>
           <p:cNvPr id="37" name="Google Shape;37;p4"/>
-          <p:cNvSpPr txBox="1"/>
+          <p:cNvSpPr txBox="1">
+            <a:spLocks noGrp="1"/>
+          </p:cNvSpPr>
           <p:nvPr>
-            <p:ph idx="12" type="sldNum"/>
+            <p:ph type="sldNum" idx="12"/>
           </p:nvPr>
         </p:nvSpPr>
         <p:spPr>
@@ -4035,7 +4152,7 @@
           </a:prstGeom>
         </p:spPr>
         <p:txBody>
-          <a:bodyPr anchorCtr="0" anchor="ctr" bIns="91425" lIns="91425" spcFirstLastPara="1" rIns="91425" wrap="square" tIns="91425">
+          <a:bodyPr spcFirstLastPara="1" wrap="square" lIns="91425" tIns="91425" rIns="91425" bIns="91425" anchor="ctr" anchorCtr="0">
             <a:noAutofit/>
           </a:bodyPr>
           <a:lstStyle>
@@ -4077,7 +4194,7 @@
             </a:lvl9pPr>
           </a:lstStyle>
           <a:p>
-            <a:pPr indent="0" lvl="0" marL="0" rtl="0" algn="r">
+            <a:pPr marL="0" lvl="0" indent="0" algn="r" rtl="0">
               <a:spcBef>
                 <a:spcPts val="0"/>
               </a:spcBef>
@@ -4103,11 +4220,11 @@
 </file>
 
 <file path=ppt/slideLayouts/slideLayout4.xml><?xml version="1.0" encoding="utf-8"?>
-<p:sldLayout xmlns:a="http://schemas.openxmlformats.org/drawingml/2006/main" xmlns:r="http://schemas.openxmlformats.org/officeDocument/2006/relationships" xmlns:mc="http://schemas.openxmlformats.org/markup-compatibility/2006" xmlns:mv="urn:schemas-microsoft-com:mac:vml" xmlns:p="http://schemas.openxmlformats.org/presentationml/2006/main" xmlns:c="http://schemas.openxmlformats.org/drawingml/2006/chart" xmlns:dgm="http://schemas.openxmlformats.org/drawingml/2006/diagram" xmlns:o="urn:schemas-microsoft-com:office:office" xmlns:v="urn:schemas-microsoft-com:vml" xmlns:pvml="urn:schemas-microsoft-com:office:powerpoint" xmlns:com="http://schemas.openxmlformats.org/drawingml/2006/compatibility" xmlns:p14="http://schemas.microsoft.com/office/powerpoint/2010/main" xmlns:p15="http://schemas.microsoft.com/office/powerpoint/2012/main" xmlns:ahyp="http://schemas.microsoft.com/office/drawing/2018/hyperlinkcolor" matchingName="Title and two columns" type="twoColTx">
+<p:sldLayout xmlns:a="http://schemas.openxmlformats.org/drawingml/2006/main" xmlns:r="http://schemas.openxmlformats.org/officeDocument/2006/relationships" xmlns:p="http://schemas.openxmlformats.org/presentationml/2006/main" matchingName="Title and two columns" type="twoColTx">
   <p:cSld name="TITLE_AND_TWO_COLUMNS">
     <p:spTree>
       <p:nvGrpSpPr>
-        <p:cNvPr id="38" name="Shape 38"/>
+        <p:cNvPr id="1" name="Shape 38"/>
         <p:cNvGrpSpPr/>
         <p:nvPr/>
       </p:nvGrpSpPr>
@@ -4122,7 +4239,9 @@
       <p:sp>
         <p:nvSpPr>
           <p:cNvPr id="39" name="Google Shape;39;p5"/>
-          <p:cNvSpPr txBox="1"/>
+          <p:cNvSpPr txBox="1">
+            <a:spLocks noGrp="1"/>
+          </p:cNvSpPr>
           <p:nvPr>
             <p:ph type="title"/>
           </p:nvPr>
@@ -4137,7 +4256,7 @@
           </a:prstGeom>
         </p:spPr>
         <p:txBody>
-          <a:bodyPr anchorCtr="0" anchor="t" bIns="91425" lIns="91425" spcFirstLastPara="1" rIns="91425" wrap="square" tIns="91425">
+          <a:bodyPr spcFirstLastPara="1" wrap="square" lIns="91425" tIns="91425" rIns="91425" bIns="91425" anchor="t" anchorCtr="0">
             <a:noAutofit/>
           </a:bodyPr>
           <a:lstStyle>
@@ -4241,15 +4360,19 @@
               <a:defRPr/>
             </a:lvl9pPr>
           </a:lstStyle>
-          <a:p/>
+          <a:p>
+            <a:endParaRPr/>
+          </a:p>
         </p:txBody>
       </p:sp>
       <p:sp>
         <p:nvSpPr>
           <p:cNvPr id="40" name="Google Shape;40;p5"/>
-          <p:cNvSpPr txBox="1"/>
+          <p:cNvSpPr txBox="1">
+            <a:spLocks noGrp="1"/>
+          </p:cNvSpPr>
           <p:nvPr>
-            <p:ph idx="1" type="body"/>
+            <p:ph type="body" idx="1"/>
           </p:nvPr>
         </p:nvSpPr>
         <p:spPr>
@@ -4262,11 +4385,11 @@
           </a:prstGeom>
         </p:spPr>
         <p:txBody>
-          <a:bodyPr anchorCtr="0" anchor="t" bIns="91425" lIns="91425" spcFirstLastPara="1" rIns="91425" wrap="square" tIns="91425">
+          <a:bodyPr spcFirstLastPara="1" wrap="square" lIns="91425" tIns="91425" rIns="91425" bIns="91425" anchor="t" anchorCtr="0">
             <a:noAutofit/>
           </a:bodyPr>
           <a:lstStyle>
-            <a:lvl1pPr indent="-317500" lvl="0" marL="457200">
+            <a:lvl1pPr marL="457200" lvl="0" indent="-317500">
               <a:spcBef>
                 <a:spcPts val="0"/>
               </a:spcBef>
@@ -4277,7 +4400,7 @@
               <a:buChar char="●"/>
               <a:defRPr sz="1400"/>
             </a:lvl1pPr>
-            <a:lvl2pPr indent="-304800" lvl="1" marL="914400">
+            <a:lvl2pPr marL="914400" lvl="1" indent="-304800">
               <a:spcBef>
                 <a:spcPts val="1600"/>
               </a:spcBef>
@@ -4288,7 +4411,7 @@
               <a:buChar char="○"/>
               <a:defRPr sz="1200"/>
             </a:lvl2pPr>
-            <a:lvl3pPr indent="-304800" lvl="2" marL="1371600">
+            <a:lvl3pPr marL="1371600" lvl="2" indent="-304800">
               <a:spcBef>
                 <a:spcPts val="1600"/>
               </a:spcBef>
@@ -4299,7 +4422,7 @@
               <a:buChar char="■"/>
               <a:defRPr sz="1200"/>
             </a:lvl3pPr>
-            <a:lvl4pPr indent="-304800" lvl="3" marL="1828800">
+            <a:lvl4pPr marL="1828800" lvl="3" indent="-304800">
               <a:spcBef>
                 <a:spcPts val="1600"/>
               </a:spcBef>
@@ -4310,7 +4433,7 @@
               <a:buChar char="●"/>
               <a:defRPr sz="1200"/>
             </a:lvl4pPr>
-            <a:lvl5pPr indent="-304800" lvl="4" marL="2286000">
+            <a:lvl5pPr marL="2286000" lvl="4" indent="-304800">
               <a:spcBef>
                 <a:spcPts val="1600"/>
               </a:spcBef>
@@ -4321,7 +4444,7 @@
               <a:buChar char="○"/>
               <a:defRPr sz="1200"/>
             </a:lvl5pPr>
-            <a:lvl6pPr indent="-304800" lvl="5" marL="2743200">
+            <a:lvl6pPr marL="2743200" lvl="5" indent="-304800">
               <a:spcBef>
                 <a:spcPts val="1600"/>
               </a:spcBef>
@@ -4332,7 +4455,7 @@
               <a:buChar char="■"/>
               <a:defRPr sz="1200"/>
             </a:lvl6pPr>
-            <a:lvl7pPr indent="-304800" lvl="6" marL="3200400">
+            <a:lvl7pPr marL="3200400" lvl="6" indent="-304800">
               <a:spcBef>
                 <a:spcPts val="1600"/>
               </a:spcBef>
@@ -4343,7 +4466,7 @@
               <a:buChar char="●"/>
               <a:defRPr sz="1200"/>
             </a:lvl7pPr>
-            <a:lvl8pPr indent="-304800" lvl="7" marL="3657600">
+            <a:lvl8pPr marL="3657600" lvl="7" indent="-304800">
               <a:spcBef>
                 <a:spcPts val="1600"/>
               </a:spcBef>
@@ -4354,7 +4477,7 @@
               <a:buChar char="○"/>
               <a:defRPr sz="1200"/>
             </a:lvl8pPr>
-            <a:lvl9pPr indent="-304800" lvl="8" marL="4114800">
+            <a:lvl9pPr marL="4114800" lvl="8" indent="-304800">
               <a:spcBef>
                 <a:spcPts val="1600"/>
               </a:spcBef>
@@ -4366,15 +4489,19 @@
               <a:defRPr sz="1200"/>
             </a:lvl9pPr>
           </a:lstStyle>
-          <a:p/>
+          <a:p>
+            <a:endParaRPr/>
+          </a:p>
         </p:txBody>
       </p:sp>
       <p:sp>
         <p:nvSpPr>
           <p:cNvPr id="41" name="Google Shape;41;p5"/>
-          <p:cNvSpPr txBox="1"/>
+          <p:cNvSpPr txBox="1">
+            <a:spLocks noGrp="1"/>
+          </p:cNvSpPr>
           <p:nvPr>
-            <p:ph idx="2" type="body"/>
+            <p:ph type="body" idx="2"/>
           </p:nvPr>
         </p:nvSpPr>
         <p:spPr>
@@ -4387,11 +4514,11 @@
           </a:prstGeom>
         </p:spPr>
         <p:txBody>
-          <a:bodyPr anchorCtr="0" anchor="t" bIns="91425" lIns="91425" spcFirstLastPara="1" rIns="91425" wrap="square" tIns="91425">
+          <a:bodyPr spcFirstLastPara="1" wrap="square" lIns="91425" tIns="91425" rIns="91425" bIns="91425" anchor="t" anchorCtr="0">
             <a:noAutofit/>
           </a:bodyPr>
           <a:lstStyle>
-            <a:lvl1pPr indent="-317500" lvl="0" marL="457200">
+            <a:lvl1pPr marL="457200" lvl="0" indent="-317500">
               <a:spcBef>
                 <a:spcPts val="0"/>
               </a:spcBef>
@@ -4402,7 +4529,7 @@
               <a:buChar char="●"/>
               <a:defRPr sz="1400"/>
             </a:lvl1pPr>
-            <a:lvl2pPr indent="-304800" lvl="1" marL="914400">
+            <a:lvl2pPr marL="914400" lvl="1" indent="-304800">
               <a:spcBef>
                 <a:spcPts val="1600"/>
               </a:spcBef>
@@ -4413,7 +4540,7 @@
               <a:buChar char="○"/>
               <a:defRPr sz="1200"/>
             </a:lvl2pPr>
-            <a:lvl3pPr indent="-304800" lvl="2" marL="1371600">
+            <a:lvl3pPr marL="1371600" lvl="2" indent="-304800">
               <a:spcBef>
                 <a:spcPts val="1600"/>
               </a:spcBef>
@@ -4424,7 +4551,7 @@
               <a:buChar char="■"/>
               <a:defRPr sz="1200"/>
             </a:lvl3pPr>
-            <a:lvl4pPr indent="-304800" lvl="3" marL="1828800">
+            <a:lvl4pPr marL="1828800" lvl="3" indent="-304800">
               <a:spcBef>
                 <a:spcPts val="1600"/>
               </a:spcBef>
@@ -4435,7 +4562,7 @@
               <a:buChar char="●"/>
               <a:defRPr sz="1200"/>
             </a:lvl4pPr>
-            <a:lvl5pPr indent="-304800" lvl="4" marL="2286000">
+            <a:lvl5pPr marL="2286000" lvl="4" indent="-304800">
               <a:spcBef>
                 <a:spcPts val="1600"/>
               </a:spcBef>
@@ -4446,7 +4573,7 @@
               <a:buChar char="○"/>
               <a:defRPr sz="1200"/>
             </a:lvl5pPr>
-            <a:lvl6pPr indent="-304800" lvl="5" marL="2743200">
+            <a:lvl6pPr marL="2743200" lvl="5" indent="-304800">
               <a:spcBef>
                 <a:spcPts val="1600"/>
               </a:spcBef>
@@ -4457,7 +4584,7 @@
               <a:buChar char="■"/>
               <a:defRPr sz="1200"/>
             </a:lvl6pPr>
-            <a:lvl7pPr indent="-304800" lvl="6" marL="3200400">
+            <a:lvl7pPr marL="3200400" lvl="6" indent="-304800">
               <a:spcBef>
                 <a:spcPts val="1600"/>
               </a:spcBef>
@@ -4468,7 +4595,7 @@
               <a:buChar char="●"/>
               <a:defRPr sz="1200"/>
             </a:lvl7pPr>
-            <a:lvl8pPr indent="-304800" lvl="7" marL="3657600">
+            <a:lvl8pPr marL="3657600" lvl="7" indent="-304800">
               <a:spcBef>
                 <a:spcPts val="1600"/>
               </a:spcBef>
@@ -4479,7 +4606,7 @@
               <a:buChar char="○"/>
               <a:defRPr sz="1200"/>
             </a:lvl8pPr>
-            <a:lvl9pPr indent="-304800" lvl="8" marL="4114800">
+            <a:lvl9pPr marL="4114800" lvl="8" indent="-304800">
               <a:spcBef>
                 <a:spcPts val="1600"/>
               </a:spcBef>
@@ -4491,15 +4618,19 @@
               <a:defRPr sz="1200"/>
             </a:lvl9pPr>
           </a:lstStyle>
-          <a:p/>
+          <a:p>
+            <a:endParaRPr/>
+          </a:p>
         </p:txBody>
       </p:sp>
       <p:sp>
         <p:nvSpPr>
           <p:cNvPr id="42" name="Google Shape;42;p5"/>
-          <p:cNvSpPr txBox="1"/>
+          <p:cNvSpPr txBox="1">
+            <a:spLocks noGrp="1"/>
+          </p:cNvSpPr>
           <p:nvPr>
-            <p:ph idx="12" type="sldNum"/>
+            <p:ph type="sldNum" idx="12"/>
           </p:nvPr>
         </p:nvSpPr>
         <p:spPr>
@@ -4512,7 +4643,7 @@
           </a:prstGeom>
         </p:spPr>
         <p:txBody>
-          <a:bodyPr anchorCtr="0" anchor="ctr" bIns="91425" lIns="91425" spcFirstLastPara="1" rIns="91425" wrap="square" tIns="91425">
+          <a:bodyPr spcFirstLastPara="1" wrap="square" lIns="91425" tIns="91425" rIns="91425" bIns="91425" anchor="ctr" anchorCtr="0">
             <a:noAutofit/>
           </a:bodyPr>
           <a:lstStyle>
@@ -4590,7 +4721,7 @@
             </a:lvl9pPr>
           </a:lstStyle>
           <a:p>
-            <a:pPr indent="0" lvl="0" marL="0" rtl="0" algn="r">
+            <a:pPr marL="0" lvl="0" indent="0" algn="r" rtl="0">
               <a:spcBef>
                 <a:spcPts val="0"/>
               </a:spcBef>
@@ -4616,11 +4747,11 @@
 </file>
 
 <file path=ppt/slideLayouts/slideLayout5.xml><?xml version="1.0" encoding="utf-8"?>
-<p:sldLayout xmlns:a="http://schemas.openxmlformats.org/drawingml/2006/main" xmlns:r="http://schemas.openxmlformats.org/officeDocument/2006/relationships" xmlns:mc="http://schemas.openxmlformats.org/markup-compatibility/2006" xmlns:mv="urn:schemas-microsoft-com:mac:vml" xmlns:p="http://schemas.openxmlformats.org/presentationml/2006/main" xmlns:c="http://schemas.openxmlformats.org/drawingml/2006/chart" xmlns:dgm="http://schemas.openxmlformats.org/drawingml/2006/diagram" xmlns:o="urn:schemas-microsoft-com:office:office" xmlns:v="urn:schemas-microsoft-com:vml" xmlns:pvml="urn:schemas-microsoft-com:office:powerpoint" xmlns:com="http://schemas.openxmlformats.org/drawingml/2006/compatibility" xmlns:p14="http://schemas.microsoft.com/office/powerpoint/2010/main" xmlns:p15="http://schemas.microsoft.com/office/powerpoint/2012/main" xmlns:ahyp="http://schemas.microsoft.com/office/drawing/2018/hyperlinkcolor" matchingName="Title only" type="titleOnly">
+<p:sldLayout xmlns:a="http://schemas.openxmlformats.org/drawingml/2006/main" xmlns:r="http://schemas.openxmlformats.org/officeDocument/2006/relationships" xmlns:p="http://schemas.openxmlformats.org/presentationml/2006/main" matchingName="Title only" type="titleOnly">
   <p:cSld name="TITLE_ONLY">
     <p:spTree>
       <p:nvGrpSpPr>
-        <p:cNvPr id="43" name="Shape 43"/>
+        <p:cNvPr id="1" name="Shape 43"/>
         <p:cNvGrpSpPr/>
         <p:nvPr/>
       </p:nvGrpSpPr>
@@ -4635,7 +4766,9 @@
       <p:sp>
         <p:nvSpPr>
           <p:cNvPr id="44" name="Google Shape;44;p6"/>
-          <p:cNvSpPr txBox="1"/>
+          <p:cNvSpPr txBox="1">
+            <a:spLocks noGrp="1"/>
+          </p:cNvSpPr>
           <p:nvPr>
             <p:ph type="title"/>
           </p:nvPr>
@@ -4650,7 +4783,7 @@
           </a:prstGeom>
         </p:spPr>
         <p:txBody>
-          <a:bodyPr anchorCtr="0" anchor="t" bIns="91425" lIns="91425" spcFirstLastPara="1" rIns="91425" wrap="square" tIns="91425">
+          <a:bodyPr spcFirstLastPara="1" wrap="square" lIns="91425" tIns="91425" rIns="91425" bIns="91425" anchor="t" anchorCtr="0">
             <a:noAutofit/>
           </a:bodyPr>
           <a:lstStyle>
@@ -4754,15 +4887,19 @@
               <a:defRPr/>
             </a:lvl9pPr>
           </a:lstStyle>
-          <a:p/>
+          <a:p>
+            <a:endParaRPr/>
+          </a:p>
         </p:txBody>
       </p:sp>
       <p:sp>
         <p:nvSpPr>
           <p:cNvPr id="45" name="Google Shape;45;p6"/>
-          <p:cNvSpPr txBox="1"/>
+          <p:cNvSpPr txBox="1">
+            <a:spLocks noGrp="1"/>
+          </p:cNvSpPr>
           <p:nvPr>
-            <p:ph idx="12" type="sldNum"/>
+            <p:ph type="sldNum" idx="12"/>
           </p:nvPr>
         </p:nvSpPr>
         <p:spPr>
@@ -4775,7 +4912,7 @@
           </a:prstGeom>
         </p:spPr>
         <p:txBody>
-          <a:bodyPr anchorCtr="0" anchor="ctr" bIns="91425" lIns="91425" spcFirstLastPara="1" rIns="91425" wrap="square" tIns="91425">
+          <a:bodyPr spcFirstLastPara="1" wrap="square" lIns="91425" tIns="91425" rIns="91425" bIns="91425" anchor="ctr" anchorCtr="0">
             <a:noAutofit/>
           </a:bodyPr>
           <a:lstStyle>
@@ -4853,7 +4990,7 @@
             </a:lvl9pPr>
           </a:lstStyle>
           <a:p>
-            <a:pPr indent="0" lvl="0" marL="0" rtl="0" algn="r">
+            <a:pPr marL="0" lvl="0" indent="0" algn="r" rtl="0">
               <a:spcBef>
                 <a:spcPts val="0"/>
               </a:spcBef>
@@ -4879,11 +5016,11 @@
 </file>
 
 <file path=ppt/slideLayouts/slideLayout6.xml><?xml version="1.0" encoding="utf-8"?>
-<p:sldLayout xmlns:a="http://schemas.openxmlformats.org/drawingml/2006/main" xmlns:r="http://schemas.openxmlformats.org/officeDocument/2006/relationships" xmlns:mc="http://schemas.openxmlformats.org/markup-compatibility/2006" xmlns:mv="urn:schemas-microsoft-com:mac:vml" xmlns:p="http://schemas.openxmlformats.org/presentationml/2006/main" xmlns:c="http://schemas.openxmlformats.org/drawingml/2006/chart" xmlns:dgm="http://schemas.openxmlformats.org/drawingml/2006/diagram" xmlns:o="urn:schemas-microsoft-com:office:office" xmlns:v="urn:schemas-microsoft-com:vml" xmlns:pvml="urn:schemas-microsoft-com:office:powerpoint" xmlns:com="http://schemas.openxmlformats.org/drawingml/2006/compatibility" xmlns:p14="http://schemas.microsoft.com/office/powerpoint/2010/main" xmlns:p15="http://schemas.microsoft.com/office/powerpoint/2012/main" xmlns:ahyp="http://schemas.microsoft.com/office/drawing/2018/hyperlinkcolor" matchingName="One column text">
+<p:sldLayout xmlns:a="http://schemas.openxmlformats.org/drawingml/2006/main" xmlns:r="http://schemas.openxmlformats.org/officeDocument/2006/relationships" xmlns:p="http://schemas.openxmlformats.org/presentationml/2006/main" matchingName="One column text">
   <p:cSld name="ONE_COLUMN_TEXT">
     <p:spTree>
       <p:nvGrpSpPr>
-        <p:cNvPr id="46" name="Shape 46"/>
+        <p:cNvPr id="1" name="Shape 46"/>
         <p:cNvGrpSpPr/>
         <p:nvPr/>
       </p:nvGrpSpPr>
@@ -4898,7 +5035,9 @@
       <p:sp>
         <p:nvSpPr>
           <p:cNvPr id="47" name="Google Shape;47;p7"/>
-          <p:cNvSpPr txBox="1"/>
+          <p:cNvSpPr txBox="1">
+            <a:spLocks noGrp="1"/>
+          </p:cNvSpPr>
           <p:nvPr>
             <p:ph type="title"/>
           </p:nvPr>
@@ -4913,7 +5052,7 @@
           </a:prstGeom>
         </p:spPr>
         <p:txBody>
-          <a:bodyPr anchorCtr="0" anchor="b" bIns="91425" lIns="91425" spcFirstLastPara="1" rIns="91425" wrap="square" tIns="91425">
+          <a:bodyPr spcFirstLastPara="1" wrap="square" lIns="91425" tIns="91425" rIns="91425" bIns="91425" anchor="b" anchorCtr="0">
             <a:noAutofit/>
           </a:bodyPr>
           <a:lstStyle>
@@ -5017,15 +5156,19 @@
               <a:defRPr sz="2400"/>
             </a:lvl9pPr>
           </a:lstStyle>
-          <a:p/>
+          <a:p>
+            <a:endParaRPr/>
+          </a:p>
         </p:txBody>
       </p:sp>
       <p:sp>
         <p:nvSpPr>
           <p:cNvPr id="48" name="Google Shape;48;p7"/>
-          <p:cNvSpPr txBox="1"/>
+          <p:cNvSpPr txBox="1">
+            <a:spLocks noGrp="1"/>
+          </p:cNvSpPr>
           <p:nvPr>
-            <p:ph idx="1" type="body"/>
+            <p:ph type="body" idx="1"/>
           </p:nvPr>
         </p:nvSpPr>
         <p:spPr>
@@ -5038,11 +5181,11 @@
           </a:prstGeom>
         </p:spPr>
         <p:txBody>
-          <a:bodyPr anchorCtr="0" anchor="t" bIns="91425" lIns="91425" spcFirstLastPara="1" rIns="91425" wrap="square" tIns="91425">
+          <a:bodyPr spcFirstLastPara="1" wrap="square" lIns="91425" tIns="91425" rIns="91425" bIns="91425" anchor="t" anchorCtr="0">
             <a:noAutofit/>
           </a:bodyPr>
           <a:lstStyle>
-            <a:lvl1pPr indent="-304800" lvl="0" marL="457200">
+            <a:lvl1pPr marL="457200" lvl="0" indent="-304800">
               <a:spcBef>
                 <a:spcPts val="0"/>
               </a:spcBef>
@@ -5053,7 +5196,7 @@
               <a:buChar char="●"/>
               <a:defRPr sz="1200"/>
             </a:lvl1pPr>
-            <a:lvl2pPr indent="-304800" lvl="1" marL="914400">
+            <a:lvl2pPr marL="914400" lvl="1" indent="-304800">
               <a:spcBef>
                 <a:spcPts val="1600"/>
               </a:spcBef>
@@ -5064,7 +5207,7 @@
               <a:buChar char="○"/>
               <a:defRPr sz="1200"/>
             </a:lvl2pPr>
-            <a:lvl3pPr indent="-304800" lvl="2" marL="1371600">
+            <a:lvl3pPr marL="1371600" lvl="2" indent="-304800">
               <a:spcBef>
                 <a:spcPts val="1600"/>
               </a:spcBef>
@@ -5075,7 +5218,7 @@
               <a:buChar char="■"/>
               <a:defRPr sz="1200"/>
             </a:lvl3pPr>
-            <a:lvl4pPr indent="-304800" lvl="3" marL="1828800">
+            <a:lvl4pPr marL="1828800" lvl="3" indent="-304800">
               <a:spcBef>
                 <a:spcPts val="1600"/>
               </a:spcBef>
@@ -5086,7 +5229,7 @@
               <a:buChar char="●"/>
               <a:defRPr sz="1200"/>
             </a:lvl4pPr>
-            <a:lvl5pPr indent="-304800" lvl="4" marL="2286000">
+            <a:lvl5pPr marL="2286000" lvl="4" indent="-304800">
               <a:spcBef>
                 <a:spcPts val="1600"/>
               </a:spcBef>
@@ -5097,7 +5240,7 @@
               <a:buChar char="○"/>
               <a:defRPr sz="1200"/>
             </a:lvl5pPr>
-            <a:lvl6pPr indent="-304800" lvl="5" marL="2743200">
+            <a:lvl6pPr marL="2743200" lvl="5" indent="-304800">
               <a:spcBef>
                 <a:spcPts val="1600"/>
               </a:spcBef>
@@ -5108,7 +5251,7 @@
               <a:buChar char="■"/>
               <a:defRPr sz="1200"/>
             </a:lvl6pPr>
-            <a:lvl7pPr indent="-304800" lvl="6" marL="3200400">
+            <a:lvl7pPr marL="3200400" lvl="6" indent="-304800">
               <a:spcBef>
                 <a:spcPts val="1600"/>
               </a:spcBef>
@@ -5119,7 +5262,7 @@
               <a:buChar char="●"/>
               <a:defRPr sz="1200"/>
             </a:lvl7pPr>
-            <a:lvl8pPr indent="-304800" lvl="7" marL="3657600">
+            <a:lvl8pPr marL="3657600" lvl="7" indent="-304800">
               <a:spcBef>
                 <a:spcPts val="1600"/>
               </a:spcBef>
@@ -5130,7 +5273,7 @@
               <a:buChar char="○"/>
               <a:defRPr sz="1200"/>
             </a:lvl8pPr>
-            <a:lvl9pPr indent="-304800" lvl="8" marL="4114800">
+            <a:lvl9pPr marL="4114800" lvl="8" indent="-304800">
               <a:spcBef>
                 <a:spcPts val="1600"/>
               </a:spcBef>
@@ -5142,15 +5285,19 @@
               <a:defRPr sz="1200"/>
             </a:lvl9pPr>
           </a:lstStyle>
-          <a:p/>
+          <a:p>
+            <a:endParaRPr/>
+          </a:p>
         </p:txBody>
       </p:sp>
       <p:sp>
         <p:nvSpPr>
           <p:cNvPr id="49" name="Google Shape;49;p7"/>
-          <p:cNvSpPr txBox="1"/>
+          <p:cNvSpPr txBox="1">
+            <a:spLocks noGrp="1"/>
+          </p:cNvSpPr>
           <p:nvPr>
-            <p:ph idx="12" type="sldNum"/>
+            <p:ph type="sldNum" idx="12"/>
           </p:nvPr>
         </p:nvSpPr>
         <p:spPr>
@@ -5163,7 +5310,7 @@
           </a:prstGeom>
         </p:spPr>
         <p:txBody>
-          <a:bodyPr anchorCtr="0" anchor="ctr" bIns="91425" lIns="91425" spcFirstLastPara="1" rIns="91425" wrap="square" tIns="91425">
+          <a:bodyPr spcFirstLastPara="1" wrap="square" lIns="91425" tIns="91425" rIns="91425" bIns="91425" anchor="ctr" anchorCtr="0">
             <a:noAutofit/>
           </a:bodyPr>
           <a:lstStyle>
@@ -5241,7 +5388,7 @@
             </a:lvl9pPr>
           </a:lstStyle>
           <a:p>
-            <a:pPr indent="0" lvl="0" marL="0" rtl="0" algn="r">
+            <a:pPr marL="0" lvl="0" indent="0" algn="r" rtl="0">
               <a:spcBef>
                 <a:spcPts val="0"/>
               </a:spcBef>
@@ -5267,18 +5414,19 @@
 </file>
 
 <file path=ppt/slideLayouts/slideLayout7.xml><?xml version="1.0" encoding="utf-8"?>
-<p:sldLayout xmlns:a="http://schemas.openxmlformats.org/drawingml/2006/main" xmlns:r="http://schemas.openxmlformats.org/officeDocument/2006/relationships" xmlns:mc="http://schemas.openxmlformats.org/markup-compatibility/2006" xmlns:mv="urn:schemas-microsoft-com:mac:vml" xmlns:p="http://schemas.openxmlformats.org/presentationml/2006/main" xmlns:c="http://schemas.openxmlformats.org/drawingml/2006/chart" xmlns:dgm="http://schemas.openxmlformats.org/drawingml/2006/diagram" xmlns:o="urn:schemas-microsoft-com:office:office" xmlns:v="urn:schemas-microsoft-com:vml" xmlns:pvml="urn:schemas-microsoft-com:office:powerpoint" xmlns:com="http://schemas.openxmlformats.org/drawingml/2006/compatibility" xmlns:p14="http://schemas.microsoft.com/office/powerpoint/2010/main" xmlns:p15="http://schemas.microsoft.com/office/powerpoint/2012/main" xmlns:ahyp="http://schemas.microsoft.com/office/drawing/2018/hyperlinkcolor" matchingName="Main point">
+<p:sldLayout xmlns:a="http://schemas.openxmlformats.org/drawingml/2006/main" xmlns:r="http://schemas.openxmlformats.org/officeDocument/2006/relationships" xmlns:p="http://schemas.openxmlformats.org/presentationml/2006/main" matchingName="Main point">
   <p:cSld name="MAIN_POINT">
     <p:bg>
       <p:bgPr>
         <a:solidFill>
           <a:schemeClr val="accent4"/>
         </a:solidFill>
+        <a:effectLst/>
       </p:bgPr>
     </p:bg>
     <p:spTree>
       <p:nvGrpSpPr>
-        <p:cNvPr id="50" name="Shape 50"/>
+        <p:cNvPr id="1" name="Shape 50"/>
         <p:cNvGrpSpPr/>
         <p:nvPr/>
       </p:nvGrpSpPr>
@@ -5326,12 +5474,12 @@
             </a:ln>
           </p:spPr>
           <p:txBody>
-            <a:bodyPr anchorCtr="0" anchor="ctr" bIns="91425" lIns="91425" spcFirstLastPara="1" rIns="91425" wrap="square" tIns="91425">
+            <a:bodyPr spcFirstLastPara="1" wrap="square" lIns="91425" tIns="91425" rIns="91425" bIns="91425" anchor="ctr" anchorCtr="0">
               <a:noAutofit/>
             </a:bodyPr>
             <a:lstStyle/>
             <a:p>
-              <a:pPr indent="0" lvl="0" marL="0" rtl="0" algn="l">
+              <a:pPr marL="0" lvl="0" indent="0" algn="l" rtl="0">
                 <a:spcBef>
                   <a:spcPts val="0"/>
                 </a:spcBef>
@@ -5340,9 +5488,6 @@
                 </a:spcAft>
                 <a:buNone/>
               </a:pPr>
-              <a:r>
-                <a:t/>
-              </a:r>
               <a:endParaRPr/>
             </a:p>
           </p:txBody>
@@ -5369,12 +5514,12 @@
             </a:ln>
           </p:spPr>
           <p:txBody>
-            <a:bodyPr anchorCtr="0" anchor="ctr" bIns="91425" lIns="91425" spcFirstLastPara="1" rIns="91425" wrap="square" tIns="91425">
+            <a:bodyPr spcFirstLastPara="1" wrap="square" lIns="91425" tIns="91425" rIns="91425" bIns="91425" anchor="ctr" anchorCtr="0">
               <a:noAutofit/>
             </a:bodyPr>
             <a:lstStyle/>
             <a:p>
-              <a:pPr indent="0" lvl="0" marL="0" rtl="0" algn="l">
+              <a:pPr marL="0" lvl="0" indent="0" algn="l" rtl="0">
                 <a:spcBef>
                   <a:spcPts val="0"/>
                 </a:spcBef>
@@ -5383,9 +5528,6 @@
                 </a:spcAft>
                 <a:buNone/>
               </a:pPr>
-              <a:r>
-                <a:t/>
-              </a:r>
               <a:endParaRPr/>
             </a:p>
           </p:txBody>
@@ -5397,7 +5539,7 @@
             <p:nvPr/>
           </p:nvSpPr>
           <p:spPr>
-            <a:xfrm flipH="1" rot="10800000">
+            <a:xfrm rot="10800000" flipH="1">
               <a:off x="7113588" y="107"/>
               <a:ext cx="1015200" cy="1015200"/>
             </a:xfrm>
@@ -5412,12 +5554,12 @@
             </a:ln>
           </p:spPr>
           <p:txBody>
-            <a:bodyPr anchorCtr="0" anchor="ctr" bIns="91425" lIns="91425" spcFirstLastPara="1" rIns="91425" wrap="square" tIns="91425">
+            <a:bodyPr spcFirstLastPara="1" wrap="square" lIns="91425" tIns="91425" rIns="91425" bIns="91425" anchor="ctr" anchorCtr="0">
               <a:noAutofit/>
             </a:bodyPr>
             <a:lstStyle/>
             <a:p>
-              <a:pPr indent="0" lvl="0" marL="0" rtl="0" algn="l">
+              <a:pPr marL="0" lvl="0" indent="0" algn="l" rtl="0">
                 <a:spcBef>
                   <a:spcPts val="0"/>
                 </a:spcBef>
@@ -5426,9 +5568,6 @@
                 </a:spcAft>
                 <a:buNone/>
               </a:pPr>
-              <a:r>
-                <a:t/>
-              </a:r>
               <a:endParaRPr/>
             </a:p>
           </p:txBody>
@@ -5455,12 +5594,12 @@
             </a:ln>
           </p:spPr>
           <p:txBody>
-            <a:bodyPr anchorCtr="0" anchor="ctr" bIns="91425" lIns="91425" spcFirstLastPara="1" rIns="91425" wrap="square" tIns="91425">
+            <a:bodyPr spcFirstLastPara="1" wrap="square" lIns="91425" tIns="91425" rIns="91425" bIns="91425" anchor="ctr" anchorCtr="0">
               <a:noAutofit/>
             </a:bodyPr>
             <a:lstStyle/>
             <a:p>
-              <a:pPr indent="0" lvl="0" marL="0" rtl="0" algn="l">
+              <a:pPr marL="0" lvl="0" indent="0" algn="l" rtl="0">
                 <a:spcBef>
                   <a:spcPts val="0"/>
                 </a:spcBef>
@@ -5469,9 +5608,6 @@
                 </a:spcAft>
                 <a:buNone/>
               </a:pPr>
-              <a:r>
-                <a:t/>
-              </a:r>
               <a:endParaRPr/>
             </a:p>
           </p:txBody>
@@ -5498,12 +5634,12 @@
             </a:ln>
           </p:spPr>
           <p:txBody>
-            <a:bodyPr anchorCtr="0" anchor="ctr" bIns="91425" lIns="91425" spcFirstLastPara="1" rIns="91425" wrap="square" tIns="91425">
+            <a:bodyPr spcFirstLastPara="1" wrap="square" lIns="91425" tIns="91425" rIns="91425" bIns="91425" anchor="ctr" anchorCtr="0">
               <a:noAutofit/>
             </a:bodyPr>
             <a:lstStyle/>
             <a:p>
-              <a:pPr indent="0" lvl="0" marL="0" rtl="0" algn="l">
+              <a:pPr marL="0" lvl="0" indent="0" algn="l" rtl="0">
                 <a:spcBef>
                   <a:spcPts val="0"/>
                 </a:spcBef>
@@ -5512,9 +5648,6 @@
                 </a:spcAft>
                 <a:buNone/>
               </a:pPr>
-              <a:r>
-                <a:t/>
-              </a:r>
               <a:endParaRPr/>
             </a:p>
           </p:txBody>
@@ -5523,7 +5656,9 @@
       <p:sp>
         <p:nvSpPr>
           <p:cNvPr id="57" name="Google Shape;57;p8"/>
-          <p:cNvSpPr txBox="1"/>
+          <p:cNvSpPr txBox="1">
+            <a:spLocks noGrp="1"/>
+          </p:cNvSpPr>
           <p:nvPr>
             <p:ph type="title"/>
           </p:nvPr>
@@ -5538,7 +5673,7 @@
           </a:prstGeom>
         </p:spPr>
         <p:txBody>
-          <a:bodyPr anchorCtr="0" anchor="ctr" bIns="91425" lIns="91425" spcFirstLastPara="1" rIns="91425" wrap="square" tIns="91425">
+          <a:bodyPr spcFirstLastPara="1" wrap="square" lIns="91425" tIns="91425" rIns="91425" bIns="91425" anchor="ctr" anchorCtr="0">
             <a:noAutofit/>
           </a:bodyPr>
           <a:lstStyle>
@@ -5705,15 +5840,19 @@
               </a:defRPr>
             </a:lvl9pPr>
           </a:lstStyle>
-          <a:p/>
+          <a:p>
+            <a:endParaRPr/>
+          </a:p>
         </p:txBody>
       </p:sp>
       <p:sp>
         <p:nvSpPr>
           <p:cNvPr id="58" name="Google Shape;58;p8"/>
-          <p:cNvSpPr txBox="1"/>
+          <p:cNvSpPr txBox="1">
+            <a:spLocks noGrp="1"/>
+          </p:cNvSpPr>
           <p:nvPr>
-            <p:ph idx="12" type="sldNum"/>
+            <p:ph type="sldNum" idx="12"/>
           </p:nvPr>
         </p:nvSpPr>
         <p:spPr>
@@ -5726,7 +5865,7 @@
           </a:prstGeom>
         </p:spPr>
         <p:txBody>
-          <a:bodyPr anchorCtr="0" anchor="ctr" bIns="91425" lIns="91425" spcFirstLastPara="1" rIns="91425" wrap="square" tIns="91425">
+          <a:bodyPr spcFirstLastPara="1" wrap="square" lIns="91425" tIns="91425" rIns="91425" bIns="91425" anchor="ctr" anchorCtr="0">
             <a:noAutofit/>
           </a:bodyPr>
           <a:lstStyle>
@@ -5768,7 +5907,7 @@
             </a:lvl9pPr>
           </a:lstStyle>
           <a:p>
-            <a:pPr indent="0" lvl="0" marL="0" rtl="0" algn="r">
+            <a:pPr marL="0" lvl="0" indent="0" algn="r" rtl="0">
               <a:spcBef>
                 <a:spcPts val="0"/>
               </a:spcBef>
@@ -5794,11 +5933,11 @@
 </file>
 
 <file path=ppt/slideLayouts/slideLayout8.xml><?xml version="1.0" encoding="utf-8"?>
-<p:sldLayout xmlns:a="http://schemas.openxmlformats.org/drawingml/2006/main" xmlns:r="http://schemas.openxmlformats.org/officeDocument/2006/relationships" xmlns:mc="http://schemas.openxmlformats.org/markup-compatibility/2006" xmlns:mv="urn:schemas-microsoft-com:mac:vml" xmlns:p="http://schemas.openxmlformats.org/presentationml/2006/main" xmlns:c="http://schemas.openxmlformats.org/drawingml/2006/chart" xmlns:dgm="http://schemas.openxmlformats.org/drawingml/2006/diagram" xmlns:o="urn:schemas-microsoft-com:office:office" xmlns:v="urn:schemas-microsoft-com:vml" xmlns:pvml="urn:schemas-microsoft-com:office:powerpoint" xmlns:com="http://schemas.openxmlformats.org/drawingml/2006/compatibility" xmlns:p14="http://schemas.microsoft.com/office/powerpoint/2010/main" xmlns:p15="http://schemas.microsoft.com/office/powerpoint/2012/main" xmlns:ahyp="http://schemas.microsoft.com/office/drawing/2018/hyperlinkcolor" matchingName="Section title and description">
+<p:sldLayout xmlns:a="http://schemas.openxmlformats.org/drawingml/2006/main" xmlns:r="http://schemas.openxmlformats.org/officeDocument/2006/relationships" xmlns:p="http://schemas.openxmlformats.org/presentationml/2006/main" matchingName="Section title and description">
   <p:cSld name="SECTION_TITLE_AND_DESCRIPTION">
     <p:spTree>
       <p:nvGrpSpPr>
-        <p:cNvPr id="59" name="Shape 59"/>
+        <p:cNvPr id="1" name="Shape 59"/>
         <p:cNvGrpSpPr/>
         <p:nvPr/>
       </p:nvGrpSpPr>
@@ -5832,12 +5971,12 @@
           </a:ln>
         </p:spPr>
         <p:txBody>
-          <a:bodyPr anchorCtr="0" anchor="ctr" bIns="91425" lIns="91425" spcFirstLastPara="1" rIns="91425" wrap="square" tIns="91425">
+          <a:bodyPr spcFirstLastPara="1" wrap="square" lIns="91425" tIns="91425" rIns="91425" bIns="91425" anchor="ctr" anchorCtr="0">
             <a:noAutofit/>
           </a:bodyPr>
           <a:lstStyle/>
           <a:p>
-            <a:pPr indent="0" lvl="0" marL="0" rtl="0" algn="l">
+            <a:pPr marL="0" lvl="0" indent="0" algn="l" rtl="0">
               <a:spcBef>
                 <a:spcPts val="0"/>
               </a:spcBef>
@@ -5846,9 +5985,6 @@
               </a:spcAft>
               <a:buNone/>
             </a:pPr>
-            <a:r>
-              <a:t/>
-            </a:r>
             <a:endParaRPr/>
           </a:p>
         </p:txBody>
@@ -5868,21 +6004,23 @@
             <a:avLst/>
           </a:prstGeom>
           <a:noFill/>
-          <a:ln cap="flat" cmpd="sng" w="19050">
+          <a:ln w="19050" cap="flat" cmpd="sng">
             <a:solidFill>
               <a:schemeClr val="lt1"/>
             </a:solidFill>
             <a:prstDash val="solid"/>
             <a:round/>
-            <a:headEnd len="sm" w="sm" type="none"/>
-            <a:tailEnd len="sm" w="sm" type="none"/>
+            <a:headEnd type="none" w="sm" len="sm"/>
+            <a:tailEnd type="none" w="sm" len="sm"/>
           </a:ln>
         </p:spPr>
       </p:cxnSp>
       <p:sp>
         <p:nvSpPr>
           <p:cNvPr id="62" name="Google Shape;62;p9"/>
-          <p:cNvSpPr txBox="1"/>
+          <p:cNvSpPr txBox="1">
+            <a:spLocks noGrp="1"/>
+          </p:cNvSpPr>
           <p:nvPr>
             <p:ph type="title"/>
           </p:nvPr>
@@ -5897,7 +6035,7 @@
           </a:prstGeom>
         </p:spPr>
         <p:txBody>
-          <a:bodyPr anchorCtr="0" anchor="b" bIns="91425" lIns="91425" spcFirstLastPara="1" rIns="91425" wrap="square" tIns="91425">
+          <a:bodyPr spcFirstLastPara="1" wrap="square" lIns="91425" tIns="91425" rIns="91425" bIns="91425" anchor="b" anchorCtr="0">
             <a:noAutofit/>
           </a:bodyPr>
           <a:lstStyle>
@@ -6001,15 +6139,19 @@
               <a:defRPr sz="4200"/>
             </a:lvl9pPr>
           </a:lstStyle>
-          <a:p/>
+          <a:p>
+            <a:endParaRPr/>
+          </a:p>
         </p:txBody>
       </p:sp>
       <p:sp>
         <p:nvSpPr>
           <p:cNvPr id="63" name="Google Shape;63;p9"/>
-          <p:cNvSpPr txBox="1"/>
+          <p:cNvSpPr txBox="1">
+            <a:spLocks noGrp="1"/>
+          </p:cNvSpPr>
           <p:nvPr>
-            <p:ph idx="1" type="subTitle"/>
+            <p:ph type="subTitle" idx="1"/>
           </p:nvPr>
         </p:nvSpPr>
         <p:spPr>
@@ -6022,7 +6164,7 @@
           </a:prstGeom>
         </p:spPr>
         <p:txBody>
-          <a:bodyPr anchorCtr="0" anchor="t" bIns="91425" lIns="91425" spcFirstLastPara="1" rIns="91425" wrap="square" tIns="91425">
+          <a:bodyPr spcFirstLastPara="1" wrap="square" lIns="91425" tIns="91425" rIns="91425" bIns="91425" anchor="t" anchorCtr="0">
             <a:noAutofit/>
           </a:bodyPr>
           <a:lstStyle>
@@ -6153,15 +6295,19 @@
               <a:defRPr sz="2100"/>
             </a:lvl9pPr>
           </a:lstStyle>
-          <a:p/>
+          <a:p>
+            <a:endParaRPr/>
+          </a:p>
         </p:txBody>
       </p:sp>
       <p:sp>
         <p:nvSpPr>
           <p:cNvPr id="64" name="Google Shape;64;p9"/>
-          <p:cNvSpPr txBox="1"/>
+          <p:cNvSpPr txBox="1">
+            <a:spLocks noGrp="1"/>
+          </p:cNvSpPr>
           <p:nvPr>
-            <p:ph idx="2" type="body"/>
+            <p:ph type="body" idx="2"/>
           </p:nvPr>
         </p:nvSpPr>
         <p:spPr>
@@ -6174,11 +6320,11 @@
           </a:prstGeom>
         </p:spPr>
         <p:txBody>
-          <a:bodyPr anchorCtr="0" anchor="ctr" bIns="91425" lIns="91425" spcFirstLastPara="1" rIns="91425" wrap="square" tIns="91425">
+          <a:bodyPr spcFirstLastPara="1" wrap="square" lIns="91425" tIns="91425" rIns="91425" bIns="91425" anchor="ctr" anchorCtr="0">
             <a:noAutofit/>
           </a:bodyPr>
           <a:lstStyle>
-            <a:lvl1pPr indent="-342900" lvl="0" marL="457200">
+            <a:lvl1pPr marL="457200" lvl="0" indent="-342900">
               <a:spcBef>
                 <a:spcPts val="0"/>
               </a:spcBef>
@@ -6196,7 +6342,7 @@
                 </a:solidFill>
               </a:defRPr>
             </a:lvl1pPr>
-            <a:lvl2pPr indent="-317500" lvl="1" marL="914400">
+            <a:lvl2pPr marL="914400" lvl="1" indent="-317500">
               <a:spcBef>
                 <a:spcPts val="1600"/>
               </a:spcBef>
@@ -6214,7 +6360,7 @@
                 </a:solidFill>
               </a:defRPr>
             </a:lvl2pPr>
-            <a:lvl3pPr indent="-317500" lvl="2" marL="1371600">
+            <a:lvl3pPr marL="1371600" lvl="2" indent="-317500">
               <a:spcBef>
                 <a:spcPts val="1600"/>
               </a:spcBef>
@@ -6232,7 +6378,7 @@
                 </a:solidFill>
               </a:defRPr>
             </a:lvl3pPr>
-            <a:lvl4pPr indent="-317500" lvl="3" marL="1828800">
+            <a:lvl4pPr marL="1828800" lvl="3" indent="-317500">
               <a:spcBef>
                 <a:spcPts val="1600"/>
               </a:spcBef>
@@ -6250,7 +6396,7 @@
                 </a:solidFill>
               </a:defRPr>
             </a:lvl4pPr>
-            <a:lvl5pPr indent="-317500" lvl="4" marL="2286000">
+            <a:lvl5pPr marL="2286000" lvl="4" indent="-317500">
               <a:spcBef>
                 <a:spcPts val="1600"/>
               </a:spcBef>
@@ -6268,7 +6414,7 @@
                 </a:solidFill>
               </a:defRPr>
             </a:lvl5pPr>
-            <a:lvl6pPr indent="-317500" lvl="5" marL="2743200">
+            <a:lvl6pPr marL="2743200" lvl="5" indent="-317500">
               <a:spcBef>
                 <a:spcPts val="1600"/>
               </a:spcBef>
@@ -6286,7 +6432,7 @@
                 </a:solidFill>
               </a:defRPr>
             </a:lvl6pPr>
-            <a:lvl7pPr indent="-317500" lvl="6" marL="3200400">
+            <a:lvl7pPr marL="3200400" lvl="6" indent="-317500">
               <a:spcBef>
                 <a:spcPts val="1600"/>
               </a:spcBef>
@@ -6304,7 +6450,7 @@
                 </a:solidFill>
               </a:defRPr>
             </a:lvl7pPr>
-            <a:lvl8pPr indent="-317500" lvl="7" marL="3657600">
+            <a:lvl8pPr marL="3657600" lvl="7" indent="-317500">
               <a:spcBef>
                 <a:spcPts val="1600"/>
               </a:spcBef>
@@ -6322,7 +6468,7 @@
                 </a:solidFill>
               </a:defRPr>
             </a:lvl8pPr>
-            <a:lvl9pPr indent="-317500" lvl="8" marL="4114800">
+            <a:lvl9pPr marL="4114800" lvl="8" indent="-317500">
               <a:spcBef>
                 <a:spcPts val="1600"/>
               </a:spcBef>
@@ -6341,15 +6487,19 @@
               </a:defRPr>
             </a:lvl9pPr>
           </a:lstStyle>
-          <a:p/>
+          <a:p>
+            <a:endParaRPr/>
+          </a:p>
         </p:txBody>
       </p:sp>
       <p:sp>
         <p:nvSpPr>
           <p:cNvPr id="65" name="Google Shape;65;p9"/>
-          <p:cNvSpPr txBox="1"/>
+          <p:cNvSpPr txBox="1">
+            <a:spLocks noGrp="1"/>
+          </p:cNvSpPr>
           <p:nvPr>
-            <p:ph idx="12" type="sldNum"/>
+            <p:ph type="sldNum" idx="12"/>
           </p:nvPr>
         </p:nvSpPr>
         <p:spPr>
@@ -6362,7 +6512,7 @@
           </a:prstGeom>
         </p:spPr>
         <p:txBody>
-          <a:bodyPr anchorCtr="0" anchor="ctr" bIns="91425" lIns="91425" spcFirstLastPara="1" rIns="91425" wrap="square" tIns="91425">
+          <a:bodyPr spcFirstLastPara="1" wrap="square" lIns="91425" tIns="91425" rIns="91425" bIns="91425" anchor="ctr" anchorCtr="0">
             <a:noAutofit/>
           </a:bodyPr>
           <a:lstStyle>
@@ -6404,7 +6554,7 @@
             </a:lvl9pPr>
           </a:lstStyle>
           <a:p>
-            <a:pPr indent="0" lvl="0" marL="0" rtl="0" algn="r">
+            <a:pPr marL="0" lvl="0" indent="0" algn="r" rtl="0">
               <a:spcBef>
                 <a:spcPts val="0"/>
               </a:spcBef>
@@ -6430,11 +6580,11 @@
 </file>
 
 <file path=ppt/slideLayouts/slideLayout9.xml><?xml version="1.0" encoding="utf-8"?>
-<p:sldLayout xmlns:a="http://schemas.openxmlformats.org/drawingml/2006/main" xmlns:r="http://schemas.openxmlformats.org/officeDocument/2006/relationships" xmlns:mc="http://schemas.openxmlformats.org/markup-compatibility/2006" xmlns:mv="urn:schemas-microsoft-com:mac:vml" xmlns:p="http://schemas.openxmlformats.org/presentationml/2006/main" xmlns:c="http://schemas.openxmlformats.org/drawingml/2006/chart" xmlns:dgm="http://schemas.openxmlformats.org/drawingml/2006/diagram" xmlns:o="urn:schemas-microsoft-com:office:office" xmlns:v="urn:schemas-microsoft-com:vml" xmlns:pvml="urn:schemas-microsoft-com:office:powerpoint" xmlns:com="http://schemas.openxmlformats.org/drawingml/2006/compatibility" xmlns:p14="http://schemas.microsoft.com/office/powerpoint/2010/main" xmlns:p15="http://schemas.microsoft.com/office/powerpoint/2012/main" xmlns:ahyp="http://schemas.microsoft.com/office/drawing/2018/hyperlinkcolor" matchingName="Caption">
+<p:sldLayout xmlns:a="http://schemas.openxmlformats.org/drawingml/2006/main" xmlns:r="http://schemas.openxmlformats.org/officeDocument/2006/relationships" xmlns:p="http://schemas.openxmlformats.org/presentationml/2006/main" matchingName="Caption">
   <p:cSld name="CAPTION_ONLY">
     <p:spTree>
       <p:nvGrpSpPr>
-        <p:cNvPr id="66" name="Shape 66"/>
+        <p:cNvPr id="1" name="Shape 66"/>
         <p:cNvGrpSpPr/>
         <p:nvPr/>
       </p:nvGrpSpPr>
@@ -6449,9 +6599,11 @@
       <p:sp>
         <p:nvSpPr>
           <p:cNvPr id="67" name="Google Shape;67;p10"/>
-          <p:cNvSpPr txBox="1"/>
+          <p:cNvSpPr txBox="1">
+            <a:spLocks noGrp="1"/>
+          </p:cNvSpPr>
           <p:nvPr>
-            <p:ph idx="1" type="body"/>
+            <p:ph type="body" idx="1"/>
           </p:nvPr>
         </p:nvSpPr>
         <p:spPr>
@@ -6464,11 +6616,11 @@
           </a:prstGeom>
         </p:spPr>
         <p:txBody>
-          <a:bodyPr anchorCtr="0" anchor="ctr" bIns="91425" lIns="91425" spcFirstLastPara="1" rIns="91425" wrap="square" tIns="91425">
+          <a:bodyPr spcFirstLastPara="1" wrap="square" lIns="91425" tIns="91425" rIns="91425" bIns="91425" anchor="ctr" anchorCtr="0">
             <a:noAutofit/>
           </a:bodyPr>
           <a:lstStyle>
-            <a:lvl1pPr indent="-228600" lvl="0" marL="457200">
+            <a:lvl1pPr marL="457200" lvl="0" indent="-228600">
               <a:lnSpc>
                 <a:spcPct val="100000"/>
               </a:lnSpc>
@@ -6483,15 +6635,19 @@
               <a:defRPr/>
             </a:lvl1pPr>
           </a:lstStyle>
-          <a:p/>
+          <a:p>
+            <a:endParaRPr/>
+          </a:p>
         </p:txBody>
       </p:sp>
       <p:sp>
         <p:nvSpPr>
           <p:cNvPr id="68" name="Google Shape;68;p10"/>
-          <p:cNvSpPr txBox="1"/>
+          <p:cNvSpPr txBox="1">
+            <a:spLocks noGrp="1"/>
+          </p:cNvSpPr>
           <p:nvPr>
-            <p:ph idx="12" type="sldNum"/>
+            <p:ph type="sldNum" idx="12"/>
           </p:nvPr>
         </p:nvSpPr>
         <p:spPr>
@@ -6504,7 +6660,7 @@
           </a:prstGeom>
         </p:spPr>
         <p:txBody>
-          <a:bodyPr anchorCtr="0" anchor="ctr" bIns="91425" lIns="91425" spcFirstLastPara="1" rIns="91425" wrap="square" tIns="91425">
+          <a:bodyPr spcFirstLastPara="1" wrap="square" lIns="91425" tIns="91425" rIns="91425" bIns="91425" anchor="ctr" anchorCtr="0">
             <a:noAutofit/>
           </a:bodyPr>
           <a:lstStyle>
@@ -6582,7 +6738,7 @@
             </a:lvl9pPr>
           </a:lstStyle>
           <a:p>
-            <a:pPr indent="0" lvl="0" marL="0" rtl="0" algn="r">
+            <a:pPr marL="0" lvl="0" indent="0" algn="r" rtl="0">
               <a:spcBef>
                 <a:spcPts val="0"/>
               </a:spcBef>
@@ -6608,18 +6764,19 @@
 </file>
 
 <file path=ppt/slideMasters/slideMaster1.xml><?xml version="1.0" encoding="utf-8"?>
-<p:sldMaster xmlns:a="http://schemas.openxmlformats.org/drawingml/2006/main" xmlns:r="http://schemas.openxmlformats.org/officeDocument/2006/relationships" xmlns:mc="http://schemas.openxmlformats.org/markup-compatibility/2006" xmlns:mv="urn:schemas-microsoft-com:mac:vml" xmlns:p="http://schemas.openxmlformats.org/presentationml/2006/main" xmlns:c="http://schemas.openxmlformats.org/drawingml/2006/chart" xmlns:dgm="http://schemas.openxmlformats.org/drawingml/2006/diagram" xmlns:o="urn:schemas-microsoft-com:office:office" xmlns:v="urn:schemas-microsoft-com:vml" xmlns:pvml="urn:schemas-microsoft-com:office:powerpoint" xmlns:com="http://schemas.openxmlformats.org/drawingml/2006/compatibility" xmlns:p14="http://schemas.microsoft.com/office/powerpoint/2010/main" xmlns:p15="http://schemas.microsoft.com/office/powerpoint/2012/main" xmlns:ahyp="http://schemas.microsoft.com/office/drawing/2018/hyperlinkcolor">
+<p:sldMaster xmlns:a="http://schemas.openxmlformats.org/drawingml/2006/main" xmlns:r="http://schemas.openxmlformats.org/officeDocument/2006/relationships" xmlns:p="http://schemas.openxmlformats.org/presentationml/2006/main">
   <p:cSld name="geometric">
     <p:bg>
       <p:bgPr>
         <a:solidFill>
           <a:schemeClr val="lt1"/>
         </a:solidFill>
+        <a:effectLst/>
       </p:bgPr>
     </p:bg>
     <p:spTree>
       <p:nvGrpSpPr>
-        <p:cNvPr id="5" name="Shape 5"/>
+        <p:cNvPr id="1" name="Shape 5"/>
         <p:cNvGrpSpPr/>
         <p:nvPr/>
       </p:nvGrpSpPr>
@@ -6634,7 +6791,9 @@
       <p:sp>
         <p:nvSpPr>
           <p:cNvPr id="6" name="Google Shape;6;p1"/>
-          <p:cNvSpPr txBox="1"/>
+          <p:cNvSpPr txBox="1">
+            <a:spLocks noGrp="1"/>
+          </p:cNvSpPr>
           <p:nvPr>
             <p:ph type="title"/>
           </p:nvPr>
@@ -6653,7 +6812,7 @@
           </a:ln>
         </p:spPr>
         <p:txBody>
-          <a:bodyPr anchorCtr="0" anchor="t" bIns="91425" lIns="91425" spcFirstLastPara="1" rIns="91425" wrap="square" tIns="91425">
+          <a:bodyPr spcFirstLastPara="1" wrap="square" lIns="91425" tIns="91425" rIns="91425" bIns="91425" anchor="t" anchorCtr="0">
             <a:noAutofit/>
           </a:bodyPr>
           <a:lstStyle>
@@ -6865,15 +7024,19 @@
               </a:defRPr>
             </a:lvl9pPr>
           </a:lstStyle>
-          <a:p/>
+          <a:p>
+            <a:endParaRPr/>
+          </a:p>
         </p:txBody>
       </p:sp>
       <p:sp>
         <p:nvSpPr>
           <p:cNvPr id="7" name="Google Shape;7;p1"/>
-          <p:cNvSpPr txBox="1"/>
+          <p:cNvSpPr txBox="1">
+            <a:spLocks noGrp="1"/>
+          </p:cNvSpPr>
           <p:nvPr>
-            <p:ph idx="1" type="body"/>
+            <p:ph type="body" idx="1"/>
           </p:nvPr>
         </p:nvSpPr>
         <p:spPr>
@@ -6890,11 +7053,11 @@
           </a:ln>
         </p:spPr>
         <p:txBody>
-          <a:bodyPr anchorCtr="0" anchor="t" bIns="91425" lIns="91425" spcFirstLastPara="1" rIns="91425" wrap="square" tIns="91425">
+          <a:bodyPr spcFirstLastPara="1" wrap="square" lIns="91425" tIns="91425" rIns="91425" bIns="91425" anchor="t" anchorCtr="0">
             <a:noAutofit/>
           </a:bodyPr>
           <a:lstStyle>
-            <a:lvl1pPr indent="-342900" lvl="0" marL="457200">
+            <a:lvl1pPr marL="457200" lvl="0" indent="-342900">
               <a:lnSpc>
                 <a:spcPct val="115000"/>
               </a:lnSpc>
@@ -6920,7 +7083,7 @@
                 <a:sym typeface="Roboto"/>
               </a:defRPr>
             </a:lvl1pPr>
-            <a:lvl2pPr indent="-317500" lvl="1" marL="914400">
+            <a:lvl2pPr marL="914400" lvl="1" indent="-317500">
               <a:lnSpc>
                 <a:spcPct val="115000"/>
               </a:lnSpc>
@@ -6946,7 +7109,7 @@
                 <a:sym typeface="Roboto"/>
               </a:defRPr>
             </a:lvl2pPr>
-            <a:lvl3pPr indent="-317500" lvl="2" marL="1371600">
+            <a:lvl3pPr marL="1371600" lvl="2" indent="-317500">
               <a:lnSpc>
                 <a:spcPct val="115000"/>
               </a:lnSpc>
@@ -6972,7 +7135,7 @@
                 <a:sym typeface="Roboto"/>
               </a:defRPr>
             </a:lvl3pPr>
-            <a:lvl4pPr indent="-317500" lvl="3" marL="1828800">
+            <a:lvl4pPr marL="1828800" lvl="3" indent="-317500">
               <a:lnSpc>
                 <a:spcPct val="115000"/>
               </a:lnSpc>
@@ -6998,7 +7161,7 @@
                 <a:sym typeface="Roboto"/>
               </a:defRPr>
             </a:lvl4pPr>
-            <a:lvl5pPr indent="-317500" lvl="4" marL="2286000">
+            <a:lvl5pPr marL="2286000" lvl="4" indent="-317500">
               <a:lnSpc>
                 <a:spcPct val="115000"/>
               </a:lnSpc>
@@ -7024,7 +7187,7 @@
                 <a:sym typeface="Roboto"/>
               </a:defRPr>
             </a:lvl5pPr>
-            <a:lvl6pPr indent="-317500" lvl="5" marL="2743200">
+            <a:lvl6pPr marL="2743200" lvl="5" indent="-317500">
               <a:lnSpc>
                 <a:spcPct val="115000"/>
               </a:lnSpc>
@@ -7050,7 +7213,7 @@
                 <a:sym typeface="Roboto"/>
               </a:defRPr>
             </a:lvl6pPr>
-            <a:lvl7pPr indent="-317500" lvl="6" marL="3200400">
+            <a:lvl7pPr marL="3200400" lvl="6" indent="-317500">
               <a:lnSpc>
                 <a:spcPct val="115000"/>
               </a:lnSpc>
@@ -7076,7 +7239,7 @@
                 <a:sym typeface="Roboto"/>
               </a:defRPr>
             </a:lvl7pPr>
-            <a:lvl8pPr indent="-317500" lvl="7" marL="3657600">
+            <a:lvl8pPr marL="3657600" lvl="7" indent="-317500">
               <a:lnSpc>
                 <a:spcPct val="115000"/>
               </a:lnSpc>
@@ -7102,7 +7265,7 @@
                 <a:sym typeface="Roboto"/>
               </a:defRPr>
             </a:lvl8pPr>
-            <a:lvl9pPr indent="-317500" lvl="8" marL="4114800">
+            <a:lvl9pPr marL="4114800" lvl="8" indent="-317500">
               <a:lnSpc>
                 <a:spcPct val="115000"/>
               </a:lnSpc>
@@ -7129,15 +7292,19 @@
               </a:defRPr>
             </a:lvl9pPr>
           </a:lstStyle>
-          <a:p/>
+          <a:p>
+            <a:endParaRPr/>
+          </a:p>
         </p:txBody>
       </p:sp>
       <p:sp>
         <p:nvSpPr>
           <p:cNvPr id="8" name="Google Shape;8;p1"/>
-          <p:cNvSpPr txBox="1"/>
+          <p:cNvSpPr txBox="1">
+            <a:spLocks noGrp="1"/>
+          </p:cNvSpPr>
           <p:nvPr>
-            <p:ph idx="12" type="sldNum"/>
+            <p:ph type="sldNum" idx="12"/>
           </p:nvPr>
         </p:nvSpPr>
         <p:spPr>
@@ -7154,7 +7321,7 @@
           </a:ln>
         </p:spPr>
         <p:txBody>
-          <a:bodyPr anchorCtr="0" anchor="ctr" bIns="91425" lIns="91425" spcFirstLastPara="1" rIns="91425" wrap="square" tIns="91425">
+          <a:bodyPr spcFirstLastPara="1" wrap="square" lIns="91425" tIns="91425" rIns="91425" bIns="91425" anchor="ctr" anchorCtr="0">
             <a:noAutofit/>
           </a:bodyPr>
           <a:lstStyle>
@@ -7268,7 +7435,7 @@
             </a:lvl9pPr>
           </a:lstStyle>
           <a:p>
-            <a:pPr indent="0" lvl="0" marL="0" rtl="0" algn="r">
+            <a:pPr marL="0" lvl="0" indent="0" algn="r" rtl="0">
               <a:spcBef>
                 <a:spcPts val="0"/>
               </a:spcBef>
@@ -7287,7 +7454,7 @@
       </p:sp>
     </p:spTree>
   </p:cSld>
-  <p:clrMap accent1="accent1" accent2="accent2" accent3="accent3" accent4="accent4" accent5="accent5" accent6="accent6" bg1="lt1" bg2="dk2" tx1="dk1" tx2="lt2" folHlink="folHlink" hlink="hlink"/>
+  <p:clrMap bg1="lt1" tx1="dk1" bg2="dk2" tx2="lt2" accent1="accent1" accent2="accent2" accent3="accent3" accent4="accent4" accent5="accent5" accent6="accent6" hlink="hlink" folHlink="folHlink"/>
   <p:sldLayoutIdLst>
     <p:sldLayoutId id="2147483648" r:id="rId1"/>
     <p:sldLayoutId id="2147483649" r:id="rId2"/>
@@ -7301,10 +7468,10 @@
     <p:sldLayoutId id="2147483657" r:id="rId10"/>
     <p:sldLayoutId id="2147483658" r:id="rId11"/>
   </p:sldLayoutIdLst>
-  <p:hf dt="0" ftr="0" hdr="0" sldNum="0"/>
+  <p:hf sldNum="0" hdr="0" ftr="0" dt="0"/>
   <p:txStyles>
     <p:titleStyle>
-      <a:defPPr lvl="0" marR="0" rtl="0" algn="l">
+      <a:defPPr marR="0" lvl="0" algn="l" rtl="0">
         <a:lnSpc>
           <a:spcPct val="100000"/>
         </a:lnSpc>
@@ -7315,7 +7482,7 @@
           <a:spcPts val="0"/>
         </a:spcAft>
       </a:defPPr>
-      <a:lvl1pPr lvl="0" marR="0" rtl="0" algn="l">
+      <a:lvl1pPr marR="0" lvl="0" algn="l" rtl="0">
         <a:lnSpc>
           <a:spcPct val="100000"/>
         </a:lnSpc>
@@ -7329,7 +7496,7 @@
           <a:srgbClr val="000000"/>
         </a:buClr>
         <a:buFont typeface="Arial"/>
-        <a:defRPr b="0" i="0" sz="1400" u="none" cap="none" strike="noStrike">
+        <a:defRPr sz="1400" b="0" i="0" u="none" strike="noStrike" cap="none">
           <a:solidFill>
             <a:srgbClr val="000000"/>
           </a:solidFill>
@@ -7339,7 +7506,7 @@
           <a:sym typeface="Arial"/>
         </a:defRPr>
       </a:lvl1pPr>
-      <a:lvl2pPr lvl="1" marR="0" rtl="0" algn="l">
+      <a:lvl2pPr marR="0" lvl="1" algn="l" rtl="0">
         <a:lnSpc>
           <a:spcPct val="100000"/>
         </a:lnSpc>
@@ -7353,7 +7520,7 @@
           <a:srgbClr val="000000"/>
         </a:buClr>
         <a:buFont typeface="Arial"/>
-        <a:defRPr b="0" i="0" sz="1400" u="none" cap="none" strike="noStrike">
+        <a:defRPr sz="1400" b="0" i="0" u="none" strike="noStrike" cap="none">
           <a:solidFill>
             <a:srgbClr val="000000"/>
           </a:solidFill>
@@ -7363,7 +7530,7 @@
           <a:sym typeface="Arial"/>
         </a:defRPr>
       </a:lvl2pPr>
-      <a:lvl3pPr lvl="2" marR="0" rtl="0" algn="l">
+      <a:lvl3pPr marR="0" lvl="2" algn="l" rtl="0">
         <a:lnSpc>
           <a:spcPct val="100000"/>
         </a:lnSpc>
@@ -7377,7 +7544,7 @@
           <a:srgbClr val="000000"/>
         </a:buClr>
         <a:buFont typeface="Arial"/>
-        <a:defRPr b="0" i="0" sz="1400" u="none" cap="none" strike="noStrike">
+        <a:defRPr sz="1400" b="0" i="0" u="none" strike="noStrike" cap="none">
           <a:solidFill>
             <a:srgbClr val="000000"/>
           </a:solidFill>
@@ -7387,7 +7554,7 @@
           <a:sym typeface="Arial"/>
         </a:defRPr>
       </a:lvl3pPr>
-      <a:lvl4pPr lvl="3" marR="0" rtl="0" algn="l">
+      <a:lvl4pPr marR="0" lvl="3" algn="l" rtl="0">
         <a:lnSpc>
           <a:spcPct val="100000"/>
         </a:lnSpc>
@@ -7401,7 +7568,7 @@
           <a:srgbClr val="000000"/>
         </a:buClr>
         <a:buFont typeface="Arial"/>
-        <a:defRPr b="0" i="0" sz="1400" u="none" cap="none" strike="noStrike">
+        <a:defRPr sz="1400" b="0" i="0" u="none" strike="noStrike" cap="none">
           <a:solidFill>
             <a:srgbClr val="000000"/>
           </a:solidFill>
@@ -7411,7 +7578,7 @@
           <a:sym typeface="Arial"/>
         </a:defRPr>
       </a:lvl4pPr>
-      <a:lvl5pPr lvl="4" marR="0" rtl="0" algn="l">
+      <a:lvl5pPr marR="0" lvl="4" algn="l" rtl="0">
         <a:lnSpc>
           <a:spcPct val="100000"/>
         </a:lnSpc>
@@ -7425,7 +7592,7 @@
           <a:srgbClr val="000000"/>
         </a:buClr>
         <a:buFont typeface="Arial"/>
-        <a:defRPr b="0" i="0" sz="1400" u="none" cap="none" strike="noStrike">
+        <a:defRPr sz="1400" b="0" i="0" u="none" strike="noStrike" cap="none">
           <a:solidFill>
             <a:srgbClr val="000000"/>
           </a:solidFill>
@@ -7435,7 +7602,7 @@
           <a:sym typeface="Arial"/>
         </a:defRPr>
       </a:lvl5pPr>
-      <a:lvl6pPr lvl="5" marR="0" rtl="0" algn="l">
+      <a:lvl6pPr marR="0" lvl="5" algn="l" rtl="0">
         <a:lnSpc>
           <a:spcPct val="100000"/>
         </a:lnSpc>
@@ -7449,7 +7616,7 @@
           <a:srgbClr val="000000"/>
         </a:buClr>
         <a:buFont typeface="Arial"/>
-        <a:defRPr b="0" i="0" sz="1400" u="none" cap="none" strike="noStrike">
+        <a:defRPr sz="1400" b="0" i="0" u="none" strike="noStrike" cap="none">
           <a:solidFill>
             <a:srgbClr val="000000"/>
           </a:solidFill>
@@ -7459,7 +7626,7 @@
           <a:sym typeface="Arial"/>
         </a:defRPr>
       </a:lvl6pPr>
-      <a:lvl7pPr lvl="6" marR="0" rtl="0" algn="l">
+      <a:lvl7pPr marR="0" lvl="6" algn="l" rtl="0">
         <a:lnSpc>
           <a:spcPct val="100000"/>
         </a:lnSpc>
@@ -7473,7 +7640,7 @@
           <a:srgbClr val="000000"/>
         </a:buClr>
         <a:buFont typeface="Arial"/>
-        <a:defRPr b="0" i="0" sz="1400" u="none" cap="none" strike="noStrike">
+        <a:defRPr sz="1400" b="0" i="0" u="none" strike="noStrike" cap="none">
           <a:solidFill>
             <a:srgbClr val="000000"/>
           </a:solidFill>
@@ -7483,7 +7650,7 @@
           <a:sym typeface="Arial"/>
         </a:defRPr>
       </a:lvl7pPr>
-      <a:lvl8pPr lvl="7" marR="0" rtl="0" algn="l">
+      <a:lvl8pPr marR="0" lvl="7" algn="l" rtl="0">
         <a:lnSpc>
           <a:spcPct val="100000"/>
         </a:lnSpc>
@@ -7497,7 +7664,7 @@
           <a:srgbClr val="000000"/>
         </a:buClr>
         <a:buFont typeface="Arial"/>
-        <a:defRPr b="0" i="0" sz="1400" u="none" cap="none" strike="noStrike">
+        <a:defRPr sz="1400" b="0" i="0" u="none" strike="noStrike" cap="none">
           <a:solidFill>
             <a:srgbClr val="000000"/>
           </a:solidFill>
@@ -7507,7 +7674,7 @@
           <a:sym typeface="Arial"/>
         </a:defRPr>
       </a:lvl8pPr>
-      <a:lvl9pPr lvl="8" marR="0" rtl="0" algn="l">
+      <a:lvl9pPr marR="0" lvl="8" algn="l" rtl="0">
         <a:lnSpc>
           <a:spcPct val="100000"/>
         </a:lnSpc>
@@ -7521,7 +7688,7 @@
           <a:srgbClr val="000000"/>
         </a:buClr>
         <a:buFont typeface="Arial"/>
-        <a:defRPr b="0" i="0" sz="1400" u="none" cap="none" strike="noStrike">
+        <a:defRPr sz="1400" b="0" i="0" u="none" strike="noStrike" cap="none">
           <a:solidFill>
             <a:srgbClr val="000000"/>
           </a:solidFill>
@@ -7533,7 +7700,7 @@
       </a:lvl9pPr>
     </p:titleStyle>
     <p:bodyStyle>
-      <a:defPPr lvl="0" marR="0" rtl="0" algn="l">
+      <a:defPPr marR="0" lvl="0" algn="l" rtl="0">
         <a:lnSpc>
           <a:spcPct val="100000"/>
         </a:lnSpc>
@@ -7544,7 +7711,7 @@
           <a:spcPts val="0"/>
         </a:spcAft>
       </a:defPPr>
-      <a:lvl1pPr lvl="0" marR="0" rtl="0" algn="l">
+      <a:lvl1pPr marR="0" lvl="0" algn="l" rtl="0">
         <a:lnSpc>
           <a:spcPct val="100000"/>
         </a:lnSpc>
@@ -7558,7 +7725,7 @@
           <a:srgbClr val="000000"/>
         </a:buClr>
         <a:buFont typeface="Arial"/>
-        <a:defRPr b="0" i="0" sz="1400" u="none" cap="none" strike="noStrike">
+        <a:defRPr sz="1400" b="0" i="0" u="none" strike="noStrike" cap="none">
           <a:solidFill>
             <a:srgbClr val="000000"/>
           </a:solidFill>
@@ -7568,7 +7735,7 @@
           <a:sym typeface="Arial"/>
         </a:defRPr>
       </a:lvl1pPr>
-      <a:lvl2pPr lvl="1" marR="0" rtl="0" algn="l">
+      <a:lvl2pPr marR="0" lvl="1" algn="l" rtl="0">
         <a:lnSpc>
           <a:spcPct val="100000"/>
         </a:lnSpc>
@@ -7582,7 +7749,7 @@
           <a:srgbClr val="000000"/>
         </a:buClr>
         <a:buFont typeface="Arial"/>
-        <a:defRPr b="0" i="0" sz="1400" u="none" cap="none" strike="noStrike">
+        <a:defRPr sz="1400" b="0" i="0" u="none" strike="noStrike" cap="none">
           <a:solidFill>
             <a:srgbClr val="000000"/>
           </a:solidFill>
@@ -7592,7 +7759,7 @@
           <a:sym typeface="Arial"/>
         </a:defRPr>
       </a:lvl2pPr>
-      <a:lvl3pPr lvl="2" marR="0" rtl="0" algn="l">
+      <a:lvl3pPr marR="0" lvl="2" algn="l" rtl="0">
         <a:lnSpc>
           <a:spcPct val="100000"/>
         </a:lnSpc>
@@ -7606,7 +7773,7 @@
           <a:srgbClr val="000000"/>
         </a:buClr>
         <a:buFont typeface="Arial"/>
-        <a:defRPr b="0" i="0" sz="1400" u="none" cap="none" strike="noStrike">
+        <a:defRPr sz="1400" b="0" i="0" u="none" strike="noStrike" cap="none">
           <a:solidFill>
             <a:srgbClr val="000000"/>
           </a:solidFill>
@@ -7616,7 +7783,7 @@
           <a:sym typeface="Arial"/>
         </a:defRPr>
       </a:lvl3pPr>
-      <a:lvl4pPr lvl="3" marR="0" rtl="0" algn="l">
+      <a:lvl4pPr marR="0" lvl="3" algn="l" rtl="0">
         <a:lnSpc>
           <a:spcPct val="100000"/>
         </a:lnSpc>
@@ -7630,7 +7797,7 @@
           <a:srgbClr val="000000"/>
         </a:buClr>
         <a:buFont typeface="Arial"/>
-        <a:defRPr b="0" i="0" sz="1400" u="none" cap="none" strike="noStrike">
+        <a:defRPr sz="1400" b="0" i="0" u="none" strike="noStrike" cap="none">
           <a:solidFill>
             <a:srgbClr val="000000"/>
           </a:solidFill>
@@ -7640,7 +7807,7 @@
           <a:sym typeface="Arial"/>
         </a:defRPr>
       </a:lvl4pPr>
-      <a:lvl5pPr lvl="4" marR="0" rtl="0" algn="l">
+      <a:lvl5pPr marR="0" lvl="4" algn="l" rtl="0">
         <a:lnSpc>
           <a:spcPct val="100000"/>
         </a:lnSpc>
@@ -7654,7 +7821,7 @@
           <a:srgbClr val="000000"/>
         </a:buClr>
         <a:buFont typeface="Arial"/>
-        <a:defRPr b="0" i="0" sz="1400" u="none" cap="none" strike="noStrike">
+        <a:defRPr sz="1400" b="0" i="0" u="none" strike="noStrike" cap="none">
           <a:solidFill>
             <a:srgbClr val="000000"/>
           </a:solidFill>
@@ -7664,7 +7831,7 @@
           <a:sym typeface="Arial"/>
         </a:defRPr>
       </a:lvl5pPr>
-      <a:lvl6pPr lvl="5" marR="0" rtl="0" algn="l">
+      <a:lvl6pPr marR="0" lvl="5" algn="l" rtl="0">
         <a:lnSpc>
           <a:spcPct val="100000"/>
         </a:lnSpc>
@@ -7678,7 +7845,7 @@
           <a:srgbClr val="000000"/>
         </a:buClr>
         <a:buFont typeface="Arial"/>
-        <a:defRPr b="0" i="0" sz="1400" u="none" cap="none" strike="noStrike">
+        <a:defRPr sz="1400" b="0" i="0" u="none" strike="noStrike" cap="none">
           <a:solidFill>
             <a:srgbClr val="000000"/>
           </a:solidFill>
@@ -7688,7 +7855,7 @@
           <a:sym typeface="Arial"/>
         </a:defRPr>
       </a:lvl6pPr>
-      <a:lvl7pPr lvl="6" marR="0" rtl="0" algn="l">
+      <a:lvl7pPr marR="0" lvl="6" algn="l" rtl="0">
         <a:lnSpc>
           <a:spcPct val="100000"/>
         </a:lnSpc>
@@ -7702,7 +7869,7 @@
           <a:srgbClr val="000000"/>
         </a:buClr>
         <a:buFont typeface="Arial"/>
-        <a:defRPr b="0" i="0" sz="1400" u="none" cap="none" strike="noStrike">
+        <a:defRPr sz="1400" b="0" i="0" u="none" strike="noStrike" cap="none">
           <a:solidFill>
             <a:srgbClr val="000000"/>
           </a:solidFill>
@@ -7712,7 +7879,7 @@
           <a:sym typeface="Arial"/>
         </a:defRPr>
       </a:lvl7pPr>
-      <a:lvl8pPr lvl="7" marR="0" rtl="0" algn="l">
+      <a:lvl8pPr marR="0" lvl="7" algn="l" rtl="0">
         <a:lnSpc>
           <a:spcPct val="100000"/>
         </a:lnSpc>
@@ -7726,7 +7893,7 @@
           <a:srgbClr val="000000"/>
         </a:buClr>
         <a:buFont typeface="Arial"/>
-        <a:defRPr b="0" i="0" sz="1400" u="none" cap="none" strike="noStrike">
+        <a:defRPr sz="1400" b="0" i="0" u="none" strike="noStrike" cap="none">
           <a:solidFill>
             <a:srgbClr val="000000"/>
           </a:solidFill>
@@ -7736,7 +7903,7 @@
           <a:sym typeface="Arial"/>
         </a:defRPr>
       </a:lvl8pPr>
-      <a:lvl9pPr lvl="8" marR="0" rtl="0" algn="l">
+      <a:lvl9pPr marR="0" lvl="8" algn="l" rtl="0">
         <a:lnSpc>
           <a:spcPct val="100000"/>
         </a:lnSpc>
@@ -7750,7 +7917,7 @@
           <a:srgbClr val="000000"/>
         </a:buClr>
         <a:buFont typeface="Arial"/>
-        <a:defRPr b="0" i="0" sz="1400" u="none" cap="none" strike="noStrike">
+        <a:defRPr sz="1400" b="0" i="0" u="none" strike="noStrike" cap="none">
           <a:solidFill>
             <a:srgbClr val="000000"/>
           </a:solidFill>
@@ -7762,7 +7929,7 @@
       </a:lvl9pPr>
     </p:bodyStyle>
     <p:otherStyle>
-      <a:defPPr lvl="0" marR="0" rtl="0" algn="l">
+      <a:defPPr marR="0" lvl="0" algn="l" rtl="0">
         <a:lnSpc>
           <a:spcPct val="100000"/>
         </a:lnSpc>
@@ -7773,7 +7940,7 @@
           <a:spcPts val="0"/>
         </a:spcAft>
       </a:defPPr>
-      <a:lvl1pPr lvl="0" marR="0" rtl="0" algn="l">
+      <a:lvl1pPr marR="0" lvl="0" algn="l" rtl="0">
         <a:lnSpc>
           <a:spcPct val="100000"/>
         </a:lnSpc>
@@ -7787,7 +7954,7 @@
           <a:srgbClr val="000000"/>
         </a:buClr>
         <a:buFont typeface="Arial"/>
-        <a:defRPr b="0" i="0" sz="1400" u="none" cap="none" strike="noStrike">
+        <a:defRPr sz="1400" b="0" i="0" u="none" strike="noStrike" cap="none">
           <a:solidFill>
             <a:srgbClr val="000000"/>
           </a:solidFill>
@@ -7797,7 +7964,7 @@
           <a:sym typeface="Arial"/>
         </a:defRPr>
       </a:lvl1pPr>
-      <a:lvl2pPr lvl="1" marR="0" rtl="0" algn="l">
+      <a:lvl2pPr marR="0" lvl="1" algn="l" rtl="0">
         <a:lnSpc>
           <a:spcPct val="100000"/>
         </a:lnSpc>
@@ -7811,7 +7978,7 @@
           <a:srgbClr val="000000"/>
         </a:buClr>
         <a:buFont typeface="Arial"/>
-        <a:defRPr b="0" i="0" sz="1400" u="none" cap="none" strike="noStrike">
+        <a:defRPr sz="1400" b="0" i="0" u="none" strike="noStrike" cap="none">
           <a:solidFill>
             <a:srgbClr val="000000"/>
           </a:solidFill>
@@ -7821,7 +7988,7 @@
           <a:sym typeface="Arial"/>
         </a:defRPr>
       </a:lvl2pPr>
-      <a:lvl3pPr lvl="2" marR="0" rtl="0" algn="l">
+      <a:lvl3pPr marR="0" lvl="2" algn="l" rtl="0">
         <a:lnSpc>
           <a:spcPct val="100000"/>
         </a:lnSpc>
@@ -7835,7 +8002,7 @@
           <a:srgbClr val="000000"/>
         </a:buClr>
         <a:buFont typeface="Arial"/>
-        <a:defRPr b="0" i="0" sz="1400" u="none" cap="none" strike="noStrike">
+        <a:defRPr sz="1400" b="0" i="0" u="none" strike="noStrike" cap="none">
           <a:solidFill>
             <a:srgbClr val="000000"/>
           </a:solidFill>
@@ -7845,7 +8012,7 @@
           <a:sym typeface="Arial"/>
         </a:defRPr>
       </a:lvl3pPr>
-      <a:lvl4pPr lvl="3" marR="0" rtl="0" algn="l">
+      <a:lvl4pPr marR="0" lvl="3" algn="l" rtl="0">
         <a:lnSpc>
           <a:spcPct val="100000"/>
         </a:lnSpc>
@@ -7859,7 +8026,7 @@
           <a:srgbClr val="000000"/>
         </a:buClr>
         <a:buFont typeface="Arial"/>
-        <a:defRPr b="0" i="0" sz="1400" u="none" cap="none" strike="noStrike">
+        <a:defRPr sz="1400" b="0" i="0" u="none" strike="noStrike" cap="none">
           <a:solidFill>
             <a:srgbClr val="000000"/>
           </a:solidFill>
@@ -7869,7 +8036,7 @@
           <a:sym typeface="Arial"/>
         </a:defRPr>
       </a:lvl4pPr>
-      <a:lvl5pPr lvl="4" marR="0" rtl="0" algn="l">
+      <a:lvl5pPr marR="0" lvl="4" algn="l" rtl="0">
         <a:lnSpc>
           <a:spcPct val="100000"/>
         </a:lnSpc>
@@ -7883,7 +8050,7 @@
           <a:srgbClr val="000000"/>
         </a:buClr>
         <a:buFont typeface="Arial"/>
-        <a:defRPr b="0" i="0" sz="1400" u="none" cap="none" strike="noStrike">
+        <a:defRPr sz="1400" b="0" i="0" u="none" strike="noStrike" cap="none">
           <a:solidFill>
             <a:srgbClr val="000000"/>
           </a:solidFill>
@@ -7893,7 +8060,7 @@
           <a:sym typeface="Arial"/>
         </a:defRPr>
       </a:lvl5pPr>
-      <a:lvl6pPr lvl="5" marR="0" rtl="0" algn="l">
+      <a:lvl6pPr marR="0" lvl="5" algn="l" rtl="0">
         <a:lnSpc>
           <a:spcPct val="100000"/>
         </a:lnSpc>
@@ -7907,7 +8074,7 @@
           <a:srgbClr val="000000"/>
         </a:buClr>
         <a:buFont typeface="Arial"/>
-        <a:defRPr b="0" i="0" sz="1400" u="none" cap="none" strike="noStrike">
+        <a:defRPr sz="1400" b="0" i="0" u="none" strike="noStrike" cap="none">
           <a:solidFill>
             <a:srgbClr val="000000"/>
           </a:solidFill>
@@ -7917,7 +8084,7 @@
           <a:sym typeface="Arial"/>
         </a:defRPr>
       </a:lvl6pPr>
-      <a:lvl7pPr lvl="6" marR="0" rtl="0" algn="l">
+      <a:lvl7pPr marR="0" lvl="6" algn="l" rtl="0">
         <a:lnSpc>
           <a:spcPct val="100000"/>
         </a:lnSpc>
@@ -7931,7 +8098,7 @@
           <a:srgbClr val="000000"/>
         </a:buClr>
         <a:buFont typeface="Arial"/>
-        <a:defRPr b="0" i="0" sz="1400" u="none" cap="none" strike="noStrike">
+        <a:defRPr sz="1400" b="0" i="0" u="none" strike="noStrike" cap="none">
           <a:solidFill>
             <a:srgbClr val="000000"/>
           </a:solidFill>
@@ -7941,7 +8108,7 @@
           <a:sym typeface="Arial"/>
         </a:defRPr>
       </a:lvl7pPr>
-      <a:lvl8pPr lvl="7" marR="0" rtl="0" algn="l">
+      <a:lvl8pPr marR="0" lvl="7" algn="l" rtl="0">
         <a:lnSpc>
           <a:spcPct val="100000"/>
         </a:lnSpc>
@@ -7955,7 +8122,7 @@
           <a:srgbClr val="000000"/>
         </a:buClr>
         <a:buFont typeface="Arial"/>
-        <a:defRPr b="0" i="0" sz="1400" u="none" cap="none" strike="noStrike">
+        <a:defRPr sz="1400" b="0" i="0" u="none" strike="noStrike" cap="none">
           <a:solidFill>
             <a:srgbClr val="000000"/>
           </a:solidFill>
@@ -7965,7 +8132,7 @@
           <a:sym typeface="Arial"/>
         </a:defRPr>
       </a:lvl8pPr>
-      <a:lvl9pPr lvl="8" marR="0" rtl="0" algn="l">
+      <a:lvl9pPr marR="0" lvl="8" algn="l" rtl="0">
         <a:lnSpc>
           <a:spcPct val="100000"/>
         </a:lnSpc>
@@ -7979,7 +8146,7 @@
           <a:srgbClr val="000000"/>
         </a:buClr>
         <a:buFont typeface="Arial"/>
-        <a:defRPr b="0" i="0" sz="1400" u="none" cap="none" strike="noStrike">
+        <a:defRPr sz="1400" b="0" i="0" u="none" strike="noStrike" cap="none">
           <a:solidFill>
             <a:srgbClr val="000000"/>
           </a:solidFill>
@@ -7995,11 +8162,11 @@
 </file>
 
 <file path=ppt/slides/slide1.xml><?xml version="1.0" encoding="utf-8"?>
-<p:sld xmlns:a="http://schemas.openxmlformats.org/drawingml/2006/main" xmlns:r="http://schemas.openxmlformats.org/officeDocument/2006/relationships" xmlns:mc="http://schemas.openxmlformats.org/markup-compatibility/2006" xmlns:mv="urn:schemas-microsoft-com:mac:vml" xmlns:p="http://schemas.openxmlformats.org/presentationml/2006/main" xmlns:c="http://schemas.openxmlformats.org/drawingml/2006/chart" xmlns:dgm="http://schemas.openxmlformats.org/drawingml/2006/diagram" xmlns:o="urn:schemas-microsoft-com:office:office" xmlns:v="urn:schemas-microsoft-com:vml" xmlns:pvml="urn:schemas-microsoft-com:office:powerpoint" xmlns:com="http://schemas.openxmlformats.org/drawingml/2006/compatibility" xmlns:p14="http://schemas.microsoft.com/office/powerpoint/2010/main" xmlns:p15="http://schemas.microsoft.com/office/powerpoint/2012/main" xmlns:ahyp="http://schemas.microsoft.com/office/drawing/2018/hyperlinkcolor">
+<p:sld xmlns:a="http://schemas.openxmlformats.org/drawingml/2006/main" xmlns:r="http://schemas.openxmlformats.org/officeDocument/2006/relationships" xmlns:p="http://schemas.openxmlformats.org/presentationml/2006/main">
   <p:cSld>
     <p:spTree>
       <p:nvGrpSpPr>
-        <p:cNvPr id="84" name="Shape 84"/>
+        <p:cNvPr id="1" name="Shape 84"/>
         <p:cNvGrpSpPr/>
         <p:nvPr/>
       </p:nvGrpSpPr>
@@ -8014,7 +8181,9 @@
       <p:sp>
         <p:nvSpPr>
           <p:cNvPr id="85" name="Google Shape;85;p13"/>
-          <p:cNvSpPr txBox="1"/>
+          <p:cNvSpPr txBox="1">
+            <a:spLocks noGrp="1"/>
+          </p:cNvSpPr>
           <p:nvPr>
             <p:ph type="ctrTitle"/>
           </p:nvPr>
@@ -8029,12 +8198,12 @@
           </a:prstGeom>
         </p:spPr>
         <p:txBody>
-          <a:bodyPr anchorCtr="0" anchor="b" bIns="91425" lIns="91425" spcFirstLastPara="1" rIns="91425" wrap="square" tIns="91425">
+          <a:bodyPr spcFirstLastPara="1" wrap="square" lIns="91425" tIns="91425" rIns="91425" bIns="91425" anchor="b" anchorCtr="0">
             <a:noAutofit/>
           </a:bodyPr>
           <a:lstStyle/>
           <a:p>
-            <a:pPr indent="0" lvl="0" marL="0" rtl="0" algn="l">
+            <a:pPr marL="0" lvl="0" indent="0" algn="l" rtl="0">
               <a:spcBef>
                 <a:spcPts val="0"/>
               </a:spcBef>
@@ -8054,9 +8223,11 @@
       <p:sp>
         <p:nvSpPr>
           <p:cNvPr id="86" name="Google Shape;86;p13"/>
-          <p:cNvSpPr txBox="1"/>
+          <p:cNvSpPr txBox="1">
+            <a:spLocks noGrp="1"/>
+          </p:cNvSpPr>
           <p:nvPr>
-            <p:ph idx="1" type="subTitle"/>
+            <p:ph type="subTitle" idx="1"/>
           </p:nvPr>
         </p:nvSpPr>
         <p:spPr>
@@ -8069,12 +8240,12 @@
           </a:prstGeom>
         </p:spPr>
         <p:txBody>
-          <a:bodyPr anchorCtr="0" anchor="t" bIns="91425" lIns="91425" spcFirstLastPara="1" rIns="91425" wrap="square" tIns="91425">
+          <a:bodyPr spcFirstLastPara="1" wrap="square" lIns="91425" tIns="91425" rIns="91425" bIns="91425" anchor="t" anchorCtr="0">
             <a:noAutofit/>
           </a:bodyPr>
           <a:lstStyle/>
           <a:p>
-            <a:pPr indent="0" lvl="0" marL="0" rtl="0" algn="l">
+            <a:pPr marL="0" lvl="0" indent="0" algn="l" rtl="0">
               <a:spcBef>
                 <a:spcPts val="0"/>
               </a:spcBef>
@@ -8090,7 +8261,7 @@
             <a:endParaRPr/>
           </a:p>
           <a:p>
-            <a:pPr indent="0" lvl="0" marL="0" rtl="0" algn="l">
+            <a:pPr marL="0" lvl="0" indent="0" algn="l" rtl="0">
               <a:spcBef>
                 <a:spcPts val="0"/>
               </a:spcBef>
@@ -8099,9 +8270,6 @@
               </a:spcAft>
               <a:buNone/>
             </a:pPr>
-            <a:r>
-              <a:t/>
-            </a:r>
             <a:endParaRPr/>
           </a:p>
         </p:txBody>
@@ -8126,12 +8294,12 @@
           </a:ln>
         </p:spPr>
         <p:txBody>
-          <a:bodyPr anchorCtr="0" anchor="t" bIns="91425" lIns="91425" spcFirstLastPara="1" rIns="91425" wrap="square" tIns="91425">
+          <a:bodyPr spcFirstLastPara="1" wrap="square" lIns="91425" tIns="91425" rIns="91425" bIns="91425" anchor="t" anchorCtr="0">
             <a:spAutoFit/>
           </a:bodyPr>
           <a:lstStyle/>
           <a:p>
-            <a:pPr indent="0" lvl="0" marL="0" rtl="0" algn="l">
+            <a:pPr marL="0" lvl="0" indent="0" algn="l" rtl="0">
               <a:spcBef>
                 <a:spcPts val="0"/>
               </a:spcBef>
@@ -8163,7 +8331,7 @@
             </a:endParaRPr>
           </a:p>
           <a:p>
-            <a:pPr indent="0" lvl="0" marL="0" rtl="0" algn="l">
+            <a:pPr marL="0" lvl="0" indent="0" algn="l" rtl="0">
               <a:spcBef>
                 <a:spcPts val="0"/>
               </a:spcBef>
@@ -8195,7 +8363,7 @@
             </a:endParaRPr>
           </a:p>
           <a:p>
-            <a:pPr indent="0" lvl="0" marL="0" rtl="0" algn="l">
+            <a:pPr marL="0" lvl="0" indent="0" algn="l" rtl="0">
               <a:spcBef>
                 <a:spcPts val="0"/>
               </a:spcBef>
@@ -8236,12 +8404,611 @@
 </p:sld>
 </file>
 
-<file path=ppt/slides/slide2.xml><?xml version="1.0" encoding="utf-8"?>
-<p:sld xmlns:a="http://schemas.openxmlformats.org/drawingml/2006/main" xmlns:r="http://schemas.openxmlformats.org/officeDocument/2006/relationships" xmlns:mc="http://schemas.openxmlformats.org/markup-compatibility/2006" xmlns:mv="urn:schemas-microsoft-com:mac:vml" xmlns:p="http://schemas.openxmlformats.org/presentationml/2006/main" xmlns:c="http://schemas.openxmlformats.org/drawingml/2006/chart" xmlns:dgm="http://schemas.openxmlformats.org/drawingml/2006/diagram" xmlns:o="urn:schemas-microsoft-com:office:office" xmlns:v="urn:schemas-microsoft-com:vml" xmlns:pvml="urn:schemas-microsoft-com:office:powerpoint" xmlns:com="http://schemas.openxmlformats.org/drawingml/2006/compatibility" xmlns:p14="http://schemas.microsoft.com/office/powerpoint/2010/main" xmlns:p15="http://schemas.microsoft.com/office/powerpoint/2012/main" xmlns:ahyp="http://schemas.microsoft.com/office/drawing/2018/hyperlinkcolor">
+<file path=ppt/slides/slide10.xml><?xml version="1.0" encoding="utf-8"?>
+<p:sld xmlns:a="http://schemas.openxmlformats.org/drawingml/2006/main" xmlns:r="http://schemas.openxmlformats.org/officeDocument/2006/relationships" xmlns:p="http://schemas.openxmlformats.org/presentationml/2006/main">
   <p:cSld>
     <p:spTree>
       <p:nvGrpSpPr>
-        <p:cNvPr id="91" name="Shape 91"/>
+        <p:cNvPr id="1" name="Shape 126"/>
+        <p:cNvGrpSpPr/>
+        <p:nvPr/>
+      </p:nvGrpSpPr>
+      <p:grpSpPr>
+        <a:xfrm>
+          <a:off x="0" y="0"/>
+          <a:ext cx="0" cy="0"/>
+          <a:chOff x="0" y="0"/>
+          <a:chExt cx="0" cy="0"/>
+        </a:xfrm>
+      </p:grpSpPr>
+      <p:sp>
+        <p:nvSpPr>
+          <p:cNvPr id="127" name="Google Shape;127;p18"/>
+          <p:cNvSpPr txBox="1">
+            <a:spLocks noGrp="1"/>
+          </p:cNvSpPr>
+          <p:nvPr>
+            <p:ph type="title"/>
+          </p:nvPr>
+        </p:nvSpPr>
+        <p:spPr>
+          <a:xfrm>
+            <a:off x="265500" y="1151100"/>
+            <a:ext cx="4045200" cy="1564500"/>
+          </a:xfrm>
+          <a:prstGeom prst="rect">
+            <a:avLst/>
+          </a:prstGeom>
+        </p:spPr>
+        <p:txBody>
+          <a:bodyPr spcFirstLastPara="1" wrap="square" lIns="91425" tIns="91425" rIns="91425" bIns="91425" anchor="b" anchorCtr="0">
+            <a:noAutofit/>
+          </a:bodyPr>
+          <a:lstStyle/>
+          <a:p>
+            <a:pPr marL="0" lvl="0" indent="0" algn="ctr" rtl="0">
+              <a:spcBef>
+                <a:spcPts val="0"/>
+              </a:spcBef>
+              <a:spcAft>
+                <a:spcPts val="0"/>
+              </a:spcAft>
+              <a:buNone/>
+            </a:pPr>
+            <a:r>
+              <a:rPr lang="en"/>
+              <a:t>Postmortem</a:t>
+            </a:r>
+            <a:endParaRPr/>
+          </a:p>
+        </p:txBody>
+      </p:sp>
+      <p:pic>
+        <p:nvPicPr>
+          <p:cNvPr id="4" name="Picture 3">
+            <a:extLst>
+              <a:ext uri="{FF2B5EF4-FFF2-40B4-BE49-F238E27FC236}">
+                <a16:creationId xmlns:a16="http://schemas.microsoft.com/office/drawing/2014/main" id="{8BFD5BC1-0125-4F66-9DF9-E5D16633CC46}"/>
+              </a:ext>
+            </a:extLst>
+          </p:cNvPr>
+          <p:cNvPicPr>
+            <a:picLocks noChangeAspect="1"/>
+          </p:cNvPicPr>
+          <p:nvPr/>
+        </p:nvPicPr>
+        <p:blipFill>
+          <a:blip r:embed="rId3"/>
+          <a:stretch>
+            <a:fillRect/>
+          </a:stretch>
+        </p:blipFill>
+        <p:spPr>
+          <a:xfrm>
+            <a:off x="1047750" y="2571750"/>
+            <a:ext cx="2381250" cy="2381250"/>
+          </a:xfrm>
+          <a:prstGeom prst="rect">
+            <a:avLst/>
+          </a:prstGeom>
+        </p:spPr>
+      </p:pic>
+      <p:sp>
+        <p:nvSpPr>
+          <p:cNvPr id="129" name="Google Shape;129;p18"/>
+          <p:cNvSpPr txBox="1"/>
+          <p:nvPr/>
+        </p:nvSpPr>
+        <p:spPr>
+          <a:xfrm>
+            <a:off x="7301425" y="1808075"/>
+            <a:ext cx="20700" cy="400200"/>
+          </a:xfrm>
+          <a:prstGeom prst="rect">
+            <a:avLst/>
+          </a:prstGeom>
+          <a:noFill/>
+          <a:ln>
+            <a:noFill/>
+          </a:ln>
+        </p:spPr>
+        <p:txBody>
+          <a:bodyPr spcFirstLastPara="1" wrap="square" lIns="91425" tIns="91425" rIns="91425" bIns="91425" anchor="t" anchorCtr="0">
+            <a:spAutoFit/>
+          </a:bodyPr>
+          <a:lstStyle/>
+          <a:p>
+            <a:pPr marL="0" lvl="0" indent="0" algn="l" rtl="0">
+              <a:spcBef>
+                <a:spcPts val="0"/>
+              </a:spcBef>
+              <a:spcAft>
+                <a:spcPts val="0"/>
+              </a:spcAft>
+              <a:buNone/>
+            </a:pPr>
+            <a:endParaRPr>
+              <a:latin typeface="Roboto"/>
+              <a:ea typeface="Roboto"/>
+              <a:cs typeface="Roboto"/>
+              <a:sym typeface="Roboto"/>
+            </a:endParaRPr>
+          </a:p>
+        </p:txBody>
+      </p:sp>
+      <p:sp>
+        <p:nvSpPr>
+          <p:cNvPr id="2" name="TextBox 1">
+            <a:extLst>
+              <a:ext uri="{FF2B5EF4-FFF2-40B4-BE49-F238E27FC236}">
+                <a16:creationId xmlns:a16="http://schemas.microsoft.com/office/drawing/2014/main" id="{23D07DF3-2D09-4EAD-8ED3-46FFE24E613E}"/>
+              </a:ext>
+            </a:extLst>
+          </p:cNvPr>
+          <p:cNvSpPr txBox="1"/>
+          <p:nvPr/>
+        </p:nvSpPr>
+        <p:spPr>
+          <a:xfrm>
+            <a:off x="5007864" y="368808"/>
+            <a:ext cx="3742944" cy="1384995"/>
+          </a:xfrm>
+          <a:prstGeom prst="rect">
+            <a:avLst/>
+          </a:prstGeom>
+          <a:noFill/>
+        </p:spPr>
+        <p:txBody>
+          <a:bodyPr wrap="square" rtlCol="0">
+            <a:spAutoFit/>
+          </a:bodyPr>
+          <a:lstStyle/>
+          <a:p>
+            <a:r>
+              <a:rPr lang="en-US" b="1" dirty="0">
+                <a:solidFill>
+                  <a:schemeClr val="bg1"/>
+                </a:solidFill>
+              </a:rPr>
+              <a:t>-Difficulties that arose:</a:t>
+            </a:r>
+          </a:p>
+          <a:p>
+            <a:pPr marL="285750" indent="-285750">
+              <a:buFont typeface="Arial" panose="020B0604020202020204" pitchFamily="34" charset="0"/>
+              <a:buChar char="•"/>
+            </a:pPr>
+            <a:r>
+              <a:rPr lang="en-US" b="1" dirty="0">
+                <a:solidFill>
+                  <a:schemeClr val="bg1"/>
+                </a:solidFill>
+              </a:rPr>
+              <a:t>Finding real estate data to use</a:t>
+            </a:r>
+          </a:p>
+          <a:p>
+            <a:pPr marL="285750" indent="-285750">
+              <a:buFont typeface="Arial" panose="020B0604020202020204" pitchFamily="34" charset="0"/>
+              <a:buChar char="•"/>
+            </a:pPr>
+            <a:r>
+              <a:rPr lang="en-US" b="1" dirty="0">
+                <a:solidFill>
+                  <a:schemeClr val="bg1"/>
+                </a:solidFill>
+              </a:rPr>
+              <a:t>Cleaning data and organizing</a:t>
+            </a:r>
+          </a:p>
+          <a:p>
+            <a:pPr marL="285750" indent="-285750">
+              <a:buFont typeface="Arial" panose="020B0604020202020204" pitchFamily="34" charset="0"/>
+              <a:buChar char="•"/>
+            </a:pPr>
+            <a:r>
+              <a:rPr lang="en-US" b="1" dirty="0">
+                <a:solidFill>
+                  <a:schemeClr val="bg1"/>
+                </a:solidFill>
+              </a:rPr>
+              <a:t>Plotting on maps with coordinates</a:t>
+            </a:r>
+          </a:p>
+          <a:p>
+            <a:pPr marL="285750" indent="-285750">
+              <a:buFont typeface="Arial" panose="020B0604020202020204" pitchFamily="34" charset="0"/>
+              <a:buChar char="•"/>
+            </a:pPr>
+            <a:r>
+              <a:rPr lang="en-US" b="1" dirty="0">
+                <a:solidFill>
+                  <a:schemeClr val="bg1"/>
+                </a:solidFill>
+              </a:rPr>
+              <a:t>Could not execute Monte Carlo Simulation with our real estate data</a:t>
+            </a:r>
+          </a:p>
+        </p:txBody>
+      </p:sp>
+      <p:sp>
+        <p:nvSpPr>
+          <p:cNvPr id="3" name="TextBox 2">
+            <a:extLst>
+              <a:ext uri="{FF2B5EF4-FFF2-40B4-BE49-F238E27FC236}">
+                <a16:creationId xmlns:a16="http://schemas.microsoft.com/office/drawing/2014/main" id="{7F833C73-54A7-424C-AAB1-52E0E08426E6}"/>
+              </a:ext>
+            </a:extLst>
+          </p:cNvPr>
+          <p:cNvSpPr txBox="1"/>
+          <p:nvPr/>
+        </p:nvSpPr>
+        <p:spPr>
+          <a:xfrm>
+            <a:off x="5059680" y="2030337"/>
+            <a:ext cx="3410712" cy="2893100"/>
+          </a:xfrm>
+          <a:prstGeom prst="rect">
+            <a:avLst/>
+          </a:prstGeom>
+          <a:noFill/>
+        </p:spPr>
+        <p:txBody>
+          <a:bodyPr wrap="square" rtlCol="0">
+            <a:spAutoFit/>
+          </a:bodyPr>
+          <a:lstStyle/>
+          <a:p>
+            <a:r>
+              <a:rPr lang="en-US" b="1" dirty="0">
+                <a:solidFill>
+                  <a:schemeClr val="bg1"/>
+                </a:solidFill>
+              </a:rPr>
+              <a:t>-Additional Questions that came up:</a:t>
+            </a:r>
+          </a:p>
+          <a:p>
+            <a:pPr marL="285750" indent="-285750">
+              <a:buFont typeface="Arial" panose="020B0604020202020204" pitchFamily="34" charset="0"/>
+              <a:buChar char="•"/>
+            </a:pPr>
+            <a:r>
+              <a:rPr lang="en-US" b="1" dirty="0">
+                <a:solidFill>
+                  <a:schemeClr val="bg1"/>
+                </a:solidFill>
+              </a:rPr>
+              <a:t>What other data would make it more accurate for investors?</a:t>
+            </a:r>
+          </a:p>
+          <a:p>
+            <a:r>
+              <a:rPr lang="en-US" b="1" dirty="0">
+                <a:solidFill>
+                  <a:schemeClr val="bg1"/>
+                </a:solidFill>
+              </a:rPr>
+              <a:t>	-County taxes</a:t>
+            </a:r>
+          </a:p>
+          <a:p>
+            <a:r>
+              <a:rPr lang="en-US" b="1" dirty="0">
+                <a:solidFill>
+                  <a:schemeClr val="bg1"/>
+                </a:solidFill>
+              </a:rPr>
+              <a:t>	-Insurance Costs</a:t>
+            </a:r>
+          </a:p>
+          <a:p>
+            <a:r>
+              <a:rPr lang="en-US" b="1" dirty="0">
+                <a:solidFill>
+                  <a:schemeClr val="bg1"/>
+                </a:solidFill>
+              </a:rPr>
+              <a:t>	-Vacancy Rates</a:t>
+            </a:r>
+          </a:p>
+          <a:p>
+            <a:r>
+              <a:rPr lang="en-US" b="1" dirty="0">
+                <a:solidFill>
+                  <a:schemeClr val="bg1"/>
+                </a:solidFill>
+              </a:rPr>
+              <a:t>	-Repair Costs</a:t>
+            </a:r>
+          </a:p>
+          <a:p>
+            <a:r>
+              <a:rPr lang="en-US" b="1" dirty="0">
+                <a:solidFill>
+                  <a:schemeClr val="bg1"/>
+                </a:solidFill>
+              </a:rPr>
+              <a:t>	-Property Management </a:t>
+            </a:r>
+          </a:p>
+          <a:p>
+            <a:pPr marL="285750" indent="-285750">
+              <a:buFont typeface="Arial" panose="020B0604020202020204" pitchFamily="34" charset="0"/>
+              <a:buChar char="•"/>
+            </a:pPr>
+            <a:r>
+              <a:rPr lang="en-US" b="1" dirty="0">
+                <a:solidFill>
+                  <a:schemeClr val="bg1"/>
+                </a:solidFill>
+              </a:rPr>
+              <a:t>What is the best way to project into the future?</a:t>
+            </a:r>
+          </a:p>
+          <a:p>
+            <a:pPr marL="285750" indent="-285750">
+              <a:buFont typeface="Arial" panose="020B0604020202020204" pitchFamily="34" charset="0"/>
+              <a:buChar char="•"/>
+            </a:pPr>
+            <a:r>
+              <a:rPr lang="en-US" b="1" dirty="0">
+                <a:solidFill>
+                  <a:schemeClr val="bg1"/>
+                </a:solidFill>
+              </a:rPr>
+              <a:t>Would data taken by county have been better?</a:t>
+            </a:r>
+          </a:p>
+          <a:p>
+            <a:pPr marL="285750" indent="-285750">
+              <a:buFont typeface="Wingdings" panose="05000000000000000000" pitchFamily="2" charset="2"/>
+              <a:buChar char="§"/>
+            </a:pPr>
+            <a:endParaRPr lang="en-US" b="1" dirty="0">
+              <a:solidFill>
+                <a:schemeClr val="bg1"/>
+              </a:solidFill>
+            </a:endParaRPr>
+          </a:p>
+        </p:txBody>
+      </p:sp>
+    </p:spTree>
+  </p:cSld>
+  <p:clrMapOvr>
+    <a:masterClrMapping/>
+  </p:clrMapOvr>
+</p:sld>
+</file>
+
+<file path=ppt/slides/slide11.xml><?xml version="1.0" encoding="utf-8"?>
+<p:sld xmlns:a="http://schemas.openxmlformats.org/drawingml/2006/main" xmlns:r="http://schemas.openxmlformats.org/officeDocument/2006/relationships" xmlns:p="http://schemas.openxmlformats.org/presentationml/2006/main">
+  <p:cSld>
+    <p:spTree>
+      <p:nvGrpSpPr>
+        <p:cNvPr id="1" name="Shape 133"/>
+        <p:cNvGrpSpPr/>
+        <p:nvPr/>
+      </p:nvGrpSpPr>
+      <p:grpSpPr>
+        <a:xfrm>
+          <a:off x="0" y="0"/>
+          <a:ext cx="0" cy="0"/>
+          <a:chOff x="0" y="0"/>
+          <a:chExt cx="0" cy="0"/>
+        </a:xfrm>
+      </p:grpSpPr>
+      <p:sp>
+        <p:nvSpPr>
+          <p:cNvPr id="134" name="Google Shape;134;p19"/>
+          <p:cNvSpPr txBox="1">
+            <a:spLocks noGrp="1"/>
+          </p:cNvSpPr>
+          <p:nvPr>
+            <p:ph type="title"/>
+          </p:nvPr>
+        </p:nvSpPr>
+        <p:spPr>
+          <a:xfrm>
+            <a:off x="307463" y="158284"/>
+            <a:ext cx="4045200" cy="1564500"/>
+          </a:xfrm>
+          <a:prstGeom prst="rect">
+            <a:avLst/>
+          </a:prstGeom>
+        </p:spPr>
+        <p:txBody>
+          <a:bodyPr spcFirstLastPara="1" wrap="square" lIns="91425" tIns="91425" rIns="91425" bIns="91425" anchor="b" anchorCtr="0">
+            <a:noAutofit/>
+          </a:bodyPr>
+          <a:lstStyle/>
+          <a:p>
+            <a:pPr marL="0" lvl="0" indent="0" algn="ctr" rtl="0">
+              <a:spcBef>
+                <a:spcPts val="0"/>
+              </a:spcBef>
+              <a:spcAft>
+                <a:spcPts val="0"/>
+              </a:spcAft>
+              <a:buNone/>
+            </a:pPr>
+            <a:r>
+              <a:rPr lang="en" dirty="0"/>
+              <a:t>Q&amp;A</a:t>
+            </a:r>
+            <a:endParaRPr dirty="0"/>
+          </a:p>
+        </p:txBody>
+      </p:sp>
+      <p:sp>
+        <p:nvSpPr>
+          <p:cNvPr id="135" name="Google Shape;135;p19"/>
+          <p:cNvSpPr txBox="1">
+            <a:spLocks noGrp="1"/>
+          </p:cNvSpPr>
+          <p:nvPr>
+            <p:ph type="subTitle" idx="1"/>
+          </p:nvPr>
+        </p:nvSpPr>
+        <p:spPr>
+          <a:xfrm>
+            <a:off x="485200" y="3378201"/>
+            <a:ext cx="4045200" cy="1269300"/>
+          </a:xfrm>
+          <a:prstGeom prst="rect">
+            <a:avLst/>
+          </a:prstGeom>
+        </p:spPr>
+        <p:txBody>
+          <a:bodyPr spcFirstLastPara="1" wrap="square" lIns="91425" tIns="91425" rIns="91425" bIns="91425" anchor="t" anchorCtr="0">
+            <a:noAutofit/>
+          </a:bodyPr>
+          <a:lstStyle/>
+          <a:p>
+            <a:pPr marL="0" lvl="0" indent="0" algn="l" rtl="0">
+              <a:spcBef>
+                <a:spcPts val="0"/>
+              </a:spcBef>
+              <a:spcAft>
+                <a:spcPts val="0"/>
+              </a:spcAft>
+              <a:buNone/>
+            </a:pPr>
+            <a:endParaRPr/>
+          </a:p>
+        </p:txBody>
+      </p:sp>
+      <p:sp>
+        <p:nvSpPr>
+          <p:cNvPr id="136" name="Google Shape;136;p19"/>
+          <p:cNvSpPr txBox="1">
+            <a:spLocks noGrp="1"/>
+          </p:cNvSpPr>
+          <p:nvPr>
+            <p:ph type="body" idx="2"/>
+          </p:nvPr>
+        </p:nvSpPr>
+        <p:spPr>
+          <a:xfrm>
+            <a:off x="5307000" y="724200"/>
+            <a:ext cx="3837000" cy="3695100"/>
+          </a:xfrm>
+          <a:prstGeom prst="rect">
+            <a:avLst/>
+          </a:prstGeom>
+        </p:spPr>
+        <p:txBody>
+          <a:bodyPr spcFirstLastPara="1" wrap="square" lIns="91425" tIns="91425" rIns="91425" bIns="91425" anchor="ctr" anchorCtr="0">
+            <a:noAutofit/>
+          </a:bodyPr>
+          <a:lstStyle/>
+          <a:p>
+            <a:pPr marL="0" lvl="0" indent="0" algn="l" rtl="0">
+              <a:spcBef>
+                <a:spcPts val="0"/>
+              </a:spcBef>
+              <a:spcAft>
+                <a:spcPts val="1600"/>
+              </a:spcAft>
+              <a:buNone/>
+            </a:pPr>
+            <a:r>
+              <a:rPr lang="en-US" sz="3200" b="1" dirty="0"/>
+              <a:t>Questions</a:t>
+            </a:r>
+          </a:p>
+          <a:p>
+            <a:pPr marL="0" lvl="0" indent="0" algn="l" rtl="0">
+              <a:spcBef>
+                <a:spcPts val="0"/>
+              </a:spcBef>
+              <a:spcAft>
+                <a:spcPts val="1600"/>
+              </a:spcAft>
+              <a:buNone/>
+            </a:pPr>
+            <a:r>
+              <a:rPr lang="en-US" sz="3200" b="1" dirty="0"/>
+              <a:t>Comments</a:t>
+            </a:r>
+          </a:p>
+          <a:p>
+            <a:pPr marL="0" lvl="0" indent="0" algn="l" rtl="0">
+              <a:spcBef>
+                <a:spcPts val="0"/>
+              </a:spcBef>
+              <a:spcAft>
+                <a:spcPts val="1600"/>
+              </a:spcAft>
+              <a:buNone/>
+            </a:pPr>
+            <a:r>
+              <a:rPr lang="en-US" sz="3200" b="1" dirty="0"/>
+              <a:t>Advice</a:t>
+            </a:r>
+          </a:p>
+          <a:p>
+            <a:pPr marL="0" lvl="0" indent="0" algn="l" rtl="0">
+              <a:spcBef>
+                <a:spcPts val="0"/>
+              </a:spcBef>
+              <a:spcAft>
+                <a:spcPts val="1600"/>
+              </a:spcAft>
+              <a:buNone/>
+            </a:pPr>
+            <a:r>
+              <a:rPr lang="en-US" sz="3200" b="1" strike="sngStrike" dirty="0"/>
+              <a:t>Put-Downs</a:t>
+            </a:r>
+            <a:endParaRPr sz="3200" b="1" strike="sngStrike" dirty="0"/>
+          </a:p>
+        </p:txBody>
+      </p:sp>
+      <p:pic>
+        <p:nvPicPr>
+          <p:cNvPr id="2" name="Picture 1">
+            <a:extLst>
+              <a:ext uri="{FF2B5EF4-FFF2-40B4-BE49-F238E27FC236}">
+                <a16:creationId xmlns:a16="http://schemas.microsoft.com/office/drawing/2014/main" id="{58DEF030-EF3A-4631-A1B0-1E2452C6307D}"/>
+              </a:ext>
+            </a:extLst>
+          </p:cNvPr>
+          <p:cNvPicPr>
+            <a:picLocks noChangeAspect="1"/>
+          </p:cNvPicPr>
+          <p:nvPr/>
+        </p:nvPicPr>
+        <p:blipFill>
+          <a:blip r:embed="rId3"/>
+          <a:stretch>
+            <a:fillRect/>
+          </a:stretch>
+        </p:blipFill>
+        <p:spPr>
+          <a:xfrm>
+            <a:off x="282188" y="1851469"/>
+            <a:ext cx="4095750" cy="2409825"/>
+          </a:xfrm>
+          <a:prstGeom prst="rect">
+            <a:avLst/>
+          </a:prstGeom>
+        </p:spPr>
+      </p:pic>
+    </p:spTree>
+  </p:cSld>
+  <p:clrMapOvr>
+    <a:masterClrMapping/>
+  </p:clrMapOvr>
+</p:sld>
+</file>
+
+<file path=ppt/slides/slide2.xml><?xml version="1.0" encoding="utf-8"?>
+<p:sld xmlns:a="http://schemas.openxmlformats.org/drawingml/2006/main" xmlns:r="http://schemas.openxmlformats.org/officeDocument/2006/relationships" xmlns:p="http://schemas.openxmlformats.org/presentationml/2006/main">
+  <p:cSld>
+    <p:spTree>
+      <p:nvGrpSpPr>
+        <p:cNvPr id="1" name="Shape 91"/>
         <p:cNvGrpSpPr/>
         <p:nvPr/>
       </p:nvGrpSpPr>
@@ -8256,7 +9023,9 @@
       <p:sp>
         <p:nvSpPr>
           <p:cNvPr id="92" name="Google Shape;92;p14"/>
-          <p:cNvSpPr txBox="1"/>
+          <p:cNvSpPr txBox="1">
+            <a:spLocks noGrp="1"/>
+          </p:cNvSpPr>
           <p:nvPr>
             <p:ph type="title"/>
           </p:nvPr>
@@ -8271,12 +9040,12 @@
           </a:prstGeom>
         </p:spPr>
         <p:txBody>
-          <a:bodyPr anchorCtr="0" anchor="t" bIns="91425" lIns="91425" spcFirstLastPara="1" rIns="91425" wrap="square" tIns="91425">
+          <a:bodyPr spcFirstLastPara="1" wrap="square" lIns="91425" tIns="91425" rIns="91425" bIns="91425" anchor="t" anchorCtr="0">
             <a:noAutofit/>
           </a:bodyPr>
           <a:lstStyle/>
           <a:p>
-            <a:pPr indent="0" lvl="0" marL="0" rtl="0" algn="l">
+            <a:pPr marL="0" lvl="0" indent="0" algn="l" rtl="0">
               <a:spcBef>
                 <a:spcPts val="0"/>
               </a:spcBef>
@@ -8286,10 +9055,10 @@
               <a:buNone/>
             </a:pPr>
             <a:r>
-              <a:rPr lang="en"/>
+              <a:rPr lang="en" dirty="0"/>
               <a:t>Market opportunity</a:t>
             </a:r>
-            <a:endParaRPr/>
+            <a:endParaRPr dirty="0"/>
           </a:p>
         </p:txBody>
       </p:sp>
@@ -8301,7 +9070,7 @@
         </p:nvGrpSpPr>
         <p:grpSpPr>
           <a:xfrm>
-            <a:off x="340622" y="1057690"/>
+            <a:off x="483201" y="1073542"/>
             <a:ext cx="8177598" cy="3723193"/>
             <a:chOff x="3320450" y="1304875"/>
             <a:chExt cx="2632500" cy="3416400"/>
@@ -8329,12 +9098,12 @@
             </a:ln>
           </p:spPr>
           <p:txBody>
-            <a:bodyPr anchorCtr="0" anchor="ctr" bIns="91425" lIns="91425" spcFirstLastPara="1" rIns="91425" wrap="square" tIns="91425">
+            <a:bodyPr spcFirstLastPara="1" wrap="square" lIns="91425" tIns="91425" rIns="91425" bIns="91425" anchor="ctr" anchorCtr="0">
               <a:noAutofit/>
             </a:bodyPr>
             <a:lstStyle/>
             <a:p>
-              <a:pPr indent="0" lvl="0" marL="0" rtl="0" algn="l">
+              <a:pPr marL="0" lvl="0" indent="0" algn="l" rtl="0">
                 <a:spcBef>
                   <a:spcPts val="0"/>
                 </a:spcBef>
@@ -8343,9 +9112,6 @@
                 </a:spcAft>
                 <a:buNone/>
               </a:pPr>
-              <a:r>
-                <a:t/>
-              </a:r>
               <a:endParaRPr/>
             </a:p>
           </p:txBody>
@@ -8365,23 +9131,23 @@
               <a:avLst/>
             </a:prstGeom>
             <a:noFill/>
-            <a:ln cap="flat" cmpd="sng" w="9525">
+            <a:ln w="9525" cap="flat" cmpd="sng">
               <a:solidFill>
                 <a:schemeClr val="dk1"/>
               </a:solidFill>
               <a:prstDash val="solid"/>
               <a:round/>
-              <a:headEnd len="sm" w="sm" type="none"/>
-              <a:tailEnd len="sm" w="sm" type="none"/>
+              <a:headEnd type="none" w="sm" len="sm"/>
+              <a:tailEnd type="none" w="sm" len="sm"/>
             </a:ln>
           </p:spPr>
           <p:txBody>
-            <a:bodyPr anchorCtr="0" anchor="ctr" bIns="91425" lIns="91425" spcFirstLastPara="1" rIns="91425" wrap="square" tIns="91425">
+            <a:bodyPr spcFirstLastPara="1" wrap="square" lIns="91425" tIns="91425" rIns="91425" bIns="91425" anchor="ctr" anchorCtr="0">
               <a:noAutofit/>
             </a:bodyPr>
             <a:lstStyle/>
             <a:p>
-              <a:pPr indent="0" lvl="0" marL="0" rtl="0" algn="l">
+              <a:pPr marL="0" lvl="0" indent="0" algn="l" rtl="0">
                 <a:spcBef>
                   <a:spcPts val="0"/>
                 </a:spcBef>
@@ -8390,9 +9156,6 @@
                 </a:spcAft>
                 <a:buNone/>
               </a:pPr>
-              <a:r>
-                <a:t/>
-              </a:r>
               <a:endParaRPr/>
             </a:p>
           </p:txBody>
@@ -8401,9 +9164,11 @@
       <p:sp>
         <p:nvSpPr>
           <p:cNvPr id="96" name="Google Shape;96;p14"/>
-          <p:cNvSpPr txBox="1"/>
+          <p:cNvSpPr txBox="1">
+            <a:spLocks noGrp="1"/>
+          </p:cNvSpPr>
           <p:nvPr>
-            <p:ph idx="4294967295" type="body"/>
+            <p:ph type="body" idx="4294967295"/>
           </p:nvPr>
         </p:nvSpPr>
         <p:spPr>
@@ -8416,12 +9181,12 @@
           </a:prstGeom>
         </p:spPr>
         <p:txBody>
-          <a:bodyPr anchorCtr="0" anchor="t" bIns="91425" lIns="91425" spcFirstLastPara="1" rIns="91425" wrap="square" tIns="91425">
+          <a:bodyPr spcFirstLastPara="1" wrap="square" lIns="91425" tIns="91425" rIns="91425" bIns="91425" anchor="t" anchorCtr="0">
             <a:noAutofit/>
           </a:bodyPr>
           <a:lstStyle/>
           <a:p>
-            <a:pPr indent="0" lvl="0" marL="0" rtl="0" algn="l">
+            <a:pPr marL="0" lvl="0" indent="0" algn="l" rtl="0">
               <a:spcBef>
                 <a:spcPts val="0"/>
               </a:spcBef>
@@ -8430,9 +9195,6 @@
               </a:spcAft>
               <a:buNone/>
             </a:pPr>
-            <a:r>
-              <a:t/>
-            </a:r>
             <a:endParaRPr>
               <a:solidFill>
                 <a:schemeClr val="lt1"/>
@@ -8444,30 +9206,29 @@
       <p:sp>
         <p:nvSpPr>
           <p:cNvPr id="97" name="Google Shape;97;p14"/>
-          <p:cNvSpPr txBox="1"/>
+          <p:cNvSpPr txBox="1">
+            <a:spLocks noGrp="1"/>
+          </p:cNvSpPr>
           <p:nvPr>
-            <p:ph idx="4294967295" type="body"/>
+            <p:ph type="body" idx="4294967295"/>
           </p:nvPr>
         </p:nvSpPr>
         <p:spPr>
           <a:xfrm>
             <a:off x="400550" y="1897925"/>
-            <a:ext cx="7780200" cy="2686200"/>
+            <a:ext cx="7780200" cy="1549363"/>
           </a:xfrm>
           <a:prstGeom prst="rect">
             <a:avLst/>
           </a:prstGeom>
         </p:spPr>
         <p:txBody>
-          <a:bodyPr anchorCtr="0" anchor="t" bIns="91425" lIns="91425" spcFirstLastPara="1" rIns="91425" wrap="square" tIns="91425">
+          <a:bodyPr spcFirstLastPara="1" wrap="square" lIns="91425" tIns="91425" rIns="91425" bIns="91425" anchor="t" anchorCtr="0">
             <a:noAutofit/>
           </a:bodyPr>
           <a:lstStyle/>
           <a:p>
-            <a:pPr indent="-311150" lvl="0" marL="457200" rtl="0" algn="l">
-              <a:lnSpc>
-                <a:spcPct val="150000"/>
-              </a:lnSpc>
+            <a:pPr marL="457200" lvl="0" indent="-304800" algn="l" rtl="0">
               <a:spcBef>
                 <a:spcPts val="0"/>
               </a:spcBef>
@@ -8477,12 +9238,12 @@
               <a:buClr>
                 <a:srgbClr val="57606A"/>
               </a:buClr>
-              <a:buSzPts val="1300"/>
+              <a:buSzPts val="1200"/>
               <a:buFont typeface="Arial"/>
               <a:buChar char="●"/>
             </a:pPr>
             <a:r>
-              <a:rPr lang="en" sz="1300">
+              <a:rPr lang="en" sz="1200" dirty="0">
                 <a:solidFill>
                   <a:srgbClr val="57606A"/>
                 </a:solidFill>
@@ -8494,9 +9255,39 @@
                 <a:cs typeface="Arial"/>
                 <a:sym typeface="Arial"/>
               </a:rPr>
-              <a:t>Which cities in the United States offer best ROI for purchasing rental properties considering home purchase value and rental value?                                                                                                                                       </a:t>
+              <a:t>Which cities in the United States offer best ROI for purchasing rental properties considering home purchase value and rental value?    </a:t>
             </a:r>
-            <a:endParaRPr sz="1300">
+          </a:p>
+          <a:p>
+            <a:pPr marL="152400" lvl="0" indent="0" algn="l" rtl="0">
+              <a:spcBef>
+                <a:spcPts val="0"/>
+              </a:spcBef>
+              <a:spcAft>
+                <a:spcPts val="0"/>
+              </a:spcAft>
+              <a:buClr>
+                <a:srgbClr val="57606A"/>
+              </a:buClr>
+              <a:buSzPts val="1200"/>
+              <a:buNone/>
+            </a:pPr>
+            <a:r>
+              <a:rPr lang="en" sz="1200" dirty="0">
+                <a:solidFill>
+                  <a:srgbClr val="57606A"/>
+                </a:solidFill>
+                <a:highlight>
+                  <a:srgbClr val="FFFFFF"/>
+                </a:highlight>
+                <a:latin typeface="Arial"/>
+                <a:ea typeface="Arial"/>
+                <a:cs typeface="Arial"/>
+                <a:sym typeface="Arial"/>
+              </a:rPr>
+              <a:t>                                                                                                                                   </a:t>
+            </a:r>
+            <a:endParaRPr sz="1200" dirty="0">
               <a:solidFill>
                 <a:srgbClr val="57606A"/>
               </a:solidFill>
@@ -8510,7 +9301,7 @@
             </a:endParaRPr>
           </a:p>
           <a:p>
-            <a:pPr indent="-311150" lvl="0" marL="457200" rtl="0" algn="l">
+            <a:pPr marL="457200" lvl="0" indent="-304800" algn="l" rtl="0">
               <a:spcBef>
                 <a:spcPts val="0"/>
               </a:spcBef>
@@ -8520,12 +9311,12 @@
               <a:buClr>
                 <a:srgbClr val="57606A"/>
               </a:buClr>
-              <a:buSzPts val="1300"/>
+              <a:buSzPts val="1200"/>
               <a:buFont typeface="Arial"/>
               <a:buChar char="●"/>
             </a:pPr>
             <a:r>
-              <a:rPr lang="en" sz="1300">
+              <a:rPr lang="en" sz="1200" dirty="0">
                 <a:solidFill>
                   <a:srgbClr val="57606A"/>
                 </a:solidFill>
@@ -8537,9 +9328,9 @@
                 <a:cs typeface="Arial"/>
                 <a:sym typeface="Arial"/>
               </a:rPr>
-              <a:t>Historically, how have these cities performed.  </a:t>
+              <a:t>Historically, how have these cities performed. How have they faired in the last 1, 3 and 5 years in terms of ROI? </a:t>
             </a:r>
-            <a:endParaRPr sz="1300">
+            <a:endParaRPr sz="1200" dirty="0">
               <a:solidFill>
                 <a:srgbClr val="57606A"/>
               </a:solidFill>
@@ -8553,7 +9344,7 @@
             </a:endParaRPr>
           </a:p>
           <a:p>
-            <a:pPr indent="-311150" lvl="0" marL="457200" rtl="0" algn="l">
+            <a:pPr marL="457200" lvl="0" indent="-304800" algn="l" rtl="0">
               <a:spcBef>
                 <a:spcPts val="1600"/>
               </a:spcBef>
@@ -8563,12 +9354,12 @@
               <a:buClr>
                 <a:srgbClr val="57606A"/>
               </a:buClr>
-              <a:buSzPts val="1300"/>
+              <a:buSzPts val="1200"/>
               <a:buFont typeface="Arial"/>
               <a:buChar char="●"/>
             </a:pPr>
             <a:r>
-              <a:rPr lang="en" sz="1300">
+              <a:rPr lang="en-US" sz="1200" dirty="0">
                 <a:solidFill>
                   <a:srgbClr val="57606A"/>
                 </a:solidFill>
@@ -8580,9 +9371,9 @@
                 <a:cs typeface="Arial"/>
                 <a:sym typeface="Arial"/>
               </a:rPr>
-              <a:t>Projecting forward ,  which cities offer long term ROI .</a:t>
+              <a:t>Looking into the future, which cities offer the best outlook on their ROI?</a:t>
             </a:r>
-            <a:endParaRPr sz="1300">
+            <a:endParaRPr sz="1200" dirty="0">
               <a:solidFill>
                 <a:srgbClr val="57606A"/>
               </a:solidFill>
@@ -8596,60 +9387,56 @@
             </a:endParaRPr>
           </a:p>
           <a:p>
-            <a:pPr indent="0" lvl="0" marL="457200" rtl="0" algn="l">
+            <a:pPr marL="0" lvl="0" indent="0" algn="l" rtl="0">
               <a:spcBef>
                 <a:spcPts val="1600"/>
               </a:spcBef>
               <a:spcAft>
-                <a:spcPts val="0"/>
+                <a:spcPts val="1600"/>
               </a:spcAft>
               <a:buNone/>
             </a:pPr>
+            <a:endParaRPr sz="1600" dirty="0"/>
+          </a:p>
+        </p:txBody>
+      </p:sp>
+      <p:sp>
+        <p:nvSpPr>
+          <p:cNvPr id="2" name="TextBox 1">
+            <a:extLst>
+              <a:ext uri="{FF2B5EF4-FFF2-40B4-BE49-F238E27FC236}">
+                <a16:creationId xmlns:a16="http://schemas.microsoft.com/office/drawing/2014/main" id="{12B46764-97B3-48B3-A38F-DE7AC84404E0}"/>
+              </a:ext>
+            </a:extLst>
+          </p:cNvPr>
+          <p:cNvSpPr txBox="1"/>
+          <p:nvPr/>
+        </p:nvSpPr>
+        <p:spPr>
+          <a:xfrm>
+            <a:off x="3079070" y="1146600"/>
+            <a:ext cx="2423160" cy="307777"/>
+          </a:xfrm>
+          <a:prstGeom prst="rect">
+            <a:avLst/>
+          </a:prstGeom>
+          <a:noFill/>
+        </p:spPr>
+        <p:txBody>
+          <a:bodyPr wrap="square" rtlCol="0">
+            <a:spAutoFit/>
+          </a:bodyPr>
+          <a:lstStyle/>
+          <a:p>
+            <a:pPr algn="ctr"/>
             <a:r>
-              <a:t/>
+              <a:rPr lang="en-US" b="1" dirty="0">
+                <a:solidFill>
+                  <a:schemeClr val="bg1"/>
+                </a:solidFill>
+              </a:rPr>
+              <a:t>Questions to be Answered</a:t>
             </a:r>
-            <a:endParaRPr sz="1300">
-              <a:solidFill>
-                <a:srgbClr val="57606A"/>
-              </a:solidFill>
-              <a:highlight>
-                <a:srgbClr val="FFFFFF"/>
-              </a:highlight>
-              <a:latin typeface="Arial"/>
-              <a:ea typeface="Arial"/>
-              <a:cs typeface="Arial"/>
-              <a:sym typeface="Arial"/>
-            </a:endParaRPr>
-          </a:p>
-          <a:p>
-            <a:pPr indent="0" lvl="0" marL="457200" rtl="0" algn="l">
-              <a:spcBef>
-                <a:spcPts val="1600"/>
-              </a:spcBef>
-              <a:spcAft>
-                <a:spcPts val="0"/>
-              </a:spcAft>
-              <a:buNone/>
-            </a:pPr>
-            <a:r>
-              <a:t/>
-            </a:r>
-            <a:endParaRPr sz="1700"/>
-          </a:p>
-          <a:p>
-            <a:pPr indent="0" lvl="0" marL="0" rtl="0" algn="l">
-              <a:spcBef>
-                <a:spcPts val="1600"/>
-              </a:spcBef>
-              <a:spcAft>
-                <a:spcPts val="1600"/>
-              </a:spcAft>
-              <a:buNone/>
-            </a:pPr>
-            <a:r>
-              <a:t/>
-            </a:r>
-            <a:endParaRPr sz="1600"/>
           </a:p>
         </p:txBody>
       </p:sp>
@@ -8662,11 +9449,11 @@
 </file>
 
 <file path=ppt/slides/slide3.xml><?xml version="1.0" encoding="utf-8"?>
-<p:sld xmlns:a="http://schemas.openxmlformats.org/drawingml/2006/main" xmlns:r="http://schemas.openxmlformats.org/officeDocument/2006/relationships" xmlns:mc="http://schemas.openxmlformats.org/markup-compatibility/2006" xmlns:mv="urn:schemas-microsoft-com:mac:vml" xmlns:p="http://schemas.openxmlformats.org/presentationml/2006/main" xmlns:c="http://schemas.openxmlformats.org/drawingml/2006/chart" xmlns:dgm="http://schemas.openxmlformats.org/drawingml/2006/diagram" xmlns:o="urn:schemas-microsoft-com:office:office" xmlns:v="urn:schemas-microsoft-com:vml" xmlns:pvml="urn:schemas-microsoft-com:office:powerpoint" xmlns:com="http://schemas.openxmlformats.org/drawingml/2006/compatibility" xmlns:p14="http://schemas.microsoft.com/office/powerpoint/2010/main" xmlns:p15="http://schemas.microsoft.com/office/powerpoint/2012/main" xmlns:ahyp="http://schemas.microsoft.com/office/drawing/2018/hyperlinkcolor">
+<p:sld xmlns:a="http://schemas.openxmlformats.org/drawingml/2006/main" xmlns:r="http://schemas.openxmlformats.org/officeDocument/2006/relationships" xmlns:p="http://schemas.openxmlformats.org/presentationml/2006/main">
   <p:cSld>
     <p:spTree>
       <p:nvGrpSpPr>
-        <p:cNvPr id="101" name="Shape 101"/>
+        <p:cNvPr id="1" name="Shape 101"/>
         <p:cNvGrpSpPr/>
         <p:nvPr/>
       </p:nvGrpSpPr>
@@ -8681,14 +9468,16 @@
       <p:sp>
         <p:nvSpPr>
           <p:cNvPr id="102" name="Google Shape;102;p15"/>
-          <p:cNvSpPr txBox="1"/>
+          <p:cNvSpPr txBox="1">
+            <a:spLocks noGrp="1"/>
+          </p:cNvSpPr>
           <p:nvPr>
             <p:ph type="title"/>
           </p:nvPr>
         </p:nvSpPr>
         <p:spPr>
           <a:xfrm>
-            <a:off x="255550" y="697075"/>
+            <a:off x="311700" y="410000"/>
             <a:ext cx="8520600" cy="607800"/>
           </a:xfrm>
           <a:prstGeom prst="rect">
@@ -8696,12 +9485,12 @@
           </a:prstGeom>
         </p:spPr>
         <p:txBody>
-          <a:bodyPr anchorCtr="0" anchor="t" bIns="91425" lIns="91425" spcFirstLastPara="1" rIns="91425" wrap="square" tIns="91425">
+          <a:bodyPr spcFirstLastPara="1" wrap="square" lIns="91425" tIns="91425" rIns="91425" bIns="91425" anchor="t" anchorCtr="0">
             <a:noAutofit/>
           </a:bodyPr>
           <a:lstStyle/>
           <a:p>
-            <a:pPr indent="0" lvl="0" marL="0" rtl="0" algn="l">
+            <a:pPr marL="0" lvl="0" indent="0" algn="l" rtl="0">
               <a:spcBef>
                 <a:spcPts val="0"/>
               </a:spcBef>
@@ -8712,7 +9501,7 @@
             </a:pPr>
             <a:r>
               <a:rPr lang="en"/>
-              <a:t>Data Cleanup &amp; Exploration</a:t>
+              <a:t>Challenges deep-dive</a:t>
             </a:r>
             <a:endParaRPr/>
           </a:p>
@@ -8731,7 +9520,7 @@
           </a:xfrm>
           <a:prstGeom prst="homePlate">
             <a:avLst>
-              <a:gd fmla="val 50000" name="adj"/>
+              <a:gd name="adj" fmla="val 50000"/>
             </a:avLst>
           </a:prstGeom>
           <a:solidFill>
@@ -8742,12 +9531,12 @@
           </a:ln>
         </p:spPr>
         <p:txBody>
-          <a:bodyPr anchorCtr="0" anchor="ctr" bIns="121875" lIns="121875" spcFirstLastPara="1" rIns="121875" wrap="square" tIns="121875">
+          <a:bodyPr spcFirstLastPara="1" wrap="square" lIns="121875" tIns="121875" rIns="121875" bIns="121875" anchor="ctr" anchorCtr="0">
             <a:noAutofit/>
           </a:bodyPr>
           <a:lstStyle/>
           <a:p>
-            <a:pPr indent="0" lvl="0" marL="0" rtl="0" algn="l">
+            <a:pPr marL="0" lvl="0" indent="0" algn="l" rtl="0">
               <a:spcBef>
                 <a:spcPts val="0"/>
               </a:spcBef>
@@ -8756,9 +9545,6 @@
               </a:spcAft>
               <a:buNone/>
             </a:pPr>
-            <a:r>
-              <a:t/>
-            </a:r>
             <a:endParaRPr/>
           </a:p>
         </p:txBody>
@@ -8766,9 +9552,11 @@
       <p:sp>
         <p:nvSpPr>
           <p:cNvPr id="104" name="Google Shape;104;p15"/>
-          <p:cNvSpPr txBox="1"/>
+          <p:cNvSpPr txBox="1">
+            <a:spLocks noGrp="1"/>
+          </p:cNvSpPr>
           <p:nvPr>
-            <p:ph idx="4294967295" type="body"/>
+            <p:ph type="body" idx="4294967295"/>
           </p:nvPr>
         </p:nvSpPr>
         <p:spPr>
@@ -8781,12 +9569,12 @@
           </a:prstGeom>
         </p:spPr>
         <p:txBody>
-          <a:bodyPr anchorCtr="0" anchor="ctr" bIns="91425" lIns="91425" spcFirstLastPara="1" rIns="91425" wrap="square" tIns="91425">
+          <a:bodyPr spcFirstLastPara="1" wrap="square" lIns="91425" tIns="91425" rIns="91425" bIns="91425" anchor="ctr" anchorCtr="0">
             <a:noAutofit/>
           </a:bodyPr>
           <a:lstStyle/>
           <a:p>
-            <a:pPr indent="0" lvl="0" marL="0" rtl="0" algn="l">
+            <a:pPr marL="0" lvl="0" indent="0" algn="l" rtl="0">
               <a:lnSpc>
                 <a:spcPct val="100000"/>
               </a:lnSpc>
@@ -8817,9 +9605,11 @@
       <p:sp>
         <p:nvSpPr>
           <p:cNvPr id="105" name="Google Shape;105;p15"/>
-          <p:cNvSpPr txBox="1"/>
+          <p:cNvSpPr txBox="1">
+            <a:spLocks noGrp="1"/>
+          </p:cNvSpPr>
           <p:nvPr>
-            <p:ph idx="4294967295" type="body"/>
+            <p:ph type="body" idx="4294967295"/>
           </p:nvPr>
         </p:nvSpPr>
         <p:spPr>
@@ -8832,12 +9622,12 @@
           </a:prstGeom>
         </p:spPr>
         <p:txBody>
-          <a:bodyPr anchorCtr="0" anchor="t" bIns="91425" lIns="91425" spcFirstLastPara="1" rIns="91425" wrap="square" tIns="91425">
+          <a:bodyPr spcFirstLastPara="1" wrap="square" lIns="91425" tIns="91425" rIns="91425" bIns="91425" anchor="t" anchorCtr="0">
             <a:noAutofit/>
           </a:bodyPr>
           <a:lstStyle/>
           <a:p>
-            <a:pPr indent="0" lvl="0" marL="0" rtl="0" algn="l">
+            <a:pPr marL="0" lvl="0" indent="0" algn="l" rtl="0">
               <a:spcBef>
                 <a:spcPts val="0"/>
               </a:spcBef>
@@ -8847,13 +9637,13 @@
               <a:buNone/>
             </a:pPr>
             <a:r>
-              <a:rPr b="1" lang="en" sz="1600"/>
+              <a:rPr lang="en" sz="1600" b="1"/>
               <a:t>Finding Data</a:t>
             </a:r>
-            <a:endParaRPr b="1" sz="1600"/>
-          </a:p>
-          <a:p>
-            <a:pPr indent="-330200" lvl="0" marL="457200" rtl="0" algn="l">
+            <a:endParaRPr sz="1600" b="1"/>
+          </a:p>
+          <a:p>
+            <a:pPr marL="457200" lvl="0" indent="-330200" algn="l" rtl="0">
               <a:spcBef>
                 <a:spcPts val="800"/>
               </a:spcBef>
@@ -8864,14 +9654,14 @@
               <a:buChar char="●"/>
             </a:pPr>
             <a:r>
-              <a:rPr b="1" lang="en" sz="1600"/>
+              <a:rPr lang="en" sz="1600" b="1"/>
               <a:t> </a:t>
             </a:r>
             <a:r>
               <a:rPr lang="en" sz="1600"/>
               <a:t>Limited free data for Real Estate                 Investors</a:t>
             </a:r>
-            <a:endParaRPr b="1" sz="1600"/>
+            <a:endParaRPr sz="1600" b="1"/>
           </a:p>
         </p:txBody>
       </p:sp>
@@ -8888,7 +9678,7 @@
           </a:xfrm>
           <a:prstGeom prst="chevron">
             <a:avLst>
-              <a:gd fmla="val 50000" name="adj"/>
+              <a:gd name="adj" fmla="val 50000"/>
             </a:avLst>
           </a:prstGeom>
           <a:solidFill>
@@ -8899,12 +9689,12 @@
           </a:ln>
         </p:spPr>
         <p:txBody>
-          <a:bodyPr anchorCtr="0" anchor="ctr" bIns="121875" lIns="121875" spcFirstLastPara="1" rIns="121875" wrap="square" tIns="121875">
+          <a:bodyPr spcFirstLastPara="1" wrap="square" lIns="121875" tIns="121875" rIns="121875" bIns="121875" anchor="ctr" anchorCtr="0">
             <a:noAutofit/>
           </a:bodyPr>
           <a:lstStyle/>
           <a:p>
-            <a:pPr indent="0" lvl="0" marL="0" rtl="0" algn="l">
+            <a:pPr marL="0" lvl="0" indent="0" algn="l" rtl="0">
               <a:spcBef>
                 <a:spcPts val="0"/>
               </a:spcBef>
@@ -8913,9 +9703,6 @@
               </a:spcAft>
               <a:buNone/>
             </a:pPr>
-            <a:r>
-              <a:t/>
-            </a:r>
             <a:endParaRPr/>
           </a:p>
         </p:txBody>
@@ -8923,9 +9710,11 @@
       <p:sp>
         <p:nvSpPr>
           <p:cNvPr id="107" name="Google Shape;107;p15"/>
-          <p:cNvSpPr txBox="1"/>
+          <p:cNvSpPr txBox="1">
+            <a:spLocks noGrp="1"/>
+          </p:cNvSpPr>
           <p:nvPr>
-            <p:ph idx="4294967295" type="body"/>
+            <p:ph type="body" idx="4294967295"/>
           </p:nvPr>
         </p:nvSpPr>
         <p:spPr>
@@ -8938,12 +9727,12 @@
           </a:prstGeom>
         </p:spPr>
         <p:txBody>
-          <a:bodyPr anchorCtr="0" anchor="ctr" bIns="91425" lIns="91425" spcFirstLastPara="1" rIns="91425" wrap="square" tIns="91425">
+          <a:bodyPr spcFirstLastPara="1" wrap="square" lIns="91425" tIns="91425" rIns="91425" bIns="91425" anchor="ctr" anchorCtr="0">
             <a:noAutofit/>
           </a:bodyPr>
           <a:lstStyle/>
           <a:p>
-            <a:pPr indent="0" lvl="0" marL="0" rtl="0" algn="l">
+            <a:pPr marL="0" lvl="0" indent="0" algn="l" rtl="0">
               <a:lnSpc>
                 <a:spcPct val="100000"/>
               </a:lnSpc>
@@ -8974,9 +9763,11 @@
       <p:sp>
         <p:nvSpPr>
           <p:cNvPr id="108" name="Google Shape;108;p15"/>
-          <p:cNvSpPr txBox="1"/>
+          <p:cNvSpPr txBox="1">
+            <a:spLocks noGrp="1"/>
+          </p:cNvSpPr>
           <p:nvPr>
-            <p:ph idx="4294967295" type="body"/>
+            <p:ph type="body" idx="4294967295"/>
           </p:nvPr>
         </p:nvSpPr>
         <p:spPr>
@@ -8989,12 +9780,12 @@
           </a:prstGeom>
         </p:spPr>
         <p:txBody>
-          <a:bodyPr anchorCtr="0" anchor="t" bIns="91425" lIns="91425" spcFirstLastPara="1" rIns="91425" wrap="square" tIns="91425">
+          <a:bodyPr spcFirstLastPara="1" wrap="square" lIns="91425" tIns="91425" rIns="91425" bIns="91425" anchor="t" anchorCtr="0">
             <a:noAutofit/>
           </a:bodyPr>
           <a:lstStyle/>
           <a:p>
-            <a:pPr indent="0" lvl="0" marL="0" rtl="0" algn="l">
+            <a:pPr marL="0" lvl="0" indent="0" algn="l" rtl="0">
               <a:spcBef>
                 <a:spcPts val="0"/>
               </a:spcBef>
@@ -9004,32 +9795,15 @@
               <a:buNone/>
             </a:pPr>
             <a:r>
-              <a:rPr b="1" lang="en" sz="1600"/>
+              <a:rPr lang="en" sz="1600" b="1"/>
               <a:t>Data formatting</a:t>
             </a:r>
-            <a:endParaRPr b="1" sz="1600"/>
-          </a:p>
-          <a:p>
-            <a:pPr indent="-330200" lvl="0" marL="457200" rtl="0" algn="l">
+            <a:endParaRPr sz="1600" b="1"/>
+          </a:p>
+          <a:p>
+            <a:pPr marL="457200" lvl="0" indent="-330200" algn="l" rtl="0">
               <a:spcBef>
                 <a:spcPts val="800"/>
-              </a:spcBef>
-              <a:spcAft>
-                <a:spcPts val="0"/>
-              </a:spcAft>
-              <a:buSzPts val="1600"/>
-              <a:buChar char="●"/>
-            </a:pPr>
-            <a:r>
-              <a:rPr lang="en" sz="1600"/>
-              <a:t>Categorical data</a:t>
-            </a:r>
-            <a:endParaRPr sz="1600"/>
-          </a:p>
-          <a:p>
-            <a:pPr indent="-330200" lvl="0" marL="457200" rtl="0" algn="l">
-              <a:spcBef>
-                <a:spcPts val="0"/>
               </a:spcBef>
               <a:spcAft>
                 <a:spcPts val="0"/>
@@ -9058,7 +9832,7 @@
           </a:xfrm>
           <a:prstGeom prst="chevron">
             <a:avLst>
-              <a:gd fmla="val 50000" name="adj"/>
+              <a:gd name="adj" fmla="val 50000"/>
             </a:avLst>
           </a:prstGeom>
           <a:solidFill>
@@ -9069,12 +9843,12 @@
           </a:ln>
         </p:spPr>
         <p:txBody>
-          <a:bodyPr anchorCtr="0" anchor="ctr" bIns="121875" lIns="121875" spcFirstLastPara="1" rIns="121875" wrap="square" tIns="121875">
+          <a:bodyPr spcFirstLastPara="1" wrap="square" lIns="121875" tIns="121875" rIns="121875" bIns="121875" anchor="ctr" anchorCtr="0">
             <a:noAutofit/>
           </a:bodyPr>
           <a:lstStyle/>
           <a:p>
-            <a:pPr indent="0" lvl="0" marL="0" rtl="0" algn="l">
+            <a:pPr marL="0" lvl="0" indent="0" algn="l" rtl="0">
               <a:spcBef>
                 <a:spcPts val="0"/>
               </a:spcBef>
@@ -9083,9 +9857,6 @@
               </a:spcAft>
               <a:buNone/>
             </a:pPr>
-            <a:r>
-              <a:t/>
-            </a:r>
             <a:endParaRPr/>
           </a:p>
         </p:txBody>
@@ -9093,9 +9864,11 @@
       <p:sp>
         <p:nvSpPr>
           <p:cNvPr id="110" name="Google Shape;110;p15"/>
-          <p:cNvSpPr txBox="1"/>
+          <p:cNvSpPr txBox="1">
+            <a:spLocks noGrp="1"/>
+          </p:cNvSpPr>
           <p:nvPr>
-            <p:ph idx="4294967295" type="body"/>
+            <p:ph type="body" idx="4294967295"/>
           </p:nvPr>
         </p:nvSpPr>
         <p:spPr>
@@ -9108,12 +9881,12 @@
           </a:prstGeom>
         </p:spPr>
         <p:txBody>
-          <a:bodyPr anchorCtr="0" anchor="ctr" bIns="91425" lIns="91425" spcFirstLastPara="1" rIns="91425" wrap="square" tIns="91425">
+          <a:bodyPr spcFirstLastPara="1" wrap="square" lIns="91425" tIns="91425" rIns="91425" bIns="91425" anchor="ctr" anchorCtr="0">
             <a:noAutofit/>
           </a:bodyPr>
           <a:lstStyle/>
           <a:p>
-            <a:pPr indent="0" lvl="0" marL="0" rtl="0" algn="l">
+            <a:pPr marL="0" lvl="0" indent="0" algn="l" rtl="0">
               <a:lnSpc>
                 <a:spcPct val="100000"/>
               </a:lnSpc>
@@ -9144,9 +9917,11 @@
       <p:sp>
         <p:nvSpPr>
           <p:cNvPr id="111" name="Google Shape;111;p15"/>
-          <p:cNvSpPr txBox="1"/>
+          <p:cNvSpPr txBox="1">
+            <a:spLocks noGrp="1"/>
+          </p:cNvSpPr>
           <p:nvPr>
-            <p:ph idx="4294967295" type="body"/>
+            <p:ph type="body" idx="4294967295"/>
           </p:nvPr>
         </p:nvSpPr>
         <p:spPr>
@@ -9159,12 +9934,12 @@
           </a:prstGeom>
         </p:spPr>
         <p:txBody>
-          <a:bodyPr anchorCtr="0" anchor="t" bIns="91425" lIns="91425" spcFirstLastPara="1" rIns="91425" wrap="square" tIns="91425">
+          <a:bodyPr spcFirstLastPara="1" wrap="square" lIns="91425" tIns="91425" rIns="91425" bIns="91425" anchor="t" anchorCtr="0">
             <a:noAutofit/>
           </a:bodyPr>
           <a:lstStyle/>
           <a:p>
-            <a:pPr indent="0" lvl="0" marL="0" rtl="0" algn="l">
+            <a:pPr marL="0" lvl="0" indent="0" algn="l" rtl="0">
               <a:spcBef>
                 <a:spcPts val="0"/>
               </a:spcBef>
@@ -9174,73 +9949,26 @@
               <a:buNone/>
             </a:pPr>
             <a:r>
-              <a:rPr b="1" lang="en" sz="1600"/>
-              <a:t>Big Data</a:t>
+              <a:rPr lang="en" sz="1600" b="1"/>
+              <a:t>Increase conversion</a:t>
             </a:r>
-            <a:endParaRPr b="1" sz="1600"/>
-          </a:p>
-          <a:p>
-            <a:pPr indent="-330200" lvl="0" marL="457200" rtl="0" algn="l">
+            <a:endParaRPr sz="1600" b="1"/>
+          </a:p>
+          <a:p>
+            <a:pPr marL="0" lvl="0" indent="0" algn="l" rtl="0">
               <a:spcBef>
                 <a:spcPts val="800"/>
               </a:spcBef>
               <a:spcAft>
-                <a:spcPts val="0"/>
-              </a:spcAft>
-              <a:buSzPts val="1600"/>
-              <a:buChar char="●"/>
+                <a:spcPts val="800"/>
+              </a:spcAft>
+              <a:buNone/>
             </a:pPr>
             <a:r>
               <a:rPr lang="en" sz="1600"/>
-              <a:t>Narrowing down data.</a:t>
+              <a:t>Excepteur sint occaecat cupidatat non proident, sunt in culpa qui officia deserunt mollit anim id est laborum.</a:t>
             </a:r>
             <a:endParaRPr sz="1600"/>
-          </a:p>
-        </p:txBody>
-      </p:sp>
-      <p:sp>
-        <p:nvSpPr>
-          <p:cNvPr id="112" name="Google Shape;112;p15"/>
-          <p:cNvSpPr txBox="1"/>
-          <p:nvPr/>
-        </p:nvSpPr>
-        <p:spPr>
-          <a:xfrm>
-            <a:off x="561525" y="1605950"/>
-            <a:ext cx="6468600" cy="400200"/>
-          </a:xfrm>
-          <a:prstGeom prst="rect">
-            <a:avLst/>
-          </a:prstGeom>
-          <a:noFill/>
-          <a:ln>
-            <a:noFill/>
-          </a:ln>
-        </p:spPr>
-        <p:txBody>
-          <a:bodyPr anchorCtr="0" anchor="t" bIns="91425" lIns="91425" spcFirstLastPara="1" rIns="91425" wrap="square" tIns="91425">
-            <a:spAutoFit/>
-          </a:bodyPr>
-          <a:lstStyle/>
-          <a:p>
-            <a:pPr indent="0" lvl="0" marL="0" rtl="0" algn="l">
-              <a:spcBef>
-                <a:spcPts val="0"/>
-              </a:spcBef>
-              <a:spcAft>
-                <a:spcPts val="0"/>
-              </a:spcAft>
-              <a:buNone/>
-            </a:pPr>
-            <a:r>
-              <a:t/>
-            </a:r>
-            <a:endParaRPr>
-              <a:latin typeface="Roboto"/>
-              <a:ea typeface="Roboto"/>
-              <a:cs typeface="Roboto"/>
-              <a:sym typeface="Roboto"/>
-            </a:endParaRPr>
           </a:p>
         </p:txBody>
       </p:sp>
@@ -9253,11 +9981,11 @@
 </file>
 
 <file path=ppt/slides/slide4.xml><?xml version="1.0" encoding="utf-8"?>
-<p:sld xmlns:a="http://schemas.openxmlformats.org/drawingml/2006/main" xmlns:r="http://schemas.openxmlformats.org/officeDocument/2006/relationships" xmlns:mc="http://schemas.openxmlformats.org/markup-compatibility/2006" xmlns:mv="urn:schemas-microsoft-com:mac:vml" xmlns:p="http://schemas.openxmlformats.org/presentationml/2006/main" xmlns:c="http://schemas.openxmlformats.org/drawingml/2006/chart" xmlns:dgm="http://schemas.openxmlformats.org/drawingml/2006/diagram" xmlns:o="urn:schemas-microsoft-com:office:office" xmlns:v="urn:schemas-microsoft-com:vml" xmlns:pvml="urn:schemas-microsoft-com:office:powerpoint" xmlns:com="http://schemas.openxmlformats.org/drawingml/2006/compatibility" xmlns:p14="http://schemas.microsoft.com/office/powerpoint/2010/main" xmlns:p15="http://schemas.microsoft.com/office/powerpoint/2012/main" xmlns:ahyp="http://schemas.microsoft.com/office/drawing/2018/hyperlinkcolor">
+<p:sld xmlns:a="http://schemas.openxmlformats.org/drawingml/2006/main" xmlns:r="http://schemas.openxmlformats.org/officeDocument/2006/relationships" xmlns:p="http://schemas.openxmlformats.org/presentationml/2006/main">
   <p:cSld>
     <p:spTree>
       <p:nvGrpSpPr>
-        <p:cNvPr id="116" name="Shape 116"/>
+        <p:cNvPr id="1" name="Shape 115"/>
         <p:cNvGrpSpPr/>
         <p:nvPr/>
       </p:nvGrpSpPr>
@@ -9271,8 +9999,10 @@
       </p:grpSpPr>
       <p:sp>
         <p:nvSpPr>
-          <p:cNvPr id="117" name="Google Shape;117;p16"/>
-          <p:cNvSpPr txBox="1"/>
+          <p:cNvPr id="116" name="Google Shape;116;p16"/>
+          <p:cNvSpPr txBox="1">
+            <a:spLocks noGrp="1"/>
+          </p:cNvSpPr>
           <p:nvPr>
             <p:ph type="title"/>
           </p:nvPr>
@@ -9287,12 +10017,12 @@
           </a:prstGeom>
         </p:spPr>
         <p:txBody>
-          <a:bodyPr anchorCtr="0" anchor="b" bIns="91425" lIns="91425" spcFirstLastPara="1" rIns="91425" wrap="square" tIns="91425">
+          <a:bodyPr spcFirstLastPara="1" wrap="square" lIns="91425" tIns="91425" rIns="91425" bIns="91425" anchor="b" anchorCtr="0">
             <a:noAutofit/>
           </a:bodyPr>
           <a:lstStyle/>
           <a:p>
-            <a:pPr indent="0" lvl="0" marL="0" rtl="0" algn="ctr">
+            <a:pPr marL="0" lvl="0" indent="0" algn="ctr" rtl="0">
               <a:spcBef>
                 <a:spcPts val="0"/>
               </a:spcBef>
@@ -9306,6 +10036,94 @@
               <a:t>Data Analysis</a:t>
             </a:r>
             <a:endParaRPr/>
+          </a:p>
+        </p:txBody>
+      </p:sp>
+      <p:sp>
+        <p:nvSpPr>
+          <p:cNvPr id="117" name="Google Shape;117;p16"/>
+          <p:cNvSpPr txBox="1">
+            <a:spLocks noGrp="1"/>
+          </p:cNvSpPr>
+          <p:nvPr>
+            <p:ph type="subTitle" idx="1"/>
+          </p:nvPr>
+        </p:nvSpPr>
+        <p:spPr>
+          <a:xfrm>
+            <a:off x="265500" y="2769001"/>
+            <a:ext cx="4045200" cy="1269300"/>
+          </a:xfrm>
+          <a:prstGeom prst="rect">
+            <a:avLst/>
+          </a:prstGeom>
+        </p:spPr>
+        <p:txBody>
+          <a:bodyPr spcFirstLastPara="1" wrap="square" lIns="91425" tIns="91425" rIns="91425" bIns="91425" anchor="t" anchorCtr="0">
+            <a:noAutofit/>
+          </a:bodyPr>
+          <a:lstStyle/>
+          <a:p>
+            <a:pPr marL="0" lvl="0" indent="0" algn="ctr" rtl="0">
+              <a:spcBef>
+                <a:spcPts val="0"/>
+              </a:spcBef>
+              <a:spcAft>
+                <a:spcPts val="0"/>
+              </a:spcAft>
+              <a:buNone/>
+            </a:pPr>
+            <a:r>
+              <a:rPr lang="en-US" u="sng" dirty="0"/>
+              <a:t>Return on Investment</a:t>
+            </a:r>
+            <a:r>
+              <a:rPr lang="en-US" dirty="0"/>
+              <a:t>:</a:t>
+            </a:r>
+          </a:p>
+          <a:p>
+            <a:pPr marL="0" lvl="0" indent="0" algn="ctr" rtl="0">
+              <a:spcBef>
+                <a:spcPts val="0"/>
+              </a:spcBef>
+              <a:spcAft>
+                <a:spcPts val="0"/>
+              </a:spcAft>
+              <a:buNone/>
+            </a:pPr>
+            <a:endParaRPr lang="en-US" dirty="0"/>
+          </a:p>
+          <a:p>
+            <a:pPr marL="0" lvl="0" indent="0" algn="ctr" rtl="0">
+              <a:spcBef>
+                <a:spcPts val="0"/>
+              </a:spcBef>
+              <a:spcAft>
+                <a:spcPts val="0"/>
+              </a:spcAft>
+              <a:buNone/>
+            </a:pPr>
+            <a:r>
+              <a:rPr lang="en-US" sz="1400" u="sng" dirty="0"/>
+              <a:t>Annual Return</a:t>
+            </a:r>
+          </a:p>
+          <a:p>
+            <a:pPr marL="0" lvl="0" indent="0" algn="ctr" rtl="0">
+              <a:spcBef>
+                <a:spcPts val="0"/>
+              </a:spcBef>
+              <a:spcAft>
+                <a:spcPts val="0"/>
+              </a:spcAft>
+              <a:buNone/>
+            </a:pPr>
+            <a:r>
+              <a:rPr lang="en-US" sz="1400" dirty="0"/>
+              <a:t>Total Investment</a:t>
+            </a:r>
+            <a:endParaRPr sz="1400" dirty="0"/>
           </a:p>
         </p:txBody>
       </p:sp>
@@ -9317,8 +10135,8 @@
         </p:nvSpPr>
         <p:spPr>
           <a:xfrm>
-            <a:off x="4952575" y="863250"/>
-            <a:ext cx="3739800" cy="3417000"/>
+            <a:off x="4925568" y="-124968"/>
+            <a:ext cx="3745324" cy="5093672"/>
           </a:xfrm>
           <a:prstGeom prst="rect">
             <a:avLst/>
@@ -9329,12 +10147,12 @@
           </a:ln>
         </p:spPr>
         <p:txBody>
-          <a:bodyPr anchorCtr="0" anchor="t" bIns="91425" lIns="91425" spcFirstLastPara="1" rIns="91425" wrap="square" tIns="91425">
+          <a:bodyPr spcFirstLastPara="1" wrap="square" lIns="91425" tIns="91425" rIns="91425" bIns="91425" anchor="t" anchorCtr="0">
             <a:spAutoFit/>
           </a:bodyPr>
           <a:lstStyle/>
           <a:p>
-            <a:pPr indent="0" lvl="0" marL="0" rtl="0" algn="l">
+            <a:pPr marL="0" lvl="0" indent="0" algn="l" rtl="0">
               <a:spcBef>
                 <a:spcPts val="0"/>
               </a:spcBef>
@@ -9343,10 +10161,7 @@
               </a:spcAft>
               <a:buNone/>
             </a:pPr>
-            <a:r>
-              <a:t/>
-            </a:r>
-            <a:endParaRPr>
+            <a:endParaRPr dirty="0">
               <a:latin typeface="Roboto"/>
               <a:ea typeface="Roboto"/>
               <a:cs typeface="Roboto"/>
@@ -9354,7 +10169,7 @@
             </a:endParaRPr>
           </a:p>
           <a:p>
-            <a:pPr indent="0" lvl="0" marL="0" rtl="0" algn="l">
+            <a:pPr marL="0" lvl="0" indent="0" algn="l" rtl="0">
               <a:spcBef>
                 <a:spcPts val="0"/>
               </a:spcBef>
@@ -9364,15 +10179,139 @@
               <a:buNone/>
             </a:pPr>
             <a:r>
-              <a:rPr lang="en">
+              <a:rPr lang="en" b="1" u="sng" dirty="0">
+                <a:solidFill>
+                  <a:schemeClr val="bg1"/>
+                </a:solidFill>
                 <a:latin typeface="Roboto"/>
                 <a:ea typeface="Roboto"/>
                 <a:cs typeface="Roboto"/>
                 <a:sym typeface="Roboto"/>
               </a:rPr>
-              <a:t>Zillow Home Values Index (ZVHI): measure of the typical home value and market changes across a given region </a:t>
+              <a:t>Zillow Home Values Index (ZHVI)</a:t>
             </a:r>
-            <a:endParaRPr>
+            <a:r>
+              <a:rPr lang="en" b="1" dirty="0">
+                <a:solidFill>
+                  <a:schemeClr val="bg1"/>
+                </a:solidFill>
+                <a:latin typeface="Roboto"/>
+                <a:ea typeface="Roboto"/>
+                <a:cs typeface="Roboto"/>
+                <a:sym typeface="Roboto"/>
+              </a:rPr>
+              <a:t>: </a:t>
+            </a:r>
+            <a:r>
+              <a:rPr lang="en" dirty="0">
+                <a:solidFill>
+                  <a:schemeClr val="bg1"/>
+                </a:solidFill>
+                <a:latin typeface="Roboto"/>
+                <a:ea typeface="Roboto"/>
+                <a:cs typeface="Roboto"/>
+                <a:sym typeface="Roboto"/>
+              </a:rPr>
+              <a:t>measure of the typical home value and market changes across a given region. </a:t>
+            </a:r>
+          </a:p>
+          <a:p>
+            <a:pPr marL="0" lvl="0" indent="0" algn="l" rtl="0">
+              <a:spcBef>
+                <a:spcPts val="0"/>
+              </a:spcBef>
+              <a:spcAft>
+                <a:spcPts val="0"/>
+              </a:spcAft>
+              <a:buNone/>
+            </a:pPr>
+            <a:r>
+              <a:rPr lang="en" dirty="0">
+                <a:solidFill>
+                  <a:schemeClr val="bg1"/>
+                </a:solidFill>
+                <a:latin typeface="Roboto"/>
+                <a:ea typeface="Roboto"/>
+                <a:cs typeface="Roboto"/>
+                <a:sym typeface="Roboto"/>
+              </a:rPr>
+              <a:t>-Looks at home values in the 35</a:t>
+            </a:r>
+            <a:r>
+              <a:rPr lang="en" baseline="30000" dirty="0">
+                <a:solidFill>
+                  <a:schemeClr val="bg1"/>
+                </a:solidFill>
+                <a:latin typeface="Roboto"/>
+                <a:ea typeface="Roboto"/>
+                <a:cs typeface="Roboto"/>
+                <a:sym typeface="Roboto"/>
+              </a:rPr>
+              <a:t>th</a:t>
+            </a:r>
+            <a:r>
+              <a:rPr lang="en" dirty="0">
+                <a:solidFill>
+                  <a:schemeClr val="bg1"/>
+                </a:solidFill>
+                <a:latin typeface="Roboto"/>
+                <a:ea typeface="Roboto"/>
+                <a:cs typeface="Roboto"/>
+                <a:sym typeface="Roboto"/>
+              </a:rPr>
+              <a:t> to 65</a:t>
+            </a:r>
+            <a:r>
+              <a:rPr lang="en" baseline="30000" dirty="0">
+                <a:solidFill>
+                  <a:schemeClr val="bg1"/>
+                </a:solidFill>
+                <a:latin typeface="Roboto"/>
+                <a:ea typeface="Roboto"/>
+                <a:cs typeface="Roboto"/>
+                <a:sym typeface="Roboto"/>
+              </a:rPr>
+              <a:t>th</a:t>
+            </a:r>
+            <a:r>
+              <a:rPr lang="en" dirty="0">
+                <a:solidFill>
+                  <a:schemeClr val="bg1"/>
+                </a:solidFill>
+                <a:latin typeface="Roboto"/>
+                <a:ea typeface="Roboto"/>
+                <a:cs typeface="Roboto"/>
+                <a:sym typeface="Roboto"/>
+              </a:rPr>
+              <a:t> percentile range.</a:t>
+            </a:r>
+          </a:p>
+          <a:p>
+            <a:pPr marL="0" lvl="0" indent="0" algn="l" rtl="0">
+              <a:spcBef>
+                <a:spcPts val="0"/>
+              </a:spcBef>
+              <a:spcAft>
+                <a:spcPts val="0"/>
+              </a:spcAft>
+              <a:buNone/>
+            </a:pPr>
+            <a:r>
+              <a:rPr lang="en" dirty="0">
+                <a:solidFill>
+                  <a:schemeClr val="bg1"/>
+                </a:solidFill>
+                <a:latin typeface="Roboto"/>
+                <a:ea typeface="Roboto"/>
+                <a:cs typeface="Roboto"/>
+                <a:sym typeface="Roboto"/>
+              </a:rPr>
+              <a:t>-Single family residences</a:t>
+            </a:r>
+            <a:endParaRPr dirty="0">
+              <a:solidFill>
+                <a:schemeClr val="bg1"/>
+              </a:solidFill>
               <a:latin typeface="Roboto"/>
               <a:ea typeface="Roboto"/>
               <a:cs typeface="Roboto"/>
@@ -9380,7 +10319,7 @@
             </a:endParaRPr>
           </a:p>
           <a:p>
-            <a:pPr indent="0" lvl="0" marL="0" rtl="0" algn="l">
+            <a:pPr marL="0" lvl="0" indent="0" algn="l" rtl="0">
               <a:spcBef>
                 <a:spcPts val="0"/>
               </a:spcBef>
@@ -9389,10 +10328,7 @@
               </a:spcAft>
               <a:buNone/>
             </a:pPr>
-            <a:r>
-              <a:t/>
-            </a:r>
-            <a:endParaRPr>
+            <a:endParaRPr dirty="0">
               <a:latin typeface="Roboto"/>
               <a:ea typeface="Roboto"/>
               <a:cs typeface="Roboto"/>
@@ -9400,7 +10336,7 @@
             </a:endParaRPr>
           </a:p>
           <a:p>
-            <a:pPr indent="0" lvl="0" marL="0" rtl="0" algn="l">
+            <a:pPr marL="0" lvl="0" indent="0" algn="l" rtl="0">
               <a:spcBef>
                 <a:spcPts val="0"/>
               </a:spcBef>
@@ -9409,10 +10345,7 @@
               </a:spcAft>
               <a:buNone/>
             </a:pPr>
-            <a:r>
-              <a:t/>
-            </a:r>
-            <a:endParaRPr>
+            <a:endParaRPr dirty="0">
               <a:latin typeface="Roboto"/>
               <a:ea typeface="Roboto"/>
               <a:cs typeface="Roboto"/>
@@ -9420,7 +10353,7 @@
             </a:endParaRPr>
           </a:p>
           <a:p>
-            <a:pPr indent="0" lvl="0" marL="0" rtl="0" algn="l">
+            <a:pPr marL="0" lvl="0" indent="0" algn="l" rtl="0">
               <a:spcBef>
                 <a:spcPts val="0"/>
               </a:spcBef>
@@ -9430,15 +10363,150 @@
               <a:buNone/>
             </a:pPr>
             <a:r>
-              <a:rPr lang="en">
+              <a:rPr lang="en" b="1" u="sng" dirty="0">
+                <a:solidFill>
+                  <a:schemeClr val="bg1"/>
+                </a:solidFill>
                 <a:latin typeface="Roboto"/>
                 <a:ea typeface="Roboto"/>
                 <a:cs typeface="Roboto"/>
                 <a:sym typeface="Roboto"/>
               </a:rPr>
-              <a:t>Zillow Observed Rent Index (ZORI):measure of the typical observed market rate rent across a given region </a:t>
+              <a:t>Zillow Observed Rent Index (ZORI)</a:t>
             </a:r>
-            <a:endParaRPr>
+            <a:r>
+              <a:rPr lang="en" b="1" dirty="0">
+                <a:solidFill>
+                  <a:schemeClr val="bg1"/>
+                </a:solidFill>
+                <a:latin typeface="Roboto"/>
+                <a:ea typeface="Roboto"/>
+                <a:cs typeface="Roboto"/>
+                <a:sym typeface="Roboto"/>
+              </a:rPr>
+              <a:t>:</a:t>
+            </a:r>
+            <a:r>
+              <a:rPr lang="en" dirty="0">
+                <a:solidFill>
+                  <a:schemeClr val="bg1"/>
+                </a:solidFill>
+                <a:latin typeface="Roboto"/>
+                <a:ea typeface="Roboto"/>
+                <a:cs typeface="Roboto"/>
+                <a:sym typeface="Roboto"/>
+              </a:rPr>
+              <a:t> smoothed measure of the typical observed market rate rent across a given region </a:t>
+            </a:r>
+          </a:p>
+          <a:p>
+            <a:pPr marL="0" lvl="0" indent="0" algn="l" rtl="0">
+              <a:spcBef>
+                <a:spcPts val="0"/>
+              </a:spcBef>
+              <a:spcAft>
+                <a:spcPts val="0"/>
+              </a:spcAft>
+              <a:buNone/>
+            </a:pPr>
+            <a:r>
+              <a:rPr lang="en" dirty="0">
+                <a:solidFill>
+                  <a:schemeClr val="bg1"/>
+                </a:solidFill>
+                <a:latin typeface="Roboto"/>
+                <a:ea typeface="Roboto"/>
+                <a:cs typeface="Roboto"/>
+                <a:sym typeface="Roboto"/>
+              </a:rPr>
+              <a:t>-Looks at listed rents in the 40</a:t>
+            </a:r>
+            <a:r>
+              <a:rPr lang="en" baseline="30000" dirty="0">
+                <a:solidFill>
+                  <a:schemeClr val="bg1"/>
+                </a:solidFill>
+                <a:latin typeface="Roboto"/>
+                <a:ea typeface="Roboto"/>
+                <a:cs typeface="Roboto"/>
+                <a:sym typeface="Roboto"/>
+              </a:rPr>
+              <a:t>th</a:t>
+            </a:r>
+            <a:r>
+              <a:rPr lang="en" dirty="0">
+                <a:solidFill>
+                  <a:schemeClr val="bg1"/>
+                </a:solidFill>
+                <a:latin typeface="Roboto"/>
+                <a:ea typeface="Roboto"/>
+                <a:cs typeface="Roboto"/>
+                <a:sym typeface="Roboto"/>
+              </a:rPr>
+              <a:t> to 60</a:t>
+            </a:r>
+            <a:r>
+              <a:rPr lang="en" baseline="30000" dirty="0">
+                <a:solidFill>
+                  <a:schemeClr val="bg1"/>
+                </a:solidFill>
+                <a:latin typeface="Roboto"/>
+                <a:ea typeface="Roboto"/>
+                <a:cs typeface="Roboto"/>
+                <a:sym typeface="Roboto"/>
+              </a:rPr>
+              <a:t>th</a:t>
+            </a:r>
+            <a:r>
+              <a:rPr lang="en" dirty="0">
+                <a:solidFill>
+                  <a:schemeClr val="bg1"/>
+                </a:solidFill>
+                <a:latin typeface="Roboto"/>
+                <a:ea typeface="Roboto"/>
+                <a:cs typeface="Roboto"/>
+                <a:sym typeface="Roboto"/>
+              </a:rPr>
+              <a:t> percentile range.</a:t>
+            </a:r>
+          </a:p>
+          <a:p>
+            <a:pPr marL="0" lvl="0" indent="0" algn="l" rtl="0">
+              <a:spcBef>
+                <a:spcPts val="0"/>
+              </a:spcBef>
+              <a:spcAft>
+                <a:spcPts val="0"/>
+              </a:spcAft>
+              <a:buNone/>
+            </a:pPr>
+            <a:r>
+              <a:rPr lang="en" dirty="0">
+                <a:solidFill>
+                  <a:schemeClr val="bg1"/>
+                </a:solidFill>
+                <a:latin typeface="Roboto"/>
+                <a:ea typeface="Roboto"/>
+                <a:cs typeface="Roboto"/>
+                <a:sym typeface="Roboto"/>
+              </a:rPr>
+              <a:t>-All homes and apartments </a:t>
+            </a:r>
+          </a:p>
+          <a:p>
+            <a:pPr marL="0" lvl="0" indent="0" algn="l" rtl="0">
+              <a:spcBef>
+                <a:spcPts val="0"/>
+              </a:spcBef>
+              <a:spcAft>
+                <a:spcPts val="0"/>
+              </a:spcAft>
+              <a:buNone/>
+            </a:pPr>
+            <a:endParaRPr lang="en" dirty="0">
+              <a:solidFill>
+                <a:schemeClr val="bg1"/>
+              </a:solidFill>
               <a:latin typeface="Roboto"/>
               <a:ea typeface="Roboto"/>
               <a:cs typeface="Roboto"/>
@@ -9446,7 +10514,7 @@
             </a:endParaRPr>
           </a:p>
           <a:p>
-            <a:pPr indent="0" lvl="0" marL="0" rtl="0" algn="l">
+            <a:pPr marL="0" lvl="0" indent="0" algn="l" rtl="0">
               <a:spcBef>
                 <a:spcPts val="0"/>
               </a:spcBef>
@@ -9456,9 +10524,56 @@
               <a:buNone/>
             </a:pPr>
             <a:r>
-              <a:t/>
+              <a:rPr lang="en" b="1" u="sng" dirty="0">
+                <a:solidFill>
+                  <a:schemeClr val="bg1"/>
+                </a:solidFill>
+                <a:latin typeface="Roboto"/>
+                <a:ea typeface="Roboto"/>
+                <a:cs typeface="Roboto"/>
+                <a:sym typeface="Roboto"/>
+              </a:rPr>
+              <a:t>Zillow Home Value Forecase (ZHVF)</a:t>
             </a:r>
-            <a:endParaRPr>
+            <a:r>
+              <a:rPr lang="en" b="1" dirty="0">
+                <a:solidFill>
+                  <a:schemeClr val="bg1"/>
+                </a:solidFill>
+                <a:latin typeface="Roboto"/>
+                <a:ea typeface="Roboto"/>
+                <a:cs typeface="Roboto"/>
+                <a:sym typeface="Roboto"/>
+              </a:rPr>
+              <a:t>: </a:t>
+            </a:r>
+            <a:r>
+              <a:rPr lang="en" dirty="0">
+                <a:solidFill>
+                  <a:schemeClr val="bg1"/>
+                </a:solidFill>
+                <a:latin typeface="Roboto"/>
+                <a:ea typeface="Roboto"/>
+                <a:cs typeface="Roboto"/>
+                <a:sym typeface="Roboto"/>
+              </a:rPr>
+              <a:t>1 year forecast using all homes from ZHVI</a:t>
+            </a:r>
+          </a:p>
+          <a:p>
+            <a:pPr marL="0" lvl="0" indent="0" algn="l" rtl="0">
+              <a:spcBef>
+                <a:spcPts val="0"/>
+              </a:spcBef>
+              <a:spcAft>
+                <a:spcPts val="0"/>
+              </a:spcAft>
+              <a:buNone/>
+            </a:pPr>
+            <a:endParaRPr lang="en" b="1" dirty="0">
+              <a:solidFill>
+                <a:schemeClr val="bg1"/>
+              </a:solidFill>
               <a:latin typeface="Roboto"/>
               <a:ea typeface="Roboto"/>
               <a:cs typeface="Roboto"/>
@@ -9466,7 +10581,67 @@
             </a:endParaRPr>
           </a:p>
           <a:p>
-            <a:pPr indent="0" lvl="0" marL="0" rtl="0" algn="l">
+            <a:pPr marL="0" lvl="0" indent="0" algn="l" rtl="0">
+              <a:spcBef>
+                <a:spcPts val="0"/>
+              </a:spcBef>
+              <a:spcAft>
+                <a:spcPts val="0"/>
+              </a:spcAft>
+              <a:buNone/>
+            </a:pPr>
+            <a:endParaRPr lang="en" b="1" dirty="0">
+              <a:solidFill>
+                <a:schemeClr val="bg1"/>
+              </a:solidFill>
+              <a:latin typeface="Roboto"/>
+              <a:ea typeface="Roboto"/>
+              <a:cs typeface="Roboto"/>
+              <a:sym typeface="Roboto"/>
+            </a:endParaRPr>
+          </a:p>
+          <a:p>
+            <a:pPr marL="0" lvl="0" indent="0" algn="l" rtl="0">
+              <a:spcBef>
+                <a:spcPts val="0"/>
+              </a:spcBef>
+              <a:spcAft>
+                <a:spcPts val="0"/>
+              </a:spcAft>
+              <a:buNone/>
+            </a:pPr>
+            <a:endParaRPr lang="en" b="1" dirty="0">
+              <a:solidFill>
+                <a:schemeClr val="bg1"/>
+              </a:solidFill>
+              <a:latin typeface="Roboto"/>
+              <a:ea typeface="Roboto"/>
+              <a:cs typeface="Roboto"/>
+              <a:sym typeface="Roboto"/>
+            </a:endParaRPr>
+          </a:p>
+          <a:p>
+            <a:pPr marL="0" lvl="0" indent="0" algn="l" rtl="0">
+              <a:spcBef>
+                <a:spcPts val="0"/>
+              </a:spcBef>
+              <a:spcAft>
+                <a:spcPts val="0"/>
+              </a:spcAft>
+              <a:buNone/>
+            </a:pPr>
+            <a:endParaRPr lang="en" b="1" dirty="0">
+              <a:solidFill>
+                <a:schemeClr val="bg1"/>
+              </a:solidFill>
+              <a:latin typeface="Roboto"/>
+              <a:ea typeface="Roboto"/>
+              <a:cs typeface="Roboto"/>
+              <a:sym typeface="Roboto"/>
+            </a:endParaRPr>
+          </a:p>
+          <a:p>
+            <a:pPr marL="0" lvl="0" indent="0" algn="l" rtl="0">
               <a:spcBef>
                 <a:spcPts val="0"/>
               </a:spcBef>
@@ -9476,40 +10651,337 @@
               <a:buNone/>
             </a:pPr>
             <a:r>
-              <a:rPr lang="en">
+              <a:rPr lang="en" sz="1100" dirty="0">
+                <a:solidFill>
+                  <a:schemeClr val="bg1"/>
+                </a:solidFill>
                 <a:latin typeface="Roboto"/>
                 <a:ea typeface="Roboto"/>
                 <a:cs typeface="Roboto"/>
                 <a:sym typeface="Roboto"/>
               </a:rPr>
-              <a:t>ROI: metric used to measure the performance of an investment property based on the ratio of the annual returns of the property to the total cost of investment.</a:t>
+              <a:t>Reference: </a:t>
             </a:r>
-            <a:endParaRPr>
+            <a:r>
+              <a:rPr lang="en-US" sz="1100" dirty="0">
+                <a:solidFill>
+                  <a:schemeClr val="bg1"/>
+                </a:solidFill>
+                <a:latin typeface="Roboto"/>
+                <a:ea typeface="Roboto"/>
+                <a:cs typeface="Roboto"/>
+                <a:sym typeface="Roboto"/>
+              </a:rPr>
+              <a:t>https://www.zillow.com/research/data/</a:t>
+            </a:r>
+            <a:endParaRPr sz="1100" dirty="0">
+              <a:solidFill>
+                <a:schemeClr val="bg1"/>
+              </a:solidFill>
               <a:latin typeface="Roboto"/>
               <a:ea typeface="Roboto"/>
               <a:cs typeface="Roboto"/>
               <a:sym typeface="Roboto"/>
             </a:endParaRPr>
           </a:p>
-          <a:p>
-            <a:pPr indent="0" lvl="0" marL="0" rtl="0" algn="l">
-              <a:spcBef>
-                <a:spcPts val="0"/>
-              </a:spcBef>
-              <a:spcAft>
-                <a:spcPts val="0"/>
-              </a:spcAft>
-              <a:buNone/>
-            </a:pPr>
+        </p:txBody>
+      </p:sp>
+      <p:sp>
+        <p:nvSpPr>
+          <p:cNvPr id="4" name="Left Bracket 3">
+            <a:extLst>
+              <a:ext uri="{FF2B5EF4-FFF2-40B4-BE49-F238E27FC236}">
+                <a16:creationId xmlns:a16="http://schemas.microsoft.com/office/drawing/2014/main" id="{5A86191C-5958-440F-BE47-6CC5B501FC43}"/>
+              </a:ext>
+            </a:extLst>
+          </p:cNvPr>
+          <p:cNvSpPr/>
+          <p:nvPr/>
+        </p:nvSpPr>
+        <p:spPr>
+          <a:xfrm>
+            <a:off x="1566672" y="3403651"/>
+            <a:ext cx="45719" cy="612648"/>
+          </a:xfrm>
+          <a:prstGeom prst="leftBracket">
+            <a:avLst/>
+          </a:prstGeom>
+        </p:spPr>
+        <p:style>
+          <a:lnRef idx="1">
+            <a:schemeClr val="accent1"/>
+          </a:lnRef>
+          <a:fillRef idx="0">
+            <a:schemeClr val="accent1"/>
+          </a:fillRef>
+          <a:effectRef idx="0">
+            <a:schemeClr val="accent1"/>
+          </a:effectRef>
+          <a:fontRef idx="minor">
+            <a:schemeClr val="tx1"/>
+          </a:fontRef>
+        </p:style>
+        <p:txBody>
+          <a:bodyPr rtlCol="0" anchor="ctr"/>
+          <a:lstStyle/>
+          <a:p>
+            <a:pPr algn="ctr"/>
+            <a:endParaRPr lang="en-US"/>
+          </a:p>
+        </p:txBody>
+      </p:sp>
+      <p:sp>
+        <p:nvSpPr>
+          <p:cNvPr id="8" name="Left Bracket 7">
+            <a:extLst>
+              <a:ext uri="{FF2B5EF4-FFF2-40B4-BE49-F238E27FC236}">
+                <a16:creationId xmlns:a16="http://schemas.microsoft.com/office/drawing/2014/main" id="{0B954340-C181-4E10-B11F-5A47293BC5D2}"/>
+              </a:ext>
+            </a:extLst>
+          </p:cNvPr>
+          <p:cNvSpPr/>
+          <p:nvPr/>
+        </p:nvSpPr>
+        <p:spPr>
+          <a:xfrm>
+            <a:off x="2938686" y="3403651"/>
+            <a:ext cx="45719" cy="612648"/>
+          </a:xfrm>
+          <a:prstGeom prst="leftBracket">
+            <a:avLst/>
+          </a:prstGeom>
+          <a:scene3d>
+            <a:camera prst="orthographicFront">
+              <a:rot lat="0" lon="0" rev="10799999"/>
+            </a:camera>
+            <a:lightRig rig="threePt" dir="t"/>
+          </a:scene3d>
+        </p:spPr>
+        <p:style>
+          <a:lnRef idx="1">
+            <a:schemeClr val="accent1"/>
+          </a:lnRef>
+          <a:fillRef idx="0">
+            <a:schemeClr val="accent1"/>
+          </a:fillRef>
+          <a:effectRef idx="0">
+            <a:schemeClr val="accent1"/>
+          </a:effectRef>
+          <a:fontRef idx="minor">
+            <a:schemeClr val="tx1"/>
+          </a:fontRef>
+        </p:style>
+        <p:txBody>
+          <a:bodyPr rtlCol="0" anchor="ctr"/>
+          <a:lstStyle/>
+          <a:p>
+            <a:pPr algn="ctr"/>
+            <a:endParaRPr lang="en-US"/>
+          </a:p>
+        </p:txBody>
+      </p:sp>
+      <p:sp>
+        <p:nvSpPr>
+          <p:cNvPr id="6" name="TextBox 5">
+            <a:extLst>
+              <a:ext uri="{FF2B5EF4-FFF2-40B4-BE49-F238E27FC236}">
+                <a16:creationId xmlns:a16="http://schemas.microsoft.com/office/drawing/2014/main" id="{2DA5603E-A943-42B7-8EFB-A66AB7F147C3}"/>
+              </a:ext>
+            </a:extLst>
+          </p:cNvPr>
+          <p:cNvSpPr txBox="1"/>
+          <p:nvPr/>
+        </p:nvSpPr>
+        <p:spPr>
+          <a:xfrm>
+            <a:off x="2961545" y="3579424"/>
+            <a:ext cx="702000" cy="307777"/>
+          </a:xfrm>
+          <a:prstGeom prst="rect">
+            <a:avLst/>
+          </a:prstGeom>
+          <a:noFill/>
+        </p:spPr>
+        <p:txBody>
+          <a:bodyPr wrap="square" rtlCol="0">
+            <a:spAutoFit/>
+          </a:bodyPr>
+          <a:lstStyle/>
+          <a:p>
             <a:r>
-              <a:t/>
+              <a:rPr lang="en-US" dirty="0"/>
+              <a:t>X 100</a:t>
             </a:r>
-            <a:endParaRPr>
-              <a:latin typeface="Roboto"/>
-              <a:ea typeface="Roboto"/>
-              <a:cs typeface="Roboto"/>
-              <a:sym typeface="Roboto"/>
-            </a:endParaRPr>
+          </a:p>
+        </p:txBody>
+      </p:sp>
+      <p:sp>
+        <p:nvSpPr>
+          <p:cNvPr id="7" name="TextBox 6">
+            <a:extLst>
+              <a:ext uri="{FF2B5EF4-FFF2-40B4-BE49-F238E27FC236}">
+                <a16:creationId xmlns:a16="http://schemas.microsoft.com/office/drawing/2014/main" id="{3B6E20A0-939D-419F-B404-ADEEF349DF42}"/>
+              </a:ext>
+            </a:extLst>
+          </p:cNvPr>
+          <p:cNvSpPr txBox="1"/>
+          <p:nvPr/>
+        </p:nvSpPr>
+        <p:spPr>
+          <a:xfrm>
+            <a:off x="1425600" y="4190736"/>
+            <a:ext cx="1634400" cy="530698"/>
+          </a:xfrm>
+          <a:prstGeom prst="rect">
+            <a:avLst/>
+          </a:prstGeom>
+          <a:noFill/>
+        </p:spPr>
+        <p:txBody>
+          <a:bodyPr wrap="square" rtlCol="0">
+            <a:spAutoFit/>
+          </a:bodyPr>
+          <a:lstStyle/>
+          <a:p>
+            <a:r>
+              <a:rPr lang="en-US" b="1" u="sng" dirty="0"/>
+              <a:t>ZORI X 12 month</a:t>
+            </a:r>
+          </a:p>
+          <a:p>
+            <a:r>
+              <a:rPr lang="en-US" b="1" dirty="0"/>
+              <a:t>           ZHVI</a:t>
+            </a:r>
+          </a:p>
+        </p:txBody>
+      </p:sp>
+      <p:sp>
+        <p:nvSpPr>
+          <p:cNvPr id="12" name="Left Bracket 11">
+            <a:extLst>
+              <a:ext uri="{FF2B5EF4-FFF2-40B4-BE49-F238E27FC236}">
+                <a16:creationId xmlns:a16="http://schemas.microsoft.com/office/drawing/2014/main" id="{3D1E8878-7802-4204-9DFC-BC53FA06E591}"/>
+              </a:ext>
+            </a:extLst>
+          </p:cNvPr>
+          <p:cNvSpPr/>
+          <p:nvPr/>
+        </p:nvSpPr>
+        <p:spPr>
+          <a:xfrm>
+            <a:off x="1456272" y="4108786"/>
+            <a:ext cx="45719" cy="612648"/>
+          </a:xfrm>
+          <a:prstGeom prst="leftBracket">
+            <a:avLst/>
+          </a:prstGeom>
+        </p:spPr>
+        <p:style>
+          <a:lnRef idx="1">
+            <a:schemeClr val="accent1"/>
+          </a:lnRef>
+          <a:fillRef idx="0">
+            <a:schemeClr val="accent1"/>
+          </a:fillRef>
+          <a:effectRef idx="0">
+            <a:schemeClr val="accent1"/>
+          </a:effectRef>
+          <a:fontRef idx="minor">
+            <a:schemeClr val="tx1"/>
+          </a:fontRef>
+        </p:style>
+        <p:txBody>
+          <a:bodyPr rtlCol="0" anchor="ctr"/>
+          <a:lstStyle/>
+          <a:p>
+            <a:pPr algn="ctr"/>
+            <a:endParaRPr lang="en-US" b="1" dirty="0"/>
+          </a:p>
+        </p:txBody>
+      </p:sp>
+      <p:sp>
+        <p:nvSpPr>
+          <p:cNvPr id="13" name="Left Bracket 12">
+            <a:extLst>
+              <a:ext uri="{FF2B5EF4-FFF2-40B4-BE49-F238E27FC236}">
+                <a16:creationId xmlns:a16="http://schemas.microsoft.com/office/drawing/2014/main" id="{ED1B3153-DB89-4A0C-A780-06732D4DEBF4}"/>
+              </a:ext>
+            </a:extLst>
+          </p:cNvPr>
+          <p:cNvSpPr/>
+          <p:nvPr/>
+        </p:nvSpPr>
+        <p:spPr>
+          <a:xfrm>
+            <a:off x="2961545" y="4108786"/>
+            <a:ext cx="45719" cy="612648"/>
+          </a:xfrm>
+          <a:prstGeom prst="leftBracket">
+            <a:avLst/>
+          </a:prstGeom>
+          <a:scene3d>
+            <a:camera prst="orthographicFront">
+              <a:rot lat="0" lon="0" rev="10799999"/>
+            </a:camera>
+            <a:lightRig rig="threePt" dir="t"/>
+          </a:scene3d>
+        </p:spPr>
+        <p:style>
+          <a:lnRef idx="1">
+            <a:schemeClr val="accent1"/>
+          </a:lnRef>
+          <a:fillRef idx="0">
+            <a:schemeClr val="accent1"/>
+          </a:fillRef>
+          <a:effectRef idx="0">
+            <a:schemeClr val="accent1"/>
+          </a:effectRef>
+          <a:fontRef idx="minor">
+            <a:schemeClr val="tx1"/>
+          </a:fontRef>
+        </p:style>
+        <p:txBody>
+          <a:bodyPr rtlCol="0" anchor="ctr"/>
+          <a:lstStyle/>
+          <a:p>
+            <a:pPr algn="ctr"/>
+            <a:endParaRPr lang="en-US"/>
+          </a:p>
+        </p:txBody>
+      </p:sp>
+      <p:sp>
+        <p:nvSpPr>
+          <p:cNvPr id="14" name="TextBox 13">
+            <a:extLst>
+              <a:ext uri="{FF2B5EF4-FFF2-40B4-BE49-F238E27FC236}">
+                <a16:creationId xmlns:a16="http://schemas.microsoft.com/office/drawing/2014/main" id="{D4F147BD-A83C-42AE-95EC-739D73BF54A5}"/>
+              </a:ext>
+            </a:extLst>
+          </p:cNvPr>
+          <p:cNvSpPr txBox="1"/>
+          <p:nvPr/>
+        </p:nvSpPr>
+        <p:spPr>
+          <a:xfrm>
+            <a:off x="3016559" y="4261221"/>
+            <a:ext cx="702000" cy="307777"/>
+          </a:xfrm>
+          <a:prstGeom prst="rect">
+            <a:avLst/>
+          </a:prstGeom>
+          <a:noFill/>
+        </p:spPr>
+        <p:txBody>
+          <a:bodyPr wrap="square" rtlCol="0">
+            <a:spAutoFit/>
+          </a:bodyPr>
+          <a:lstStyle/>
+          <a:p>
+            <a:r>
+              <a:rPr lang="en-US" b="1" dirty="0"/>
+              <a:t>X 100</a:t>
+            </a:r>
           </a:p>
         </p:txBody>
       </p:sp>
@@ -9522,11 +10994,186 @@
 </file>
 
 <file path=ppt/slides/slide5.xml><?xml version="1.0" encoding="utf-8"?>
-<p:sld xmlns:a="http://schemas.openxmlformats.org/drawingml/2006/main" xmlns:r="http://schemas.openxmlformats.org/officeDocument/2006/relationships" xmlns:mc="http://schemas.openxmlformats.org/markup-compatibility/2006" xmlns:mv="urn:schemas-microsoft-com:mac:vml" xmlns:p="http://schemas.openxmlformats.org/presentationml/2006/main" xmlns:c="http://schemas.openxmlformats.org/drawingml/2006/chart" xmlns:dgm="http://schemas.openxmlformats.org/drawingml/2006/diagram" xmlns:o="urn:schemas-microsoft-com:office:office" xmlns:v="urn:schemas-microsoft-com:vml" xmlns:pvml="urn:schemas-microsoft-com:office:powerpoint" xmlns:com="http://schemas.openxmlformats.org/drawingml/2006/compatibility" xmlns:p14="http://schemas.microsoft.com/office/powerpoint/2010/main" xmlns:p15="http://schemas.microsoft.com/office/powerpoint/2012/main" xmlns:ahyp="http://schemas.microsoft.com/office/drawing/2018/hyperlinkcolor">
+<p:sld xmlns:a="http://schemas.openxmlformats.org/drawingml/2006/main" xmlns:r="http://schemas.openxmlformats.org/officeDocument/2006/relationships" xmlns:p="http://schemas.openxmlformats.org/presentationml/2006/main">
   <p:cSld>
     <p:spTree>
       <p:nvGrpSpPr>
-        <p:cNvPr id="122" name="Shape 122"/>
+        <p:cNvPr id="1" name="Shape 122"/>
+        <p:cNvGrpSpPr/>
+        <p:nvPr/>
+      </p:nvGrpSpPr>
+      <p:grpSpPr>
+        <a:xfrm>
+          <a:off x="0" y="0"/>
+          <a:ext cx="0" cy="0"/>
+          <a:chOff x="0" y="0"/>
+          <a:chExt cx="0" cy="0"/>
+        </a:xfrm>
+      </p:grpSpPr>
+      <p:pic>
+        <p:nvPicPr>
+          <p:cNvPr id="5" name="Picture 4">
+            <a:extLst>
+              <a:ext uri="{FF2B5EF4-FFF2-40B4-BE49-F238E27FC236}">
+                <a16:creationId xmlns:a16="http://schemas.microsoft.com/office/drawing/2014/main" id="{E1786B8A-44A9-48D4-9746-2D293C29EF58}"/>
+              </a:ext>
+            </a:extLst>
+          </p:cNvPr>
+          <p:cNvPicPr>
+            <a:picLocks noChangeAspect="1"/>
+          </p:cNvPicPr>
+          <p:nvPr/>
+        </p:nvPicPr>
+        <p:blipFill>
+          <a:blip r:embed="rId3"/>
+          <a:stretch>
+            <a:fillRect/>
+          </a:stretch>
+        </p:blipFill>
+        <p:spPr>
+          <a:xfrm>
+            <a:off x="722376" y="24078"/>
+            <a:ext cx="7699248" cy="5095344"/>
+          </a:xfrm>
+          <a:prstGeom prst="rect">
+            <a:avLst/>
+          </a:prstGeom>
+        </p:spPr>
+      </p:pic>
+    </p:spTree>
+  </p:cSld>
+  <p:clrMapOvr>
+    <a:masterClrMapping/>
+  </p:clrMapOvr>
+</p:sld>
+</file>
+
+<file path=ppt/slides/slide6.xml><?xml version="1.0" encoding="utf-8"?>
+<p:sld xmlns:a="http://schemas.openxmlformats.org/drawingml/2006/main" xmlns:r="http://schemas.openxmlformats.org/officeDocument/2006/relationships" xmlns:p="http://schemas.openxmlformats.org/presentationml/2006/main">
+  <p:cSld>
+    <p:spTree>
+      <p:nvGrpSpPr>
+        <p:cNvPr id="1" name=""/>
+        <p:cNvGrpSpPr/>
+        <p:nvPr/>
+      </p:nvGrpSpPr>
+      <p:grpSpPr>
+        <a:xfrm>
+          <a:off x="0" y="0"/>
+          <a:ext cx="0" cy="0"/>
+          <a:chOff x="0" y="0"/>
+          <a:chExt cx="0" cy="0"/>
+        </a:xfrm>
+      </p:grpSpPr>
+      <p:pic>
+        <p:nvPicPr>
+          <p:cNvPr id="4" name="Picture 3">
+            <a:extLst>
+              <a:ext uri="{FF2B5EF4-FFF2-40B4-BE49-F238E27FC236}">
+                <a16:creationId xmlns:a16="http://schemas.microsoft.com/office/drawing/2014/main" id="{3E56C5FB-1029-4309-A72F-893D50FAFC12}"/>
+              </a:ext>
+            </a:extLst>
+          </p:cNvPr>
+          <p:cNvPicPr>
+            <a:picLocks noChangeAspect="1"/>
+          </p:cNvPicPr>
+          <p:nvPr/>
+        </p:nvPicPr>
+        <p:blipFill>
+          <a:blip r:embed="rId3"/>
+          <a:stretch>
+            <a:fillRect/>
+          </a:stretch>
+        </p:blipFill>
+        <p:spPr>
+          <a:xfrm>
+            <a:off x="28555" y="0"/>
+            <a:ext cx="6382381" cy="3526536"/>
+          </a:xfrm>
+          <a:prstGeom prst="rect">
+            <a:avLst/>
+          </a:prstGeom>
+        </p:spPr>
+      </p:pic>
+      <p:pic>
+        <p:nvPicPr>
+          <p:cNvPr id="6" name="Picture 5">
+            <a:extLst>
+              <a:ext uri="{FF2B5EF4-FFF2-40B4-BE49-F238E27FC236}">
+                <a16:creationId xmlns:a16="http://schemas.microsoft.com/office/drawing/2014/main" id="{CCD76B54-FE38-4D12-97B8-367FEBE47F72}"/>
+              </a:ext>
+            </a:extLst>
+          </p:cNvPr>
+          <p:cNvPicPr>
+            <a:picLocks noChangeAspect="1"/>
+          </p:cNvPicPr>
+          <p:nvPr/>
+        </p:nvPicPr>
+        <p:blipFill>
+          <a:blip r:embed="rId4"/>
+          <a:stretch>
+            <a:fillRect/>
+          </a:stretch>
+        </p:blipFill>
+        <p:spPr>
+          <a:xfrm>
+            <a:off x="4572000" y="3049853"/>
+            <a:ext cx="4448286" cy="2048465"/>
+          </a:xfrm>
+          <a:prstGeom prst="rect">
+            <a:avLst/>
+          </a:prstGeom>
+        </p:spPr>
+      </p:pic>
+      <p:pic>
+        <p:nvPicPr>
+          <p:cNvPr id="8" name="Picture 7">
+            <a:extLst>
+              <a:ext uri="{FF2B5EF4-FFF2-40B4-BE49-F238E27FC236}">
+                <a16:creationId xmlns:a16="http://schemas.microsoft.com/office/drawing/2014/main" id="{F6EF2CF6-DD2D-420A-A6C8-DC11DB3B323E}"/>
+              </a:ext>
+            </a:extLst>
+          </p:cNvPr>
+          <p:cNvPicPr>
+            <a:picLocks noChangeAspect="1"/>
+          </p:cNvPicPr>
+          <p:nvPr/>
+        </p:nvPicPr>
+        <p:blipFill>
+          <a:blip r:embed="rId5"/>
+          <a:stretch>
+            <a:fillRect/>
+          </a:stretch>
+        </p:blipFill>
+        <p:spPr>
+          <a:xfrm>
+            <a:off x="0" y="3233912"/>
+            <a:ext cx="4474464" cy="648073"/>
+          </a:xfrm>
+          <a:prstGeom prst="rect">
+            <a:avLst/>
+          </a:prstGeom>
+        </p:spPr>
+      </p:pic>
+    </p:spTree>
+    <p:extLst>
+      <p:ext uri="{BB962C8B-B14F-4D97-AF65-F5344CB8AC3E}">
+        <p14:creationId xmlns:p14="http://schemas.microsoft.com/office/powerpoint/2010/main" val="3147735479"/>
+      </p:ext>
+    </p:extLst>
+  </p:cSld>
+  <p:clrMapOvr>
+    <a:masterClrMapping/>
+  </p:clrMapOvr>
+</p:sld>
+</file>
+
+<file path=ppt/slides/slide7.xml><?xml version="1.0" encoding="utf-8"?>
+<p:sld xmlns:a="http://schemas.openxmlformats.org/drawingml/2006/main" xmlns:r="http://schemas.openxmlformats.org/officeDocument/2006/relationships" xmlns:p="http://schemas.openxmlformats.org/presentationml/2006/main">
+  <p:cSld>
+    <p:spTree>
+      <p:nvGrpSpPr>
+        <p:cNvPr id="1" name=""/>
         <p:cNvGrpSpPr/>
         <p:nvPr/>
       </p:nvGrpSpPr>
@@ -9540,161 +11187,168 @@
       </p:grpSpPr>
       <p:sp>
         <p:nvSpPr>
-          <p:cNvPr id="123" name="Google Shape;123;p17"/>
+          <p:cNvPr id="2" name="Title 1">
+            <a:extLst>
+              <a:ext uri="{FF2B5EF4-FFF2-40B4-BE49-F238E27FC236}">
+                <a16:creationId xmlns:a16="http://schemas.microsoft.com/office/drawing/2014/main" id="{A6016A63-15E5-4D00-8ED7-97F18A840618}"/>
+              </a:ext>
+            </a:extLst>
+          </p:cNvPr>
+          <p:cNvSpPr>
+            <a:spLocks noGrp="1"/>
+          </p:cNvSpPr>
+          <p:nvPr>
+            <p:ph type="title"/>
+          </p:nvPr>
+        </p:nvSpPr>
+        <p:spPr/>
+        <p:txBody>
+          <a:bodyPr/>
+          <a:lstStyle/>
+          <a:p>
+            <a:r>
+              <a:rPr lang="en-US" dirty="0"/>
+              <a:t>Projecting to the Future</a:t>
+            </a:r>
+          </a:p>
+        </p:txBody>
+      </p:sp>
+      <p:pic>
+        <p:nvPicPr>
+          <p:cNvPr id="4" name="Picture 3">
+            <a:extLst>
+              <a:ext uri="{FF2B5EF4-FFF2-40B4-BE49-F238E27FC236}">
+                <a16:creationId xmlns:a16="http://schemas.microsoft.com/office/drawing/2014/main" id="{054BF4C7-775E-4255-ACE9-AE6E19FCBAAB}"/>
+              </a:ext>
+            </a:extLst>
+          </p:cNvPr>
+          <p:cNvPicPr>
+            <a:picLocks noChangeAspect="1"/>
+          </p:cNvPicPr>
+          <p:nvPr/>
+        </p:nvPicPr>
+        <p:blipFill>
+          <a:blip r:embed="rId2"/>
+          <a:stretch>
+            <a:fillRect/>
+          </a:stretch>
+        </p:blipFill>
+        <p:spPr>
+          <a:xfrm>
+            <a:off x="279920" y="1017800"/>
+            <a:ext cx="4910129" cy="2097256"/>
+          </a:xfrm>
+          <a:prstGeom prst="rect">
+            <a:avLst/>
+          </a:prstGeom>
+        </p:spPr>
+      </p:pic>
+      <p:sp>
+        <p:nvSpPr>
+          <p:cNvPr id="5" name="TextBox 4">
+            <a:extLst>
+              <a:ext uri="{FF2B5EF4-FFF2-40B4-BE49-F238E27FC236}">
+                <a16:creationId xmlns:a16="http://schemas.microsoft.com/office/drawing/2014/main" id="{75FB102D-2DCE-4EE4-809B-7CE02746B4AE}"/>
+              </a:ext>
+            </a:extLst>
+          </p:cNvPr>
           <p:cNvSpPr txBox="1"/>
           <p:nvPr/>
         </p:nvSpPr>
         <p:spPr>
           <a:xfrm>
-            <a:off x="550300" y="729975"/>
-            <a:ext cx="7861200" cy="800400"/>
+            <a:off x="5483352" y="1069848"/>
+            <a:ext cx="3236976" cy="2031325"/>
           </a:xfrm>
           <a:prstGeom prst="rect">
             <a:avLst/>
           </a:prstGeom>
           <a:noFill/>
-          <a:ln>
-            <a:noFill/>
-          </a:ln>
         </p:spPr>
         <p:txBody>
-          <a:bodyPr anchorCtr="0" anchor="t" bIns="91425" lIns="91425" spcFirstLastPara="1" rIns="91425" wrap="square" tIns="91425">
+          <a:bodyPr wrap="square" rtlCol="0">
             <a:spAutoFit/>
           </a:bodyPr>
           <a:lstStyle/>
           <a:p>
-            <a:pPr indent="0" lvl="0" marL="0" rtl="0" algn="l">
-              <a:spcBef>
-                <a:spcPts val="0"/>
-              </a:spcBef>
-              <a:spcAft>
-                <a:spcPts val="0"/>
-              </a:spcAft>
-              <a:buNone/>
-            </a:pPr>
             <a:r>
-              <a:rPr lang="en" sz="4000">
-                <a:solidFill>
-                  <a:schemeClr val="dk1"/>
-                </a:solidFill>
-                <a:latin typeface="Roboto"/>
-                <a:ea typeface="Roboto"/>
-                <a:cs typeface="Roboto"/>
-                <a:sym typeface="Roboto"/>
-              </a:rPr>
-              <a:t>Discussion</a:t>
+              <a:rPr lang="en-US" b="1" dirty="0"/>
+              <a:t>We noticed the correlation between home values and rents was nearly 1 (0.98472). Since we were unable to run a Monte Carlo Simulation we used the assumption of a perfect correlation of 1, coupled with the projected home values 1 year from today (ZHVF), and calculated projected rents and ROI.</a:t>
             </a:r>
-            <a:endParaRPr sz="2400">
-              <a:latin typeface="Roboto"/>
-              <a:ea typeface="Roboto"/>
-              <a:cs typeface="Roboto"/>
-              <a:sym typeface="Roboto"/>
-            </a:endParaRPr>
           </a:p>
         </p:txBody>
       </p:sp>
+      <p:pic>
+        <p:nvPicPr>
+          <p:cNvPr id="7" name="Picture 6">
+            <a:extLst>
+              <a:ext uri="{FF2B5EF4-FFF2-40B4-BE49-F238E27FC236}">
+                <a16:creationId xmlns:a16="http://schemas.microsoft.com/office/drawing/2014/main" id="{76301273-A5D6-40E4-B483-89D42E1A9201}"/>
+              </a:ext>
+            </a:extLst>
+          </p:cNvPr>
+          <p:cNvPicPr>
+            <a:picLocks noChangeAspect="1"/>
+          </p:cNvPicPr>
+          <p:nvPr/>
+        </p:nvPicPr>
+        <p:blipFill>
+          <a:blip r:embed="rId3"/>
+          <a:stretch>
+            <a:fillRect/>
+          </a:stretch>
+        </p:blipFill>
+        <p:spPr>
+          <a:xfrm>
+            <a:off x="4422648" y="3167104"/>
+            <a:ext cx="4611280" cy="1869928"/>
+          </a:xfrm>
+          <a:prstGeom prst="rect">
+            <a:avLst/>
+          </a:prstGeom>
+        </p:spPr>
+      </p:pic>
       <p:sp>
         <p:nvSpPr>
-          <p:cNvPr id="124" name="Google Shape;124;p17"/>
+          <p:cNvPr id="8" name="TextBox 7">
+            <a:extLst>
+              <a:ext uri="{FF2B5EF4-FFF2-40B4-BE49-F238E27FC236}">
+                <a16:creationId xmlns:a16="http://schemas.microsoft.com/office/drawing/2014/main" id="{C9412AB7-3E03-4883-959B-6F3D7B5DDD31}"/>
+              </a:ext>
+            </a:extLst>
+          </p:cNvPr>
           <p:cNvSpPr txBox="1"/>
           <p:nvPr/>
         </p:nvSpPr>
         <p:spPr>
           <a:xfrm>
-            <a:off x="774900" y="1583475"/>
-            <a:ext cx="134700" cy="400200"/>
+            <a:off x="557784" y="3511296"/>
+            <a:ext cx="3444240" cy="1169551"/>
           </a:xfrm>
           <a:prstGeom prst="rect">
             <a:avLst/>
           </a:prstGeom>
           <a:noFill/>
-          <a:ln>
-            <a:noFill/>
-          </a:ln>
         </p:spPr>
         <p:txBody>
-          <a:bodyPr anchorCtr="0" anchor="t" bIns="91425" lIns="91425" spcFirstLastPara="1" rIns="91425" wrap="square" tIns="91425">
+          <a:bodyPr wrap="square" rtlCol="0">
             <a:spAutoFit/>
           </a:bodyPr>
           <a:lstStyle/>
           <a:p>
-            <a:pPr indent="0" lvl="0" marL="0" rtl="0" algn="l">
-              <a:spcBef>
-                <a:spcPts val="0"/>
-              </a:spcBef>
-              <a:spcAft>
-                <a:spcPts val="0"/>
-              </a:spcAft>
-              <a:buNone/>
-            </a:pPr>
             <a:r>
-              <a:t/>
+              <a:rPr lang="en-US" b="1" dirty="0"/>
+              <a:t>Using forecasted percent change and the assumed correlation of 1, projected values were calculated for rents. With projected home values and rents, ROI was able to be calculated.</a:t>
             </a:r>
-            <a:endParaRPr>
-              <a:latin typeface="Roboto"/>
-              <a:ea typeface="Roboto"/>
-              <a:cs typeface="Roboto"/>
-              <a:sym typeface="Roboto"/>
-            </a:endParaRPr>
-          </a:p>
-        </p:txBody>
-      </p:sp>
-      <p:sp>
-        <p:nvSpPr>
-          <p:cNvPr id="125" name="Google Shape;125;p17"/>
-          <p:cNvSpPr txBox="1"/>
-          <p:nvPr/>
-        </p:nvSpPr>
-        <p:spPr>
-          <a:xfrm>
-            <a:off x="669450" y="1583475"/>
-            <a:ext cx="7805100" cy="492600"/>
-          </a:xfrm>
-          <a:prstGeom prst="rect">
-            <a:avLst/>
-          </a:prstGeom>
-          <a:noFill/>
-          <a:ln>
-            <a:noFill/>
-          </a:ln>
-        </p:spPr>
-        <p:txBody>
-          <a:bodyPr anchorCtr="0" anchor="t" bIns="91425" lIns="91425" spcFirstLastPara="1" rIns="91425" wrap="square" tIns="91425">
-            <a:spAutoFit/>
-          </a:bodyPr>
-          <a:lstStyle/>
-          <a:p>
-            <a:pPr indent="0" lvl="0" marL="0" rtl="0" algn="l">
-              <a:spcBef>
-                <a:spcPts val="0"/>
-              </a:spcBef>
-              <a:spcAft>
-                <a:spcPts val="0"/>
-              </a:spcAft>
-              <a:buNone/>
-            </a:pPr>
-            <a:r>
-              <a:rPr lang="en" sz="2000">
-                <a:solidFill>
-                  <a:schemeClr val="dk1"/>
-                </a:solidFill>
-                <a:latin typeface="Roboto"/>
-                <a:ea typeface="Roboto"/>
-                <a:cs typeface="Roboto"/>
-                <a:sym typeface="Roboto"/>
-              </a:rPr>
-              <a:t>And the data says….</a:t>
-            </a:r>
-            <a:endParaRPr sz="100">
-              <a:latin typeface="Roboto"/>
-              <a:ea typeface="Roboto"/>
-              <a:cs typeface="Roboto"/>
-              <a:sym typeface="Roboto"/>
-            </a:endParaRPr>
           </a:p>
         </p:txBody>
       </p:sp>
     </p:spTree>
+    <p:extLst>
+      <p:ext uri="{BB962C8B-B14F-4D97-AF65-F5344CB8AC3E}">
+        <p14:creationId xmlns:p14="http://schemas.microsoft.com/office/powerpoint/2010/main" val="384472689"/>
+      </p:ext>
+    </p:extLst>
   </p:cSld>
   <p:clrMapOvr>
     <a:masterClrMapping/>
@@ -9702,12 +11356,12 @@
 </p:sld>
 </file>
 
-<file path=ppt/slides/slide6.xml><?xml version="1.0" encoding="utf-8"?>
-<p:sld xmlns:a="http://schemas.openxmlformats.org/drawingml/2006/main" xmlns:r="http://schemas.openxmlformats.org/officeDocument/2006/relationships" xmlns:mc="http://schemas.openxmlformats.org/markup-compatibility/2006" xmlns:mv="urn:schemas-microsoft-com:mac:vml" xmlns:p="http://schemas.openxmlformats.org/presentationml/2006/main" xmlns:c="http://schemas.openxmlformats.org/drawingml/2006/chart" xmlns:dgm="http://schemas.openxmlformats.org/drawingml/2006/diagram" xmlns:o="urn:schemas-microsoft-com:office:office" xmlns:v="urn:schemas-microsoft-com:vml" xmlns:pvml="urn:schemas-microsoft-com:office:powerpoint" xmlns:com="http://schemas.openxmlformats.org/drawingml/2006/compatibility" xmlns:p14="http://schemas.microsoft.com/office/powerpoint/2010/main" xmlns:p15="http://schemas.microsoft.com/office/powerpoint/2012/main" xmlns:ahyp="http://schemas.microsoft.com/office/drawing/2018/hyperlinkcolor">
+<file path=ppt/slides/slide8.xml><?xml version="1.0" encoding="utf-8"?>
+<p:sld xmlns:a="http://schemas.openxmlformats.org/drawingml/2006/main" xmlns:r="http://schemas.openxmlformats.org/officeDocument/2006/relationships" xmlns:p="http://schemas.openxmlformats.org/presentationml/2006/main">
   <p:cSld>
     <p:spTree>
       <p:nvGrpSpPr>
-        <p:cNvPr id="129" name="Shape 129"/>
+        <p:cNvPr id="1" name=""/>
         <p:cNvGrpSpPr/>
         <p:nvPr/>
       </p:nvGrpSpPr>
@@ -9721,335 +11375,193 @@
       </p:grpSpPr>
       <p:sp>
         <p:nvSpPr>
-          <p:cNvPr id="130" name="Google Shape;130;p18"/>
-          <p:cNvSpPr txBox="1"/>
+          <p:cNvPr id="2" name="Title 1">
+            <a:extLst>
+              <a:ext uri="{FF2B5EF4-FFF2-40B4-BE49-F238E27FC236}">
+                <a16:creationId xmlns:a16="http://schemas.microsoft.com/office/drawing/2014/main" id="{169D2347-AA03-4694-87B5-D13F44859A61}"/>
+              </a:ext>
+            </a:extLst>
+          </p:cNvPr>
+          <p:cNvSpPr>
+            <a:spLocks noGrp="1"/>
+          </p:cNvSpPr>
           <p:nvPr>
             <p:ph type="title"/>
           </p:nvPr>
         </p:nvSpPr>
+        <p:spPr/>
+        <p:txBody>
+          <a:bodyPr/>
+          <a:lstStyle/>
+          <a:p>
+            <a:r>
+              <a:rPr lang="en-US" dirty="0"/>
+              <a:t>How does ROI look in the Future?</a:t>
+            </a:r>
+          </a:p>
+        </p:txBody>
+      </p:sp>
+      <p:pic>
+        <p:nvPicPr>
+          <p:cNvPr id="4" name="Picture 3">
+            <a:extLst>
+              <a:ext uri="{FF2B5EF4-FFF2-40B4-BE49-F238E27FC236}">
+                <a16:creationId xmlns:a16="http://schemas.microsoft.com/office/drawing/2014/main" id="{C5327D10-18BE-4AE8-805B-83B7E4E2F2F4}"/>
+              </a:ext>
+            </a:extLst>
+          </p:cNvPr>
+          <p:cNvPicPr>
+            <a:picLocks noChangeAspect="1"/>
+          </p:cNvPicPr>
+          <p:nvPr/>
+        </p:nvPicPr>
+        <p:blipFill>
+          <a:blip r:embed="rId2"/>
+          <a:stretch>
+            <a:fillRect/>
+          </a:stretch>
+        </p:blipFill>
         <p:spPr>
           <a:xfrm>
-            <a:off x="265500" y="1151100"/>
-            <a:ext cx="4045200" cy="1564500"/>
+            <a:off x="278172" y="1017800"/>
+            <a:ext cx="5586295" cy="3170382"/>
           </a:xfrm>
           <a:prstGeom prst="rect">
             <a:avLst/>
           </a:prstGeom>
         </p:spPr>
-        <p:txBody>
-          <a:bodyPr anchorCtr="0" anchor="b" bIns="91425" lIns="91425" spcFirstLastPara="1" rIns="91425" wrap="square" tIns="91425">
-            <a:noAutofit/>
-          </a:bodyPr>
-          <a:lstStyle/>
-          <a:p>
-            <a:pPr indent="0" lvl="0" marL="0" rtl="0" algn="ctr">
-              <a:spcBef>
-                <a:spcPts val="0"/>
-              </a:spcBef>
-              <a:spcAft>
-                <a:spcPts val="0"/>
-              </a:spcAft>
-              <a:buNone/>
-            </a:pPr>
-            <a:r>
-              <a:rPr lang="en"/>
-              <a:t>Postmortem</a:t>
-            </a:r>
-            <a:endParaRPr/>
-          </a:p>
-        </p:txBody>
-      </p:sp>
+      </p:pic>
       <p:sp>
         <p:nvSpPr>
-          <p:cNvPr id="131" name="Google Shape;131;p18"/>
-          <p:cNvSpPr txBox="1"/>
-          <p:nvPr>
-            <p:ph idx="1" type="subTitle"/>
-          </p:nvPr>
-        </p:nvSpPr>
-        <p:spPr>
-          <a:xfrm>
-            <a:off x="265500" y="2769001"/>
-            <a:ext cx="4045200" cy="1269300"/>
-          </a:xfrm>
-          <a:prstGeom prst="rect">
-            <a:avLst/>
-          </a:prstGeom>
-        </p:spPr>
-        <p:txBody>
-          <a:bodyPr anchorCtr="0" anchor="t" bIns="91425" lIns="91425" spcFirstLastPara="1" rIns="91425" wrap="square" tIns="91425">
-            <a:noAutofit/>
-          </a:bodyPr>
-          <a:lstStyle/>
-          <a:p>
-            <a:pPr indent="0" lvl="0" marL="0" rtl="0" algn="ctr">
-              <a:spcBef>
-                <a:spcPts val="0"/>
-              </a:spcBef>
-              <a:spcAft>
-                <a:spcPts val="0"/>
-              </a:spcAft>
-              <a:buNone/>
-            </a:pPr>
-            <a:r>
-              <a:rPr lang="en"/>
-              <a:t>Coulda, Woulda, Shoulda</a:t>
-            </a:r>
-            <a:endParaRPr/>
-          </a:p>
-        </p:txBody>
-      </p:sp>
-      <p:sp>
-        <p:nvSpPr>
-          <p:cNvPr id="132" name="Google Shape;132;p18"/>
+          <p:cNvPr id="5" name="TextBox 4">
+            <a:extLst>
+              <a:ext uri="{FF2B5EF4-FFF2-40B4-BE49-F238E27FC236}">
+                <a16:creationId xmlns:a16="http://schemas.microsoft.com/office/drawing/2014/main" id="{53E06BAD-8F3F-4BF9-A521-877354976A74}"/>
+              </a:ext>
+            </a:extLst>
+          </p:cNvPr>
           <p:cNvSpPr txBox="1"/>
           <p:nvPr/>
         </p:nvSpPr>
         <p:spPr>
           <a:xfrm>
-            <a:off x="7301425" y="1808075"/>
-            <a:ext cx="20700" cy="400200"/>
+            <a:off x="6144768" y="1441704"/>
+            <a:ext cx="2721060" cy="2154436"/>
           </a:xfrm>
           <a:prstGeom prst="rect">
             <a:avLst/>
           </a:prstGeom>
           <a:noFill/>
-          <a:ln>
-            <a:noFill/>
-          </a:ln>
         </p:spPr>
         <p:txBody>
-          <a:bodyPr anchorCtr="0" anchor="t" bIns="91425" lIns="91425" spcFirstLastPara="1" rIns="91425" wrap="square" tIns="91425">
+          <a:bodyPr wrap="square" rtlCol="0">
             <a:spAutoFit/>
           </a:bodyPr>
           <a:lstStyle/>
           <a:p>
-            <a:pPr indent="0" lvl="0" marL="0" rtl="0" algn="l">
-              <a:spcBef>
-                <a:spcPts val="0"/>
-              </a:spcBef>
-              <a:spcAft>
-                <a:spcPts val="0"/>
-              </a:spcAft>
-              <a:buNone/>
+            <a:pPr marL="342900" indent="-342900">
+              <a:buAutoNum type="arabicPeriod"/>
             </a:pPr>
             <a:r>
-              <a:t/>
+              <a:rPr lang="en-US" sz="1200" b="1" dirty="0"/>
+              <a:t>New York City, NY (11.97%)</a:t>
             </a:r>
-            <a:endParaRPr>
-              <a:latin typeface="Roboto"/>
-              <a:ea typeface="Roboto"/>
-              <a:cs typeface="Roboto"/>
-              <a:sym typeface="Roboto"/>
-            </a:endParaRPr>
-          </a:p>
-        </p:txBody>
-      </p:sp>
-      <p:sp>
-        <p:nvSpPr>
-          <p:cNvPr id="133" name="Google Shape;133;p18"/>
-          <p:cNvSpPr txBox="1"/>
-          <p:nvPr/>
-        </p:nvSpPr>
-        <p:spPr>
-          <a:xfrm>
-            <a:off x="5087325" y="426750"/>
-            <a:ext cx="3616200" cy="3140100"/>
-          </a:xfrm>
-          <a:prstGeom prst="rect">
-            <a:avLst/>
-          </a:prstGeom>
-          <a:noFill/>
-          <a:ln>
-            <a:noFill/>
-          </a:ln>
-        </p:spPr>
-        <p:txBody>
-          <a:bodyPr anchorCtr="0" anchor="t" bIns="91425" lIns="91425" spcFirstLastPara="1" rIns="91425" wrap="square" tIns="91425">
-            <a:spAutoFit/>
-          </a:bodyPr>
-          <a:lstStyle/>
-          <a:p>
-            <a:pPr indent="0" lvl="0" marL="0" rtl="0" algn="l">
-              <a:spcBef>
-                <a:spcPts val="0"/>
-              </a:spcBef>
-              <a:spcAft>
-                <a:spcPts val="0"/>
-              </a:spcAft>
-              <a:buNone/>
+          </a:p>
+          <a:p>
+            <a:pPr marL="342900" indent="-342900">
+              <a:buAutoNum type="arabicPeriod"/>
             </a:pPr>
             <a:r>
-              <a:rPr lang="en" sz="1600">
-                <a:latin typeface="Roboto"/>
-                <a:ea typeface="Roboto"/>
-                <a:cs typeface="Roboto"/>
-                <a:sym typeface="Roboto"/>
-              </a:rPr>
-              <a:t>Additional Follow-ups</a:t>
+              <a:rPr lang="en-US" sz="1200" dirty="0"/>
+              <a:t>Jackson, MS (9.19%)</a:t>
             </a:r>
-            <a:endParaRPr sz="1600">
-              <a:latin typeface="Roboto"/>
-              <a:ea typeface="Roboto"/>
-              <a:cs typeface="Roboto"/>
-              <a:sym typeface="Roboto"/>
-            </a:endParaRPr>
-          </a:p>
-          <a:p>
-            <a:pPr indent="0" lvl="0" marL="0" rtl="0" algn="l">
-              <a:spcBef>
-                <a:spcPts val="0"/>
-              </a:spcBef>
-              <a:spcAft>
-                <a:spcPts val="0"/>
-              </a:spcAft>
-              <a:buNone/>
+          </a:p>
+          <a:p>
+            <a:pPr marL="342900" indent="-342900">
+              <a:buAutoNum type="arabicPeriod"/>
             </a:pPr>
             <a:r>
-              <a:t/>
+              <a:rPr lang="en-US" sz="1200" dirty="0"/>
+              <a:t>Winston-Salem, NC (9.19%)</a:t>
             </a:r>
-            <a:endParaRPr sz="1600">
-              <a:latin typeface="Roboto"/>
-              <a:ea typeface="Roboto"/>
-              <a:cs typeface="Roboto"/>
-              <a:sym typeface="Roboto"/>
-            </a:endParaRPr>
-          </a:p>
-          <a:p>
-            <a:pPr indent="-330200" lvl="0" marL="457200" rtl="0" algn="l">
-              <a:spcBef>
-                <a:spcPts val="0"/>
-              </a:spcBef>
-              <a:spcAft>
-                <a:spcPts val="0"/>
-              </a:spcAft>
-              <a:buSzPts val="1600"/>
-              <a:buFont typeface="Roboto"/>
-              <a:buChar char="●"/>
+          </a:p>
+          <a:p>
+            <a:pPr marL="342900" indent="-342900">
+              <a:buAutoNum type="arabicPeriod"/>
             </a:pPr>
             <a:r>
-              <a:rPr lang="en" sz="1600">
-                <a:latin typeface="Roboto"/>
-                <a:ea typeface="Roboto"/>
-                <a:cs typeface="Roboto"/>
-                <a:sym typeface="Roboto"/>
-              </a:rPr>
-              <a:t>Inflated ROI -to expand on this project and take it to the next level we could focus on expenses (property taxes , insurance , maintenance)</a:t>
+              <a:rPr lang="en-US" sz="1200" dirty="0"/>
+              <a:t>Syracuse, NY (9.01%)</a:t>
             </a:r>
-            <a:endParaRPr sz="1600">
-              <a:latin typeface="Roboto"/>
-              <a:ea typeface="Roboto"/>
-              <a:cs typeface="Roboto"/>
-              <a:sym typeface="Roboto"/>
-            </a:endParaRPr>
-          </a:p>
-          <a:p>
-            <a:pPr indent="0" lvl="0" marL="0" rtl="0" algn="l">
-              <a:spcBef>
-                <a:spcPts val="0"/>
-              </a:spcBef>
-              <a:spcAft>
-                <a:spcPts val="0"/>
-              </a:spcAft>
-              <a:buNone/>
+          </a:p>
+          <a:p>
+            <a:pPr marL="342900" indent="-342900">
+              <a:buAutoNum type="arabicPeriod"/>
             </a:pPr>
             <a:r>
-              <a:t/>
+              <a:rPr lang="en-US" sz="1200" dirty="0"/>
+              <a:t>Toledo, OH (8.69%)</a:t>
             </a:r>
-            <a:endParaRPr sz="1600">
-              <a:latin typeface="Roboto"/>
-              <a:ea typeface="Roboto"/>
-              <a:cs typeface="Roboto"/>
-              <a:sym typeface="Roboto"/>
-            </a:endParaRPr>
-          </a:p>
-          <a:p>
-            <a:pPr indent="0" lvl="0" marL="0" rtl="0" algn="l">
-              <a:spcBef>
-                <a:spcPts val="0"/>
-              </a:spcBef>
-              <a:spcAft>
-                <a:spcPts val="0"/>
-              </a:spcAft>
-              <a:buNone/>
+          </a:p>
+          <a:p>
+            <a:pPr marL="342900" indent="-342900">
+              <a:buAutoNum type="arabicPeriod"/>
             </a:pPr>
             <a:r>
-              <a:t/>
+              <a:rPr lang="en-US" sz="1200" dirty="0"/>
+              <a:t>Memphis, TN (8.59%)</a:t>
             </a:r>
-            <a:endParaRPr sz="1600">
-              <a:latin typeface="Roboto"/>
-              <a:ea typeface="Roboto"/>
-              <a:cs typeface="Roboto"/>
-              <a:sym typeface="Roboto"/>
-            </a:endParaRPr>
-          </a:p>
-          <a:p>
-            <a:pPr indent="-330200" lvl="0" marL="457200" rtl="0" algn="l">
-              <a:spcBef>
-                <a:spcPts val="0"/>
-              </a:spcBef>
-              <a:spcAft>
-                <a:spcPts val="0"/>
-              </a:spcAft>
-              <a:buSzPts val="1600"/>
-              <a:buFont typeface="Roboto"/>
-              <a:buChar char="●"/>
+          </a:p>
+          <a:p>
+            <a:pPr marL="342900" indent="-342900">
+              <a:buAutoNum type="arabicPeriod"/>
             </a:pPr>
             <a:r>
-              <a:rPr lang="en" sz="1600">
-                <a:latin typeface="Roboto"/>
-                <a:ea typeface="Roboto"/>
-                <a:cs typeface="Roboto"/>
-                <a:sym typeface="Roboto"/>
-              </a:rPr>
-              <a:t>Diversify portfolio- </a:t>
+              <a:rPr lang="en-US" sz="1200" dirty="0"/>
+              <a:t>Scranton, PA (8.59%)</a:t>
             </a:r>
+          </a:p>
+          <a:p>
+            <a:pPr marL="342900" indent="-342900">
+              <a:buAutoNum type="arabicPeriod"/>
+            </a:pPr>
             <a:r>
-              <a:rPr lang="en" sz="1600">
-                <a:latin typeface="Roboto"/>
-                <a:ea typeface="Roboto"/>
-                <a:cs typeface="Roboto"/>
-                <a:sym typeface="Roboto"/>
-              </a:rPr>
-              <a:t>Rental</a:t>
+              <a:rPr lang="en-US" sz="1200" dirty="0"/>
+              <a:t>El Paso, TX (8.42%)</a:t>
             </a:r>
+          </a:p>
+          <a:p>
+            <a:pPr marL="342900" indent="-342900">
+              <a:buAutoNum type="arabicPeriod"/>
+            </a:pPr>
             <a:r>
-              <a:rPr lang="en" sz="1600">
-                <a:latin typeface="Roboto"/>
-                <a:ea typeface="Roboto"/>
-                <a:cs typeface="Roboto"/>
-                <a:sym typeface="Roboto"/>
-              </a:rPr>
-              <a:t> property, stocks, </a:t>
+              <a:rPr lang="en-US" sz="1200" dirty="0"/>
+              <a:t>Greensboro, NC (8.34%)</a:t>
             </a:r>
+          </a:p>
+          <a:p>
+            <a:pPr marL="342900" indent="-342900">
+              <a:buAutoNum type="arabicPeriod"/>
+            </a:pPr>
             <a:r>
-              <a:rPr lang="en" sz="1600">
-                <a:latin typeface="Roboto"/>
-                <a:ea typeface="Roboto"/>
-                <a:cs typeface="Roboto"/>
-                <a:sym typeface="Roboto"/>
-              </a:rPr>
-              <a:t>crypto</a:t>
+              <a:rPr lang="en-US" sz="1200" dirty="0"/>
+              <a:t>Dayton, OH (8.03%)</a:t>
             </a:r>
-            <a:r>
-              <a:rPr lang="en" sz="1600">
-                <a:latin typeface="Roboto"/>
-                <a:ea typeface="Roboto"/>
-                <a:cs typeface="Roboto"/>
-                <a:sym typeface="Roboto"/>
-              </a:rPr>
-              <a:t> -Monte carlo simulation</a:t>
-            </a:r>
-            <a:endParaRPr sz="1600">
-              <a:latin typeface="Roboto"/>
-              <a:ea typeface="Roboto"/>
-              <a:cs typeface="Roboto"/>
-              <a:sym typeface="Roboto"/>
-            </a:endParaRPr>
+          </a:p>
+          <a:p>
+            <a:pPr marL="342900" indent="-342900">
+              <a:buAutoNum type="arabicPeriod"/>
+            </a:pPr>
+            <a:endParaRPr lang="en-US" dirty="0"/>
           </a:p>
         </p:txBody>
       </p:sp>
     </p:spTree>
+    <p:extLst>
+      <p:ext uri="{BB962C8B-B14F-4D97-AF65-F5344CB8AC3E}">
+        <p14:creationId xmlns:p14="http://schemas.microsoft.com/office/powerpoint/2010/main" val="843405105"/>
+      </p:ext>
+    </p:extLst>
   </p:cSld>
   <p:clrMapOvr>
     <a:masterClrMapping/>
@@ -10057,12 +11569,12 @@
 </p:sld>
 </file>
 
-<file path=ppt/slides/slide7.xml><?xml version="1.0" encoding="utf-8"?>
-<p:sld xmlns:a="http://schemas.openxmlformats.org/drawingml/2006/main" xmlns:r="http://schemas.openxmlformats.org/officeDocument/2006/relationships" xmlns:mc="http://schemas.openxmlformats.org/markup-compatibility/2006" xmlns:mv="urn:schemas-microsoft-com:mac:vml" xmlns:p="http://schemas.openxmlformats.org/presentationml/2006/main" xmlns:c="http://schemas.openxmlformats.org/drawingml/2006/chart" xmlns:dgm="http://schemas.openxmlformats.org/drawingml/2006/diagram" xmlns:o="urn:schemas-microsoft-com:office:office" xmlns:v="urn:schemas-microsoft-com:vml" xmlns:pvml="urn:schemas-microsoft-com:office:powerpoint" xmlns:com="http://schemas.openxmlformats.org/drawingml/2006/compatibility" xmlns:p14="http://schemas.microsoft.com/office/powerpoint/2010/main" xmlns:p15="http://schemas.microsoft.com/office/powerpoint/2012/main" xmlns:ahyp="http://schemas.microsoft.com/office/drawing/2018/hyperlinkcolor">
+<file path=ppt/slides/slide9.xml><?xml version="1.0" encoding="utf-8"?>
+<p:sld xmlns:a="http://schemas.openxmlformats.org/drawingml/2006/main" xmlns:r="http://schemas.openxmlformats.org/officeDocument/2006/relationships" xmlns:p="http://schemas.openxmlformats.org/presentationml/2006/main">
   <p:cSld>
     <p:spTree>
       <p:nvGrpSpPr>
-        <p:cNvPr id="137" name="Shape 137"/>
+        <p:cNvPr id="1" name=""/>
         <p:cNvGrpSpPr/>
         <p:nvPr/>
       </p:nvGrpSpPr>
@@ -10076,45 +11588,35 @@
       </p:grpSpPr>
       <p:sp>
         <p:nvSpPr>
-          <p:cNvPr id="138" name="Google Shape;138;p19"/>
-          <p:cNvSpPr txBox="1"/>
+          <p:cNvPr id="2" name="Title 1">
+            <a:extLst>
+              <a:ext uri="{FF2B5EF4-FFF2-40B4-BE49-F238E27FC236}">
+                <a16:creationId xmlns:a16="http://schemas.microsoft.com/office/drawing/2014/main" id="{1940799E-E10B-4371-A84E-99FB96C03AC7}"/>
+              </a:ext>
+            </a:extLst>
+          </p:cNvPr>
+          <p:cNvSpPr>
+            <a:spLocks noGrp="1"/>
+          </p:cNvSpPr>
           <p:nvPr>
             <p:ph type="title"/>
           </p:nvPr>
         </p:nvSpPr>
-        <p:spPr>
-          <a:xfrm>
-            <a:off x="365375" y="1276900"/>
-            <a:ext cx="4045200" cy="1564500"/>
-          </a:xfrm>
-          <a:prstGeom prst="rect">
-            <a:avLst/>
-          </a:prstGeom>
-        </p:spPr>
+        <p:spPr/>
         <p:txBody>
-          <a:bodyPr anchorCtr="0" anchor="b" bIns="91425" lIns="91425" spcFirstLastPara="1" rIns="91425" wrap="square" tIns="91425">
-            <a:noAutofit/>
-          </a:bodyPr>
+          <a:bodyPr/>
           <a:lstStyle/>
           <a:p>
-            <a:pPr indent="0" lvl="0" marL="0" rtl="0" algn="ctr">
-              <a:spcBef>
-                <a:spcPts val="0"/>
-              </a:spcBef>
-              <a:spcAft>
-                <a:spcPts val="0"/>
-              </a:spcAft>
-              <a:buNone/>
-            </a:pPr>
-            <a:r>
-              <a:rPr lang="en"/>
-              <a:t>Q&amp;A</a:t>
-            </a:r>
-            <a:endParaRPr/>
+            <a:endParaRPr lang="en-US"/>
           </a:p>
         </p:txBody>
       </p:sp>
     </p:spTree>
+    <p:extLst>
+      <p:ext uri="{BB962C8B-B14F-4D97-AF65-F5344CB8AC3E}">
+        <p14:creationId xmlns:p14="http://schemas.microsoft.com/office/powerpoint/2010/main" val="3275884785"/>
+      </p:ext>
+    </p:extLst>
   </p:cSld>
   <p:clrMapOvr>
     <a:masterClrMapping/>
@@ -10123,7 +11625,288 @@
 </file>
 
 <file path=ppt/theme/theme1.xml><?xml version="1.0" encoding="utf-8"?>
-<a:theme xmlns:a="http://schemas.openxmlformats.org/drawingml/2006/main" xmlns:r="http://schemas.openxmlformats.org/officeDocument/2006/relationships">
+<a:theme xmlns:a="http://schemas.openxmlformats.org/drawingml/2006/main" name="Geometric">
+  <a:themeElements>
+    <a:clrScheme name="Geometric">
+      <a:dk1>
+        <a:srgbClr val="2A3990"/>
+      </a:dk1>
+      <a:lt1>
+        <a:srgbClr val="FFFFFF"/>
+      </a:lt1>
+      <a:dk2>
+        <a:srgbClr val="434343"/>
+      </a:dk2>
+      <a:lt2>
+        <a:srgbClr val="999999"/>
+      </a:lt2>
+      <a:accent1>
+        <a:srgbClr val="212D74"/>
+      </a:accent1>
+      <a:accent2>
+        <a:srgbClr val="3949AB"/>
+      </a:accent2>
+      <a:accent3>
+        <a:srgbClr val="9C254D"/>
+      </a:accent3>
+      <a:accent4>
+        <a:srgbClr val="D23369"/>
+      </a:accent4>
+      <a:accent5>
+        <a:srgbClr val="F06292"/>
+      </a:accent5>
+      <a:accent6>
+        <a:srgbClr val="7890CD"/>
+      </a:accent6>
+      <a:hlink>
+        <a:srgbClr val="F06292"/>
+      </a:hlink>
+      <a:folHlink>
+        <a:srgbClr val="F06292"/>
+      </a:folHlink>
+    </a:clrScheme>
+    <a:fontScheme name="Office">
+      <a:majorFont>
+        <a:latin typeface="Arial"/>
+        <a:ea typeface=""/>
+        <a:cs typeface=""/>
+        <a:font script="Jpan" typeface="ＭＳ Ｐゴシック"/>
+        <a:font script="Hang" typeface="맑은 고딕"/>
+        <a:font script="Hans" typeface="宋体"/>
+        <a:font script="Hant" typeface="新細明體"/>
+        <a:font script="Arab" typeface="Times New Roman"/>
+        <a:font script="Hebr" typeface="Times New Roman"/>
+        <a:font script="Thai" typeface="Angsana New"/>
+        <a:font script="Ethi" typeface="Nyala"/>
+        <a:font script="Beng" typeface="Vrinda"/>
+        <a:font script="Gujr" typeface="Shruti"/>
+        <a:font script="Khmr" typeface="MoolBoran"/>
+        <a:font script="Knda" typeface="Tunga"/>
+        <a:font script="Guru" typeface="Raavi"/>
+        <a:font script="Cans" typeface="Euphemia"/>
+        <a:font script="Cher" typeface="Plantagenet Cherokee"/>
+        <a:font script="Yiii" typeface="Microsoft Yi Baiti"/>
+        <a:font script="Tibt" typeface="Microsoft Himalaya"/>
+        <a:font script="Thaa" typeface="MV Boli"/>
+        <a:font script="Deva" typeface="Mangal"/>
+        <a:font script="Telu" typeface="Gautami"/>
+        <a:font script="Taml" typeface="Latha"/>
+        <a:font script="Syrc" typeface="Estrangelo Edessa"/>
+        <a:font script="Orya" typeface="Kalinga"/>
+        <a:font script="Mlym" typeface="Kartika"/>
+        <a:font script="Laoo" typeface="DokChampa"/>
+        <a:font script="Sinh" typeface="Iskoola Pota"/>
+        <a:font script="Mong" typeface="Mongolian Baiti"/>
+        <a:font script="Viet" typeface="Times New Roman"/>
+        <a:font script="Uigh" typeface="Microsoft Uighur"/>
+        <a:font script="Geor" typeface="Sylfaen"/>
+      </a:majorFont>
+      <a:minorFont>
+        <a:latin typeface="Arial"/>
+        <a:ea typeface=""/>
+        <a:cs typeface=""/>
+        <a:font script="Jpan" typeface="ＭＳ Ｐゴシック"/>
+        <a:font script="Hang" typeface="맑은 고딕"/>
+        <a:font script="Hans" typeface="宋体"/>
+        <a:font script="Hant" typeface="新細明體"/>
+        <a:font script="Arab" typeface="Arial"/>
+        <a:font script="Hebr" typeface="Arial"/>
+        <a:font script="Thai" typeface="Cordia New"/>
+        <a:font script="Ethi" typeface="Nyala"/>
+        <a:font script="Beng" typeface="Vrinda"/>
+        <a:font script="Gujr" typeface="Shruti"/>
+        <a:font script="Khmr" typeface="DaunPenh"/>
+        <a:font script="Knda" typeface="Tunga"/>
+        <a:font script="Guru" typeface="Raavi"/>
+        <a:font script="Cans" typeface="Euphemia"/>
+        <a:font script="Cher" typeface="Plantagenet Cherokee"/>
+        <a:font script="Yiii" typeface="Microsoft Yi Baiti"/>
+        <a:font script="Tibt" typeface="Microsoft Himalaya"/>
+        <a:font script="Thaa" typeface="MV Boli"/>
+        <a:font script="Deva" typeface="Mangal"/>
+        <a:font script="Telu" typeface="Gautami"/>
+        <a:font script="Taml" typeface="Latha"/>
+        <a:font script="Syrc" typeface="Estrangelo Edessa"/>
+        <a:font script="Orya" typeface="Kalinga"/>
+        <a:font script="Mlym" typeface="Kartika"/>
+        <a:font script="Laoo" typeface="DokChampa"/>
+        <a:font script="Sinh" typeface="Iskoola Pota"/>
+        <a:font script="Mong" typeface="Mongolian Baiti"/>
+        <a:font script="Viet" typeface="Arial"/>
+        <a:font script="Uigh" typeface="Microsoft Uighur"/>
+        <a:font script="Geor" typeface="Sylfaen"/>
+      </a:minorFont>
+    </a:fontScheme>
+    <a:fmtScheme name="Office">
+      <a:fillStyleLst>
+        <a:solidFill>
+          <a:schemeClr val="phClr"/>
+        </a:solidFill>
+        <a:gradFill rotWithShape="1">
+          <a:gsLst>
+            <a:gs pos="0">
+              <a:schemeClr val="phClr">
+                <a:tint val="50000"/>
+                <a:satMod val="300000"/>
+              </a:schemeClr>
+            </a:gs>
+            <a:gs pos="35000">
+              <a:schemeClr val="phClr">
+                <a:tint val="37000"/>
+                <a:satMod val="300000"/>
+              </a:schemeClr>
+            </a:gs>
+            <a:gs pos="100000">
+              <a:schemeClr val="phClr">
+                <a:tint val="15000"/>
+                <a:satMod val="350000"/>
+              </a:schemeClr>
+            </a:gs>
+          </a:gsLst>
+          <a:lin ang="16200000" scaled="1"/>
+        </a:gradFill>
+        <a:gradFill rotWithShape="1">
+          <a:gsLst>
+            <a:gs pos="0">
+              <a:schemeClr val="phClr">
+                <a:tint val="100000"/>
+                <a:shade val="100000"/>
+                <a:satMod val="130000"/>
+              </a:schemeClr>
+            </a:gs>
+            <a:gs pos="100000">
+              <a:schemeClr val="phClr">
+                <a:tint val="50000"/>
+                <a:shade val="100000"/>
+                <a:satMod val="350000"/>
+              </a:schemeClr>
+            </a:gs>
+          </a:gsLst>
+          <a:lin ang="16200000" scaled="0"/>
+        </a:gradFill>
+      </a:fillStyleLst>
+      <a:lnStyleLst>
+        <a:ln w="9525" cap="flat" cmpd="sng" algn="ctr">
+          <a:solidFill>
+            <a:schemeClr val="phClr">
+              <a:shade val="95000"/>
+              <a:satMod val="105000"/>
+            </a:schemeClr>
+          </a:solidFill>
+          <a:prstDash val="solid"/>
+        </a:ln>
+        <a:ln w="25400" cap="flat" cmpd="sng" algn="ctr">
+          <a:solidFill>
+            <a:schemeClr val="phClr"/>
+          </a:solidFill>
+          <a:prstDash val="solid"/>
+        </a:ln>
+        <a:ln w="38100" cap="flat" cmpd="sng" algn="ctr">
+          <a:solidFill>
+            <a:schemeClr val="phClr"/>
+          </a:solidFill>
+          <a:prstDash val="solid"/>
+        </a:ln>
+      </a:lnStyleLst>
+      <a:effectStyleLst>
+        <a:effectStyle>
+          <a:effectLst>
+            <a:outerShdw blurRad="40000" dist="20000" dir="5400000" rotWithShape="0">
+              <a:srgbClr val="000000">
+                <a:alpha val="38000"/>
+              </a:srgbClr>
+            </a:outerShdw>
+          </a:effectLst>
+        </a:effectStyle>
+        <a:effectStyle>
+          <a:effectLst>
+            <a:outerShdw blurRad="40000" dist="23000" dir="5400000" rotWithShape="0">
+              <a:srgbClr val="000000">
+                <a:alpha val="35000"/>
+              </a:srgbClr>
+            </a:outerShdw>
+          </a:effectLst>
+        </a:effectStyle>
+        <a:effectStyle>
+          <a:effectLst>
+            <a:outerShdw blurRad="40000" dist="23000" dir="5400000" rotWithShape="0">
+              <a:srgbClr val="000000">
+                <a:alpha val="35000"/>
+              </a:srgbClr>
+            </a:outerShdw>
+          </a:effectLst>
+          <a:scene3d>
+            <a:camera prst="orthographicFront">
+              <a:rot lat="0" lon="0" rev="0"/>
+            </a:camera>
+            <a:lightRig rig="threePt" dir="t">
+              <a:rot lat="0" lon="0" rev="1200000"/>
+            </a:lightRig>
+          </a:scene3d>
+          <a:sp3d>
+            <a:bevelT w="63500" h="25400"/>
+          </a:sp3d>
+        </a:effectStyle>
+      </a:effectStyleLst>
+      <a:bgFillStyleLst>
+        <a:solidFill>
+          <a:schemeClr val="phClr"/>
+        </a:solidFill>
+        <a:gradFill rotWithShape="1">
+          <a:gsLst>
+            <a:gs pos="0">
+              <a:schemeClr val="phClr">
+                <a:tint val="40000"/>
+                <a:satMod val="350000"/>
+              </a:schemeClr>
+            </a:gs>
+            <a:gs pos="40000">
+              <a:schemeClr val="phClr">
+                <a:tint val="45000"/>
+                <a:shade val="99000"/>
+                <a:satMod val="350000"/>
+              </a:schemeClr>
+            </a:gs>
+            <a:gs pos="100000">
+              <a:schemeClr val="phClr">
+                <a:shade val="20000"/>
+                <a:satMod val="255000"/>
+              </a:schemeClr>
+            </a:gs>
+          </a:gsLst>
+          <a:path path="circle">
+            <a:fillToRect l="50000" t="-80000" r="50000" b="180000"/>
+          </a:path>
+        </a:gradFill>
+        <a:gradFill rotWithShape="1">
+          <a:gsLst>
+            <a:gs pos="0">
+              <a:schemeClr val="phClr">
+                <a:tint val="80000"/>
+                <a:satMod val="300000"/>
+              </a:schemeClr>
+            </a:gs>
+            <a:gs pos="100000">
+              <a:schemeClr val="phClr">
+                <a:shade val="30000"/>
+                <a:satMod val="200000"/>
+              </a:schemeClr>
+            </a:gs>
+          </a:gsLst>
+          <a:path path="circle">
+            <a:fillToRect l="50000" t="50000" r="50000" b="50000"/>
+          </a:path>
+        </a:gradFill>
+      </a:bgFillStyleLst>
+    </a:fmtScheme>
+  </a:themeElements>
+  <a:objectDefaults/>
+  <a:extraClrSchemeLst/>
+</a:theme>
+</file>
+
+<file path=ppt/theme/theme2.xml><?xml version="1.0" encoding="utf-8"?>
+<a:theme xmlns:a="http://schemas.openxmlformats.org/drawingml/2006/main">
   <a:themeElements>
     <a:clrScheme name="Default">
       <a:dk1>
@@ -10398,284 +12181,7 @@
       </a:bgFillStyleLst>
     </a:fmtScheme>
   </a:themeElements>
-</a:theme>
-</file>
-
-<file path=ppt/theme/theme2.xml><?xml version="1.0" encoding="utf-8"?>
-<a:theme xmlns:a="http://schemas.openxmlformats.org/drawingml/2006/main" xmlns:r="http://schemas.openxmlformats.org/officeDocument/2006/relationships" name="Geometric">
-  <a:themeElements>
-    <a:clrScheme name="Geometric">
-      <a:dk1>
-        <a:srgbClr val="2A3990"/>
-      </a:dk1>
-      <a:lt1>
-        <a:srgbClr val="FFFFFF"/>
-      </a:lt1>
-      <a:dk2>
-        <a:srgbClr val="434343"/>
-      </a:dk2>
-      <a:lt2>
-        <a:srgbClr val="999999"/>
-      </a:lt2>
-      <a:accent1>
-        <a:srgbClr val="212D74"/>
-      </a:accent1>
-      <a:accent2>
-        <a:srgbClr val="3949AB"/>
-      </a:accent2>
-      <a:accent3>
-        <a:srgbClr val="9C254D"/>
-      </a:accent3>
-      <a:accent4>
-        <a:srgbClr val="D23369"/>
-      </a:accent4>
-      <a:accent5>
-        <a:srgbClr val="F06292"/>
-      </a:accent5>
-      <a:accent6>
-        <a:srgbClr val="7890CD"/>
-      </a:accent6>
-      <a:hlink>
-        <a:srgbClr val="F06292"/>
-      </a:hlink>
-      <a:folHlink>
-        <a:srgbClr val="F06292"/>
-      </a:folHlink>
-    </a:clrScheme>
-    <a:fontScheme name="Office">
-      <a:majorFont>
-        <a:latin typeface="Arial"/>
-        <a:ea typeface=""/>
-        <a:cs typeface=""/>
-        <a:font script="Jpan" typeface="ＭＳ Ｐゴシック"/>
-        <a:font script="Hang" typeface="맑은 고딕"/>
-        <a:font script="Hans" typeface="宋体"/>
-        <a:font script="Hant" typeface="新細明體"/>
-        <a:font script="Arab" typeface="Times New Roman"/>
-        <a:font script="Hebr" typeface="Times New Roman"/>
-        <a:font script="Thai" typeface="Angsana New"/>
-        <a:font script="Ethi" typeface="Nyala"/>
-        <a:font script="Beng" typeface="Vrinda"/>
-        <a:font script="Gujr" typeface="Shruti"/>
-        <a:font script="Khmr" typeface="MoolBoran"/>
-        <a:font script="Knda" typeface="Tunga"/>
-        <a:font script="Guru" typeface="Raavi"/>
-        <a:font script="Cans" typeface="Euphemia"/>
-        <a:font script="Cher" typeface="Plantagenet Cherokee"/>
-        <a:font script="Yiii" typeface="Microsoft Yi Baiti"/>
-        <a:font script="Tibt" typeface="Microsoft Himalaya"/>
-        <a:font script="Thaa" typeface="MV Boli"/>
-        <a:font script="Deva" typeface="Mangal"/>
-        <a:font script="Telu" typeface="Gautami"/>
-        <a:font script="Taml" typeface="Latha"/>
-        <a:font script="Syrc" typeface="Estrangelo Edessa"/>
-        <a:font script="Orya" typeface="Kalinga"/>
-        <a:font script="Mlym" typeface="Kartika"/>
-        <a:font script="Laoo" typeface="DokChampa"/>
-        <a:font script="Sinh" typeface="Iskoola Pota"/>
-        <a:font script="Mong" typeface="Mongolian Baiti"/>
-        <a:font script="Viet" typeface="Times New Roman"/>
-        <a:font script="Uigh" typeface="Microsoft Uighur"/>
-        <a:font script="Geor" typeface="Sylfaen"/>
-      </a:majorFont>
-      <a:minorFont>
-        <a:latin typeface="Arial"/>
-        <a:ea typeface=""/>
-        <a:cs typeface=""/>
-        <a:font script="Jpan" typeface="ＭＳ Ｐゴシック"/>
-        <a:font script="Hang" typeface="맑은 고딕"/>
-        <a:font script="Hans" typeface="宋体"/>
-        <a:font script="Hant" typeface="新細明體"/>
-        <a:font script="Arab" typeface="Arial"/>
-        <a:font script="Hebr" typeface="Arial"/>
-        <a:font script="Thai" typeface="Cordia New"/>
-        <a:font script="Ethi" typeface="Nyala"/>
-        <a:font script="Beng" typeface="Vrinda"/>
-        <a:font script="Gujr" typeface="Shruti"/>
-        <a:font script="Khmr" typeface="DaunPenh"/>
-        <a:font script="Knda" typeface="Tunga"/>
-        <a:font script="Guru" typeface="Raavi"/>
-        <a:font script="Cans" typeface="Euphemia"/>
-        <a:font script="Cher" typeface="Plantagenet Cherokee"/>
-        <a:font script="Yiii" typeface="Microsoft Yi Baiti"/>
-        <a:font script="Tibt" typeface="Microsoft Himalaya"/>
-        <a:font script="Thaa" typeface="MV Boli"/>
-        <a:font script="Deva" typeface="Mangal"/>
-        <a:font script="Telu" typeface="Gautami"/>
-        <a:font script="Taml" typeface="Latha"/>
-        <a:font script="Syrc" typeface="Estrangelo Edessa"/>
-        <a:font script="Orya" typeface="Kalinga"/>
-        <a:font script="Mlym" typeface="Kartika"/>
-        <a:font script="Laoo" typeface="DokChampa"/>
-        <a:font script="Sinh" typeface="Iskoola Pota"/>
-        <a:font script="Mong" typeface="Mongolian Baiti"/>
-        <a:font script="Viet" typeface="Arial"/>
-        <a:font script="Uigh" typeface="Microsoft Uighur"/>
-        <a:font script="Geor" typeface="Sylfaen"/>
-      </a:minorFont>
-    </a:fontScheme>
-    <a:fmtScheme name="Office">
-      <a:fillStyleLst>
-        <a:solidFill>
-          <a:schemeClr val="phClr"/>
-        </a:solidFill>
-        <a:gradFill rotWithShape="1">
-          <a:gsLst>
-            <a:gs pos="0">
-              <a:schemeClr val="phClr">
-                <a:tint val="50000"/>
-                <a:satMod val="300000"/>
-              </a:schemeClr>
-            </a:gs>
-            <a:gs pos="35000">
-              <a:schemeClr val="phClr">
-                <a:tint val="37000"/>
-                <a:satMod val="300000"/>
-              </a:schemeClr>
-            </a:gs>
-            <a:gs pos="100000">
-              <a:schemeClr val="phClr">
-                <a:tint val="15000"/>
-                <a:satMod val="350000"/>
-              </a:schemeClr>
-            </a:gs>
-          </a:gsLst>
-          <a:lin ang="16200000" scaled="1"/>
-        </a:gradFill>
-        <a:gradFill rotWithShape="1">
-          <a:gsLst>
-            <a:gs pos="0">
-              <a:schemeClr val="phClr">
-                <a:tint val="100000"/>
-                <a:shade val="100000"/>
-                <a:satMod val="130000"/>
-              </a:schemeClr>
-            </a:gs>
-            <a:gs pos="100000">
-              <a:schemeClr val="phClr">
-                <a:tint val="50000"/>
-                <a:shade val="100000"/>
-                <a:satMod val="350000"/>
-              </a:schemeClr>
-            </a:gs>
-          </a:gsLst>
-          <a:lin ang="16200000" scaled="0"/>
-        </a:gradFill>
-      </a:fillStyleLst>
-      <a:lnStyleLst>
-        <a:ln w="9525" cap="flat" cmpd="sng" algn="ctr">
-          <a:solidFill>
-            <a:schemeClr val="phClr">
-              <a:shade val="95000"/>
-              <a:satMod val="105000"/>
-            </a:schemeClr>
-          </a:solidFill>
-          <a:prstDash val="solid"/>
-        </a:ln>
-        <a:ln w="25400" cap="flat" cmpd="sng" algn="ctr">
-          <a:solidFill>
-            <a:schemeClr val="phClr"/>
-          </a:solidFill>
-          <a:prstDash val="solid"/>
-        </a:ln>
-        <a:ln w="38100" cap="flat" cmpd="sng" algn="ctr">
-          <a:solidFill>
-            <a:schemeClr val="phClr"/>
-          </a:solidFill>
-          <a:prstDash val="solid"/>
-        </a:ln>
-      </a:lnStyleLst>
-      <a:effectStyleLst>
-        <a:effectStyle>
-          <a:effectLst>
-            <a:outerShdw blurRad="40000" dist="20000" dir="5400000" rotWithShape="0">
-              <a:srgbClr val="000000">
-                <a:alpha val="38000"/>
-              </a:srgbClr>
-            </a:outerShdw>
-          </a:effectLst>
-        </a:effectStyle>
-        <a:effectStyle>
-          <a:effectLst>
-            <a:outerShdw blurRad="40000" dist="23000" dir="5400000" rotWithShape="0">
-              <a:srgbClr val="000000">
-                <a:alpha val="35000"/>
-              </a:srgbClr>
-            </a:outerShdw>
-          </a:effectLst>
-        </a:effectStyle>
-        <a:effectStyle>
-          <a:effectLst>
-            <a:outerShdw blurRad="40000" dist="23000" dir="5400000" rotWithShape="0">
-              <a:srgbClr val="000000">
-                <a:alpha val="35000"/>
-              </a:srgbClr>
-            </a:outerShdw>
-          </a:effectLst>
-          <a:scene3d>
-            <a:camera prst="orthographicFront">
-              <a:rot lat="0" lon="0" rev="0"/>
-            </a:camera>
-            <a:lightRig rig="threePt" dir="t">
-              <a:rot lat="0" lon="0" rev="1200000"/>
-            </a:lightRig>
-          </a:scene3d>
-          <a:sp3d>
-            <a:bevelT w="63500" h="25400"/>
-          </a:sp3d>
-        </a:effectStyle>
-      </a:effectStyleLst>
-      <a:bgFillStyleLst>
-        <a:solidFill>
-          <a:schemeClr val="phClr"/>
-        </a:solidFill>
-        <a:gradFill rotWithShape="1">
-          <a:gsLst>
-            <a:gs pos="0">
-              <a:schemeClr val="phClr">
-                <a:tint val="40000"/>
-                <a:satMod val="350000"/>
-              </a:schemeClr>
-            </a:gs>
-            <a:gs pos="40000">
-              <a:schemeClr val="phClr">
-                <a:tint val="45000"/>
-                <a:shade val="99000"/>
-                <a:satMod val="350000"/>
-              </a:schemeClr>
-            </a:gs>
-            <a:gs pos="100000">
-              <a:schemeClr val="phClr">
-                <a:shade val="20000"/>
-                <a:satMod val="255000"/>
-              </a:schemeClr>
-            </a:gs>
-          </a:gsLst>
-          <a:path path="circle">
-            <a:fillToRect l="50000" t="-80000" r="50000" b="180000"/>
-          </a:path>
-        </a:gradFill>
-        <a:gradFill rotWithShape="1">
-          <a:gsLst>
-            <a:gs pos="0">
-              <a:schemeClr val="phClr">
-                <a:tint val="80000"/>
-                <a:satMod val="300000"/>
-              </a:schemeClr>
-            </a:gs>
-            <a:gs pos="100000">
-              <a:schemeClr val="phClr">
-                <a:shade val="30000"/>
-                <a:satMod val="200000"/>
-              </a:schemeClr>
-            </a:gs>
-          </a:gsLst>
-          <a:path path="circle">
-            <a:fillToRect l="50000" t="50000" r="50000" b="50000"/>
-          </a:path>
-        </a:gradFill>
-      </a:bgFillStyleLst>
-    </a:fmtScheme>
-  </a:themeElements>
+  <a:objectDefaults/>
+  <a:extraClrSchemeLst/>
 </a:theme>
 </file>